--- a/lectures/1_intro_cs.pptx
+++ b/lectures/1_intro_cs.pptx
@@ -5,7 +5,7 @@
     <p:sldMasterId id="2147483660" r:id="rId1"/>
   </p:sldMasterIdLst>
   <p:notesMasterIdLst>
-    <p:notesMasterId r:id="rId28"/>
+    <p:notesMasterId r:id="rId34"/>
   </p:notesMasterIdLst>
   <p:sldIdLst>
     <p:sldId id="258" r:id="rId2"/>
@@ -25,15 +25,21 @@
     <p:sldId id="269" r:id="rId16"/>
     <p:sldId id="278" r:id="rId17"/>
     <p:sldId id="279" r:id="rId18"/>
-    <p:sldId id="277" r:id="rId19"/>
-    <p:sldId id="281" r:id="rId20"/>
-    <p:sldId id="280" r:id="rId21"/>
-    <p:sldId id="282" r:id="rId22"/>
-    <p:sldId id="272" r:id="rId23"/>
-    <p:sldId id="276" r:id="rId24"/>
-    <p:sldId id="270" r:id="rId25"/>
-    <p:sldId id="271" r:id="rId26"/>
-    <p:sldId id="273" r:id="rId27"/>
+    <p:sldId id="283" r:id="rId19"/>
+    <p:sldId id="277" r:id="rId20"/>
+    <p:sldId id="281" r:id="rId21"/>
+    <p:sldId id="272" r:id="rId22"/>
+    <p:sldId id="284" r:id="rId23"/>
+    <p:sldId id="285" r:id="rId24"/>
+    <p:sldId id="286" r:id="rId25"/>
+    <p:sldId id="287" r:id="rId26"/>
+    <p:sldId id="288" r:id="rId27"/>
+    <p:sldId id="289" r:id="rId28"/>
+    <p:sldId id="290" r:id="rId29"/>
+    <p:sldId id="291" r:id="rId30"/>
+    <p:sldId id="292" r:id="rId31"/>
+    <p:sldId id="293" r:id="rId32"/>
+    <p:sldId id="294" r:id="rId33"/>
   </p:sldIdLst>
   <p:sldSz cx="12192000" cy="6858000"/>
   <p:notesSz cx="6858000" cy="9144000"/>
@@ -222,7 +228,7 @@
           <a:p>
             <a:fld id="{15ACD993-6E7C-44B6-876B-3BCBA61CF0FC}" type="datetimeFigureOut">
               <a:rPr lang="en-GB" smtClean="0"/>
-              <a:t>18/08/2019</a:t>
+              <a:t>28/08/2019</a:t>
             </a:fld>
             <a:endParaRPr lang="en-GB"/>
           </a:p>
@@ -574,6 +580,705 @@
 </p:notes>
 </file>
 
+<file path=ppt/notesSlides/notesSlide10.xml><?xml version="1.0" encoding="utf-8"?>
+<p:notes xmlns:a="http://schemas.openxmlformats.org/drawingml/2006/main" xmlns:r="http://schemas.openxmlformats.org/officeDocument/2006/relationships" xmlns:p="http://schemas.openxmlformats.org/presentationml/2006/main">
+  <p:cSld>
+    <p:spTree>
+      <p:nvGrpSpPr>
+        <p:cNvPr id="1" name=""/>
+        <p:cNvGrpSpPr/>
+        <p:nvPr/>
+      </p:nvGrpSpPr>
+      <p:grpSpPr>
+        <a:xfrm>
+          <a:off x="0" y="0"/>
+          <a:ext cx="0" cy="0"/>
+          <a:chOff x="0" y="0"/>
+          <a:chExt cx="0" cy="0"/>
+        </a:xfrm>
+      </p:grpSpPr>
+      <p:sp>
+        <p:nvSpPr>
+          <p:cNvPr id="2" name="Slide Image Placeholder 1"/>
+          <p:cNvSpPr>
+            <a:spLocks noGrp="1" noRot="1" noChangeAspect="1"/>
+          </p:cNvSpPr>
+          <p:nvPr>
+            <p:ph type="sldImg"/>
+          </p:nvPr>
+        </p:nvSpPr>
+        <p:spPr/>
+      </p:sp>
+      <p:sp>
+        <p:nvSpPr>
+          <p:cNvPr id="3" name="Notes Placeholder 2"/>
+          <p:cNvSpPr>
+            <a:spLocks noGrp="1"/>
+          </p:cNvSpPr>
+          <p:nvPr>
+            <p:ph type="body" idx="1"/>
+          </p:nvPr>
+        </p:nvSpPr>
+        <p:spPr/>
+        <p:txBody>
+          <a:bodyPr/>
+          <a:lstStyle/>
+          <a:p>
+            <a:r>
+              <a:rPr lang="en-GB" dirty="0"/>
+              <a:t>A</a:t>
+            </a:r>
+            <a:r>
+              <a:rPr lang="en-GB" baseline="0" dirty="0"/>
+              <a:t> variable is the location of where a value is stored. So for the computer the variable represent a physical address in the memory, in which the value (that we associate with the variable) is stored.</a:t>
+            </a:r>
+            <a:endParaRPr lang="en-GB" dirty="0"/>
+          </a:p>
+        </p:txBody>
+      </p:sp>
+      <p:sp>
+        <p:nvSpPr>
+          <p:cNvPr id="4" name="Slide Number Placeholder 3"/>
+          <p:cNvSpPr>
+            <a:spLocks noGrp="1"/>
+          </p:cNvSpPr>
+          <p:nvPr>
+            <p:ph type="sldNum" sz="quarter" idx="10"/>
+          </p:nvPr>
+        </p:nvSpPr>
+        <p:spPr/>
+        <p:txBody>
+          <a:bodyPr/>
+          <a:lstStyle/>
+          <a:p>
+            <a:pPr marL="0" marR="0" lvl="0" indent="0" algn="r" defTabSz="914400" rtl="0" eaLnBrk="1" fontAlgn="auto" latinLnBrk="0" hangingPunct="1">
+              <a:lnSpc>
+                <a:spcPct val="100000"/>
+              </a:lnSpc>
+              <a:spcBef>
+                <a:spcPts val="0"/>
+              </a:spcBef>
+              <a:spcAft>
+                <a:spcPts val="0"/>
+              </a:spcAft>
+              <a:buClrTx/>
+              <a:buSzTx/>
+              <a:buFontTx/>
+              <a:buNone/>
+              <a:tabLst/>
+              <a:defRPr/>
+            </a:pPr>
+            <a:fld id="{A3F91DA7-A2FE-4AC1-BC85-FA3BBFBC227B}" type="slidenum">
+              <a:rPr kumimoji="0" lang="en-GB" sz="1200" b="0" i="0" u="none" strike="noStrike" kern="1200" cap="none" spc="0" normalizeH="0" baseline="0" noProof="0" smtClean="0">
+                <a:ln>
+                  <a:noFill/>
+                </a:ln>
+                <a:solidFill>
+                  <a:prstClr val="black"/>
+                </a:solidFill>
+                <a:effectLst/>
+                <a:uLnTx/>
+                <a:uFillTx/>
+                <a:latin typeface="Calibri" panose="020F0502020204030204"/>
+                <a:ea typeface="+mn-ea"/>
+                <a:cs typeface="+mn-cs"/>
+              </a:rPr>
+              <a:pPr marL="0" marR="0" lvl="0" indent="0" algn="r" defTabSz="914400" rtl="0" eaLnBrk="1" fontAlgn="auto" latinLnBrk="0" hangingPunct="1">
+                <a:lnSpc>
+                  <a:spcPct val="100000"/>
+                </a:lnSpc>
+                <a:spcBef>
+                  <a:spcPts val="0"/>
+                </a:spcBef>
+                <a:spcAft>
+                  <a:spcPts val="0"/>
+                </a:spcAft>
+                <a:buClrTx/>
+                <a:buSzTx/>
+                <a:buFontTx/>
+                <a:buNone/>
+                <a:tabLst/>
+                <a:defRPr/>
+              </a:pPr>
+              <a:t>26</a:t>
+            </a:fld>
+            <a:endParaRPr kumimoji="0" lang="en-GB" sz="1200" b="0" i="0" u="none" strike="noStrike" kern="1200" cap="none" spc="0" normalizeH="0" baseline="0" noProof="0">
+              <a:ln>
+                <a:noFill/>
+              </a:ln>
+              <a:solidFill>
+                <a:prstClr val="black"/>
+              </a:solidFill>
+              <a:effectLst/>
+              <a:uLnTx/>
+              <a:uFillTx/>
+              <a:latin typeface="Calibri" panose="020F0502020204030204"/>
+              <a:ea typeface="+mn-ea"/>
+              <a:cs typeface="+mn-cs"/>
+            </a:endParaRPr>
+          </a:p>
+        </p:txBody>
+      </p:sp>
+    </p:spTree>
+    <p:extLst>
+      <p:ext uri="{BB962C8B-B14F-4D97-AF65-F5344CB8AC3E}">
+        <p14:creationId xmlns:p14="http://schemas.microsoft.com/office/powerpoint/2010/main" val="2274758496"/>
+      </p:ext>
+    </p:extLst>
+  </p:cSld>
+  <p:clrMapOvr>
+    <a:masterClrMapping/>
+  </p:clrMapOvr>
+</p:notes>
+</file>
+
+<file path=ppt/notesSlides/notesSlide11.xml><?xml version="1.0" encoding="utf-8"?>
+<p:notes xmlns:a="http://schemas.openxmlformats.org/drawingml/2006/main" xmlns:r="http://schemas.openxmlformats.org/officeDocument/2006/relationships" xmlns:p="http://schemas.openxmlformats.org/presentationml/2006/main">
+  <p:cSld>
+    <p:spTree>
+      <p:nvGrpSpPr>
+        <p:cNvPr id="1" name=""/>
+        <p:cNvGrpSpPr/>
+        <p:nvPr/>
+      </p:nvGrpSpPr>
+      <p:grpSpPr>
+        <a:xfrm>
+          <a:off x="0" y="0"/>
+          <a:ext cx="0" cy="0"/>
+          <a:chOff x="0" y="0"/>
+          <a:chExt cx="0" cy="0"/>
+        </a:xfrm>
+      </p:grpSpPr>
+      <p:sp>
+        <p:nvSpPr>
+          <p:cNvPr id="2" name="Slide Image Placeholder 1"/>
+          <p:cNvSpPr>
+            <a:spLocks noGrp="1" noRot="1" noChangeAspect="1"/>
+          </p:cNvSpPr>
+          <p:nvPr>
+            <p:ph type="sldImg"/>
+          </p:nvPr>
+        </p:nvSpPr>
+        <p:spPr/>
+      </p:sp>
+      <p:sp>
+        <p:nvSpPr>
+          <p:cNvPr id="3" name="Notes Placeholder 2"/>
+          <p:cNvSpPr>
+            <a:spLocks noGrp="1"/>
+          </p:cNvSpPr>
+          <p:nvPr>
+            <p:ph type="body" idx="1"/>
+          </p:nvPr>
+        </p:nvSpPr>
+        <p:spPr/>
+        <p:txBody>
+          <a:bodyPr/>
+          <a:lstStyle/>
+          <a:p>
+            <a:r>
+              <a:rPr lang="en-GB" dirty="0"/>
+              <a:t>The scope determines</a:t>
+            </a:r>
+            <a:r>
+              <a:rPr lang="en-GB" baseline="0" dirty="0"/>
+              <a:t> the lifetime of a variable; or another way to look at it, were the computer can read the variable. </a:t>
+            </a:r>
+            <a:r>
+              <a:rPr lang="en-GB" baseline="0" dirty="0" err="1"/>
+              <a:t>Matlab</a:t>
+            </a:r>
+            <a:r>
+              <a:rPr lang="en-GB" baseline="0" dirty="0"/>
+              <a:t> is an exception and will have its own slide. Scope is important for memory allocations, and it’s good to keep an eye on it.</a:t>
+            </a:r>
+            <a:endParaRPr lang="en-GB" dirty="0"/>
+          </a:p>
+        </p:txBody>
+      </p:sp>
+      <p:sp>
+        <p:nvSpPr>
+          <p:cNvPr id="4" name="Slide Number Placeholder 3"/>
+          <p:cNvSpPr>
+            <a:spLocks noGrp="1"/>
+          </p:cNvSpPr>
+          <p:nvPr>
+            <p:ph type="sldNum" sz="quarter" idx="10"/>
+          </p:nvPr>
+        </p:nvSpPr>
+        <p:spPr/>
+        <p:txBody>
+          <a:bodyPr/>
+          <a:lstStyle/>
+          <a:p>
+            <a:pPr marL="0" marR="0" lvl="0" indent="0" algn="r" defTabSz="914400" rtl="0" eaLnBrk="1" fontAlgn="auto" latinLnBrk="0" hangingPunct="1">
+              <a:lnSpc>
+                <a:spcPct val="100000"/>
+              </a:lnSpc>
+              <a:spcBef>
+                <a:spcPts val="0"/>
+              </a:spcBef>
+              <a:spcAft>
+                <a:spcPts val="0"/>
+              </a:spcAft>
+              <a:buClrTx/>
+              <a:buSzTx/>
+              <a:buFontTx/>
+              <a:buNone/>
+              <a:tabLst/>
+              <a:defRPr/>
+            </a:pPr>
+            <a:fld id="{A3F91DA7-A2FE-4AC1-BC85-FA3BBFBC227B}" type="slidenum">
+              <a:rPr kumimoji="0" lang="en-GB" sz="1200" b="0" i="0" u="none" strike="noStrike" kern="1200" cap="none" spc="0" normalizeH="0" baseline="0" noProof="0" smtClean="0">
+                <a:ln>
+                  <a:noFill/>
+                </a:ln>
+                <a:solidFill>
+                  <a:prstClr val="black"/>
+                </a:solidFill>
+                <a:effectLst/>
+                <a:uLnTx/>
+                <a:uFillTx/>
+                <a:latin typeface="Calibri" panose="020F0502020204030204"/>
+                <a:ea typeface="+mn-ea"/>
+                <a:cs typeface="+mn-cs"/>
+              </a:rPr>
+              <a:pPr marL="0" marR="0" lvl="0" indent="0" algn="r" defTabSz="914400" rtl="0" eaLnBrk="1" fontAlgn="auto" latinLnBrk="0" hangingPunct="1">
+                <a:lnSpc>
+                  <a:spcPct val="100000"/>
+                </a:lnSpc>
+                <a:spcBef>
+                  <a:spcPts val="0"/>
+                </a:spcBef>
+                <a:spcAft>
+                  <a:spcPts val="0"/>
+                </a:spcAft>
+                <a:buClrTx/>
+                <a:buSzTx/>
+                <a:buFontTx/>
+                <a:buNone/>
+                <a:tabLst/>
+                <a:defRPr/>
+              </a:pPr>
+              <a:t>27</a:t>
+            </a:fld>
+            <a:endParaRPr kumimoji="0" lang="en-GB" sz="1200" b="0" i="0" u="none" strike="noStrike" kern="1200" cap="none" spc="0" normalizeH="0" baseline="0" noProof="0">
+              <a:ln>
+                <a:noFill/>
+              </a:ln>
+              <a:solidFill>
+                <a:prstClr val="black"/>
+              </a:solidFill>
+              <a:effectLst/>
+              <a:uLnTx/>
+              <a:uFillTx/>
+              <a:latin typeface="Calibri" panose="020F0502020204030204"/>
+              <a:ea typeface="+mn-ea"/>
+              <a:cs typeface="+mn-cs"/>
+            </a:endParaRPr>
+          </a:p>
+        </p:txBody>
+      </p:sp>
+    </p:spTree>
+    <p:extLst>
+      <p:ext uri="{BB962C8B-B14F-4D97-AF65-F5344CB8AC3E}">
+        <p14:creationId xmlns:p14="http://schemas.microsoft.com/office/powerpoint/2010/main" val="2413034620"/>
+      </p:ext>
+    </p:extLst>
+  </p:cSld>
+  <p:clrMapOvr>
+    <a:masterClrMapping/>
+  </p:clrMapOvr>
+</p:notes>
+</file>
+
+<file path=ppt/notesSlides/notesSlide12.xml><?xml version="1.0" encoding="utf-8"?>
+<p:notes xmlns:a="http://schemas.openxmlformats.org/drawingml/2006/main" xmlns:r="http://schemas.openxmlformats.org/officeDocument/2006/relationships" xmlns:p="http://schemas.openxmlformats.org/presentationml/2006/main">
+  <p:cSld>
+    <p:spTree>
+      <p:nvGrpSpPr>
+        <p:cNvPr id="1" name=""/>
+        <p:cNvGrpSpPr/>
+        <p:nvPr/>
+      </p:nvGrpSpPr>
+      <p:grpSpPr>
+        <a:xfrm>
+          <a:off x="0" y="0"/>
+          <a:ext cx="0" cy="0"/>
+          <a:chOff x="0" y="0"/>
+          <a:chExt cx="0" cy="0"/>
+        </a:xfrm>
+      </p:grpSpPr>
+      <p:sp>
+        <p:nvSpPr>
+          <p:cNvPr id="2" name="Slide Image Placeholder 1"/>
+          <p:cNvSpPr>
+            <a:spLocks noGrp="1" noRot="1" noChangeAspect="1"/>
+          </p:cNvSpPr>
+          <p:nvPr>
+            <p:ph type="sldImg"/>
+          </p:nvPr>
+        </p:nvSpPr>
+        <p:spPr/>
+      </p:sp>
+      <p:sp>
+        <p:nvSpPr>
+          <p:cNvPr id="3" name="Notes Placeholder 2"/>
+          <p:cNvSpPr>
+            <a:spLocks noGrp="1"/>
+          </p:cNvSpPr>
+          <p:nvPr>
+            <p:ph type="body" idx="1"/>
+          </p:nvPr>
+        </p:nvSpPr>
+        <p:spPr/>
+        <p:txBody>
+          <a:bodyPr/>
+          <a:lstStyle/>
+          <a:p>
+            <a:r>
+              <a:rPr lang="en-GB" dirty="0"/>
+              <a:t>In</a:t>
+            </a:r>
+            <a:r>
+              <a:rPr lang="en-GB" baseline="0" dirty="0"/>
+              <a:t> this Java example, a for-loop is shown where the </a:t>
+            </a:r>
+            <a:r>
+              <a:rPr lang="en-GB" baseline="0" dirty="0" err="1"/>
+              <a:t>println</a:t>
+            </a:r>
+            <a:r>
+              <a:rPr lang="en-GB" baseline="0" dirty="0"/>
+              <a:t> displays the value of </a:t>
+            </a:r>
+            <a:r>
+              <a:rPr lang="en-GB" baseline="0" dirty="0" err="1"/>
+              <a:t>i</a:t>
+            </a:r>
+            <a:r>
+              <a:rPr lang="en-GB" baseline="0" dirty="0"/>
+              <a:t>. The question is what the output in each case is.</a:t>
+            </a:r>
+          </a:p>
+          <a:p>
+            <a:r>
+              <a:rPr lang="en-GB" baseline="0" dirty="0"/>
+              <a:t>For(</a:t>
+            </a:r>
+            <a:r>
+              <a:rPr lang="en-GB" baseline="0" dirty="0" err="1"/>
+              <a:t>int</a:t>
+            </a:r>
+            <a:r>
+              <a:rPr lang="en-GB" baseline="0" dirty="0"/>
+              <a:t> I = 0; I &lt; 10; </a:t>
+            </a:r>
+            <a:r>
+              <a:rPr lang="en-GB" baseline="0" dirty="0" err="1"/>
+              <a:t>i</a:t>
+            </a:r>
+            <a:r>
+              <a:rPr lang="en-GB" baseline="0" dirty="0"/>
+              <a:t>++) {</a:t>
+            </a:r>
+          </a:p>
+          <a:p>
+            <a:r>
+              <a:rPr lang="en-GB" baseline="0" dirty="0" err="1"/>
+              <a:t>System.out.println</a:t>
+            </a:r>
+            <a:r>
+              <a:rPr lang="en-GB" baseline="0" dirty="0"/>
+              <a:t>(</a:t>
+            </a:r>
+            <a:r>
+              <a:rPr lang="en-GB" baseline="0" dirty="0" err="1"/>
+              <a:t>i</a:t>
+            </a:r>
+            <a:r>
+              <a:rPr lang="en-GB" baseline="0" dirty="0"/>
+              <a:t>);</a:t>
+            </a:r>
+          </a:p>
+          <a:p>
+            <a:r>
+              <a:rPr lang="en-GB" baseline="0" dirty="0"/>
+              <a:t>}</a:t>
+            </a:r>
+          </a:p>
+          <a:p>
+            <a:endParaRPr lang="en-GB" baseline="0" dirty="0"/>
+          </a:p>
+          <a:p>
+            <a:r>
+              <a:rPr lang="en-GB" baseline="0" dirty="0" err="1"/>
+              <a:t>System.out.println</a:t>
+            </a:r>
+            <a:r>
+              <a:rPr lang="en-GB" baseline="0" dirty="0"/>
+              <a:t>(</a:t>
+            </a:r>
+            <a:r>
+              <a:rPr lang="en-GB" baseline="0" dirty="0" err="1"/>
+              <a:t>i</a:t>
+            </a:r>
+            <a:r>
+              <a:rPr lang="en-GB" baseline="0" dirty="0"/>
+              <a:t>);</a:t>
+            </a:r>
+            <a:endParaRPr lang="en-GB" dirty="0"/>
+          </a:p>
+        </p:txBody>
+      </p:sp>
+      <p:sp>
+        <p:nvSpPr>
+          <p:cNvPr id="4" name="Slide Number Placeholder 3"/>
+          <p:cNvSpPr>
+            <a:spLocks noGrp="1"/>
+          </p:cNvSpPr>
+          <p:nvPr>
+            <p:ph type="sldNum" sz="quarter" idx="10"/>
+          </p:nvPr>
+        </p:nvSpPr>
+        <p:spPr/>
+        <p:txBody>
+          <a:bodyPr/>
+          <a:lstStyle/>
+          <a:p>
+            <a:pPr marL="0" marR="0" lvl="0" indent="0" algn="r" defTabSz="914400" rtl="0" eaLnBrk="1" fontAlgn="auto" latinLnBrk="0" hangingPunct="1">
+              <a:lnSpc>
+                <a:spcPct val="100000"/>
+              </a:lnSpc>
+              <a:spcBef>
+                <a:spcPts val="0"/>
+              </a:spcBef>
+              <a:spcAft>
+                <a:spcPts val="0"/>
+              </a:spcAft>
+              <a:buClrTx/>
+              <a:buSzTx/>
+              <a:buFontTx/>
+              <a:buNone/>
+              <a:tabLst/>
+              <a:defRPr/>
+            </a:pPr>
+            <a:fld id="{A3F91DA7-A2FE-4AC1-BC85-FA3BBFBC227B}" type="slidenum">
+              <a:rPr kumimoji="0" lang="en-GB" sz="1200" b="0" i="0" u="none" strike="noStrike" kern="1200" cap="none" spc="0" normalizeH="0" baseline="0" noProof="0" smtClean="0">
+                <a:ln>
+                  <a:noFill/>
+                </a:ln>
+                <a:solidFill>
+                  <a:prstClr val="black"/>
+                </a:solidFill>
+                <a:effectLst/>
+                <a:uLnTx/>
+                <a:uFillTx/>
+                <a:latin typeface="Calibri" panose="020F0502020204030204"/>
+                <a:ea typeface="+mn-ea"/>
+                <a:cs typeface="+mn-cs"/>
+              </a:rPr>
+              <a:pPr marL="0" marR="0" lvl="0" indent="0" algn="r" defTabSz="914400" rtl="0" eaLnBrk="1" fontAlgn="auto" latinLnBrk="0" hangingPunct="1">
+                <a:lnSpc>
+                  <a:spcPct val="100000"/>
+                </a:lnSpc>
+                <a:spcBef>
+                  <a:spcPts val="0"/>
+                </a:spcBef>
+                <a:spcAft>
+                  <a:spcPts val="0"/>
+                </a:spcAft>
+                <a:buClrTx/>
+                <a:buSzTx/>
+                <a:buFontTx/>
+                <a:buNone/>
+                <a:tabLst/>
+                <a:defRPr/>
+              </a:pPr>
+              <a:t>28</a:t>
+            </a:fld>
+            <a:endParaRPr kumimoji="0" lang="en-GB" sz="1200" b="0" i="0" u="none" strike="noStrike" kern="1200" cap="none" spc="0" normalizeH="0" baseline="0" noProof="0">
+              <a:ln>
+                <a:noFill/>
+              </a:ln>
+              <a:solidFill>
+                <a:prstClr val="black"/>
+              </a:solidFill>
+              <a:effectLst/>
+              <a:uLnTx/>
+              <a:uFillTx/>
+              <a:latin typeface="Calibri" panose="020F0502020204030204"/>
+              <a:ea typeface="+mn-ea"/>
+              <a:cs typeface="+mn-cs"/>
+            </a:endParaRPr>
+          </a:p>
+        </p:txBody>
+      </p:sp>
+    </p:spTree>
+    <p:extLst>
+      <p:ext uri="{BB962C8B-B14F-4D97-AF65-F5344CB8AC3E}">
+        <p14:creationId xmlns:p14="http://schemas.microsoft.com/office/powerpoint/2010/main" val="1843006453"/>
+      </p:ext>
+    </p:extLst>
+  </p:cSld>
+  <p:clrMapOvr>
+    <a:masterClrMapping/>
+  </p:clrMapOvr>
+</p:notes>
+</file>
+
+<file path=ppt/notesSlides/notesSlide13.xml><?xml version="1.0" encoding="utf-8"?>
+<p:notes xmlns:a="http://schemas.openxmlformats.org/drawingml/2006/main" xmlns:r="http://schemas.openxmlformats.org/officeDocument/2006/relationships" xmlns:p="http://schemas.openxmlformats.org/presentationml/2006/main">
+  <p:cSld>
+    <p:spTree>
+      <p:nvGrpSpPr>
+        <p:cNvPr id="1" name=""/>
+        <p:cNvGrpSpPr/>
+        <p:nvPr/>
+      </p:nvGrpSpPr>
+      <p:grpSpPr>
+        <a:xfrm>
+          <a:off x="0" y="0"/>
+          <a:ext cx="0" cy="0"/>
+          <a:chOff x="0" y="0"/>
+          <a:chExt cx="0" cy="0"/>
+        </a:xfrm>
+      </p:grpSpPr>
+      <p:sp>
+        <p:nvSpPr>
+          <p:cNvPr id="2" name="Slide Image Placeholder 1"/>
+          <p:cNvSpPr>
+            <a:spLocks noGrp="1" noRot="1" noChangeAspect="1"/>
+          </p:cNvSpPr>
+          <p:nvPr>
+            <p:ph type="sldImg"/>
+          </p:nvPr>
+        </p:nvSpPr>
+        <p:spPr/>
+      </p:sp>
+      <p:sp>
+        <p:nvSpPr>
+          <p:cNvPr id="3" name="Notes Placeholder 2"/>
+          <p:cNvSpPr>
+            <a:spLocks noGrp="1"/>
+          </p:cNvSpPr>
+          <p:nvPr>
+            <p:ph type="body" idx="1"/>
+          </p:nvPr>
+        </p:nvSpPr>
+        <p:spPr/>
+        <p:txBody>
+          <a:bodyPr/>
+          <a:lstStyle/>
+          <a:p>
+            <a:r>
+              <a:rPr lang="en-GB" dirty="0"/>
+              <a:t>A</a:t>
+            </a:r>
+            <a:r>
+              <a:rPr lang="en-GB" baseline="0" dirty="0"/>
+              <a:t> variable is the location of where a value is stored. So for the computer the variable represent a physical address in the memory, in which the value (that we associate with the variable) is stored.</a:t>
+            </a:r>
+            <a:endParaRPr lang="en-GB" dirty="0"/>
+          </a:p>
+        </p:txBody>
+      </p:sp>
+      <p:sp>
+        <p:nvSpPr>
+          <p:cNvPr id="4" name="Slide Number Placeholder 3"/>
+          <p:cNvSpPr>
+            <a:spLocks noGrp="1"/>
+          </p:cNvSpPr>
+          <p:nvPr>
+            <p:ph type="sldNum" sz="quarter" idx="10"/>
+          </p:nvPr>
+        </p:nvSpPr>
+        <p:spPr/>
+        <p:txBody>
+          <a:bodyPr/>
+          <a:lstStyle/>
+          <a:p>
+            <a:pPr marL="0" marR="0" lvl="0" indent="0" algn="r" defTabSz="914400" rtl="0" eaLnBrk="1" fontAlgn="auto" latinLnBrk="0" hangingPunct="1">
+              <a:lnSpc>
+                <a:spcPct val="100000"/>
+              </a:lnSpc>
+              <a:spcBef>
+                <a:spcPts val="0"/>
+              </a:spcBef>
+              <a:spcAft>
+                <a:spcPts val="0"/>
+              </a:spcAft>
+              <a:buClrTx/>
+              <a:buSzTx/>
+              <a:buFontTx/>
+              <a:buNone/>
+              <a:tabLst/>
+              <a:defRPr/>
+            </a:pPr>
+            <a:fld id="{A3F91DA7-A2FE-4AC1-BC85-FA3BBFBC227B}" type="slidenum">
+              <a:rPr kumimoji="0" lang="en-GB" sz="1200" b="0" i="0" u="none" strike="noStrike" kern="1200" cap="none" spc="0" normalizeH="0" baseline="0" noProof="0" smtClean="0">
+                <a:ln>
+                  <a:noFill/>
+                </a:ln>
+                <a:solidFill>
+                  <a:prstClr val="black"/>
+                </a:solidFill>
+                <a:effectLst/>
+                <a:uLnTx/>
+                <a:uFillTx/>
+                <a:latin typeface="Calibri" panose="020F0502020204030204"/>
+                <a:ea typeface="+mn-ea"/>
+                <a:cs typeface="+mn-cs"/>
+              </a:rPr>
+              <a:pPr marL="0" marR="0" lvl="0" indent="0" algn="r" defTabSz="914400" rtl="0" eaLnBrk="1" fontAlgn="auto" latinLnBrk="0" hangingPunct="1">
+                <a:lnSpc>
+                  <a:spcPct val="100000"/>
+                </a:lnSpc>
+                <a:spcBef>
+                  <a:spcPts val="0"/>
+                </a:spcBef>
+                <a:spcAft>
+                  <a:spcPts val="0"/>
+                </a:spcAft>
+                <a:buClrTx/>
+                <a:buSzTx/>
+                <a:buFontTx/>
+                <a:buNone/>
+                <a:tabLst/>
+                <a:defRPr/>
+              </a:pPr>
+              <a:t>29</a:t>
+            </a:fld>
+            <a:endParaRPr kumimoji="0" lang="en-GB" sz="1200" b="0" i="0" u="none" strike="noStrike" kern="1200" cap="none" spc="0" normalizeH="0" baseline="0" noProof="0">
+              <a:ln>
+                <a:noFill/>
+              </a:ln>
+              <a:solidFill>
+                <a:prstClr val="black"/>
+              </a:solidFill>
+              <a:effectLst/>
+              <a:uLnTx/>
+              <a:uFillTx/>
+              <a:latin typeface="Calibri" panose="020F0502020204030204"/>
+              <a:ea typeface="+mn-ea"/>
+              <a:cs typeface="+mn-cs"/>
+            </a:endParaRPr>
+          </a:p>
+        </p:txBody>
+      </p:sp>
+    </p:spTree>
+    <p:extLst>
+      <p:ext uri="{BB962C8B-B14F-4D97-AF65-F5344CB8AC3E}">
+        <p14:creationId xmlns:p14="http://schemas.microsoft.com/office/powerpoint/2010/main" val="2274758496"/>
+      </p:ext>
+    </p:extLst>
+  </p:cSld>
+  <p:clrMapOvr>
+    <a:masterClrMapping/>
+  </p:clrMapOvr>
+</p:notes>
+</file>
+
 <file path=ppt/notesSlides/notesSlide2.xml><?xml version="1.0" encoding="utf-8"?>
 <p:notes xmlns:a="http://schemas.openxmlformats.org/drawingml/2006/main" xmlns:r="http://schemas.openxmlformats.org/officeDocument/2006/relationships" xmlns:p="http://schemas.openxmlformats.org/presentationml/2006/main">
   <p:cSld>
@@ -1013,7 +1718,7 @@
       </p:grpSpPr>
       <p:sp>
         <p:nvSpPr>
-          <p:cNvPr id="2" name="Slide Image Placeholder 1"/>
+          <p:cNvPr id="2" name="Tijdelijke aanduiding voor dia-afbeelding 1"/>
           <p:cNvSpPr>
             <a:spLocks noGrp="1" noRot="1" noChangeAspect="1"/>
           </p:cNvSpPr>
@@ -1025,7 +1730,7 @@
       </p:sp>
       <p:sp>
         <p:nvSpPr>
-          <p:cNvPr id="3" name="Notes Placeholder 2"/>
+          <p:cNvPr id="3" name="Tijdelijke aanduiding voor notities 2"/>
           <p:cNvSpPr>
             <a:spLocks noGrp="1"/>
           </p:cNvSpPr>
@@ -1040,19 +1745,24 @@
           <a:p>
             <a:r>
               <a:rPr lang="en-GB" dirty="0"/>
-              <a:t>Not all interpreted languages compile to bytecode, some compiled languages are sort of interpreted, it’s basically all a mess.</a:t>
-            </a:r>
-          </a:p>
-        </p:txBody>
-      </p:sp>
-      <p:sp>
-        <p:nvSpPr>
-          <p:cNvPr id="4" name="Slide Number Placeholder 3"/>
-          <p:cNvSpPr>
-            <a:spLocks noGrp="1"/>
-          </p:cNvSpPr>
-          <p:nvPr>
-            <p:ph type="sldNum" sz="quarter" idx="5"/>
+              <a:t>Title</a:t>
+            </a:r>
+            <a:r>
+              <a:rPr lang="en-GB" baseline="0" dirty="0"/>
+              <a:t> slide variables</a:t>
+            </a:r>
+            <a:endParaRPr lang="en-GB" dirty="0"/>
+          </a:p>
+        </p:txBody>
+      </p:sp>
+      <p:sp>
+        <p:nvSpPr>
+          <p:cNvPr id="4" name="Tijdelijke aanduiding voor dianummer 3"/>
+          <p:cNvSpPr>
+            <a:spLocks noGrp="1"/>
+          </p:cNvSpPr>
+          <p:nvPr>
+            <p:ph type="sldNum" sz="quarter" idx="10"/>
           </p:nvPr>
         </p:nvSpPr>
         <p:spPr/>
@@ -1060,18 +1770,447 @@
           <a:bodyPr/>
           <a:lstStyle/>
           <a:p>
-            <a:fld id="{A3F91DA7-A2FE-4AC1-BC85-FA3BBFBC227B}" type="slidenum">
-              <a:rPr lang="en-GB" smtClean="0"/>
-              <a:t>24</a:t>
+            <a:pPr marL="0" marR="0" lvl="0" indent="0" algn="r" defTabSz="914400" rtl="0" eaLnBrk="1" fontAlgn="auto" latinLnBrk="0" hangingPunct="1">
+              <a:lnSpc>
+                <a:spcPct val="100000"/>
+              </a:lnSpc>
+              <a:spcBef>
+                <a:spcPts val="0"/>
+              </a:spcBef>
+              <a:spcAft>
+                <a:spcPts val="0"/>
+              </a:spcAft>
+              <a:buClrTx/>
+              <a:buSzTx/>
+              <a:buFontTx/>
+              <a:buNone/>
+              <a:tabLst/>
+              <a:defRPr/>
+            </a:pPr>
+            <a:fld id="{F444804B-CB39-4353-9876-3F6CE789C0E5}" type="slidenum">
+              <a:rPr kumimoji="0" lang="en-GB" sz="1200" b="0" i="0" u="none" strike="noStrike" kern="1200" cap="none" spc="0" normalizeH="0" baseline="0" noProof="0" smtClean="0">
+                <a:ln>
+                  <a:noFill/>
+                </a:ln>
+                <a:solidFill>
+                  <a:prstClr val="black"/>
+                </a:solidFill>
+                <a:effectLst/>
+                <a:uLnTx/>
+                <a:uFillTx/>
+                <a:latin typeface="Calibri" panose="020F0502020204030204"/>
+                <a:ea typeface="+mn-ea"/>
+                <a:cs typeface="+mn-cs"/>
+              </a:rPr>
+              <a:pPr marL="0" marR="0" lvl="0" indent="0" algn="r" defTabSz="914400" rtl="0" eaLnBrk="1" fontAlgn="auto" latinLnBrk="0" hangingPunct="1">
+                <a:lnSpc>
+                  <a:spcPct val="100000"/>
+                </a:lnSpc>
+                <a:spcBef>
+                  <a:spcPts val="0"/>
+                </a:spcBef>
+                <a:spcAft>
+                  <a:spcPts val="0"/>
+                </a:spcAft>
+                <a:buClrTx/>
+                <a:buSzTx/>
+                <a:buFontTx/>
+                <a:buNone/>
+                <a:tabLst/>
+                <a:defRPr/>
+              </a:pPr>
+              <a:t>23</a:t>
             </a:fld>
-            <a:endParaRPr lang="en-GB"/>
+            <a:endParaRPr kumimoji="0" lang="en-GB" sz="1200" b="0" i="0" u="none" strike="noStrike" kern="1200" cap="none" spc="0" normalizeH="0" baseline="0" noProof="0">
+              <a:ln>
+                <a:noFill/>
+              </a:ln>
+              <a:solidFill>
+                <a:prstClr val="black"/>
+              </a:solidFill>
+              <a:effectLst/>
+              <a:uLnTx/>
+              <a:uFillTx/>
+              <a:latin typeface="Calibri" panose="020F0502020204030204"/>
+              <a:ea typeface="+mn-ea"/>
+              <a:cs typeface="+mn-cs"/>
+            </a:endParaRPr>
           </a:p>
         </p:txBody>
       </p:sp>
     </p:spTree>
     <p:extLst>
       <p:ext uri="{BB962C8B-B14F-4D97-AF65-F5344CB8AC3E}">
-        <p14:creationId xmlns:p14="http://schemas.microsoft.com/office/powerpoint/2010/main" val="2860684802"/>
+        <p14:creationId xmlns:p14="http://schemas.microsoft.com/office/powerpoint/2010/main" val="2829688201"/>
+      </p:ext>
+    </p:extLst>
+  </p:cSld>
+  <p:clrMapOvr>
+    <a:masterClrMapping/>
+  </p:clrMapOvr>
+</p:notes>
+</file>
+
+<file path=ppt/notesSlides/notesSlide8.xml><?xml version="1.0" encoding="utf-8"?>
+<p:notes xmlns:a="http://schemas.openxmlformats.org/drawingml/2006/main" xmlns:r="http://schemas.openxmlformats.org/officeDocument/2006/relationships" xmlns:p="http://schemas.openxmlformats.org/presentationml/2006/main">
+  <p:cSld>
+    <p:spTree>
+      <p:nvGrpSpPr>
+        <p:cNvPr id="1" name=""/>
+        <p:cNvGrpSpPr/>
+        <p:nvPr/>
+      </p:nvGrpSpPr>
+      <p:grpSpPr>
+        <a:xfrm>
+          <a:off x="0" y="0"/>
+          <a:ext cx="0" cy="0"/>
+          <a:chOff x="0" y="0"/>
+          <a:chExt cx="0" cy="0"/>
+        </a:xfrm>
+      </p:grpSpPr>
+      <p:sp>
+        <p:nvSpPr>
+          <p:cNvPr id="2" name="Slide Image Placeholder 1"/>
+          <p:cNvSpPr>
+            <a:spLocks noGrp="1" noRot="1" noChangeAspect="1"/>
+          </p:cNvSpPr>
+          <p:nvPr>
+            <p:ph type="sldImg"/>
+          </p:nvPr>
+        </p:nvSpPr>
+        <p:spPr/>
+      </p:sp>
+      <p:sp>
+        <p:nvSpPr>
+          <p:cNvPr id="3" name="Notes Placeholder 2"/>
+          <p:cNvSpPr>
+            <a:spLocks noGrp="1"/>
+          </p:cNvSpPr>
+          <p:nvPr>
+            <p:ph type="body" idx="1"/>
+          </p:nvPr>
+        </p:nvSpPr>
+        <p:spPr/>
+        <p:txBody>
+          <a:bodyPr/>
+          <a:lstStyle/>
+          <a:p>
+            <a:r>
+              <a:rPr lang="en-GB" dirty="0"/>
+              <a:t>Content of the presentation:</a:t>
+            </a:r>
+          </a:p>
+          <a:p>
+            <a:pPr marL="171450" indent="-171450">
+              <a:buFont typeface="Arial" panose="020B0604020202020204" pitchFamily="34" charset="0"/>
+              <a:buChar char="•"/>
+            </a:pPr>
+            <a:r>
+              <a:rPr lang="en-GB" dirty="0"/>
+              <a:t>What is a variable?</a:t>
+            </a:r>
+          </a:p>
+          <a:p>
+            <a:pPr marL="171450" indent="-171450">
+              <a:buFont typeface="Arial" panose="020B0604020202020204" pitchFamily="34" charset="0"/>
+              <a:buChar char="•"/>
+            </a:pPr>
+            <a:r>
+              <a:rPr lang="en-GB" dirty="0"/>
+              <a:t>Data types</a:t>
+            </a:r>
+          </a:p>
+          <a:p>
+            <a:pPr marL="171450" indent="-171450">
+              <a:buFont typeface="Arial" panose="020B0604020202020204" pitchFamily="34" charset="0"/>
+              <a:buChar char="•"/>
+            </a:pPr>
+            <a:r>
+              <a:rPr lang="en-GB" dirty="0"/>
+              <a:t>Mutability (constant vs variable)</a:t>
+            </a:r>
+          </a:p>
+          <a:p>
+            <a:pPr marL="171450" indent="-171450">
+              <a:buFont typeface="Arial" panose="020B0604020202020204" pitchFamily="34" charset="0"/>
+              <a:buChar char="•"/>
+            </a:pPr>
+            <a:r>
+              <a:rPr lang="en-GB" dirty="0"/>
+              <a:t>Scope and visibility</a:t>
+            </a:r>
+          </a:p>
+          <a:p>
+            <a:pPr marL="171450" indent="-171450">
+              <a:buFont typeface="Arial" panose="020B0604020202020204" pitchFamily="34" charset="0"/>
+              <a:buChar char="•"/>
+            </a:pPr>
+            <a:r>
+              <a:rPr lang="en-GB" dirty="0" err="1"/>
+              <a:t>Preallocation</a:t>
+            </a:r>
+            <a:endParaRPr lang="en-GB" dirty="0"/>
+          </a:p>
+          <a:p>
+            <a:endParaRPr lang="en-GB" dirty="0"/>
+          </a:p>
+        </p:txBody>
+      </p:sp>
+      <p:sp>
+        <p:nvSpPr>
+          <p:cNvPr id="4" name="Slide Number Placeholder 3"/>
+          <p:cNvSpPr>
+            <a:spLocks noGrp="1"/>
+          </p:cNvSpPr>
+          <p:nvPr>
+            <p:ph type="sldNum" sz="quarter" idx="10"/>
+          </p:nvPr>
+        </p:nvSpPr>
+        <p:spPr/>
+        <p:txBody>
+          <a:bodyPr/>
+          <a:lstStyle/>
+          <a:p>
+            <a:pPr marL="0" marR="0" lvl="0" indent="0" algn="r" defTabSz="914400" rtl="0" eaLnBrk="1" fontAlgn="auto" latinLnBrk="0" hangingPunct="1">
+              <a:lnSpc>
+                <a:spcPct val="100000"/>
+              </a:lnSpc>
+              <a:spcBef>
+                <a:spcPts val="0"/>
+              </a:spcBef>
+              <a:spcAft>
+                <a:spcPts val="0"/>
+              </a:spcAft>
+              <a:buClrTx/>
+              <a:buSzTx/>
+              <a:buFontTx/>
+              <a:buNone/>
+              <a:tabLst/>
+              <a:defRPr/>
+            </a:pPr>
+            <a:fld id="{A3F91DA7-A2FE-4AC1-BC85-FA3BBFBC227B}" type="slidenum">
+              <a:rPr kumimoji="0" lang="en-GB" sz="1200" b="0" i="0" u="none" strike="noStrike" kern="1200" cap="none" spc="0" normalizeH="0" baseline="0" noProof="0" smtClean="0">
+                <a:ln>
+                  <a:noFill/>
+                </a:ln>
+                <a:solidFill>
+                  <a:prstClr val="black"/>
+                </a:solidFill>
+                <a:effectLst/>
+                <a:uLnTx/>
+                <a:uFillTx/>
+                <a:latin typeface="Calibri" panose="020F0502020204030204"/>
+                <a:ea typeface="+mn-ea"/>
+                <a:cs typeface="+mn-cs"/>
+              </a:rPr>
+              <a:pPr marL="0" marR="0" lvl="0" indent="0" algn="r" defTabSz="914400" rtl="0" eaLnBrk="1" fontAlgn="auto" latinLnBrk="0" hangingPunct="1">
+                <a:lnSpc>
+                  <a:spcPct val="100000"/>
+                </a:lnSpc>
+                <a:spcBef>
+                  <a:spcPts val="0"/>
+                </a:spcBef>
+                <a:spcAft>
+                  <a:spcPts val="0"/>
+                </a:spcAft>
+                <a:buClrTx/>
+                <a:buSzTx/>
+                <a:buFontTx/>
+                <a:buNone/>
+                <a:tabLst/>
+                <a:defRPr/>
+              </a:pPr>
+              <a:t>24</a:t>
+            </a:fld>
+            <a:endParaRPr kumimoji="0" lang="en-GB" sz="1200" b="0" i="0" u="none" strike="noStrike" kern="1200" cap="none" spc="0" normalizeH="0" baseline="0" noProof="0">
+              <a:ln>
+                <a:noFill/>
+              </a:ln>
+              <a:solidFill>
+                <a:prstClr val="black"/>
+              </a:solidFill>
+              <a:effectLst/>
+              <a:uLnTx/>
+              <a:uFillTx/>
+              <a:latin typeface="Calibri" panose="020F0502020204030204"/>
+              <a:ea typeface="+mn-ea"/>
+              <a:cs typeface="+mn-cs"/>
+            </a:endParaRPr>
+          </a:p>
+        </p:txBody>
+      </p:sp>
+    </p:spTree>
+    <p:extLst>
+      <p:ext uri="{BB962C8B-B14F-4D97-AF65-F5344CB8AC3E}">
+        <p14:creationId xmlns:p14="http://schemas.microsoft.com/office/powerpoint/2010/main" val="2903428760"/>
+      </p:ext>
+    </p:extLst>
+  </p:cSld>
+  <p:clrMapOvr>
+    <a:masterClrMapping/>
+  </p:clrMapOvr>
+</p:notes>
+</file>
+
+<file path=ppt/notesSlides/notesSlide9.xml><?xml version="1.0" encoding="utf-8"?>
+<p:notes xmlns:a="http://schemas.openxmlformats.org/drawingml/2006/main" xmlns:r="http://schemas.openxmlformats.org/officeDocument/2006/relationships" xmlns:p="http://schemas.openxmlformats.org/presentationml/2006/main">
+  <p:cSld>
+    <p:spTree>
+      <p:nvGrpSpPr>
+        <p:cNvPr id="1" name=""/>
+        <p:cNvGrpSpPr/>
+        <p:nvPr/>
+      </p:nvGrpSpPr>
+      <p:grpSpPr>
+        <a:xfrm>
+          <a:off x="0" y="0"/>
+          <a:ext cx="0" cy="0"/>
+          <a:chOff x="0" y="0"/>
+          <a:chExt cx="0" cy="0"/>
+        </a:xfrm>
+      </p:grpSpPr>
+      <p:sp>
+        <p:nvSpPr>
+          <p:cNvPr id="2" name="Slide Image Placeholder 1"/>
+          <p:cNvSpPr>
+            <a:spLocks noGrp="1" noRot="1" noChangeAspect="1"/>
+          </p:cNvSpPr>
+          <p:nvPr>
+            <p:ph type="sldImg"/>
+          </p:nvPr>
+        </p:nvSpPr>
+        <p:spPr/>
+      </p:sp>
+      <p:sp>
+        <p:nvSpPr>
+          <p:cNvPr id="3" name="Notes Placeholder 2"/>
+          <p:cNvSpPr>
+            <a:spLocks noGrp="1"/>
+          </p:cNvSpPr>
+          <p:nvPr>
+            <p:ph type="body" idx="1"/>
+          </p:nvPr>
+        </p:nvSpPr>
+        <p:spPr/>
+        <p:txBody>
+          <a:bodyPr/>
+          <a:lstStyle/>
+          <a:p>
+            <a:r>
+              <a:rPr lang="en-GB" dirty="0"/>
+              <a:t>Every variable</a:t>
+            </a:r>
+            <a:r>
+              <a:rPr lang="en-GB" baseline="0" dirty="0"/>
+              <a:t> has an associated type (in statically typed languages), a variable name and a value. So in the java example of ‘</a:t>
+            </a:r>
+            <a:r>
+              <a:rPr lang="en-GB" baseline="0" dirty="0" err="1"/>
+              <a:t>int</a:t>
+            </a:r>
+            <a:r>
+              <a:rPr lang="en-GB" baseline="0" dirty="0"/>
+              <a:t> a = 5;’, </a:t>
+            </a:r>
+            <a:r>
+              <a:rPr lang="en-GB" baseline="0" dirty="0" err="1"/>
+              <a:t>int</a:t>
+            </a:r>
+            <a:r>
+              <a:rPr lang="en-GB" baseline="0" dirty="0"/>
+              <a:t> is the type, a is the variable name and 5 is the value.</a:t>
+            </a:r>
+            <a:endParaRPr lang="en-GB" dirty="0"/>
+          </a:p>
+        </p:txBody>
+      </p:sp>
+      <p:sp>
+        <p:nvSpPr>
+          <p:cNvPr id="4" name="Slide Number Placeholder 3"/>
+          <p:cNvSpPr>
+            <a:spLocks noGrp="1"/>
+          </p:cNvSpPr>
+          <p:nvPr>
+            <p:ph type="sldNum" sz="quarter" idx="10"/>
+          </p:nvPr>
+        </p:nvSpPr>
+        <p:spPr/>
+        <p:txBody>
+          <a:bodyPr/>
+          <a:lstStyle/>
+          <a:p>
+            <a:pPr marL="0" marR="0" lvl="0" indent="0" algn="r" defTabSz="914400" rtl="0" eaLnBrk="1" fontAlgn="auto" latinLnBrk="0" hangingPunct="1">
+              <a:lnSpc>
+                <a:spcPct val="100000"/>
+              </a:lnSpc>
+              <a:spcBef>
+                <a:spcPts val="0"/>
+              </a:spcBef>
+              <a:spcAft>
+                <a:spcPts val="0"/>
+              </a:spcAft>
+              <a:buClrTx/>
+              <a:buSzTx/>
+              <a:buFontTx/>
+              <a:buNone/>
+              <a:tabLst/>
+              <a:defRPr/>
+            </a:pPr>
+            <a:fld id="{A3F91DA7-A2FE-4AC1-BC85-FA3BBFBC227B}" type="slidenum">
+              <a:rPr kumimoji="0" lang="en-GB" sz="1200" b="0" i="0" u="none" strike="noStrike" kern="1200" cap="none" spc="0" normalizeH="0" baseline="0" noProof="0" smtClean="0">
+                <a:ln>
+                  <a:noFill/>
+                </a:ln>
+                <a:solidFill>
+                  <a:prstClr val="black"/>
+                </a:solidFill>
+                <a:effectLst/>
+                <a:uLnTx/>
+                <a:uFillTx/>
+                <a:latin typeface="Calibri" panose="020F0502020204030204"/>
+                <a:ea typeface="+mn-ea"/>
+                <a:cs typeface="+mn-cs"/>
+              </a:rPr>
+              <a:pPr marL="0" marR="0" lvl="0" indent="0" algn="r" defTabSz="914400" rtl="0" eaLnBrk="1" fontAlgn="auto" latinLnBrk="0" hangingPunct="1">
+                <a:lnSpc>
+                  <a:spcPct val="100000"/>
+                </a:lnSpc>
+                <a:spcBef>
+                  <a:spcPts val="0"/>
+                </a:spcBef>
+                <a:spcAft>
+                  <a:spcPts val="0"/>
+                </a:spcAft>
+                <a:buClrTx/>
+                <a:buSzTx/>
+                <a:buFontTx/>
+                <a:buNone/>
+                <a:tabLst/>
+                <a:defRPr/>
+              </a:pPr>
+              <a:t>25</a:t>
+            </a:fld>
+            <a:endParaRPr kumimoji="0" lang="en-GB" sz="1200" b="0" i="0" u="none" strike="noStrike" kern="1200" cap="none" spc="0" normalizeH="0" baseline="0" noProof="0">
+              <a:ln>
+                <a:noFill/>
+              </a:ln>
+              <a:solidFill>
+                <a:prstClr val="black"/>
+              </a:solidFill>
+              <a:effectLst/>
+              <a:uLnTx/>
+              <a:uFillTx/>
+              <a:latin typeface="Calibri" panose="020F0502020204030204"/>
+              <a:ea typeface="+mn-ea"/>
+              <a:cs typeface="+mn-cs"/>
+            </a:endParaRPr>
+          </a:p>
+        </p:txBody>
+      </p:sp>
+    </p:spTree>
+    <p:extLst>
+      <p:ext uri="{BB962C8B-B14F-4D97-AF65-F5344CB8AC3E}">
+        <p14:creationId xmlns:p14="http://schemas.microsoft.com/office/powerpoint/2010/main" val="2285446805"/>
       </p:ext>
     </p:extLst>
   </p:cSld>
@@ -1212,7 +2351,7 @@
           <a:p>
             <a:fld id="{0952F4B9-71ED-4A37-A257-4AADC9BBFCB9}" type="datetimeFigureOut">
               <a:rPr lang="en-GB" smtClean="0"/>
-              <a:t>18/08/2019</a:t>
+              <a:t>28/08/2019</a:t>
             </a:fld>
             <a:endParaRPr lang="en-GB"/>
           </a:p>
@@ -1382,7 +2521,7 @@
           <a:p>
             <a:fld id="{0952F4B9-71ED-4A37-A257-4AADC9BBFCB9}" type="datetimeFigureOut">
               <a:rPr lang="en-GB" smtClean="0"/>
-              <a:t>18/08/2019</a:t>
+              <a:t>28/08/2019</a:t>
             </a:fld>
             <a:endParaRPr lang="en-GB"/>
           </a:p>
@@ -1562,7 +2701,7 @@
           <a:p>
             <a:fld id="{0952F4B9-71ED-4A37-A257-4AADC9BBFCB9}" type="datetimeFigureOut">
               <a:rPr lang="en-GB" smtClean="0"/>
-              <a:t>18/08/2019</a:t>
+              <a:t>28/08/2019</a:t>
             </a:fld>
             <a:endParaRPr lang="en-GB"/>
           </a:p>
@@ -1732,7 +2871,7 @@
           <a:p>
             <a:fld id="{0952F4B9-71ED-4A37-A257-4AADC9BBFCB9}" type="datetimeFigureOut">
               <a:rPr lang="en-GB" smtClean="0"/>
-              <a:t>18/08/2019</a:t>
+              <a:t>28/08/2019</a:t>
             </a:fld>
             <a:endParaRPr lang="en-GB"/>
           </a:p>
@@ -1978,7 +3117,7 @@
           <a:p>
             <a:fld id="{0952F4B9-71ED-4A37-A257-4AADC9BBFCB9}" type="datetimeFigureOut">
               <a:rPr lang="en-GB" smtClean="0"/>
-              <a:t>18/08/2019</a:t>
+              <a:t>28/08/2019</a:t>
             </a:fld>
             <a:endParaRPr lang="en-GB"/>
           </a:p>
@@ -2210,7 +3349,7 @@
           <a:p>
             <a:fld id="{0952F4B9-71ED-4A37-A257-4AADC9BBFCB9}" type="datetimeFigureOut">
               <a:rPr lang="en-GB" smtClean="0"/>
-              <a:t>18/08/2019</a:t>
+              <a:t>28/08/2019</a:t>
             </a:fld>
             <a:endParaRPr lang="en-GB"/>
           </a:p>
@@ -2582,7 +3721,7 @@
           <a:p>
             <a:fld id="{0952F4B9-71ED-4A37-A257-4AADC9BBFCB9}" type="datetimeFigureOut">
               <a:rPr lang="en-GB" smtClean="0"/>
-              <a:t>18/08/2019</a:t>
+              <a:t>28/08/2019</a:t>
             </a:fld>
             <a:endParaRPr lang="en-GB"/>
           </a:p>
@@ -2705,7 +3844,7 @@
           <a:p>
             <a:fld id="{0952F4B9-71ED-4A37-A257-4AADC9BBFCB9}" type="datetimeFigureOut">
               <a:rPr lang="en-GB" smtClean="0"/>
-              <a:t>18/08/2019</a:t>
+              <a:t>28/08/2019</a:t>
             </a:fld>
             <a:endParaRPr lang="en-GB"/>
           </a:p>
@@ -2800,7 +3939,7 @@
           <a:p>
             <a:fld id="{0952F4B9-71ED-4A37-A257-4AADC9BBFCB9}" type="datetimeFigureOut">
               <a:rPr lang="en-GB" smtClean="0"/>
-              <a:t>18/08/2019</a:t>
+              <a:t>28/08/2019</a:t>
             </a:fld>
             <a:endParaRPr lang="en-GB"/>
           </a:p>
@@ -3077,7 +4216,7 @@
           <a:p>
             <a:fld id="{0952F4B9-71ED-4A37-A257-4AADC9BBFCB9}" type="datetimeFigureOut">
               <a:rPr lang="en-GB" smtClean="0"/>
-              <a:t>18/08/2019</a:t>
+              <a:t>28/08/2019</a:t>
             </a:fld>
             <a:endParaRPr lang="en-GB"/>
           </a:p>
@@ -3339,7 +4478,7 @@
           <a:p>
             <a:fld id="{0952F4B9-71ED-4A37-A257-4AADC9BBFCB9}" type="datetimeFigureOut">
               <a:rPr lang="en-GB" smtClean="0"/>
-              <a:t>18/08/2019</a:t>
+              <a:t>28/08/2019</a:t>
             </a:fld>
             <a:endParaRPr lang="en-GB"/>
           </a:p>
@@ -3552,7 +4691,7 @@
           <a:p>
             <a:fld id="{0952F4B9-71ED-4A37-A257-4AADC9BBFCB9}" type="datetimeFigureOut">
               <a:rPr lang="en-GB" smtClean="0"/>
-              <a:t>18/08/2019</a:t>
+              <a:t>28/08/2019</a:t>
             </a:fld>
             <a:endParaRPr lang="en-GB"/>
           </a:p>
@@ -5359,6 +6498,126 @@
           <p:cNvPr id="2" name="Title 1">
             <a:extLst>
               <a:ext uri="{FF2B5EF4-FFF2-40B4-BE49-F238E27FC236}">
+                <a16:creationId xmlns:a16="http://schemas.microsoft.com/office/drawing/2014/main" id="{E9995A1C-0BD3-47EB-8091-7E670F617587}"/>
+              </a:ext>
+            </a:extLst>
+          </p:cNvPr>
+          <p:cNvSpPr>
+            <a:spLocks noGrp="1"/>
+          </p:cNvSpPr>
+          <p:nvPr>
+            <p:ph type="title"/>
+          </p:nvPr>
+        </p:nvSpPr>
+        <p:spPr/>
+        <p:txBody>
+          <a:bodyPr/>
+          <a:lstStyle/>
+          <a:p>
+            <a:r>
+              <a:rPr lang="en-GB" dirty="0"/>
+              <a:t>Python vs Arduino syntax</a:t>
+            </a:r>
+          </a:p>
+        </p:txBody>
+      </p:sp>
+      <p:pic>
+        <p:nvPicPr>
+          <p:cNvPr id="4" name="Content Placeholder 3">
+            <a:extLst>
+              <a:ext uri="{FF2B5EF4-FFF2-40B4-BE49-F238E27FC236}">
+                <a16:creationId xmlns:a16="http://schemas.microsoft.com/office/drawing/2014/main" id="{3A9EB7A4-4D30-4FF4-97BE-6DE0F39BF4A6}"/>
+              </a:ext>
+            </a:extLst>
+          </p:cNvPr>
+          <p:cNvPicPr>
+            <a:picLocks noGrp="1" noChangeAspect="1"/>
+          </p:cNvPicPr>
+          <p:nvPr>
+            <p:ph idx="1"/>
+          </p:nvPr>
+        </p:nvPicPr>
+        <p:blipFill>
+          <a:blip r:embed="rId2"/>
+          <a:stretch>
+            <a:fillRect/>
+          </a:stretch>
+        </p:blipFill>
+        <p:spPr>
+          <a:xfrm>
+            <a:off x="6694758" y="2438401"/>
+            <a:ext cx="5426122" cy="2621756"/>
+          </a:xfrm>
+          <a:prstGeom prst="rect">
+            <a:avLst/>
+          </a:prstGeom>
+        </p:spPr>
+      </p:pic>
+      <p:pic>
+        <p:nvPicPr>
+          <p:cNvPr id="5" name="Picture 4">
+            <a:extLst>
+              <a:ext uri="{FF2B5EF4-FFF2-40B4-BE49-F238E27FC236}">
+                <a16:creationId xmlns:a16="http://schemas.microsoft.com/office/drawing/2014/main" id="{0ECE5036-4F8D-4BEF-B5AA-633FE944DED7}"/>
+              </a:ext>
+            </a:extLst>
+          </p:cNvPr>
+          <p:cNvPicPr>
+            <a:picLocks noChangeAspect="1"/>
+          </p:cNvPicPr>
+          <p:nvPr/>
+        </p:nvPicPr>
+        <p:blipFill>
+          <a:blip r:embed="rId3"/>
+          <a:stretch>
+            <a:fillRect/>
+          </a:stretch>
+        </p:blipFill>
+        <p:spPr>
+          <a:xfrm>
+            <a:off x="649604" y="2438401"/>
+            <a:ext cx="4501515" cy="2816165"/>
+          </a:xfrm>
+          <a:prstGeom prst="rect">
+            <a:avLst/>
+          </a:prstGeom>
+        </p:spPr>
+      </p:pic>
+    </p:spTree>
+    <p:extLst>
+      <p:ext uri="{BB962C8B-B14F-4D97-AF65-F5344CB8AC3E}">
+        <p14:creationId xmlns:p14="http://schemas.microsoft.com/office/powerpoint/2010/main" val="2759293091"/>
+      </p:ext>
+    </p:extLst>
+  </p:cSld>
+  <p:clrMapOvr>
+    <a:masterClrMapping/>
+  </p:clrMapOvr>
+</p:sld>
+</file>
+
+<file path=ppt/slides/slide19.xml><?xml version="1.0" encoding="utf-8"?>
+<p:sld xmlns:a="http://schemas.openxmlformats.org/drawingml/2006/main" xmlns:r="http://schemas.openxmlformats.org/officeDocument/2006/relationships" xmlns:p="http://schemas.openxmlformats.org/presentationml/2006/main">
+  <p:cSld>
+    <p:spTree>
+      <p:nvGrpSpPr>
+        <p:cNvPr id="1" name=""/>
+        <p:cNvGrpSpPr/>
+        <p:nvPr/>
+      </p:nvGrpSpPr>
+      <p:grpSpPr>
+        <a:xfrm>
+          <a:off x="0" y="0"/>
+          <a:ext cx="0" cy="0"/>
+          <a:chOff x="0" y="0"/>
+          <a:chExt cx="0" cy="0"/>
+        </a:xfrm>
+      </p:grpSpPr>
+      <p:sp>
+        <p:nvSpPr>
+          <p:cNvPr id="2" name="Title 1">
+            <a:extLst>
+              <a:ext uri="{FF2B5EF4-FFF2-40B4-BE49-F238E27FC236}">
                 <a16:creationId xmlns:a16="http://schemas.microsoft.com/office/drawing/2014/main" id="{115DE404-3DC7-488B-B40B-3D098B75E0EB}"/>
               </a:ext>
             </a:extLst>
@@ -5522,133 +6781,6 @@
     <p:extLst>
       <p:ext uri="{BB962C8B-B14F-4D97-AF65-F5344CB8AC3E}">
         <p14:creationId xmlns:p14="http://schemas.microsoft.com/office/powerpoint/2010/main" val="1443541999"/>
-      </p:ext>
-    </p:extLst>
-  </p:cSld>
-  <p:clrMapOvr>
-    <a:masterClrMapping/>
-  </p:clrMapOvr>
-</p:sld>
-</file>
-
-<file path=ppt/slides/slide19.xml><?xml version="1.0" encoding="utf-8"?>
-<p:sld xmlns:a="http://schemas.openxmlformats.org/drawingml/2006/main" xmlns:r="http://schemas.openxmlformats.org/officeDocument/2006/relationships" xmlns:p="http://schemas.openxmlformats.org/presentationml/2006/main">
-  <p:cSld>
-    <p:spTree>
-      <p:nvGrpSpPr>
-        <p:cNvPr id="1" name=""/>
-        <p:cNvGrpSpPr/>
-        <p:nvPr/>
-      </p:nvGrpSpPr>
-      <p:grpSpPr>
-        <a:xfrm>
-          <a:off x="0" y="0"/>
-          <a:ext cx="0" cy="0"/>
-          <a:chOff x="0" y="0"/>
-          <a:chExt cx="0" cy="0"/>
-        </a:xfrm>
-      </p:grpSpPr>
-      <p:sp>
-        <p:nvSpPr>
-          <p:cNvPr id="2" name="Title 1">
-            <a:extLst>
-              <a:ext uri="{FF2B5EF4-FFF2-40B4-BE49-F238E27FC236}">
-                <a16:creationId xmlns:a16="http://schemas.microsoft.com/office/drawing/2014/main" id="{12D76249-03DC-41EB-9B38-5B2D699AA13E}"/>
-              </a:ext>
-            </a:extLst>
-          </p:cNvPr>
-          <p:cNvSpPr>
-            <a:spLocks noGrp="1"/>
-          </p:cNvSpPr>
-          <p:nvPr>
-            <p:ph type="title"/>
-          </p:nvPr>
-        </p:nvSpPr>
-        <p:spPr/>
-        <p:txBody>
-          <a:bodyPr/>
-          <a:lstStyle/>
-          <a:p>
-            <a:r>
-              <a:rPr lang="en-GB" dirty="0"/>
-              <a:t>Python 2 vs Python 3</a:t>
-            </a:r>
-          </a:p>
-        </p:txBody>
-      </p:sp>
-      <p:sp>
-        <p:nvSpPr>
-          <p:cNvPr id="3" name="Content Placeholder 2">
-            <a:extLst>
-              <a:ext uri="{FF2B5EF4-FFF2-40B4-BE49-F238E27FC236}">
-                <a16:creationId xmlns:a16="http://schemas.microsoft.com/office/drawing/2014/main" id="{E825B245-35FC-49B0-A293-6D6CBC63BFF3}"/>
-              </a:ext>
-            </a:extLst>
-          </p:cNvPr>
-          <p:cNvSpPr>
-            <a:spLocks noGrp="1"/>
-          </p:cNvSpPr>
-          <p:nvPr>
-            <p:ph idx="1"/>
-          </p:nvPr>
-        </p:nvSpPr>
-        <p:spPr/>
-        <p:txBody>
-          <a:bodyPr/>
-          <a:lstStyle/>
-          <a:p>
-            <a:r>
-              <a:rPr lang="en-GB" dirty="0"/>
-              <a:t>Python 2 – released Oct 2000</a:t>
-            </a:r>
-          </a:p>
-          <a:p>
-            <a:pPr lvl="1"/>
-            <a:r>
-              <a:rPr lang="en-GB" dirty="0"/>
-              <a:t>Minor releases: now Python 2.7</a:t>
-            </a:r>
-          </a:p>
-          <a:p>
-            <a:pPr lvl="1"/>
-            <a:r>
-              <a:rPr lang="en-GB" dirty="0"/>
-              <a:t>Support for Python 2.x will stop 2020</a:t>
-            </a:r>
-          </a:p>
-          <a:p>
-            <a:r>
-              <a:rPr lang="en-GB" dirty="0"/>
-              <a:t>Python 3 – released Dec 2008</a:t>
-            </a:r>
-          </a:p>
-          <a:p>
-            <a:pPr lvl="1"/>
-            <a:r>
-              <a:rPr lang="en-GB" dirty="0"/>
-              <a:t>Goal was to reduce feature duplication</a:t>
-            </a:r>
-          </a:p>
-          <a:p>
-            <a:pPr lvl="1"/>
-            <a:r>
-              <a:rPr lang="en-GB" dirty="0"/>
-              <a:t>Now on version 3.7.4</a:t>
-            </a:r>
-          </a:p>
-          <a:p>
-            <a:pPr lvl="1"/>
-            <a:r>
-              <a:rPr lang="en-GB" dirty="0"/>
-              <a:t>Not completely backward compatible!</a:t>
-            </a:r>
-          </a:p>
-        </p:txBody>
-      </p:sp>
-    </p:spTree>
-    <p:extLst>
-      <p:ext uri="{BB962C8B-B14F-4D97-AF65-F5344CB8AC3E}">
-        <p14:creationId xmlns:p14="http://schemas.microsoft.com/office/powerpoint/2010/main" val="74606998"/>
       </p:ext>
     </p:extLst>
   </p:cSld>
@@ -5969,7 +7101,7 @@
           <p:cNvPr id="2" name="Title 1">
             <a:extLst>
               <a:ext uri="{FF2B5EF4-FFF2-40B4-BE49-F238E27FC236}">
-                <a16:creationId xmlns:a16="http://schemas.microsoft.com/office/drawing/2014/main" id="{97F1A8D6-0911-4879-BB12-D7A3C61E3FF7}"/>
+                <a16:creationId xmlns:a16="http://schemas.microsoft.com/office/drawing/2014/main" id="{12D76249-03DC-41EB-9B38-5B2D699AA13E}"/>
               </a:ext>
             </a:extLst>
           </p:cNvPr>
@@ -5987,7 +7119,7 @@
           <a:p>
             <a:r>
               <a:rPr lang="en-GB" dirty="0"/>
-              <a:t>What is Python used for?</a:t>
+              <a:t>Python 2 vs Python 3</a:t>
             </a:r>
           </a:p>
         </p:txBody>
@@ -5997,7 +7129,7 @@
           <p:cNvPr id="3" name="Content Placeholder 2">
             <a:extLst>
               <a:ext uri="{FF2B5EF4-FFF2-40B4-BE49-F238E27FC236}">
-                <a16:creationId xmlns:a16="http://schemas.microsoft.com/office/drawing/2014/main" id="{FD69B228-FE62-4CAB-80AE-13C674E6704D}"/>
+                <a16:creationId xmlns:a16="http://schemas.microsoft.com/office/drawing/2014/main" id="{E825B245-35FC-49B0-A293-6D6CBC63BFF3}"/>
               </a:ext>
             </a:extLst>
           </p:cNvPr>
@@ -6008,112 +7140,63 @@
             <p:ph idx="1"/>
           </p:nvPr>
         </p:nvSpPr>
-        <p:spPr>
-          <a:xfrm>
-            <a:off x="838200" y="1825625"/>
-            <a:ext cx="10515600" cy="4351338"/>
-          </a:xfrm>
-        </p:spPr>
+        <p:spPr/>
         <p:txBody>
           <a:bodyPr/>
           <a:lstStyle/>
           <a:p>
             <a:r>
               <a:rPr lang="en-GB" dirty="0"/>
-              <a:t>Data analysis</a:t>
-            </a:r>
-          </a:p>
-          <a:p>
-            <a:r>
-              <a:rPr lang="en-GB" dirty="0"/>
-              <a:t>Web development </a:t>
-            </a:r>
-            <a:br>
-              <a:rPr lang="en-GB" dirty="0"/>
-            </a:br>
-            <a:r>
-              <a:rPr lang="en-GB" dirty="0"/>
-              <a:t>(Django)</a:t>
-            </a:r>
-          </a:p>
-        </p:txBody>
-      </p:sp>
-      <p:pic>
-        <p:nvPicPr>
-          <p:cNvPr id="4" name="Picture 3">
-            <a:extLst>
-              <a:ext uri="{FF2B5EF4-FFF2-40B4-BE49-F238E27FC236}">
-                <a16:creationId xmlns:a16="http://schemas.microsoft.com/office/drawing/2014/main" id="{12DE86B1-3287-4624-AFC0-9829467AC3F2}"/>
-              </a:ext>
-            </a:extLst>
-          </p:cNvPr>
-          <p:cNvPicPr>
-            <a:picLocks noChangeAspect="1"/>
-          </p:cNvPicPr>
-          <p:nvPr/>
-        </p:nvPicPr>
-        <p:blipFill>
-          <a:blip r:embed="rId2"/>
-          <a:stretch>
-            <a:fillRect/>
-          </a:stretch>
-        </p:blipFill>
-        <p:spPr>
-          <a:xfrm>
-            <a:off x="4763386" y="1572016"/>
-            <a:ext cx="7120601" cy="4858556"/>
-          </a:xfrm>
-          <a:prstGeom prst="rect">
-            <a:avLst/>
-          </a:prstGeom>
-        </p:spPr>
-      </p:pic>
-      <p:sp>
-        <p:nvSpPr>
-          <p:cNvPr id="5" name="TextBox 4">
-            <a:extLst>
-              <a:ext uri="{FF2B5EF4-FFF2-40B4-BE49-F238E27FC236}">
-                <a16:creationId xmlns:a16="http://schemas.microsoft.com/office/drawing/2014/main" id="{0B53CC3A-DC9D-4073-B1A4-0AD20294361D}"/>
-              </a:ext>
-            </a:extLst>
-          </p:cNvPr>
-          <p:cNvSpPr txBox="1"/>
-          <p:nvPr/>
-        </p:nvSpPr>
-        <p:spPr>
-          <a:xfrm>
-            <a:off x="148856" y="5863368"/>
-            <a:ext cx="3848986" cy="923330"/>
-          </a:xfrm>
-          <a:prstGeom prst="rect">
-            <a:avLst/>
-          </a:prstGeom>
-          <a:noFill/>
-        </p:spPr>
-        <p:txBody>
-          <a:bodyPr wrap="square" rtlCol="0">
-            <a:spAutoFit/>
-          </a:bodyPr>
-          <a:lstStyle/>
-          <a:p>
-            <a:r>
-              <a:rPr lang="en-GB" dirty="0"/>
-              <a:t>Source: </a:t>
-            </a:r>
-            <a:r>
-              <a:rPr lang="en-GB" dirty="0">
-                <a:hlinkClick r:id="rId3"/>
-              </a:rPr>
-              <a:t>https://www.jetbrains.com/research/python-developers-survey-2018/</a:t>
-            </a:r>
-            <a:endParaRPr lang="en-GB" dirty="0"/>
+              <a:t>Python 2 – released Oct 2000</a:t>
+            </a:r>
+          </a:p>
+          <a:p>
+            <a:pPr lvl="1"/>
+            <a:r>
+              <a:rPr lang="en-GB" dirty="0"/>
+              <a:t>Minor releases: now Python 2.7</a:t>
+            </a:r>
+          </a:p>
+          <a:p>
+            <a:pPr lvl="1"/>
+            <a:r>
+              <a:rPr lang="en-GB" dirty="0"/>
+              <a:t>Support for Python 2.x will stop 2020</a:t>
+            </a:r>
+          </a:p>
+          <a:p>
+            <a:r>
+              <a:rPr lang="en-GB" dirty="0"/>
+              <a:t>Python 3 – released Dec 2008</a:t>
+            </a:r>
+          </a:p>
+          <a:p>
+            <a:pPr lvl="1"/>
+            <a:r>
+              <a:rPr lang="en-GB" dirty="0"/>
+              <a:t>Goal was to reduce feature duplication</a:t>
+            </a:r>
+          </a:p>
+          <a:p>
+            <a:pPr lvl="1"/>
+            <a:r>
+              <a:rPr lang="en-GB" dirty="0"/>
+              <a:t>Now on version 3.7.4</a:t>
+            </a:r>
+          </a:p>
+          <a:p>
+            <a:pPr lvl="1"/>
+            <a:r>
+              <a:rPr lang="en-GB" dirty="0"/>
+              <a:t>Not completely backward compatible!</a:t>
+            </a:r>
           </a:p>
         </p:txBody>
       </p:sp>
     </p:spTree>
     <p:extLst>
       <p:ext uri="{BB962C8B-B14F-4D97-AF65-F5344CB8AC3E}">
-        <p14:creationId xmlns:p14="http://schemas.microsoft.com/office/powerpoint/2010/main" val="1615664426"/>
+        <p14:creationId xmlns:p14="http://schemas.microsoft.com/office/powerpoint/2010/main" val="74606998"/>
       </p:ext>
     </p:extLst>
   </p:cSld>
@@ -6145,7 +7228,7 @@
           <p:cNvPr id="2" name="Title 1">
             <a:extLst>
               <a:ext uri="{FF2B5EF4-FFF2-40B4-BE49-F238E27FC236}">
-                <a16:creationId xmlns:a16="http://schemas.microsoft.com/office/drawing/2014/main" id="{0461675F-A7CE-44C0-AA55-51181F87D592}"/>
+                <a16:creationId xmlns:a16="http://schemas.microsoft.com/office/drawing/2014/main" id="{DC960E70-8B9B-4580-B6EE-9D465C1C1D9D}"/>
               </a:ext>
             </a:extLst>
           </p:cNvPr>
@@ -6163,7 +7246,7 @@
           <a:p>
             <a:r>
               <a:rPr lang="en-GB" dirty="0"/>
-              <a:t>Python uses</a:t>
+              <a:t>Python: compiling and interpreted</a:t>
             </a:r>
           </a:p>
         </p:txBody>
@@ -6173,7 +7256,7 @@
           <p:cNvPr id="3" name="Content Placeholder 2">
             <a:extLst>
               <a:ext uri="{FF2B5EF4-FFF2-40B4-BE49-F238E27FC236}">
-                <a16:creationId xmlns:a16="http://schemas.microsoft.com/office/drawing/2014/main" id="{E8582346-F4CA-4339-A6C2-409A444B9432}"/>
+                <a16:creationId xmlns:a16="http://schemas.microsoft.com/office/drawing/2014/main" id="{49600ED9-8C1A-4592-AB3C-19C44F8A0E6C}"/>
               </a:ext>
             </a:extLst>
           </p:cNvPr>
@@ -6191,56 +7274,58 @@
           <a:p>
             <a:r>
               <a:rPr lang="en-GB" dirty="0"/>
-              <a:t>Dropbox</a:t>
-            </a:r>
-          </a:p>
-          <a:p>
-            <a:r>
-              <a:rPr lang="en-GB" dirty="0"/>
-              <a:t>YouTube</a:t>
-            </a:r>
-          </a:p>
-          <a:p>
-            <a:r>
-              <a:rPr lang="en-GB" dirty="0"/>
-              <a:t>Instagram</a:t>
-            </a:r>
-          </a:p>
-          <a:p>
-            <a:r>
-              <a:rPr lang="en-GB" dirty="0"/>
-              <a:t>BitTorrent</a:t>
-            </a:r>
-          </a:p>
-          <a:p>
-            <a:r>
-              <a:rPr lang="en-GB" dirty="0"/>
-              <a:t>The Sims 4</a:t>
-            </a:r>
-          </a:p>
-          <a:p>
+              <a:t>Python is translated from programming language to bytecode</a:t>
+            </a:r>
+          </a:p>
+          <a:p>
+            <a:pPr lvl="1"/>
+            <a:r>
+              <a:rPr lang="en-GB" dirty="0"/>
+              <a:t>This is all automatic</a:t>
+            </a:r>
+          </a:p>
+          <a:p>
+            <a:r>
+              <a:rPr lang="en-GB" dirty="0"/>
+              <a:t>Python keeps bytecode for faster performance</a:t>
+            </a:r>
+          </a:p>
+          <a:p>
+            <a:pPr lvl="1"/>
+            <a:r>
+              <a:rPr lang="en-GB" dirty="0"/>
+              <a:t>Only recompile when source has changed</a:t>
+            </a:r>
+          </a:p>
+          <a:p>
+            <a:r>
+              <a:rPr lang="en-GB" dirty="0"/>
+              <a:t>Bytecode is interpreted line-by-line by the machine</a:t>
+            </a:r>
+          </a:p>
+          <a:p>
+            <a:pPr lvl="1"/>
+            <a:r>
+              <a:rPr lang="en-GB" dirty="0"/>
+              <a:t>Runtime errors</a:t>
+            </a:r>
+          </a:p>
+          <a:p>
+            <a:pPr lvl="1"/>
             <a:endParaRPr lang="en-GB" dirty="0"/>
           </a:p>
           <a:p>
+            <a:pPr lvl="1"/>
             <a:endParaRPr lang="en-GB" dirty="0"/>
           </a:p>
           <a:p>
             <a:pPr marL="0" indent="0">
               <a:buNone/>
             </a:pPr>
-            <a:r>
-              <a:rPr lang="en-GB" dirty="0"/>
-              <a:t>More: </a:t>
-            </a:r>
-            <a:r>
-              <a:rPr lang="en-GB" dirty="0">
-                <a:hlinkClick r:id="rId2"/>
-              </a:rPr>
-              <a:t>https://en.wikipedia.org/wiki/List_of_Python_software</a:t>
-            </a:r>
             <a:endParaRPr lang="en-GB" dirty="0"/>
           </a:p>
           <a:p>
+            <a:pPr lvl="1"/>
             <a:endParaRPr lang="en-GB" dirty="0"/>
           </a:p>
         </p:txBody>
@@ -6248,7 +7333,7 @@
     </p:spTree>
     <p:extLst>
       <p:ext uri="{BB962C8B-B14F-4D97-AF65-F5344CB8AC3E}">
-        <p14:creationId xmlns:p14="http://schemas.microsoft.com/office/powerpoint/2010/main" val="3213338813"/>
+        <p14:creationId xmlns:p14="http://schemas.microsoft.com/office/powerpoint/2010/main" val="3151514598"/>
       </p:ext>
     </p:extLst>
   </p:cSld>
@@ -6280,7 +7365,7 @@
           <p:cNvPr id="2" name="Title 1">
             <a:extLst>
               <a:ext uri="{FF2B5EF4-FFF2-40B4-BE49-F238E27FC236}">
-                <a16:creationId xmlns:a16="http://schemas.microsoft.com/office/drawing/2014/main" id="{DC960E70-8B9B-4580-B6EE-9D465C1C1D9D}"/>
+                <a16:creationId xmlns:a16="http://schemas.microsoft.com/office/drawing/2014/main" id="{2ECFAAD4-CE12-49A7-9997-0FA611899F83}"/>
               </a:ext>
             </a:extLst>
           </p:cNvPr>
@@ -6298,7 +7383,7 @@
           <a:p>
             <a:r>
               <a:rPr lang="en-GB" dirty="0"/>
-              <a:t>Python: compiling and interpreted</a:t>
+              <a:t>Arduino: compiled language</a:t>
             </a:r>
           </a:p>
         </p:txBody>
@@ -6308,7 +7393,7 @@
           <p:cNvPr id="3" name="Content Placeholder 2">
             <a:extLst>
               <a:ext uri="{FF2B5EF4-FFF2-40B4-BE49-F238E27FC236}">
-                <a16:creationId xmlns:a16="http://schemas.microsoft.com/office/drawing/2014/main" id="{49600ED9-8C1A-4592-AB3C-19C44F8A0E6C}"/>
+                <a16:creationId xmlns:a16="http://schemas.microsoft.com/office/drawing/2014/main" id="{9B31583D-4403-4CD1-90E3-C3A045BDBB68}"/>
               </a:ext>
             </a:extLst>
           </p:cNvPr>
@@ -6326,58 +7411,16 @@
           <a:p>
             <a:r>
               <a:rPr lang="en-GB" dirty="0"/>
-              <a:t>Python is translated from programming language to bytecode</a:t>
-            </a:r>
-          </a:p>
-          <a:p>
-            <a:pPr lvl="1"/>
-            <a:r>
-              <a:rPr lang="en-GB" dirty="0"/>
-              <a:t>This is all automatic</a:t>
-            </a:r>
-          </a:p>
-          <a:p>
-            <a:r>
-              <a:rPr lang="en-GB" dirty="0"/>
-              <a:t>Python keeps bytecode for faster performance</a:t>
-            </a:r>
-          </a:p>
-          <a:p>
-            <a:pPr lvl="1"/>
-            <a:r>
-              <a:rPr lang="en-GB" dirty="0"/>
-              <a:t>Only recompile when source has changed</a:t>
-            </a:r>
-          </a:p>
-          <a:p>
-            <a:r>
-              <a:rPr lang="en-GB" dirty="0"/>
-              <a:t>Bytecode is interpreted line-by-line by the machine</a:t>
-            </a:r>
-          </a:p>
-          <a:p>
-            <a:pPr lvl="1"/>
-            <a:r>
-              <a:rPr lang="en-GB" dirty="0"/>
-              <a:t>Runtime errors</a:t>
-            </a:r>
-          </a:p>
-          <a:p>
-            <a:pPr lvl="1"/>
-            <a:endParaRPr lang="en-GB" dirty="0"/>
-          </a:p>
-          <a:p>
-            <a:pPr lvl="1"/>
-            <a:endParaRPr lang="en-GB" dirty="0"/>
-          </a:p>
-          <a:p>
-            <a:pPr marL="0" indent="0">
-              <a:buNone/>
-            </a:pPr>
-            <a:endParaRPr lang="en-GB" dirty="0"/>
-          </a:p>
-          <a:p>
-            <a:pPr lvl="1"/>
+              <a:t>Code is translated to machine code in one go (no bytecode)</a:t>
+            </a:r>
+          </a:p>
+          <a:p>
+            <a:r>
+              <a:rPr lang="en-GB" dirty="0"/>
+              <a:t>Compilation (and thus checking errors) happens before code is uploaded to Arduino</a:t>
+            </a:r>
+          </a:p>
+          <a:p>
             <a:endParaRPr lang="en-GB" dirty="0"/>
           </a:p>
         </p:txBody>
@@ -6385,7 +7428,7 @@
     </p:spTree>
     <p:extLst>
       <p:ext uri="{BB962C8B-B14F-4D97-AF65-F5344CB8AC3E}">
-        <p14:creationId xmlns:p14="http://schemas.microsoft.com/office/powerpoint/2010/main" val="3151514598"/>
+        <p14:creationId xmlns:p14="http://schemas.microsoft.com/office/powerpoint/2010/main" val="805508218"/>
       </p:ext>
     </p:extLst>
   </p:cSld>
@@ -6414,101 +7457,80 @@
       </p:grpSpPr>
       <p:sp>
         <p:nvSpPr>
-          <p:cNvPr id="2" name="Title 1">
+          <p:cNvPr id="2" name="Title 1"/>
+          <p:cNvSpPr>
+            <a:spLocks noGrp="1"/>
+          </p:cNvSpPr>
+          <p:nvPr>
+            <p:ph type="title"/>
+          </p:nvPr>
+        </p:nvSpPr>
+        <p:spPr/>
+        <p:txBody>
+          <a:bodyPr/>
+          <a:lstStyle/>
+          <a:p>
+            <a:pPr algn="ctr"/>
+            <a:r>
+              <a:rPr lang="en-GB" dirty="0"/>
+              <a:t>Variables and types</a:t>
+            </a:r>
+          </a:p>
+        </p:txBody>
+      </p:sp>
+      <p:sp>
+        <p:nvSpPr>
+          <p:cNvPr id="3" name="Text Placeholder 2"/>
+          <p:cNvSpPr>
+            <a:spLocks noGrp="1"/>
+          </p:cNvSpPr>
+          <p:nvPr>
+            <p:ph type="body" idx="1"/>
+          </p:nvPr>
+        </p:nvSpPr>
+        <p:spPr/>
+        <p:txBody>
+          <a:bodyPr/>
+          <a:lstStyle/>
+          <a:p>
+            <a:pPr algn="ctr"/>
+            <a:endParaRPr lang="en-GB" dirty="0"/>
+          </a:p>
+        </p:txBody>
+      </p:sp>
+      <p:pic>
+        <p:nvPicPr>
+          <p:cNvPr id="4" name="Picture 3"/>
+          <p:cNvPicPr>
+            <a:picLocks noChangeAspect="1"/>
+          </p:cNvPicPr>
+          <p:nvPr/>
+        </p:nvPicPr>
+        <p:blipFill rotWithShape="1">
+          <a:blip r:embed="rId3" cstate="print">
             <a:extLst>
-              <a:ext uri="{FF2B5EF4-FFF2-40B4-BE49-F238E27FC236}">
-                <a16:creationId xmlns:a16="http://schemas.microsoft.com/office/drawing/2014/main" id="{254EBF4C-D752-42CD-A3DE-A7CBDBA127A7}"/>
+              <a:ext uri="{28A0092B-C50C-407E-A947-70E740481C1C}">
+                <a14:useLocalDpi xmlns:a14="http://schemas.microsoft.com/office/drawing/2010/main" val="0"/>
               </a:ext>
             </a:extLst>
-          </p:cNvPr>
-          <p:cNvSpPr>
-            <a:spLocks noGrp="1"/>
-          </p:cNvSpPr>
-          <p:nvPr>
-            <p:ph type="title"/>
-          </p:nvPr>
-        </p:nvSpPr>
-        <p:spPr/>
-        <p:txBody>
-          <a:bodyPr/>
-          <a:lstStyle/>
-          <a:p>
-            <a:r>
-              <a:rPr lang="en-GB" dirty="0"/>
-              <a:t>Let’s do some Python!!</a:t>
-            </a:r>
-          </a:p>
-        </p:txBody>
-      </p:sp>
-      <p:sp>
-        <p:nvSpPr>
-          <p:cNvPr id="3" name="Content Placeholder 2">
-            <a:extLst>
-              <a:ext uri="{FF2B5EF4-FFF2-40B4-BE49-F238E27FC236}">
-                <a16:creationId xmlns:a16="http://schemas.microsoft.com/office/drawing/2014/main" id="{86F4644F-038F-435F-A52D-1B9A92C36003}"/>
-              </a:ext>
-            </a:extLst>
-          </p:cNvPr>
-          <p:cNvSpPr>
-            <a:spLocks noGrp="1"/>
-          </p:cNvSpPr>
-          <p:nvPr>
-            <p:ph idx="1"/>
-          </p:nvPr>
-        </p:nvSpPr>
-        <p:spPr/>
-        <p:txBody>
-          <a:bodyPr/>
-          <a:lstStyle/>
-          <a:p>
-            <a:r>
-              <a:rPr lang="en-GB" dirty="0"/>
-              <a:t>Open the </a:t>
-            </a:r>
-            <a:r>
-              <a:rPr lang="en-GB" dirty="0" err="1"/>
-              <a:t>jupyter</a:t>
-            </a:r>
-            <a:r>
-              <a:rPr lang="en-GB" dirty="0"/>
-              <a:t> notebook:</a:t>
-            </a:r>
-          </a:p>
-          <a:p>
-            <a:pPr lvl="1"/>
-            <a:r>
-              <a:rPr lang="en-GB" dirty="0"/>
-              <a:t>Go to anaconda prompt</a:t>
-            </a:r>
-          </a:p>
-          <a:p>
-            <a:pPr lvl="1"/>
-            <a:r>
-              <a:rPr lang="en-GB" dirty="0"/>
-              <a:t>Type: ‘</a:t>
-            </a:r>
-            <a:r>
-              <a:rPr lang="en-GB" dirty="0" err="1"/>
-              <a:t>jupyter</a:t>
-            </a:r>
-            <a:r>
-              <a:rPr lang="en-GB" dirty="0"/>
-              <a:t> notebook’</a:t>
-            </a:r>
-          </a:p>
-          <a:p>
-            <a:pPr lvl="1"/>
-            <a:r>
-              <a:rPr lang="en-GB" dirty="0"/>
-              <a:t>Find the notebook ‘Python lesson 1’</a:t>
-            </a:r>
-          </a:p>
-        </p:txBody>
-      </p:sp>
+          </a:blip>
+          <a:srcRect t="16503" b="15134"/>
+          <a:stretch/>
+        </p:blipFill>
+        <p:spPr>
+          <a:xfrm>
+            <a:off x="3823919" y="412489"/>
+            <a:ext cx="4531462" cy="3097870"/>
+          </a:xfrm>
+          <a:prstGeom prst="rect">
+            <a:avLst/>
+          </a:prstGeom>
+        </p:spPr>
+      </p:pic>
     </p:spTree>
     <p:extLst>
       <p:ext uri="{BB962C8B-B14F-4D97-AF65-F5344CB8AC3E}">
-        <p14:creationId xmlns:p14="http://schemas.microsoft.com/office/powerpoint/2010/main" val="896123762"/>
+        <p14:creationId xmlns:p14="http://schemas.microsoft.com/office/powerpoint/2010/main" val="3451841477"/>
       </p:ext>
     </p:extLst>
   </p:cSld>
@@ -6519,7 +7541,7 @@
 </file>
 
 <file path=ppt/slides/slide24.xml><?xml version="1.0" encoding="utf-8"?>
-<p:sld xmlns:a="http://schemas.openxmlformats.org/drawingml/2006/main" xmlns:r="http://schemas.openxmlformats.org/officeDocument/2006/relationships" xmlns:p="http://schemas.openxmlformats.org/presentationml/2006/main" show="0">
+<p:sld xmlns:a="http://schemas.openxmlformats.org/drawingml/2006/main" xmlns:r="http://schemas.openxmlformats.org/officeDocument/2006/relationships" xmlns:p="http://schemas.openxmlformats.org/presentationml/2006/main">
   <p:cSld>
     <p:spTree>
       <p:nvGrpSpPr>
@@ -6537,10 +7559,10 @@
       </p:grpSpPr>
       <p:sp>
         <p:nvSpPr>
-          <p:cNvPr id="2" name="Title 1">
+          <p:cNvPr id="2" name="Titel 1">
             <a:extLst>
               <a:ext uri="{FF2B5EF4-FFF2-40B4-BE49-F238E27FC236}">
-                <a16:creationId xmlns:a16="http://schemas.microsoft.com/office/drawing/2014/main" id="{48BBFB2D-8416-47ED-B970-F670070EF76B}"/>
+                <a16:creationId xmlns:a16="http://schemas.microsoft.com/office/drawing/2014/main" id="{BF575106-9855-4486-BC51-0301D4CF6188}"/>
               </a:ext>
             </a:extLst>
           </p:cNvPr>
@@ -6558,17 +7580,17 @@
           <a:p>
             <a:r>
               <a:rPr lang="en-GB" dirty="0"/>
-              <a:t>Architecture of a program</a:t>
-            </a:r>
-          </a:p>
-        </p:txBody>
-      </p:sp>
-      <p:sp>
-        <p:nvSpPr>
-          <p:cNvPr id="3" name="Content Placeholder 2">
+              <a:t>Content</a:t>
+            </a:r>
+          </a:p>
+        </p:txBody>
+      </p:sp>
+      <p:sp>
+        <p:nvSpPr>
+          <p:cNvPr id="3" name="Tijdelijke aanduiding voor inhoud 2">
             <a:extLst>
               <a:ext uri="{FF2B5EF4-FFF2-40B4-BE49-F238E27FC236}">
-                <a16:creationId xmlns:a16="http://schemas.microsoft.com/office/drawing/2014/main" id="{56A5E552-1B60-448E-89AC-362C360A5512}"/>
+                <a16:creationId xmlns:a16="http://schemas.microsoft.com/office/drawing/2014/main" id="{D6694B5F-B8C4-4990-BE6E-ABA8CDF68AEF}"/>
               </a:ext>
             </a:extLst>
           </p:cNvPr>
@@ -6579,159 +7601,1056 @@
             <p:ph idx="1"/>
           </p:nvPr>
         </p:nvSpPr>
-        <p:spPr>
-          <a:xfrm>
-            <a:off x="838200" y="1825625"/>
-            <a:ext cx="10515600" cy="4351338"/>
-          </a:xfrm>
-        </p:spPr>
-        <p:txBody>
-          <a:bodyPr/>
-          <a:lstStyle/>
-          <a:p>
-            <a:r>
-              <a:rPr lang="en-GB" dirty="0"/>
-              <a:t>3 levels of code:</a:t>
+        <p:spPr/>
+        <p:txBody>
+          <a:bodyPr>
+            <a:normAutofit/>
+          </a:bodyPr>
+          <a:lstStyle/>
+          <a:p>
+            <a:r>
+              <a:rPr lang="en-GB" dirty="0"/>
+              <a:t>Primitive data types</a:t>
+            </a:r>
+          </a:p>
+          <a:p>
+            <a:r>
+              <a:rPr lang="en-GB" dirty="0"/>
+              <a:t>Composite data types</a:t>
+            </a:r>
+          </a:p>
+          <a:p>
+            <a:r>
+              <a:rPr lang="en-GB" dirty="0"/>
+              <a:t>Abstract data types</a:t>
+            </a:r>
+          </a:p>
+          <a:p>
+            <a:r>
+              <a:rPr lang="en-GB" dirty="0"/>
+              <a:t>Type safety and type error</a:t>
             </a:r>
           </a:p>
           <a:p>
             <a:endParaRPr lang="en-GB" dirty="0"/>
           </a:p>
-          <a:p>
-            <a:r>
-              <a:rPr lang="en-GB" dirty="0"/>
-              <a:t>Programming language</a:t>
-            </a:r>
-          </a:p>
-          <a:p>
-            <a:pPr marL="0" indent="0">
-              <a:buNone/>
-            </a:pPr>
-            <a:endParaRPr lang="en-GB" dirty="0"/>
-          </a:p>
-          <a:p>
-            <a:r>
-              <a:rPr lang="en-GB" dirty="0"/>
-              <a:t>Bytecode</a:t>
-            </a:r>
-          </a:p>
-          <a:p>
-            <a:endParaRPr lang="en-GB" dirty="0"/>
-          </a:p>
-          <a:p>
-            <a:r>
-              <a:rPr lang="en-GB" dirty="0"/>
-              <a:t>Machine code</a:t>
-            </a:r>
-          </a:p>
-        </p:txBody>
-      </p:sp>
-      <p:sp>
-        <p:nvSpPr>
-          <p:cNvPr id="4" name="Arrow: Curved Left 3">
+        </p:txBody>
+      </p:sp>
+    </p:spTree>
+    <p:extLst>
+      <p:ext uri="{BB962C8B-B14F-4D97-AF65-F5344CB8AC3E}">
+        <p14:creationId xmlns:p14="http://schemas.microsoft.com/office/powerpoint/2010/main" val="3279030761"/>
+      </p:ext>
+    </p:extLst>
+  </p:cSld>
+  <p:clrMapOvr>
+    <a:masterClrMapping/>
+  </p:clrMapOvr>
+  <p:timing>
+    <p:tnLst>
+      <p:par>
+        <p:cTn id="1" dur="indefinite" restart="never" nodeType="tmRoot">
+          <p:childTnLst>
+            <p:seq concurrent="1" nextAc="seek">
+              <p:cTn id="2" dur="indefinite" nodeType="mainSeq">
+                <p:childTnLst>
+                  <p:par>
+                    <p:cTn id="3" fill="hold">
+                      <p:stCondLst>
+                        <p:cond delay="indefinite"/>
+                      </p:stCondLst>
+                      <p:childTnLst>
+                        <p:par>
+                          <p:cTn id="4" fill="hold">
+                            <p:stCondLst>
+                              <p:cond delay="0"/>
+                            </p:stCondLst>
+                            <p:childTnLst>
+                              <p:par>
+                                <p:cTn id="5" presetID="1" presetClass="entr" presetSubtype="0" fill="hold" grpId="0" nodeType="clickEffect">
+                                  <p:stCondLst>
+                                    <p:cond delay="0"/>
+                                  </p:stCondLst>
+                                  <p:childTnLst>
+                                    <p:set>
+                                      <p:cBhvr>
+                                        <p:cTn id="6" dur="1" fill="hold">
+                                          <p:stCondLst>
+                                            <p:cond delay="0"/>
+                                          </p:stCondLst>
+                                        </p:cTn>
+                                        <p:tgtEl>
+                                          <p:spTgt spid="3">
+                                            <p:txEl>
+                                              <p:pRg st="0" end="0"/>
+                                            </p:txEl>
+                                          </p:spTgt>
+                                        </p:tgtEl>
+                                        <p:attrNameLst>
+                                          <p:attrName>style.visibility</p:attrName>
+                                        </p:attrNameLst>
+                                      </p:cBhvr>
+                                      <p:to>
+                                        <p:strVal val="visible"/>
+                                      </p:to>
+                                    </p:set>
+                                  </p:childTnLst>
+                                </p:cTn>
+                              </p:par>
+                            </p:childTnLst>
+                          </p:cTn>
+                        </p:par>
+                      </p:childTnLst>
+                    </p:cTn>
+                  </p:par>
+                  <p:par>
+                    <p:cTn id="7" fill="hold">
+                      <p:stCondLst>
+                        <p:cond delay="indefinite"/>
+                      </p:stCondLst>
+                      <p:childTnLst>
+                        <p:par>
+                          <p:cTn id="8" fill="hold">
+                            <p:stCondLst>
+                              <p:cond delay="0"/>
+                            </p:stCondLst>
+                            <p:childTnLst>
+                              <p:par>
+                                <p:cTn id="9" presetID="1" presetClass="entr" presetSubtype="0" fill="hold" grpId="0" nodeType="clickEffect">
+                                  <p:stCondLst>
+                                    <p:cond delay="0"/>
+                                  </p:stCondLst>
+                                  <p:childTnLst>
+                                    <p:set>
+                                      <p:cBhvr>
+                                        <p:cTn id="10" dur="1" fill="hold">
+                                          <p:stCondLst>
+                                            <p:cond delay="0"/>
+                                          </p:stCondLst>
+                                        </p:cTn>
+                                        <p:tgtEl>
+                                          <p:spTgt spid="3">
+                                            <p:txEl>
+                                              <p:pRg st="1" end="1"/>
+                                            </p:txEl>
+                                          </p:spTgt>
+                                        </p:tgtEl>
+                                        <p:attrNameLst>
+                                          <p:attrName>style.visibility</p:attrName>
+                                        </p:attrNameLst>
+                                      </p:cBhvr>
+                                      <p:to>
+                                        <p:strVal val="visible"/>
+                                      </p:to>
+                                    </p:set>
+                                  </p:childTnLst>
+                                </p:cTn>
+                              </p:par>
+                            </p:childTnLst>
+                          </p:cTn>
+                        </p:par>
+                      </p:childTnLst>
+                    </p:cTn>
+                  </p:par>
+                  <p:par>
+                    <p:cTn id="11" fill="hold">
+                      <p:stCondLst>
+                        <p:cond delay="indefinite"/>
+                      </p:stCondLst>
+                      <p:childTnLst>
+                        <p:par>
+                          <p:cTn id="12" fill="hold">
+                            <p:stCondLst>
+                              <p:cond delay="0"/>
+                            </p:stCondLst>
+                            <p:childTnLst>
+                              <p:par>
+                                <p:cTn id="13" presetID="1" presetClass="entr" presetSubtype="0" fill="hold" grpId="0" nodeType="clickEffect">
+                                  <p:stCondLst>
+                                    <p:cond delay="0"/>
+                                  </p:stCondLst>
+                                  <p:childTnLst>
+                                    <p:set>
+                                      <p:cBhvr>
+                                        <p:cTn id="14" dur="1" fill="hold">
+                                          <p:stCondLst>
+                                            <p:cond delay="0"/>
+                                          </p:stCondLst>
+                                        </p:cTn>
+                                        <p:tgtEl>
+                                          <p:spTgt spid="3">
+                                            <p:txEl>
+                                              <p:pRg st="2" end="2"/>
+                                            </p:txEl>
+                                          </p:spTgt>
+                                        </p:tgtEl>
+                                        <p:attrNameLst>
+                                          <p:attrName>style.visibility</p:attrName>
+                                        </p:attrNameLst>
+                                      </p:cBhvr>
+                                      <p:to>
+                                        <p:strVal val="visible"/>
+                                      </p:to>
+                                    </p:set>
+                                  </p:childTnLst>
+                                </p:cTn>
+                              </p:par>
+                            </p:childTnLst>
+                          </p:cTn>
+                        </p:par>
+                      </p:childTnLst>
+                    </p:cTn>
+                  </p:par>
+                  <p:par>
+                    <p:cTn id="15" fill="hold">
+                      <p:stCondLst>
+                        <p:cond delay="indefinite"/>
+                      </p:stCondLst>
+                      <p:childTnLst>
+                        <p:par>
+                          <p:cTn id="16" fill="hold">
+                            <p:stCondLst>
+                              <p:cond delay="0"/>
+                            </p:stCondLst>
+                            <p:childTnLst>
+                              <p:par>
+                                <p:cTn id="17" presetID="1" presetClass="entr" presetSubtype="0" fill="hold" grpId="0" nodeType="clickEffect">
+                                  <p:stCondLst>
+                                    <p:cond delay="0"/>
+                                  </p:stCondLst>
+                                  <p:childTnLst>
+                                    <p:set>
+                                      <p:cBhvr>
+                                        <p:cTn id="18" dur="1" fill="hold">
+                                          <p:stCondLst>
+                                            <p:cond delay="0"/>
+                                          </p:stCondLst>
+                                        </p:cTn>
+                                        <p:tgtEl>
+                                          <p:spTgt spid="3">
+                                            <p:txEl>
+                                              <p:pRg st="3" end="3"/>
+                                            </p:txEl>
+                                          </p:spTgt>
+                                        </p:tgtEl>
+                                        <p:attrNameLst>
+                                          <p:attrName>style.visibility</p:attrName>
+                                        </p:attrNameLst>
+                                      </p:cBhvr>
+                                      <p:to>
+                                        <p:strVal val="visible"/>
+                                      </p:to>
+                                    </p:set>
+                                  </p:childTnLst>
+                                </p:cTn>
+                              </p:par>
+                            </p:childTnLst>
+                          </p:cTn>
+                        </p:par>
+                      </p:childTnLst>
+                    </p:cTn>
+                  </p:par>
+                </p:childTnLst>
+              </p:cTn>
+              <p:prevCondLst>
+                <p:cond evt="onPrev" delay="0">
+                  <p:tgtEl>
+                    <p:sldTgt/>
+                  </p:tgtEl>
+                </p:cond>
+              </p:prevCondLst>
+              <p:nextCondLst>
+                <p:cond evt="onNext" delay="0">
+                  <p:tgtEl>
+                    <p:sldTgt/>
+                  </p:tgtEl>
+                </p:cond>
+              </p:nextCondLst>
+            </p:seq>
+          </p:childTnLst>
+        </p:cTn>
+      </p:par>
+    </p:tnLst>
+    <p:bldLst>
+      <p:bldP spid="3" grpId="0" build="p"/>
+    </p:bldLst>
+  </p:timing>
+</p:sld>
+</file>
+
+<file path=ppt/slides/slide25.xml><?xml version="1.0" encoding="utf-8"?>
+<p:sld xmlns:a="http://schemas.openxmlformats.org/drawingml/2006/main" xmlns:r="http://schemas.openxmlformats.org/officeDocument/2006/relationships" xmlns:p="http://schemas.openxmlformats.org/presentationml/2006/main">
+  <p:cSld>
+    <p:spTree>
+      <p:nvGrpSpPr>
+        <p:cNvPr id="1" name=""/>
+        <p:cNvGrpSpPr/>
+        <p:nvPr/>
+      </p:nvGrpSpPr>
+      <p:grpSpPr>
+        <a:xfrm>
+          <a:off x="0" y="0"/>
+          <a:ext cx="0" cy="0"/>
+          <a:chOff x="0" y="0"/>
+          <a:chExt cx="0" cy="0"/>
+        </a:xfrm>
+      </p:grpSpPr>
+      <p:sp>
+        <p:nvSpPr>
+          <p:cNvPr id="2" name="Titel 1">
             <a:extLst>
               <a:ext uri="{FF2B5EF4-FFF2-40B4-BE49-F238E27FC236}">
-                <a16:creationId xmlns:a16="http://schemas.microsoft.com/office/drawing/2014/main" id="{7FFADF65-1CBF-476E-8D1A-CAB350EB22DF}"/>
+                <a16:creationId xmlns:a16="http://schemas.microsoft.com/office/drawing/2014/main" id="{1C4FFFDA-809D-48CE-BFB7-A7DD5AEA527F}"/>
               </a:ext>
             </a:extLst>
           </p:cNvPr>
-          <p:cNvSpPr/>
+          <p:cNvSpPr>
+            <a:spLocks noGrp="1"/>
+          </p:cNvSpPr>
+          <p:nvPr>
+            <p:ph type="title"/>
+          </p:nvPr>
+        </p:nvSpPr>
+        <p:spPr/>
+        <p:txBody>
+          <a:bodyPr/>
+          <a:lstStyle/>
+          <a:p>
+            <a:r>
+              <a:rPr lang="en-GB" dirty="0"/>
+              <a:t>What is a variable</a:t>
+            </a:r>
+          </a:p>
+        </p:txBody>
+      </p:sp>
+      <p:sp>
+        <p:nvSpPr>
+          <p:cNvPr id="3" name="Tijdelijke aanduiding voor inhoud 2">
+            <a:extLst>
+              <a:ext uri="{FF2B5EF4-FFF2-40B4-BE49-F238E27FC236}">
+                <a16:creationId xmlns:a16="http://schemas.microsoft.com/office/drawing/2014/main" id="{2E299F9A-D5C0-4C9A-8AD8-D087280F895A}"/>
+              </a:ext>
+            </a:extLst>
+          </p:cNvPr>
+          <p:cNvSpPr>
+            <a:spLocks noGrp="1"/>
+          </p:cNvSpPr>
+          <p:nvPr>
+            <p:ph idx="1"/>
+          </p:nvPr>
+        </p:nvSpPr>
+        <p:spPr/>
+        <p:txBody>
+          <a:bodyPr/>
+          <a:lstStyle/>
+          <a:p>
+            <a:r>
+              <a:rPr lang="en-GB" b="1" dirty="0"/>
+              <a:t>Location</a:t>
+            </a:r>
+            <a:r>
+              <a:rPr lang="en-GB" dirty="0"/>
+              <a:t> where a value is stored</a:t>
+            </a:r>
+          </a:p>
+          <a:p>
+            <a:r>
+              <a:rPr lang="en-GB" dirty="0"/>
+              <a:t>Variable consists of:</a:t>
+            </a:r>
+          </a:p>
+          <a:p>
+            <a:pPr lvl="1"/>
+            <a:r>
+              <a:rPr lang="en-GB" dirty="0"/>
+              <a:t>Variable name (identifier)</a:t>
+            </a:r>
+          </a:p>
+          <a:p>
+            <a:pPr lvl="1"/>
+            <a:r>
+              <a:rPr lang="en-GB" dirty="0"/>
+              <a:t>Value</a:t>
+            </a:r>
+          </a:p>
+          <a:p>
+            <a:pPr lvl="2"/>
+            <a:r>
+              <a:rPr lang="en-GB" dirty="0"/>
+              <a:t>In Python value has the type, not variable</a:t>
+            </a:r>
+          </a:p>
+        </p:txBody>
+      </p:sp>
+      <p:pic>
+        <p:nvPicPr>
+          <p:cNvPr id="7" name="Afbeelding 6">
+            <a:extLst>
+              <a:ext uri="{FF2B5EF4-FFF2-40B4-BE49-F238E27FC236}">
+                <a16:creationId xmlns:a16="http://schemas.microsoft.com/office/drawing/2014/main" id="{37D44135-7964-4EF9-9B29-F756EBE54271}"/>
+              </a:ext>
+            </a:extLst>
+          </p:cNvPr>
+          <p:cNvPicPr>
+            <a:picLocks noChangeAspect="1"/>
+          </p:cNvPicPr>
           <p:nvPr/>
-        </p:nvSpPr>
+        </p:nvPicPr>
+        <p:blipFill rotWithShape="1">
+          <a:blip r:embed="rId3"/>
+          <a:srcRect l="22067"/>
+          <a:stretch/>
+        </p:blipFill>
         <p:spPr>
           <a:xfrm>
-            <a:off x="5046133" y="3115733"/>
-            <a:ext cx="372534" cy="965200"/>
+            <a:off x="4767262" y="4649787"/>
+            <a:ext cx="2657475" cy="657225"/>
           </a:xfrm>
-          <a:prstGeom prst="curvedLeftArrow">
+          <a:prstGeom prst="rect">
             <a:avLst/>
           </a:prstGeom>
         </p:spPr>
-        <p:style>
-          <a:lnRef idx="2">
-            <a:schemeClr val="dk1">
-              <a:shade val="50000"/>
-            </a:schemeClr>
-          </a:lnRef>
-          <a:fillRef idx="1">
-            <a:schemeClr val="dk1"/>
-          </a:fillRef>
-          <a:effectRef idx="0">
-            <a:schemeClr val="dk1"/>
-          </a:effectRef>
-          <a:fontRef idx="minor">
-            <a:schemeClr val="lt1"/>
-          </a:fontRef>
-        </p:style>
-        <p:txBody>
-          <a:bodyPr rtlCol="0" anchor="ctr"/>
-          <a:lstStyle/>
-          <a:p>
-            <a:pPr algn="ctr"/>
-            <a:endParaRPr lang="en-GB">
-              <a:solidFill>
-                <a:schemeClr val="tx1"/>
-              </a:solidFill>
-            </a:endParaRPr>
-          </a:p>
-        </p:txBody>
-      </p:sp>
-      <p:sp>
-        <p:nvSpPr>
-          <p:cNvPr id="5" name="Arrow: Curved Left 4">
+      </p:pic>
+    </p:spTree>
+    <p:extLst>
+      <p:ext uri="{BB962C8B-B14F-4D97-AF65-F5344CB8AC3E}">
+        <p14:creationId xmlns:p14="http://schemas.microsoft.com/office/powerpoint/2010/main" val="2918340093"/>
+      </p:ext>
+    </p:extLst>
+  </p:cSld>
+  <p:clrMapOvr>
+    <a:masterClrMapping/>
+  </p:clrMapOvr>
+  <p:timing>
+    <p:tnLst>
+      <p:par>
+        <p:cTn id="1" dur="indefinite" restart="never" nodeType="tmRoot">
+          <p:childTnLst>
+            <p:seq concurrent="1" nextAc="seek">
+              <p:cTn id="2" dur="indefinite" nodeType="mainSeq">
+                <p:childTnLst>
+                  <p:par>
+                    <p:cTn id="3" fill="hold">
+                      <p:stCondLst>
+                        <p:cond delay="indefinite"/>
+                      </p:stCondLst>
+                      <p:childTnLst>
+                        <p:par>
+                          <p:cTn id="4" fill="hold">
+                            <p:stCondLst>
+                              <p:cond delay="0"/>
+                            </p:stCondLst>
+                            <p:childTnLst>
+                              <p:par>
+                                <p:cTn id="5" presetID="1" presetClass="entr" presetSubtype="0" fill="hold" grpId="0" nodeType="clickEffect">
+                                  <p:stCondLst>
+                                    <p:cond delay="0"/>
+                                  </p:stCondLst>
+                                  <p:childTnLst>
+                                    <p:set>
+                                      <p:cBhvr>
+                                        <p:cTn id="6" dur="1" fill="hold">
+                                          <p:stCondLst>
+                                            <p:cond delay="0"/>
+                                          </p:stCondLst>
+                                        </p:cTn>
+                                        <p:tgtEl>
+                                          <p:spTgt spid="3">
+                                            <p:txEl>
+                                              <p:pRg st="0" end="0"/>
+                                            </p:txEl>
+                                          </p:spTgt>
+                                        </p:tgtEl>
+                                        <p:attrNameLst>
+                                          <p:attrName>style.visibility</p:attrName>
+                                        </p:attrNameLst>
+                                      </p:cBhvr>
+                                      <p:to>
+                                        <p:strVal val="visible"/>
+                                      </p:to>
+                                    </p:set>
+                                  </p:childTnLst>
+                                </p:cTn>
+                              </p:par>
+                            </p:childTnLst>
+                          </p:cTn>
+                        </p:par>
+                      </p:childTnLst>
+                    </p:cTn>
+                  </p:par>
+                  <p:par>
+                    <p:cTn id="7" fill="hold">
+                      <p:stCondLst>
+                        <p:cond delay="indefinite"/>
+                      </p:stCondLst>
+                      <p:childTnLst>
+                        <p:par>
+                          <p:cTn id="8" fill="hold">
+                            <p:stCondLst>
+                              <p:cond delay="0"/>
+                            </p:stCondLst>
+                            <p:childTnLst>
+                              <p:par>
+                                <p:cTn id="9" presetID="1" presetClass="entr" presetSubtype="0" fill="hold" grpId="0" nodeType="clickEffect">
+                                  <p:stCondLst>
+                                    <p:cond delay="0"/>
+                                  </p:stCondLst>
+                                  <p:childTnLst>
+                                    <p:set>
+                                      <p:cBhvr>
+                                        <p:cTn id="10" dur="1" fill="hold">
+                                          <p:stCondLst>
+                                            <p:cond delay="0"/>
+                                          </p:stCondLst>
+                                        </p:cTn>
+                                        <p:tgtEl>
+                                          <p:spTgt spid="3">
+                                            <p:txEl>
+                                              <p:pRg st="1" end="1"/>
+                                            </p:txEl>
+                                          </p:spTgt>
+                                        </p:tgtEl>
+                                        <p:attrNameLst>
+                                          <p:attrName>style.visibility</p:attrName>
+                                        </p:attrNameLst>
+                                      </p:cBhvr>
+                                      <p:to>
+                                        <p:strVal val="visible"/>
+                                      </p:to>
+                                    </p:set>
+                                  </p:childTnLst>
+                                </p:cTn>
+                              </p:par>
+                              <p:par>
+                                <p:cTn id="11" presetID="1" presetClass="entr" presetSubtype="0" fill="hold" grpId="0" nodeType="withEffect">
+                                  <p:stCondLst>
+                                    <p:cond delay="0"/>
+                                  </p:stCondLst>
+                                  <p:childTnLst>
+                                    <p:set>
+                                      <p:cBhvr>
+                                        <p:cTn id="12" dur="1" fill="hold">
+                                          <p:stCondLst>
+                                            <p:cond delay="0"/>
+                                          </p:stCondLst>
+                                        </p:cTn>
+                                        <p:tgtEl>
+                                          <p:spTgt spid="3">
+                                            <p:txEl>
+                                              <p:pRg st="2" end="2"/>
+                                            </p:txEl>
+                                          </p:spTgt>
+                                        </p:tgtEl>
+                                        <p:attrNameLst>
+                                          <p:attrName>style.visibility</p:attrName>
+                                        </p:attrNameLst>
+                                      </p:cBhvr>
+                                      <p:to>
+                                        <p:strVal val="visible"/>
+                                      </p:to>
+                                    </p:set>
+                                  </p:childTnLst>
+                                </p:cTn>
+                              </p:par>
+                              <p:par>
+                                <p:cTn id="13" presetID="1" presetClass="entr" presetSubtype="0" fill="hold" grpId="0" nodeType="withEffect">
+                                  <p:stCondLst>
+                                    <p:cond delay="0"/>
+                                  </p:stCondLst>
+                                  <p:childTnLst>
+                                    <p:set>
+                                      <p:cBhvr>
+                                        <p:cTn id="14" dur="1" fill="hold">
+                                          <p:stCondLst>
+                                            <p:cond delay="0"/>
+                                          </p:stCondLst>
+                                        </p:cTn>
+                                        <p:tgtEl>
+                                          <p:spTgt spid="3">
+                                            <p:txEl>
+                                              <p:pRg st="3" end="3"/>
+                                            </p:txEl>
+                                          </p:spTgt>
+                                        </p:tgtEl>
+                                        <p:attrNameLst>
+                                          <p:attrName>style.visibility</p:attrName>
+                                        </p:attrNameLst>
+                                      </p:cBhvr>
+                                      <p:to>
+                                        <p:strVal val="visible"/>
+                                      </p:to>
+                                    </p:set>
+                                  </p:childTnLst>
+                                </p:cTn>
+                              </p:par>
+                              <p:par>
+                                <p:cTn id="15" presetID="1" presetClass="entr" presetSubtype="0" fill="hold" grpId="0" nodeType="withEffect">
+                                  <p:stCondLst>
+                                    <p:cond delay="0"/>
+                                  </p:stCondLst>
+                                  <p:childTnLst>
+                                    <p:set>
+                                      <p:cBhvr>
+                                        <p:cTn id="16" dur="1" fill="hold">
+                                          <p:stCondLst>
+                                            <p:cond delay="0"/>
+                                          </p:stCondLst>
+                                        </p:cTn>
+                                        <p:tgtEl>
+                                          <p:spTgt spid="3">
+                                            <p:txEl>
+                                              <p:pRg st="4" end="4"/>
+                                            </p:txEl>
+                                          </p:spTgt>
+                                        </p:tgtEl>
+                                        <p:attrNameLst>
+                                          <p:attrName>style.visibility</p:attrName>
+                                        </p:attrNameLst>
+                                      </p:cBhvr>
+                                      <p:to>
+                                        <p:strVal val="visible"/>
+                                      </p:to>
+                                    </p:set>
+                                  </p:childTnLst>
+                                </p:cTn>
+                              </p:par>
+                            </p:childTnLst>
+                          </p:cTn>
+                        </p:par>
+                      </p:childTnLst>
+                    </p:cTn>
+                  </p:par>
+                  <p:par>
+                    <p:cTn id="17" fill="hold">
+                      <p:stCondLst>
+                        <p:cond delay="indefinite"/>
+                      </p:stCondLst>
+                      <p:childTnLst>
+                        <p:par>
+                          <p:cTn id="18" fill="hold">
+                            <p:stCondLst>
+                              <p:cond delay="0"/>
+                            </p:stCondLst>
+                            <p:childTnLst>
+                              <p:par>
+                                <p:cTn id="19" presetID="1" presetClass="entr" presetSubtype="0" fill="hold" nodeType="clickEffect">
+                                  <p:stCondLst>
+                                    <p:cond delay="0"/>
+                                  </p:stCondLst>
+                                  <p:childTnLst>
+                                    <p:set>
+                                      <p:cBhvr>
+                                        <p:cTn id="20" dur="1" fill="hold">
+                                          <p:stCondLst>
+                                            <p:cond delay="0"/>
+                                          </p:stCondLst>
+                                        </p:cTn>
+                                        <p:tgtEl>
+                                          <p:spTgt spid="7"/>
+                                        </p:tgtEl>
+                                        <p:attrNameLst>
+                                          <p:attrName>style.visibility</p:attrName>
+                                        </p:attrNameLst>
+                                      </p:cBhvr>
+                                      <p:to>
+                                        <p:strVal val="visible"/>
+                                      </p:to>
+                                    </p:set>
+                                  </p:childTnLst>
+                                </p:cTn>
+                              </p:par>
+                            </p:childTnLst>
+                          </p:cTn>
+                        </p:par>
+                      </p:childTnLst>
+                    </p:cTn>
+                  </p:par>
+                </p:childTnLst>
+              </p:cTn>
+              <p:prevCondLst>
+                <p:cond evt="onPrev" delay="0">
+                  <p:tgtEl>
+                    <p:sldTgt/>
+                  </p:tgtEl>
+                </p:cond>
+              </p:prevCondLst>
+              <p:nextCondLst>
+                <p:cond evt="onNext" delay="0">
+                  <p:tgtEl>
+                    <p:sldTgt/>
+                  </p:tgtEl>
+                </p:cond>
+              </p:nextCondLst>
+            </p:seq>
+          </p:childTnLst>
+        </p:cTn>
+      </p:par>
+    </p:tnLst>
+    <p:bldLst>
+      <p:bldP spid="3" grpId="0" build="p"/>
+    </p:bldLst>
+  </p:timing>
+</p:sld>
+</file>
+
+<file path=ppt/slides/slide26.xml><?xml version="1.0" encoding="utf-8"?>
+<p:sld xmlns:a="http://schemas.openxmlformats.org/drawingml/2006/main" xmlns:r="http://schemas.openxmlformats.org/officeDocument/2006/relationships" xmlns:p="http://schemas.openxmlformats.org/presentationml/2006/main">
+  <p:cSld>
+    <p:spTree>
+      <p:nvGrpSpPr>
+        <p:cNvPr id="1" name=""/>
+        <p:cNvGrpSpPr/>
+        <p:nvPr/>
+      </p:nvGrpSpPr>
+      <p:grpSpPr>
+        <a:xfrm>
+          <a:off x="0" y="0"/>
+          <a:ext cx="0" cy="0"/>
+          <a:chOff x="0" y="0"/>
+          <a:chExt cx="0" cy="0"/>
+        </a:xfrm>
+      </p:grpSpPr>
+      <p:sp>
+        <p:nvSpPr>
+          <p:cNvPr id="2" name="Titel 1">
             <a:extLst>
               <a:ext uri="{FF2B5EF4-FFF2-40B4-BE49-F238E27FC236}">
-                <a16:creationId xmlns:a16="http://schemas.microsoft.com/office/drawing/2014/main" id="{77387E6F-DC2F-4F61-BBCE-75B51E90D60D}"/>
+                <a16:creationId xmlns:a16="http://schemas.microsoft.com/office/drawing/2014/main" id="{1C4FFFDA-809D-48CE-BFB7-A7DD5AEA527F}"/>
               </a:ext>
             </a:extLst>
           </p:cNvPr>
-          <p:cNvSpPr/>
-          <p:nvPr/>
-        </p:nvSpPr>
-        <p:spPr>
-          <a:xfrm>
-            <a:off x="5046133" y="4163748"/>
-            <a:ext cx="372534" cy="965200"/>
-          </a:xfrm>
-          <a:prstGeom prst="curvedLeftArrow">
-            <a:avLst/>
-          </a:prstGeom>
-        </p:spPr>
-        <p:style>
-          <a:lnRef idx="2">
-            <a:schemeClr val="dk1">
-              <a:shade val="50000"/>
-            </a:schemeClr>
-          </a:lnRef>
-          <a:fillRef idx="1">
-            <a:schemeClr val="dk1"/>
-          </a:fillRef>
-          <a:effectRef idx="0">
-            <a:schemeClr val="dk1"/>
-          </a:effectRef>
-          <a:fontRef idx="minor">
-            <a:schemeClr val="lt1"/>
-          </a:fontRef>
-        </p:style>
-        <p:txBody>
-          <a:bodyPr rtlCol="0" anchor="ctr"/>
-          <a:lstStyle/>
-          <a:p>
-            <a:pPr algn="ctr"/>
-            <a:endParaRPr lang="en-GB">
-              <a:solidFill>
-                <a:schemeClr val="tx1"/>
-              </a:solidFill>
-            </a:endParaRPr>
-          </a:p>
-        </p:txBody>
-      </p:sp>
-      <p:sp>
-        <p:nvSpPr>
-          <p:cNvPr id="6" name="Content Placeholder 2">
+          <p:cNvSpPr>
+            <a:spLocks noGrp="1"/>
+          </p:cNvSpPr>
+          <p:nvPr>
+            <p:ph type="title"/>
+          </p:nvPr>
+        </p:nvSpPr>
+        <p:spPr/>
+        <p:txBody>
+          <a:bodyPr/>
+          <a:lstStyle/>
+          <a:p>
+            <a:r>
+              <a:rPr lang="en-GB" dirty="0"/>
+              <a:t>What is a variable</a:t>
+            </a:r>
+          </a:p>
+        </p:txBody>
+      </p:sp>
+      <p:sp>
+        <p:nvSpPr>
+          <p:cNvPr id="3" name="Tijdelijke aanduiding voor inhoud 2">
             <a:extLst>
               <a:ext uri="{FF2B5EF4-FFF2-40B4-BE49-F238E27FC236}">
-                <a16:creationId xmlns:a16="http://schemas.microsoft.com/office/drawing/2014/main" id="{6DEFDBD7-4235-4685-BFB8-2ED6B85030D9}"/>
+                <a16:creationId xmlns:a16="http://schemas.microsoft.com/office/drawing/2014/main" id="{2E299F9A-D5C0-4C9A-8AD8-D087280F895A}"/>
+              </a:ext>
+            </a:extLst>
+          </p:cNvPr>
+          <p:cNvSpPr>
+            <a:spLocks noGrp="1"/>
+          </p:cNvSpPr>
+          <p:nvPr>
+            <p:ph idx="1"/>
+          </p:nvPr>
+        </p:nvSpPr>
+        <p:spPr/>
+        <p:txBody>
+          <a:bodyPr/>
+          <a:lstStyle/>
+          <a:p>
+            <a:r>
+              <a:rPr lang="en-GB" b="1" dirty="0"/>
+              <a:t>Location</a:t>
+            </a:r>
+            <a:r>
+              <a:rPr lang="en-GB" dirty="0"/>
+              <a:t> where a value is stored</a:t>
+            </a:r>
+          </a:p>
+        </p:txBody>
+      </p:sp>
+      <p:graphicFrame>
+        <p:nvGraphicFramePr>
+          <p:cNvPr id="4" name="Tabel 3">
+            <a:extLst>
+              <a:ext uri="{FF2B5EF4-FFF2-40B4-BE49-F238E27FC236}">
+                <a16:creationId xmlns:a16="http://schemas.microsoft.com/office/drawing/2014/main" id="{E4B22976-000A-4FF4-A209-F08A0DA60057}"/>
+              </a:ext>
+            </a:extLst>
+          </p:cNvPr>
+          <p:cNvGraphicFramePr>
+            <a:graphicFrameLocks noGrp="1"/>
+          </p:cNvGraphicFramePr>
+          <p:nvPr>
+            <p:extLst/>
+          </p:nvPr>
+        </p:nvGraphicFramePr>
+        <p:xfrm>
+          <a:off x="5935362" y="3084686"/>
+          <a:ext cx="3096054" cy="2260450"/>
+        </p:xfrm>
+        <a:graphic>
+          <a:graphicData uri="http://schemas.openxmlformats.org/drawingml/2006/table">
+            <a:tbl>
+              <a:tblPr firstRow="1" bandRow="1">
+                <a:tableStyleId>{5C22544A-7EE6-4342-B048-85BDC9FD1C3A}</a:tableStyleId>
+              </a:tblPr>
+              <a:tblGrid>
+                <a:gridCol w="1548027">
+                  <a:extLst>
+                    <a:ext uri="{9D8B030D-6E8A-4147-A177-3AD203B41FA5}">
+                      <a16:colId xmlns:a16="http://schemas.microsoft.com/office/drawing/2014/main" val="648032213"/>
+                    </a:ext>
+                  </a:extLst>
+                </a:gridCol>
+                <a:gridCol w="1548027">
+                  <a:extLst>
+                    <a:ext uri="{9D8B030D-6E8A-4147-A177-3AD203B41FA5}">
+                      <a16:colId xmlns:a16="http://schemas.microsoft.com/office/drawing/2014/main" val="1875678885"/>
+                    </a:ext>
+                  </a:extLst>
+                </a:gridCol>
+              </a:tblGrid>
+              <a:tr h="452090">
+                <a:tc>
+                  <a:txBody>
+                    <a:bodyPr/>
+                    <a:lstStyle/>
+                    <a:p>
+                      <a:r>
+                        <a:rPr lang="en-GB" dirty="0"/>
+                        <a:t>Address</a:t>
+                      </a:r>
+                    </a:p>
+                  </a:txBody>
+                  <a:tcPr>
+                    <a:solidFill>
+                      <a:srgbClr val="7030A0"/>
+                    </a:solidFill>
+                  </a:tcPr>
+                </a:tc>
+                <a:tc>
+                  <a:txBody>
+                    <a:bodyPr/>
+                    <a:lstStyle/>
+                    <a:p>
+                      <a:r>
+                        <a:rPr lang="en-GB" dirty="0"/>
+                        <a:t>Value</a:t>
+                      </a:r>
+                    </a:p>
+                  </a:txBody>
+                  <a:tcPr>
+                    <a:solidFill>
+                      <a:srgbClr val="7030A0"/>
+                    </a:solidFill>
+                  </a:tcPr>
+                </a:tc>
+                <a:extLst>
+                  <a:ext uri="{0D108BD9-81ED-4DB2-BD59-A6C34878D82A}">
+                    <a16:rowId xmlns:a16="http://schemas.microsoft.com/office/drawing/2014/main" val="3270505524"/>
+                  </a:ext>
+                </a:extLst>
+              </a:tr>
+              <a:tr h="452090">
+                <a:tc>
+                  <a:txBody>
+                    <a:bodyPr/>
+                    <a:lstStyle/>
+                    <a:p>
+                      <a:r>
+                        <a:rPr lang="en-GB" dirty="0"/>
+                        <a:t>000</a:t>
+                      </a:r>
+                    </a:p>
+                  </a:txBody>
+                  <a:tcPr>
+                    <a:solidFill>
+                      <a:schemeClr val="accent3">
+                        <a:lumMod val="20000"/>
+                        <a:lumOff val="80000"/>
+                      </a:schemeClr>
+                    </a:solidFill>
+                  </a:tcPr>
+                </a:tc>
+                <a:tc>
+                  <a:txBody>
+                    <a:bodyPr/>
+                    <a:lstStyle/>
+                    <a:p>
+                      <a:r>
+                        <a:rPr lang="en-GB" dirty="0"/>
+                        <a:t>NULL</a:t>
+                      </a:r>
+                    </a:p>
+                  </a:txBody>
+                  <a:tcPr>
+                    <a:solidFill>
+                      <a:schemeClr val="accent3">
+                        <a:lumMod val="20000"/>
+                        <a:lumOff val="80000"/>
+                      </a:schemeClr>
+                    </a:solidFill>
+                  </a:tcPr>
+                </a:tc>
+                <a:extLst>
+                  <a:ext uri="{0D108BD9-81ED-4DB2-BD59-A6C34878D82A}">
+                    <a16:rowId xmlns:a16="http://schemas.microsoft.com/office/drawing/2014/main" val="3928429828"/>
+                  </a:ext>
+                </a:extLst>
+              </a:tr>
+              <a:tr h="452090">
+                <a:tc>
+                  <a:txBody>
+                    <a:bodyPr/>
+                    <a:lstStyle/>
+                    <a:p>
+                      <a:r>
+                        <a:rPr lang="en-GB" dirty="0"/>
+                        <a:t>001</a:t>
+                      </a:r>
+                    </a:p>
+                  </a:txBody>
+                  <a:tcPr>
+                    <a:solidFill>
+                      <a:schemeClr val="accent3">
+                        <a:lumMod val="20000"/>
+                        <a:lumOff val="80000"/>
+                      </a:schemeClr>
+                    </a:solidFill>
+                  </a:tcPr>
+                </a:tc>
+                <a:tc>
+                  <a:txBody>
+                    <a:bodyPr/>
+                    <a:lstStyle/>
+                    <a:p>
+                      <a:r>
+                        <a:rPr lang="en-GB" dirty="0"/>
+                        <a:t>5</a:t>
+                      </a:r>
+                    </a:p>
+                  </a:txBody>
+                  <a:tcPr>
+                    <a:solidFill>
+                      <a:schemeClr val="accent3">
+                        <a:lumMod val="20000"/>
+                        <a:lumOff val="80000"/>
+                      </a:schemeClr>
+                    </a:solidFill>
+                  </a:tcPr>
+                </a:tc>
+                <a:extLst>
+                  <a:ext uri="{0D108BD9-81ED-4DB2-BD59-A6C34878D82A}">
+                    <a16:rowId xmlns:a16="http://schemas.microsoft.com/office/drawing/2014/main" val="3175073526"/>
+                  </a:ext>
+                </a:extLst>
+              </a:tr>
+              <a:tr h="452090">
+                <a:tc>
+                  <a:txBody>
+                    <a:bodyPr/>
+                    <a:lstStyle/>
+                    <a:p>
+                      <a:r>
+                        <a:rPr lang="en-GB" dirty="0"/>
+                        <a:t>002</a:t>
+                      </a:r>
+                    </a:p>
+                  </a:txBody>
+                  <a:tcPr>
+                    <a:solidFill>
+                      <a:schemeClr val="accent3">
+                        <a:lumMod val="20000"/>
+                        <a:lumOff val="80000"/>
+                      </a:schemeClr>
+                    </a:solidFill>
+                  </a:tcPr>
+                </a:tc>
+                <a:tc>
+                  <a:txBody>
+                    <a:bodyPr/>
+                    <a:lstStyle/>
+                    <a:p>
+                      <a:r>
+                        <a:rPr lang="en-GB" dirty="0"/>
+                        <a:t>8</a:t>
+                      </a:r>
+                    </a:p>
+                  </a:txBody>
+                  <a:tcPr>
+                    <a:solidFill>
+                      <a:schemeClr val="accent3">
+                        <a:lumMod val="20000"/>
+                        <a:lumOff val="80000"/>
+                      </a:schemeClr>
+                    </a:solidFill>
+                  </a:tcPr>
+                </a:tc>
+                <a:extLst>
+                  <a:ext uri="{0D108BD9-81ED-4DB2-BD59-A6C34878D82A}">
+                    <a16:rowId xmlns:a16="http://schemas.microsoft.com/office/drawing/2014/main" val="663083742"/>
+                  </a:ext>
+                </a:extLst>
+              </a:tr>
+              <a:tr h="452090">
+                <a:tc>
+                  <a:txBody>
+                    <a:bodyPr/>
+                    <a:lstStyle/>
+                    <a:p>
+                      <a:r>
+                        <a:rPr lang="en-GB" dirty="0"/>
+                        <a:t>003</a:t>
+                      </a:r>
+                    </a:p>
+                  </a:txBody>
+                  <a:tcPr>
+                    <a:solidFill>
+                      <a:schemeClr val="accent3">
+                        <a:lumMod val="20000"/>
+                        <a:lumOff val="80000"/>
+                      </a:schemeClr>
+                    </a:solidFill>
+                  </a:tcPr>
+                </a:tc>
+                <a:tc>
+                  <a:txBody>
+                    <a:bodyPr/>
+                    <a:lstStyle/>
+                    <a:p>
+                      <a:r>
+                        <a:rPr lang="en-GB" dirty="0"/>
+                        <a:t>NULL</a:t>
+                      </a:r>
+                    </a:p>
+                  </a:txBody>
+                  <a:tcPr>
+                    <a:solidFill>
+                      <a:schemeClr val="accent3">
+                        <a:lumMod val="20000"/>
+                        <a:lumOff val="80000"/>
+                      </a:schemeClr>
+                    </a:solidFill>
+                  </a:tcPr>
+                </a:tc>
+                <a:extLst>
+                  <a:ext uri="{0D108BD9-81ED-4DB2-BD59-A6C34878D82A}">
+                    <a16:rowId xmlns:a16="http://schemas.microsoft.com/office/drawing/2014/main" val="3560124317"/>
+                  </a:ext>
+                </a:extLst>
+              </a:tr>
+            </a:tbl>
+          </a:graphicData>
+        </a:graphic>
+      </p:graphicFrame>
+      <p:sp>
+        <p:nvSpPr>
+          <p:cNvPr id="5" name="Tijdelijke aanduiding voor inhoud 2">
+            <a:extLst>
+              <a:ext uri="{FF2B5EF4-FFF2-40B4-BE49-F238E27FC236}">
+                <a16:creationId xmlns:a16="http://schemas.microsoft.com/office/drawing/2014/main" id="{E4173151-BEF5-4B86-A89B-FD1C292D9D02}"/>
               </a:ext>
             </a:extLst>
           </p:cNvPr>
@@ -6742,8 +8661,823 @@
         </p:nvSpPr>
         <p:spPr>
           <a:xfrm>
-            <a:off x="5588001" y="3301999"/>
-            <a:ext cx="3048000" cy="1826949"/>
+            <a:off x="2667342" y="3985838"/>
+            <a:ext cx="1929715" cy="458146"/>
+          </a:xfrm>
+          <a:prstGeom prst="rect">
+            <a:avLst/>
+          </a:prstGeom>
+        </p:spPr>
+        <p:txBody>
+          <a:bodyPr vert="horz" lIns="91440" tIns="45720" rIns="91440" bIns="45720" rtlCol="0">
+            <a:normAutofit lnSpcReduction="10000"/>
+          </a:bodyPr>
+          <a:lstStyle>
+            <a:lvl1pPr marL="228600" indent="-228600" algn="l" defTabSz="914400" rtl="0" eaLnBrk="1" latinLnBrk="0" hangingPunct="1">
+              <a:lnSpc>
+                <a:spcPct val="90000"/>
+              </a:lnSpc>
+              <a:spcBef>
+                <a:spcPts val="1000"/>
+              </a:spcBef>
+              <a:buClr>
+                <a:schemeClr val="bg2">
+                  <a:lumMod val="75000"/>
+                </a:schemeClr>
+              </a:buClr>
+              <a:buFont typeface="Arial" panose="020B0604020202020204" pitchFamily="34" charset="0"/>
+              <a:buChar char="•"/>
+              <a:defRPr sz="2800" kern="1200">
+                <a:solidFill>
+                  <a:schemeClr val="tx1"/>
+                </a:solidFill>
+                <a:latin typeface="Bahnschrift Light" panose="020B0502040204020203" pitchFamily="34" charset="0"/>
+                <a:ea typeface="+mn-ea"/>
+                <a:cs typeface="+mn-cs"/>
+              </a:defRPr>
+            </a:lvl1pPr>
+            <a:lvl2pPr marL="685800" indent="-228600" algn="l" defTabSz="914400" rtl="0" eaLnBrk="1" latinLnBrk="0" hangingPunct="1">
+              <a:lnSpc>
+                <a:spcPct val="90000"/>
+              </a:lnSpc>
+              <a:spcBef>
+                <a:spcPts val="500"/>
+              </a:spcBef>
+              <a:buClr>
+                <a:srgbClr val="7030A0"/>
+              </a:buClr>
+              <a:buFont typeface="Arial" panose="020B0604020202020204" pitchFamily="34" charset="0"/>
+              <a:buChar char="•"/>
+              <a:defRPr sz="2400" kern="1200">
+                <a:solidFill>
+                  <a:schemeClr val="tx1"/>
+                </a:solidFill>
+                <a:latin typeface="Bahnschrift Light" panose="020B0502040204020203" pitchFamily="34" charset="0"/>
+                <a:ea typeface="+mn-ea"/>
+                <a:cs typeface="+mn-cs"/>
+              </a:defRPr>
+            </a:lvl2pPr>
+            <a:lvl3pPr marL="1143000" indent="-228600" algn="l" defTabSz="914400" rtl="0" eaLnBrk="1" latinLnBrk="0" hangingPunct="1">
+              <a:lnSpc>
+                <a:spcPct val="90000"/>
+              </a:lnSpc>
+              <a:spcBef>
+                <a:spcPts val="500"/>
+              </a:spcBef>
+              <a:buFont typeface="Arial" panose="020B0604020202020204" pitchFamily="34" charset="0"/>
+              <a:buChar char="•"/>
+              <a:defRPr sz="2000" kern="1200">
+                <a:solidFill>
+                  <a:schemeClr val="tx1"/>
+                </a:solidFill>
+                <a:latin typeface="Bahnschrift Light" panose="020B0502040204020203" pitchFamily="34" charset="0"/>
+                <a:ea typeface="+mn-ea"/>
+                <a:cs typeface="+mn-cs"/>
+              </a:defRPr>
+            </a:lvl3pPr>
+            <a:lvl4pPr marL="1600200" indent="-228600" algn="l" defTabSz="914400" rtl="0" eaLnBrk="1" latinLnBrk="0" hangingPunct="1">
+              <a:lnSpc>
+                <a:spcPct val="90000"/>
+              </a:lnSpc>
+              <a:spcBef>
+                <a:spcPts val="500"/>
+              </a:spcBef>
+              <a:buFont typeface="Arial" panose="020B0604020202020204" pitchFamily="34" charset="0"/>
+              <a:buChar char="•"/>
+              <a:defRPr sz="1800" kern="1200">
+                <a:solidFill>
+                  <a:schemeClr val="tx1"/>
+                </a:solidFill>
+                <a:latin typeface="Bahnschrift Light" panose="020B0502040204020203" pitchFamily="34" charset="0"/>
+                <a:ea typeface="+mn-ea"/>
+                <a:cs typeface="+mn-cs"/>
+              </a:defRPr>
+            </a:lvl4pPr>
+            <a:lvl5pPr marL="2057400" indent="-228600" algn="l" defTabSz="914400" rtl="0" eaLnBrk="1" latinLnBrk="0" hangingPunct="1">
+              <a:lnSpc>
+                <a:spcPct val="90000"/>
+              </a:lnSpc>
+              <a:spcBef>
+                <a:spcPts val="500"/>
+              </a:spcBef>
+              <a:buFont typeface="Arial" panose="020B0604020202020204" pitchFamily="34" charset="0"/>
+              <a:buChar char="•"/>
+              <a:defRPr sz="1800" kern="1200">
+                <a:solidFill>
+                  <a:schemeClr val="tx1"/>
+                </a:solidFill>
+                <a:latin typeface="Bahnschrift Light" panose="020B0502040204020203" pitchFamily="34" charset="0"/>
+                <a:ea typeface="+mn-ea"/>
+                <a:cs typeface="+mn-cs"/>
+              </a:defRPr>
+            </a:lvl5pPr>
+            <a:lvl6pPr marL="2514600" indent="-228600" algn="l" defTabSz="914400" rtl="0" eaLnBrk="1" latinLnBrk="0" hangingPunct="1">
+              <a:lnSpc>
+                <a:spcPct val="90000"/>
+              </a:lnSpc>
+              <a:spcBef>
+                <a:spcPts val="500"/>
+              </a:spcBef>
+              <a:buFont typeface="Arial" panose="020B0604020202020204" pitchFamily="34" charset="0"/>
+              <a:buChar char="•"/>
+              <a:defRPr sz="1800" kern="1200">
+                <a:solidFill>
+                  <a:schemeClr val="tx1"/>
+                </a:solidFill>
+                <a:latin typeface="+mn-lt"/>
+                <a:ea typeface="+mn-ea"/>
+                <a:cs typeface="+mn-cs"/>
+              </a:defRPr>
+            </a:lvl6pPr>
+            <a:lvl7pPr marL="2971800" indent="-228600" algn="l" defTabSz="914400" rtl="0" eaLnBrk="1" latinLnBrk="0" hangingPunct="1">
+              <a:lnSpc>
+                <a:spcPct val="90000"/>
+              </a:lnSpc>
+              <a:spcBef>
+                <a:spcPts val="500"/>
+              </a:spcBef>
+              <a:buFont typeface="Arial" panose="020B0604020202020204" pitchFamily="34" charset="0"/>
+              <a:buChar char="•"/>
+              <a:defRPr sz="1800" kern="1200">
+                <a:solidFill>
+                  <a:schemeClr val="tx1"/>
+                </a:solidFill>
+                <a:latin typeface="+mn-lt"/>
+                <a:ea typeface="+mn-ea"/>
+                <a:cs typeface="+mn-cs"/>
+              </a:defRPr>
+            </a:lvl7pPr>
+            <a:lvl8pPr marL="3429000" indent="-228600" algn="l" defTabSz="914400" rtl="0" eaLnBrk="1" latinLnBrk="0" hangingPunct="1">
+              <a:lnSpc>
+                <a:spcPct val="90000"/>
+              </a:lnSpc>
+              <a:spcBef>
+                <a:spcPts val="500"/>
+              </a:spcBef>
+              <a:buFont typeface="Arial" panose="020B0604020202020204" pitchFamily="34" charset="0"/>
+              <a:buChar char="•"/>
+              <a:defRPr sz="1800" kern="1200">
+                <a:solidFill>
+                  <a:schemeClr val="tx1"/>
+                </a:solidFill>
+                <a:latin typeface="+mn-lt"/>
+                <a:ea typeface="+mn-ea"/>
+                <a:cs typeface="+mn-cs"/>
+              </a:defRPr>
+            </a:lvl8pPr>
+            <a:lvl9pPr marL="3886200" indent="-228600" algn="l" defTabSz="914400" rtl="0" eaLnBrk="1" latinLnBrk="0" hangingPunct="1">
+              <a:lnSpc>
+                <a:spcPct val="90000"/>
+              </a:lnSpc>
+              <a:spcBef>
+                <a:spcPts val="500"/>
+              </a:spcBef>
+              <a:buFont typeface="Arial" panose="020B0604020202020204" pitchFamily="34" charset="0"/>
+              <a:buChar char="•"/>
+              <a:defRPr sz="1800" kern="1200">
+                <a:solidFill>
+                  <a:schemeClr val="tx1"/>
+                </a:solidFill>
+                <a:latin typeface="+mn-lt"/>
+                <a:ea typeface="+mn-ea"/>
+                <a:cs typeface="+mn-cs"/>
+              </a:defRPr>
+            </a:lvl9pPr>
+          </a:lstStyle>
+          <a:p>
+            <a:pPr marL="0" marR="0" lvl="0" indent="0" algn="l" defTabSz="914400" rtl="0" eaLnBrk="1" fontAlgn="auto" latinLnBrk="0" hangingPunct="1">
+              <a:lnSpc>
+                <a:spcPct val="90000"/>
+              </a:lnSpc>
+              <a:spcBef>
+                <a:spcPts val="1000"/>
+              </a:spcBef>
+              <a:spcAft>
+                <a:spcPts val="0"/>
+              </a:spcAft>
+              <a:buClr>
+                <a:srgbClr val="E7E6E6">
+                  <a:lumMod val="75000"/>
+                </a:srgbClr>
+              </a:buClr>
+              <a:buSzTx/>
+              <a:buFont typeface="Arial" panose="020B0604020202020204" pitchFamily="34" charset="0"/>
+              <a:buNone/>
+              <a:tabLst/>
+              <a:defRPr/>
+            </a:pPr>
+            <a:r>
+              <a:rPr kumimoji="0" lang="en-GB" sz="2800" b="0" i="0" u="none" strike="noStrike" kern="1200" cap="none" spc="0" normalizeH="0" baseline="0" noProof="0" dirty="0">
+                <a:ln>
+                  <a:noFill/>
+                </a:ln>
+                <a:solidFill>
+                  <a:prstClr val="black"/>
+                </a:solidFill>
+                <a:effectLst/>
+                <a:uLnTx/>
+                <a:uFillTx/>
+                <a:latin typeface="Bahnschrift Light" panose="020B0502040204020203" pitchFamily="34" charset="0"/>
+                <a:ea typeface="+mn-ea"/>
+                <a:cs typeface="+mn-cs"/>
+              </a:rPr>
+              <a:t>Variable: a</a:t>
+            </a:r>
+          </a:p>
+        </p:txBody>
+      </p:sp>
+      <p:cxnSp>
+        <p:nvCxnSpPr>
+          <p:cNvPr id="7" name="Rechte verbindingslijn met pijl 6">
+            <a:extLst>
+              <a:ext uri="{FF2B5EF4-FFF2-40B4-BE49-F238E27FC236}">
+                <a16:creationId xmlns:a16="http://schemas.microsoft.com/office/drawing/2014/main" id="{5CC552B9-6E50-403D-929B-18C1C895EE6A}"/>
+              </a:ext>
+            </a:extLst>
+          </p:cNvPr>
+          <p:cNvCxnSpPr>
+            <a:cxnSpLocks/>
+          </p:cNvCxnSpPr>
+          <p:nvPr/>
+        </p:nvCxnSpPr>
+        <p:spPr>
+          <a:xfrm>
+            <a:off x="4597057" y="4214911"/>
+            <a:ext cx="1211305" cy="0"/>
+          </a:xfrm>
+          <a:prstGeom prst="straightConnector1">
+            <a:avLst/>
+          </a:prstGeom>
+          <a:ln w="57150">
+            <a:solidFill>
+              <a:srgbClr val="7030A0"/>
+            </a:solidFill>
+            <a:tailEnd type="triangle"/>
+          </a:ln>
+        </p:spPr>
+        <p:style>
+          <a:lnRef idx="1">
+            <a:schemeClr val="accent1"/>
+          </a:lnRef>
+          <a:fillRef idx="0">
+            <a:schemeClr val="accent1"/>
+          </a:fillRef>
+          <a:effectRef idx="0">
+            <a:schemeClr val="accent1"/>
+          </a:effectRef>
+          <a:fontRef idx="minor">
+            <a:schemeClr val="tx1"/>
+          </a:fontRef>
+        </p:style>
+      </p:cxnSp>
+    </p:spTree>
+    <p:extLst>
+      <p:ext uri="{BB962C8B-B14F-4D97-AF65-F5344CB8AC3E}">
+        <p14:creationId xmlns:p14="http://schemas.microsoft.com/office/powerpoint/2010/main" val="1058136874"/>
+      </p:ext>
+    </p:extLst>
+  </p:cSld>
+  <p:clrMapOvr>
+    <a:masterClrMapping/>
+  </p:clrMapOvr>
+  <p:timing>
+    <p:tnLst>
+      <p:par>
+        <p:cTn id="1" dur="indefinite" restart="never" nodeType="tmRoot">
+          <p:childTnLst>
+            <p:seq concurrent="1" nextAc="seek">
+              <p:cTn id="2" dur="indefinite" nodeType="mainSeq">
+                <p:childTnLst>
+                  <p:par>
+                    <p:cTn id="3" fill="hold">
+                      <p:stCondLst>
+                        <p:cond delay="indefinite"/>
+                      </p:stCondLst>
+                      <p:childTnLst>
+                        <p:par>
+                          <p:cTn id="4" fill="hold">
+                            <p:stCondLst>
+                              <p:cond delay="0"/>
+                            </p:stCondLst>
+                            <p:childTnLst>
+                              <p:par>
+                                <p:cTn id="5" presetID="1" presetClass="entr" presetSubtype="0" fill="hold" nodeType="clickEffect">
+                                  <p:stCondLst>
+                                    <p:cond delay="0"/>
+                                  </p:stCondLst>
+                                  <p:childTnLst>
+                                    <p:set>
+                                      <p:cBhvr>
+                                        <p:cTn id="6" dur="1" fill="hold">
+                                          <p:stCondLst>
+                                            <p:cond delay="0"/>
+                                          </p:stCondLst>
+                                        </p:cTn>
+                                        <p:tgtEl>
+                                          <p:spTgt spid="4"/>
+                                        </p:tgtEl>
+                                        <p:attrNameLst>
+                                          <p:attrName>style.visibility</p:attrName>
+                                        </p:attrNameLst>
+                                      </p:cBhvr>
+                                      <p:to>
+                                        <p:strVal val="visible"/>
+                                      </p:to>
+                                    </p:set>
+                                  </p:childTnLst>
+                                </p:cTn>
+                              </p:par>
+                            </p:childTnLst>
+                          </p:cTn>
+                        </p:par>
+                      </p:childTnLst>
+                    </p:cTn>
+                  </p:par>
+                  <p:par>
+                    <p:cTn id="7" fill="hold">
+                      <p:stCondLst>
+                        <p:cond delay="indefinite"/>
+                      </p:stCondLst>
+                      <p:childTnLst>
+                        <p:par>
+                          <p:cTn id="8" fill="hold">
+                            <p:stCondLst>
+                              <p:cond delay="0"/>
+                            </p:stCondLst>
+                            <p:childTnLst>
+                              <p:par>
+                                <p:cTn id="9" presetID="1" presetClass="entr" presetSubtype="0" fill="hold" grpId="0" nodeType="clickEffect">
+                                  <p:stCondLst>
+                                    <p:cond delay="0"/>
+                                  </p:stCondLst>
+                                  <p:childTnLst>
+                                    <p:set>
+                                      <p:cBhvr>
+                                        <p:cTn id="10" dur="1" fill="hold">
+                                          <p:stCondLst>
+                                            <p:cond delay="0"/>
+                                          </p:stCondLst>
+                                        </p:cTn>
+                                        <p:tgtEl>
+                                          <p:spTgt spid="5"/>
+                                        </p:tgtEl>
+                                        <p:attrNameLst>
+                                          <p:attrName>style.visibility</p:attrName>
+                                        </p:attrNameLst>
+                                      </p:cBhvr>
+                                      <p:to>
+                                        <p:strVal val="visible"/>
+                                      </p:to>
+                                    </p:set>
+                                  </p:childTnLst>
+                                </p:cTn>
+                              </p:par>
+                              <p:par>
+                                <p:cTn id="11" presetID="1" presetClass="entr" presetSubtype="0" fill="hold" nodeType="withEffect">
+                                  <p:stCondLst>
+                                    <p:cond delay="0"/>
+                                  </p:stCondLst>
+                                  <p:childTnLst>
+                                    <p:set>
+                                      <p:cBhvr>
+                                        <p:cTn id="12" dur="1" fill="hold">
+                                          <p:stCondLst>
+                                            <p:cond delay="0"/>
+                                          </p:stCondLst>
+                                        </p:cTn>
+                                        <p:tgtEl>
+                                          <p:spTgt spid="7"/>
+                                        </p:tgtEl>
+                                        <p:attrNameLst>
+                                          <p:attrName>style.visibility</p:attrName>
+                                        </p:attrNameLst>
+                                      </p:cBhvr>
+                                      <p:to>
+                                        <p:strVal val="visible"/>
+                                      </p:to>
+                                    </p:set>
+                                  </p:childTnLst>
+                                </p:cTn>
+                              </p:par>
+                            </p:childTnLst>
+                          </p:cTn>
+                        </p:par>
+                      </p:childTnLst>
+                    </p:cTn>
+                  </p:par>
+                </p:childTnLst>
+              </p:cTn>
+              <p:prevCondLst>
+                <p:cond evt="onPrev" delay="0">
+                  <p:tgtEl>
+                    <p:sldTgt/>
+                  </p:tgtEl>
+                </p:cond>
+              </p:prevCondLst>
+              <p:nextCondLst>
+                <p:cond evt="onNext" delay="0">
+                  <p:tgtEl>
+                    <p:sldTgt/>
+                  </p:tgtEl>
+                </p:cond>
+              </p:nextCondLst>
+            </p:seq>
+          </p:childTnLst>
+        </p:cTn>
+      </p:par>
+    </p:tnLst>
+    <p:bldLst>
+      <p:bldP spid="5" grpId="0"/>
+    </p:bldLst>
+  </p:timing>
+</p:sld>
+</file>
+
+<file path=ppt/slides/slide27.xml><?xml version="1.0" encoding="utf-8"?>
+<p:sld xmlns:a="http://schemas.openxmlformats.org/drawingml/2006/main" xmlns:r="http://schemas.openxmlformats.org/officeDocument/2006/relationships" xmlns:p="http://schemas.openxmlformats.org/presentationml/2006/main">
+  <p:cSld>
+    <p:spTree>
+      <p:nvGrpSpPr>
+        <p:cNvPr id="1" name=""/>
+        <p:cNvGrpSpPr/>
+        <p:nvPr/>
+      </p:nvGrpSpPr>
+      <p:grpSpPr>
+        <a:xfrm>
+          <a:off x="0" y="0"/>
+          <a:ext cx="0" cy="0"/>
+          <a:chOff x="0" y="0"/>
+          <a:chExt cx="0" cy="0"/>
+        </a:xfrm>
+      </p:grpSpPr>
+      <p:sp>
+        <p:nvSpPr>
+          <p:cNvPr id="2" name="Titel 1">
+            <a:extLst>
+              <a:ext uri="{FF2B5EF4-FFF2-40B4-BE49-F238E27FC236}">
+                <a16:creationId xmlns:a16="http://schemas.microsoft.com/office/drawing/2014/main" id="{92900F74-8826-4AEA-92E3-8BAAF0E0E698}"/>
+              </a:ext>
+            </a:extLst>
+          </p:cNvPr>
+          <p:cNvSpPr>
+            <a:spLocks noGrp="1"/>
+          </p:cNvSpPr>
+          <p:nvPr>
+            <p:ph type="title"/>
+          </p:nvPr>
+        </p:nvSpPr>
+        <p:spPr/>
+        <p:txBody>
+          <a:bodyPr/>
+          <a:lstStyle/>
+          <a:p>
+            <a:r>
+              <a:rPr lang="en-GB" dirty="0"/>
+              <a:t>Scope</a:t>
+            </a:r>
+          </a:p>
+        </p:txBody>
+      </p:sp>
+      <p:sp>
+        <p:nvSpPr>
+          <p:cNvPr id="3" name="Tijdelijke aanduiding voor inhoud 2">
+            <a:extLst>
+              <a:ext uri="{FF2B5EF4-FFF2-40B4-BE49-F238E27FC236}">
+                <a16:creationId xmlns:a16="http://schemas.microsoft.com/office/drawing/2014/main" id="{2A86CAFD-F15E-41A5-9E7E-1D8437E59FDC}"/>
+              </a:ext>
+            </a:extLst>
+          </p:cNvPr>
+          <p:cNvSpPr>
+            <a:spLocks noGrp="1"/>
+          </p:cNvSpPr>
+          <p:nvPr>
+            <p:ph idx="1"/>
+          </p:nvPr>
+        </p:nvSpPr>
+        <p:spPr/>
+        <p:txBody>
+          <a:bodyPr/>
+          <a:lstStyle/>
+          <a:p>
+            <a:r>
+              <a:rPr lang="en-GB" dirty="0"/>
+              <a:t>Lifetime of a variable</a:t>
+            </a:r>
+          </a:p>
+          <a:p>
+            <a:r>
+              <a:rPr lang="en-GB" dirty="0"/>
+              <a:t>Important for memory allocations</a:t>
+            </a:r>
+          </a:p>
+          <a:p>
+            <a:r>
+              <a:rPr lang="en-GB" dirty="0"/>
+              <a:t>Be aware of scope: prevent unwanted variables!</a:t>
+            </a:r>
+          </a:p>
+        </p:txBody>
+      </p:sp>
+    </p:spTree>
+    <p:extLst>
+      <p:ext uri="{BB962C8B-B14F-4D97-AF65-F5344CB8AC3E}">
+        <p14:creationId xmlns:p14="http://schemas.microsoft.com/office/powerpoint/2010/main" val="3205300674"/>
+      </p:ext>
+    </p:extLst>
+  </p:cSld>
+  <p:clrMapOvr>
+    <a:masterClrMapping/>
+  </p:clrMapOvr>
+  <p:timing>
+    <p:tnLst>
+      <p:par>
+        <p:cTn id="1" dur="indefinite" restart="never" nodeType="tmRoot">
+          <p:childTnLst>
+            <p:seq concurrent="1" nextAc="seek">
+              <p:cTn id="2" dur="indefinite" nodeType="mainSeq">
+                <p:childTnLst>
+                  <p:par>
+                    <p:cTn id="3" fill="hold">
+                      <p:stCondLst>
+                        <p:cond delay="indefinite"/>
+                      </p:stCondLst>
+                      <p:childTnLst>
+                        <p:par>
+                          <p:cTn id="4" fill="hold">
+                            <p:stCondLst>
+                              <p:cond delay="0"/>
+                            </p:stCondLst>
+                            <p:childTnLst>
+                              <p:par>
+                                <p:cTn id="5" presetID="1" presetClass="entr" presetSubtype="0" fill="hold" grpId="0" nodeType="clickEffect">
+                                  <p:stCondLst>
+                                    <p:cond delay="0"/>
+                                  </p:stCondLst>
+                                  <p:childTnLst>
+                                    <p:set>
+                                      <p:cBhvr>
+                                        <p:cTn id="6" dur="1" fill="hold">
+                                          <p:stCondLst>
+                                            <p:cond delay="0"/>
+                                          </p:stCondLst>
+                                        </p:cTn>
+                                        <p:tgtEl>
+                                          <p:spTgt spid="3">
+                                            <p:txEl>
+                                              <p:pRg st="0" end="0"/>
+                                            </p:txEl>
+                                          </p:spTgt>
+                                        </p:tgtEl>
+                                        <p:attrNameLst>
+                                          <p:attrName>style.visibility</p:attrName>
+                                        </p:attrNameLst>
+                                      </p:cBhvr>
+                                      <p:to>
+                                        <p:strVal val="visible"/>
+                                      </p:to>
+                                    </p:set>
+                                  </p:childTnLst>
+                                </p:cTn>
+                              </p:par>
+                            </p:childTnLst>
+                          </p:cTn>
+                        </p:par>
+                      </p:childTnLst>
+                    </p:cTn>
+                  </p:par>
+                  <p:par>
+                    <p:cTn id="7" fill="hold">
+                      <p:stCondLst>
+                        <p:cond delay="indefinite"/>
+                      </p:stCondLst>
+                      <p:childTnLst>
+                        <p:par>
+                          <p:cTn id="8" fill="hold">
+                            <p:stCondLst>
+                              <p:cond delay="0"/>
+                            </p:stCondLst>
+                            <p:childTnLst>
+                              <p:par>
+                                <p:cTn id="9" presetID="1" presetClass="entr" presetSubtype="0" fill="hold" grpId="0" nodeType="clickEffect">
+                                  <p:stCondLst>
+                                    <p:cond delay="0"/>
+                                  </p:stCondLst>
+                                  <p:childTnLst>
+                                    <p:set>
+                                      <p:cBhvr>
+                                        <p:cTn id="10" dur="1" fill="hold">
+                                          <p:stCondLst>
+                                            <p:cond delay="0"/>
+                                          </p:stCondLst>
+                                        </p:cTn>
+                                        <p:tgtEl>
+                                          <p:spTgt spid="3">
+                                            <p:txEl>
+                                              <p:pRg st="1" end="1"/>
+                                            </p:txEl>
+                                          </p:spTgt>
+                                        </p:tgtEl>
+                                        <p:attrNameLst>
+                                          <p:attrName>style.visibility</p:attrName>
+                                        </p:attrNameLst>
+                                      </p:cBhvr>
+                                      <p:to>
+                                        <p:strVal val="visible"/>
+                                      </p:to>
+                                    </p:set>
+                                  </p:childTnLst>
+                                </p:cTn>
+                              </p:par>
+                            </p:childTnLst>
+                          </p:cTn>
+                        </p:par>
+                      </p:childTnLst>
+                    </p:cTn>
+                  </p:par>
+                  <p:par>
+                    <p:cTn id="11" fill="hold">
+                      <p:stCondLst>
+                        <p:cond delay="indefinite"/>
+                      </p:stCondLst>
+                      <p:childTnLst>
+                        <p:par>
+                          <p:cTn id="12" fill="hold">
+                            <p:stCondLst>
+                              <p:cond delay="0"/>
+                            </p:stCondLst>
+                            <p:childTnLst>
+                              <p:par>
+                                <p:cTn id="13" presetID="1" presetClass="entr" presetSubtype="0" fill="hold" grpId="0" nodeType="clickEffect">
+                                  <p:stCondLst>
+                                    <p:cond delay="0"/>
+                                  </p:stCondLst>
+                                  <p:childTnLst>
+                                    <p:set>
+                                      <p:cBhvr>
+                                        <p:cTn id="14" dur="1" fill="hold">
+                                          <p:stCondLst>
+                                            <p:cond delay="0"/>
+                                          </p:stCondLst>
+                                        </p:cTn>
+                                        <p:tgtEl>
+                                          <p:spTgt spid="3">
+                                            <p:txEl>
+                                              <p:pRg st="2" end="2"/>
+                                            </p:txEl>
+                                          </p:spTgt>
+                                        </p:tgtEl>
+                                        <p:attrNameLst>
+                                          <p:attrName>style.visibility</p:attrName>
+                                        </p:attrNameLst>
+                                      </p:cBhvr>
+                                      <p:to>
+                                        <p:strVal val="visible"/>
+                                      </p:to>
+                                    </p:set>
+                                  </p:childTnLst>
+                                </p:cTn>
+                              </p:par>
+                            </p:childTnLst>
+                          </p:cTn>
+                        </p:par>
+                      </p:childTnLst>
+                    </p:cTn>
+                  </p:par>
+                </p:childTnLst>
+              </p:cTn>
+              <p:prevCondLst>
+                <p:cond evt="onPrev" delay="0">
+                  <p:tgtEl>
+                    <p:sldTgt/>
+                  </p:tgtEl>
+                </p:cond>
+              </p:prevCondLst>
+              <p:nextCondLst>
+                <p:cond evt="onNext" delay="0">
+                  <p:tgtEl>
+                    <p:sldTgt/>
+                  </p:tgtEl>
+                </p:cond>
+              </p:nextCondLst>
+            </p:seq>
+          </p:childTnLst>
+        </p:cTn>
+      </p:par>
+    </p:tnLst>
+    <p:bldLst>
+      <p:bldP spid="3" grpId="0" build="p"/>
+    </p:bldLst>
+  </p:timing>
+</p:sld>
+</file>
+
+<file path=ppt/slides/slide28.xml><?xml version="1.0" encoding="utf-8"?>
+<p:sld xmlns:a="http://schemas.openxmlformats.org/drawingml/2006/main" xmlns:r="http://schemas.openxmlformats.org/officeDocument/2006/relationships" xmlns:p="http://schemas.openxmlformats.org/presentationml/2006/main">
+  <p:cSld>
+    <p:spTree>
+      <p:nvGrpSpPr>
+        <p:cNvPr id="1" name=""/>
+        <p:cNvGrpSpPr/>
+        <p:nvPr/>
+      </p:nvGrpSpPr>
+      <p:grpSpPr>
+        <a:xfrm>
+          <a:off x="0" y="0"/>
+          <a:ext cx="0" cy="0"/>
+          <a:chOff x="0" y="0"/>
+          <a:chExt cx="0" cy="0"/>
+        </a:xfrm>
+      </p:grpSpPr>
+      <p:sp>
+        <p:nvSpPr>
+          <p:cNvPr id="2" name="Titel 1">
+            <a:extLst>
+              <a:ext uri="{FF2B5EF4-FFF2-40B4-BE49-F238E27FC236}">
+                <a16:creationId xmlns:a16="http://schemas.microsoft.com/office/drawing/2014/main" id="{BE5A5647-5EDA-4CE4-ADD1-42191E267BC4}"/>
+              </a:ext>
+            </a:extLst>
+          </p:cNvPr>
+          <p:cNvSpPr>
+            <a:spLocks noGrp="1"/>
+          </p:cNvSpPr>
+          <p:nvPr>
+            <p:ph type="title"/>
+          </p:nvPr>
+        </p:nvSpPr>
+        <p:spPr/>
+        <p:txBody>
+          <a:bodyPr/>
+          <a:lstStyle/>
+          <a:p>
+            <a:r>
+              <a:rPr lang="en-GB" dirty="0"/>
+              <a:t>Scope </a:t>
+            </a:r>
+          </a:p>
+        </p:txBody>
+      </p:sp>
+      <p:cxnSp>
+        <p:nvCxnSpPr>
+          <p:cNvPr id="20" name="Rechte verbindingslijn met pijl 19">
+            <a:extLst>
+              <a:ext uri="{FF2B5EF4-FFF2-40B4-BE49-F238E27FC236}">
+                <a16:creationId xmlns:a16="http://schemas.microsoft.com/office/drawing/2014/main" id="{309FFF8D-0262-41D0-9E76-021CAD9B6DF8}"/>
+              </a:ext>
+            </a:extLst>
+          </p:cNvPr>
+          <p:cNvCxnSpPr>
+            <a:cxnSpLocks/>
+          </p:cNvCxnSpPr>
+          <p:nvPr/>
+        </p:nvCxnSpPr>
+        <p:spPr>
+          <a:xfrm flipH="1" flipV="1">
+            <a:off x="6248400" y="5342310"/>
+            <a:ext cx="2338216" cy="661516"/>
+          </a:xfrm>
+          <a:prstGeom prst="straightConnector1">
+            <a:avLst/>
+          </a:prstGeom>
+          <a:ln w="57150">
+            <a:solidFill>
+              <a:srgbClr val="7030A0"/>
+            </a:solidFill>
+            <a:tailEnd type="triangle"/>
+          </a:ln>
+        </p:spPr>
+        <p:style>
+          <a:lnRef idx="1">
+            <a:schemeClr val="accent1"/>
+          </a:lnRef>
+          <a:fillRef idx="0">
+            <a:schemeClr val="accent1"/>
+          </a:fillRef>
+          <a:effectRef idx="0">
+            <a:schemeClr val="accent1"/>
+          </a:effectRef>
+          <a:fontRef idx="minor">
+            <a:schemeClr val="tx1"/>
+          </a:fontRef>
+        </p:style>
+      </p:cxnSp>
+      <p:sp>
+        <p:nvSpPr>
+          <p:cNvPr id="24" name="Tijdelijke aanduiding voor inhoud 2">
+            <a:extLst>
+              <a:ext uri="{FF2B5EF4-FFF2-40B4-BE49-F238E27FC236}">
+                <a16:creationId xmlns:a16="http://schemas.microsoft.com/office/drawing/2014/main" id="{DB3DC109-9BDA-44F6-832D-6CD948359502}"/>
+              </a:ext>
+            </a:extLst>
+          </p:cNvPr>
+          <p:cNvSpPr txBox="1">
+            <a:spLocks/>
+          </p:cNvSpPr>
+          <p:nvPr/>
+        </p:nvSpPr>
+        <p:spPr>
+          <a:xfrm>
+            <a:off x="9303393" y="2975867"/>
+            <a:ext cx="2253607" cy="700088"/>
           </a:xfrm>
           <a:prstGeom prst="rect">
             <a:avLst/>
@@ -6926,85 +9660,53 @@
             </a:lvl9pPr>
           </a:lstStyle>
           <a:p>
-            <a:r>
-              <a:rPr lang="en-GB" dirty="0"/>
-              <a:t>Compile</a:t>
-            </a:r>
-          </a:p>
-          <a:p>
-            <a:endParaRPr lang="en-GB" dirty="0"/>
-          </a:p>
-          <a:p>
-            <a:r>
-              <a:rPr lang="en-GB" dirty="0"/>
-              <a:t>Interpreter</a:t>
-            </a:r>
-          </a:p>
-          <a:p>
-            <a:pPr marL="0" indent="0">
+            <a:pPr marL="0" marR="0" lvl="0" indent="0" algn="l" defTabSz="914400" rtl="0" eaLnBrk="1" fontAlgn="auto" latinLnBrk="0" hangingPunct="1">
+              <a:lnSpc>
+                <a:spcPct val="90000"/>
+              </a:lnSpc>
+              <a:spcBef>
+                <a:spcPts val="1000"/>
+              </a:spcBef>
+              <a:spcAft>
+                <a:spcPts val="0"/>
+              </a:spcAft>
+              <a:buClr>
+                <a:srgbClr val="E7E6E6">
+                  <a:lumMod val="75000"/>
+                </a:srgbClr>
+              </a:buClr>
+              <a:buSzTx/>
               <a:buFont typeface="Arial" panose="020B0604020202020204" pitchFamily="34" charset="0"/>
               <a:buNone/>
+              <a:tabLst/>
+              <a:defRPr/>
             </a:pPr>
-            <a:endParaRPr lang="en-GB" dirty="0"/>
-          </a:p>
-        </p:txBody>
-      </p:sp>
-      <p:sp>
-        <p:nvSpPr>
-          <p:cNvPr id="7" name="Arrow: Curved Left 6">
+            <a:r>
+              <a:rPr kumimoji="0" lang="en-GB" sz="2800" b="0" i="0" u="none" strike="noStrike" kern="1200" cap="none" spc="0" normalizeH="0" baseline="0" noProof="0" dirty="0">
+                <a:ln>
+                  <a:noFill/>
+                </a:ln>
+                <a:solidFill>
+                  <a:prstClr val="black"/>
+                </a:solidFill>
+                <a:effectLst/>
+                <a:uLnTx/>
+                <a:uFillTx/>
+                <a:latin typeface="Bahnschrift Light" panose="020B0502040204020203" pitchFamily="34" charset="0"/>
+                <a:ea typeface="+mn-ea"/>
+                <a:cs typeface="+mn-cs"/>
+              </a:rPr>
+              <a:t>Output: ?</a:t>
+            </a:r>
+          </a:p>
+        </p:txBody>
+      </p:sp>
+      <p:sp>
+        <p:nvSpPr>
+          <p:cNvPr id="25" name="Tijdelijke aanduiding voor inhoud 2">
             <a:extLst>
               <a:ext uri="{FF2B5EF4-FFF2-40B4-BE49-F238E27FC236}">
-                <a16:creationId xmlns:a16="http://schemas.microsoft.com/office/drawing/2014/main" id="{B7B39515-4419-4713-AF6A-DED7D30014D6}"/>
-              </a:ext>
-            </a:extLst>
-          </p:cNvPr>
-          <p:cNvSpPr/>
-          <p:nvPr/>
-        </p:nvSpPr>
-        <p:spPr>
-          <a:xfrm>
-            <a:off x="8199966" y="3115732"/>
-            <a:ext cx="372534" cy="2013215"/>
-          </a:xfrm>
-          <a:prstGeom prst="curvedLeftArrow">
-            <a:avLst/>
-          </a:prstGeom>
-        </p:spPr>
-        <p:style>
-          <a:lnRef idx="2">
-            <a:schemeClr val="dk1">
-              <a:shade val="50000"/>
-            </a:schemeClr>
-          </a:lnRef>
-          <a:fillRef idx="1">
-            <a:schemeClr val="dk1"/>
-          </a:fillRef>
-          <a:effectRef idx="0">
-            <a:schemeClr val="dk1"/>
-          </a:effectRef>
-          <a:fontRef idx="minor">
-            <a:schemeClr val="lt1"/>
-          </a:fontRef>
-        </p:style>
-        <p:txBody>
-          <a:bodyPr rtlCol="0" anchor="ctr"/>
-          <a:lstStyle/>
-          <a:p>
-            <a:pPr algn="ctr"/>
-            <a:endParaRPr lang="en-GB">
-              <a:solidFill>
-                <a:schemeClr val="tx1"/>
-              </a:solidFill>
-            </a:endParaRPr>
-          </a:p>
-        </p:txBody>
-      </p:sp>
-      <p:sp>
-        <p:nvSpPr>
-          <p:cNvPr id="8" name="Content Placeholder 2">
-            <a:extLst>
-              <a:ext uri="{FF2B5EF4-FFF2-40B4-BE49-F238E27FC236}">
-                <a16:creationId xmlns:a16="http://schemas.microsoft.com/office/drawing/2014/main" id="{E0120DE3-B5C3-458F-A420-950877400BBE}"/>
+                <a16:creationId xmlns:a16="http://schemas.microsoft.com/office/drawing/2014/main" id="{0A2DA331-766B-40B8-8F5E-C5C95A71A205}"/>
               </a:ext>
             </a:extLst>
           </p:cNvPr>
@@ -7015,8 +9717,8 @@
         </p:nvSpPr>
         <p:spPr>
           <a:xfrm>
-            <a:off x="8644468" y="3891227"/>
-            <a:ext cx="3048000" cy="1826949"/>
+            <a:off x="8706493" y="5793532"/>
+            <a:ext cx="2253607" cy="700088"/>
           </a:xfrm>
           <a:prstGeom prst="rect">
             <a:avLst/>
@@ -7199,480 +9901,241 @@
             </a:lvl9pPr>
           </a:lstStyle>
           <a:p>
-            <a:r>
-              <a:rPr lang="en-GB" dirty="0"/>
-              <a:t>Compile</a:t>
-            </a:r>
-          </a:p>
-          <a:p>
-            <a:pPr marL="0" indent="0">
-              <a:buFont typeface="Arial" panose="020B0604020202020204" pitchFamily="34" charset="0"/>
-              <a:buNone/>
-            </a:pPr>
-            <a:endParaRPr lang="en-GB" dirty="0"/>
-          </a:p>
-        </p:txBody>
-      </p:sp>
-      <p:sp>
-        <p:nvSpPr>
-          <p:cNvPr id="9" name="Content Placeholder 2">
-            <a:extLst>
-              <a:ext uri="{FF2B5EF4-FFF2-40B4-BE49-F238E27FC236}">
-                <a16:creationId xmlns:a16="http://schemas.microsoft.com/office/drawing/2014/main" id="{C8EEEAE1-8900-45FE-8F7E-19093D455A5D}"/>
-              </a:ext>
-            </a:extLst>
-          </p:cNvPr>
-          <p:cNvSpPr txBox="1">
-            <a:spLocks/>
-          </p:cNvSpPr>
-          <p:nvPr/>
-        </p:nvSpPr>
-        <p:spPr>
-          <a:xfrm>
-            <a:off x="8636001" y="5515765"/>
-            <a:ext cx="4851399" cy="1826949"/>
-          </a:xfrm>
-          <a:prstGeom prst="rect">
-            <a:avLst/>
-          </a:prstGeom>
-        </p:spPr>
-        <p:txBody>
-          <a:bodyPr vert="horz" lIns="91440" tIns="45720" rIns="91440" bIns="45720" rtlCol="0">
-            <a:normAutofit/>
-          </a:bodyPr>
-          <a:lstStyle>
-            <a:lvl1pPr marL="228600" indent="-228600" algn="l" defTabSz="914400" rtl="0" eaLnBrk="1" latinLnBrk="0" hangingPunct="1">
+            <a:pPr marL="0" marR="0" lvl="0" indent="0" algn="l" defTabSz="914400" rtl="0" eaLnBrk="1" fontAlgn="auto" latinLnBrk="0" hangingPunct="1">
               <a:lnSpc>
                 <a:spcPct val="90000"/>
               </a:lnSpc>
               <a:spcBef>
                 <a:spcPts val="1000"/>
               </a:spcBef>
+              <a:spcAft>
+                <a:spcPts val="0"/>
+              </a:spcAft>
               <a:buClr>
-                <a:schemeClr val="bg2">
+                <a:srgbClr val="E7E6E6">
                   <a:lumMod val="75000"/>
-                </a:schemeClr>
+                </a:srgbClr>
               </a:buClr>
+              <a:buSzTx/>
               <a:buFont typeface="Arial" panose="020B0604020202020204" pitchFamily="34" charset="0"/>
-              <a:buChar char="•"/>
-              <a:defRPr sz="2800" kern="1200">
+              <a:buNone/>
+              <a:tabLst/>
+              <a:defRPr/>
+            </a:pPr>
+            <a:r>
+              <a:rPr kumimoji="0" lang="en-GB" sz="2800" b="0" i="0" u="none" strike="noStrike" kern="1200" cap="none" spc="0" normalizeH="0" baseline="0" noProof="0" dirty="0">
+                <a:ln>
+                  <a:noFill/>
+                </a:ln>
                 <a:solidFill>
-                  <a:schemeClr val="tx1"/>
+                  <a:prstClr val="black"/>
                 </a:solidFill>
+                <a:effectLst/>
+                <a:uLnTx/>
+                <a:uFillTx/>
                 <a:latin typeface="Bahnschrift Light" panose="020B0502040204020203" pitchFamily="34" charset="0"/>
                 <a:ea typeface="+mn-ea"/>
                 <a:cs typeface="+mn-cs"/>
-              </a:defRPr>
-            </a:lvl1pPr>
-            <a:lvl2pPr marL="685800" indent="-228600" algn="l" defTabSz="914400" rtl="0" eaLnBrk="1" latinLnBrk="0" hangingPunct="1">
-              <a:lnSpc>
-                <a:spcPct val="90000"/>
-              </a:lnSpc>
-              <a:spcBef>
-                <a:spcPts val="500"/>
-              </a:spcBef>
-              <a:buClr>
-                <a:srgbClr val="7030A0"/>
-              </a:buClr>
-              <a:buFont typeface="Arial" panose="020B0604020202020204" pitchFamily="34" charset="0"/>
-              <a:buChar char="•"/>
-              <a:defRPr sz="2400" kern="1200">
-                <a:solidFill>
-                  <a:schemeClr val="tx1"/>
-                </a:solidFill>
-                <a:latin typeface="Bahnschrift Light" panose="020B0502040204020203" pitchFamily="34" charset="0"/>
-                <a:ea typeface="+mn-ea"/>
-                <a:cs typeface="+mn-cs"/>
-              </a:defRPr>
-            </a:lvl2pPr>
-            <a:lvl3pPr marL="1143000" indent="-228600" algn="l" defTabSz="914400" rtl="0" eaLnBrk="1" latinLnBrk="0" hangingPunct="1">
-              <a:lnSpc>
-                <a:spcPct val="90000"/>
-              </a:lnSpc>
-              <a:spcBef>
-                <a:spcPts val="500"/>
-              </a:spcBef>
-              <a:buFont typeface="Arial" panose="020B0604020202020204" pitchFamily="34" charset="0"/>
-              <a:buChar char="•"/>
-              <a:defRPr sz="2000" kern="1200">
-                <a:solidFill>
-                  <a:schemeClr val="tx1"/>
-                </a:solidFill>
-                <a:latin typeface="Bahnschrift Light" panose="020B0502040204020203" pitchFamily="34" charset="0"/>
-                <a:ea typeface="+mn-ea"/>
-                <a:cs typeface="+mn-cs"/>
-              </a:defRPr>
-            </a:lvl3pPr>
-            <a:lvl4pPr marL="1600200" indent="-228600" algn="l" defTabSz="914400" rtl="0" eaLnBrk="1" latinLnBrk="0" hangingPunct="1">
-              <a:lnSpc>
-                <a:spcPct val="90000"/>
-              </a:lnSpc>
-              <a:spcBef>
-                <a:spcPts val="500"/>
-              </a:spcBef>
-              <a:buFont typeface="Arial" panose="020B0604020202020204" pitchFamily="34" charset="0"/>
-              <a:buChar char="•"/>
-              <a:defRPr sz="1800" kern="1200">
-                <a:solidFill>
-                  <a:schemeClr val="tx1"/>
-                </a:solidFill>
-                <a:latin typeface="Bahnschrift Light" panose="020B0502040204020203" pitchFamily="34" charset="0"/>
-                <a:ea typeface="+mn-ea"/>
-                <a:cs typeface="+mn-cs"/>
-              </a:defRPr>
-            </a:lvl4pPr>
-            <a:lvl5pPr marL="2057400" indent="-228600" algn="l" defTabSz="914400" rtl="0" eaLnBrk="1" latinLnBrk="0" hangingPunct="1">
-              <a:lnSpc>
-                <a:spcPct val="90000"/>
-              </a:lnSpc>
-              <a:spcBef>
-                <a:spcPts val="500"/>
-              </a:spcBef>
-              <a:buFont typeface="Arial" panose="020B0604020202020204" pitchFamily="34" charset="0"/>
-              <a:buChar char="•"/>
-              <a:defRPr sz="1800" kern="1200">
-                <a:solidFill>
-                  <a:schemeClr val="tx1"/>
-                </a:solidFill>
-                <a:latin typeface="Bahnschrift Light" panose="020B0502040204020203" pitchFamily="34" charset="0"/>
-                <a:ea typeface="+mn-ea"/>
-                <a:cs typeface="+mn-cs"/>
-              </a:defRPr>
-            </a:lvl5pPr>
-            <a:lvl6pPr marL="2514600" indent="-228600" algn="l" defTabSz="914400" rtl="0" eaLnBrk="1" latinLnBrk="0" hangingPunct="1">
-              <a:lnSpc>
-                <a:spcPct val="90000"/>
-              </a:lnSpc>
-              <a:spcBef>
-                <a:spcPts val="500"/>
-              </a:spcBef>
-              <a:buFont typeface="Arial" panose="020B0604020202020204" pitchFamily="34" charset="0"/>
-              <a:buChar char="•"/>
-              <a:defRPr sz="1800" kern="1200">
-                <a:solidFill>
-                  <a:schemeClr val="tx1"/>
-                </a:solidFill>
-                <a:latin typeface="+mn-lt"/>
-                <a:ea typeface="+mn-ea"/>
-                <a:cs typeface="+mn-cs"/>
-              </a:defRPr>
-            </a:lvl6pPr>
-            <a:lvl7pPr marL="2971800" indent="-228600" algn="l" defTabSz="914400" rtl="0" eaLnBrk="1" latinLnBrk="0" hangingPunct="1">
-              <a:lnSpc>
-                <a:spcPct val="90000"/>
-              </a:lnSpc>
-              <a:spcBef>
-                <a:spcPts val="500"/>
-              </a:spcBef>
-              <a:buFont typeface="Arial" panose="020B0604020202020204" pitchFamily="34" charset="0"/>
-              <a:buChar char="•"/>
-              <a:defRPr sz="1800" kern="1200">
-                <a:solidFill>
-                  <a:schemeClr val="tx1"/>
-                </a:solidFill>
-                <a:latin typeface="+mn-lt"/>
-                <a:ea typeface="+mn-ea"/>
-                <a:cs typeface="+mn-cs"/>
-              </a:defRPr>
-            </a:lvl7pPr>
-            <a:lvl8pPr marL="3429000" indent="-228600" algn="l" defTabSz="914400" rtl="0" eaLnBrk="1" latinLnBrk="0" hangingPunct="1">
-              <a:lnSpc>
-                <a:spcPct val="90000"/>
-              </a:lnSpc>
-              <a:spcBef>
-                <a:spcPts val="500"/>
-              </a:spcBef>
-              <a:buFont typeface="Arial" panose="020B0604020202020204" pitchFamily="34" charset="0"/>
-              <a:buChar char="•"/>
-              <a:defRPr sz="1800" kern="1200">
-                <a:solidFill>
-                  <a:schemeClr val="tx1"/>
-                </a:solidFill>
-                <a:latin typeface="+mn-lt"/>
-                <a:ea typeface="+mn-ea"/>
-                <a:cs typeface="+mn-cs"/>
-              </a:defRPr>
-            </a:lvl8pPr>
-            <a:lvl9pPr marL="3886200" indent="-228600" algn="l" defTabSz="914400" rtl="0" eaLnBrk="1" latinLnBrk="0" hangingPunct="1">
-              <a:lnSpc>
-                <a:spcPct val="90000"/>
-              </a:lnSpc>
-              <a:spcBef>
-                <a:spcPts val="500"/>
-              </a:spcBef>
-              <a:buFont typeface="Arial" panose="020B0604020202020204" pitchFamily="34" charset="0"/>
-              <a:buChar char="•"/>
-              <a:defRPr sz="1800" kern="1200">
-                <a:solidFill>
-                  <a:schemeClr val="tx1"/>
-                </a:solidFill>
-                <a:latin typeface="+mn-lt"/>
-                <a:ea typeface="+mn-ea"/>
-                <a:cs typeface="+mn-cs"/>
-              </a:defRPr>
-            </a:lvl9pPr>
-          </a:lstStyle>
-          <a:p>
-            <a:pPr marL="0" indent="0">
-              <a:buNone/>
-            </a:pPr>
-            <a:r>
-              <a:rPr lang="en-GB" dirty="0"/>
-              <a:t>Compiled languages:</a:t>
-            </a:r>
-          </a:p>
-          <a:p>
-            <a:pPr marL="0" indent="0">
-              <a:buNone/>
-            </a:pPr>
-            <a:r>
-              <a:rPr lang="en-GB" dirty="0"/>
-              <a:t>C, BASIC, LabVIEW</a:t>
-            </a:r>
-          </a:p>
-          <a:p>
-            <a:pPr marL="0" indent="0">
-              <a:buFont typeface="Arial" panose="020B0604020202020204" pitchFamily="34" charset="0"/>
-              <a:buNone/>
-            </a:pPr>
-            <a:endParaRPr lang="en-GB" dirty="0"/>
-          </a:p>
-        </p:txBody>
-      </p:sp>
-      <p:sp>
-        <p:nvSpPr>
-          <p:cNvPr id="10" name="Content Placeholder 2">
+              </a:rPr>
+              <a:t>Output: ?</a:t>
+            </a:r>
+          </a:p>
+        </p:txBody>
+      </p:sp>
+      <p:pic>
+        <p:nvPicPr>
+          <p:cNvPr id="29" name="Afbeelding 28">
             <a:extLst>
               <a:ext uri="{FF2B5EF4-FFF2-40B4-BE49-F238E27FC236}">
-                <a16:creationId xmlns:a16="http://schemas.microsoft.com/office/drawing/2014/main" id="{B232ECC0-870C-4FD3-8452-702ABB28E7CD}"/>
+                <a16:creationId xmlns:a16="http://schemas.microsoft.com/office/drawing/2014/main" id="{366F551A-D3C2-4692-8C6C-A90E3C67F713}"/>
               </a:ext>
             </a:extLst>
           </p:cNvPr>
-          <p:cNvSpPr txBox="1">
-            <a:spLocks/>
-          </p:cNvSpPr>
+          <p:cNvPicPr>
+            <a:picLocks noChangeAspect="1"/>
+          </p:cNvPicPr>
           <p:nvPr/>
-        </p:nvSpPr>
+        </p:nvPicPr>
+        <p:blipFill>
+          <a:blip r:embed="rId3"/>
+          <a:stretch>
+            <a:fillRect/>
+          </a:stretch>
+        </p:blipFill>
         <p:spPr>
           <a:xfrm>
-            <a:off x="4605868" y="5515766"/>
-            <a:ext cx="4851399" cy="1826949"/>
+            <a:off x="348306" y="2141910"/>
+            <a:ext cx="8010525" cy="3200400"/>
           </a:xfrm>
           <a:prstGeom prst="rect">
             <a:avLst/>
           </a:prstGeom>
         </p:spPr>
-        <p:txBody>
-          <a:bodyPr vert="horz" lIns="91440" tIns="45720" rIns="91440" bIns="45720" rtlCol="0">
-            <a:normAutofit/>
-          </a:bodyPr>
-          <a:lstStyle>
-            <a:lvl1pPr marL="228600" indent="-228600" algn="l" defTabSz="914400" rtl="0" eaLnBrk="1" latinLnBrk="0" hangingPunct="1">
-              <a:lnSpc>
-                <a:spcPct val="90000"/>
-              </a:lnSpc>
-              <a:spcBef>
-                <a:spcPts val="1000"/>
-              </a:spcBef>
-              <a:buClr>
-                <a:schemeClr val="bg2">
-                  <a:lumMod val="75000"/>
-                </a:schemeClr>
-              </a:buClr>
-              <a:buFont typeface="Arial" panose="020B0604020202020204" pitchFamily="34" charset="0"/>
-              <a:buChar char="•"/>
-              <a:defRPr sz="2800" kern="1200">
-                <a:solidFill>
-                  <a:schemeClr val="tx1"/>
-                </a:solidFill>
-                <a:latin typeface="Bahnschrift Light" panose="020B0502040204020203" pitchFamily="34" charset="0"/>
-                <a:ea typeface="+mn-ea"/>
-                <a:cs typeface="+mn-cs"/>
-              </a:defRPr>
-            </a:lvl1pPr>
-            <a:lvl2pPr marL="685800" indent="-228600" algn="l" defTabSz="914400" rtl="0" eaLnBrk="1" latinLnBrk="0" hangingPunct="1">
-              <a:lnSpc>
-                <a:spcPct val="90000"/>
-              </a:lnSpc>
-              <a:spcBef>
-                <a:spcPts val="500"/>
-              </a:spcBef>
-              <a:buClr>
-                <a:srgbClr val="7030A0"/>
-              </a:buClr>
-              <a:buFont typeface="Arial" panose="020B0604020202020204" pitchFamily="34" charset="0"/>
-              <a:buChar char="•"/>
-              <a:defRPr sz="2400" kern="1200">
-                <a:solidFill>
-                  <a:schemeClr val="tx1"/>
-                </a:solidFill>
-                <a:latin typeface="Bahnschrift Light" panose="020B0502040204020203" pitchFamily="34" charset="0"/>
-                <a:ea typeface="+mn-ea"/>
-                <a:cs typeface="+mn-cs"/>
-              </a:defRPr>
-            </a:lvl2pPr>
-            <a:lvl3pPr marL="1143000" indent="-228600" algn="l" defTabSz="914400" rtl="0" eaLnBrk="1" latinLnBrk="0" hangingPunct="1">
-              <a:lnSpc>
-                <a:spcPct val="90000"/>
-              </a:lnSpc>
-              <a:spcBef>
-                <a:spcPts val="500"/>
-              </a:spcBef>
-              <a:buFont typeface="Arial" panose="020B0604020202020204" pitchFamily="34" charset="0"/>
-              <a:buChar char="•"/>
-              <a:defRPr sz="2000" kern="1200">
-                <a:solidFill>
-                  <a:schemeClr val="tx1"/>
-                </a:solidFill>
-                <a:latin typeface="Bahnschrift Light" panose="020B0502040204020203" pitchFamily="34" charset="0"/>
-                <a:ea typeface="+mn-ea"/>
-                <a:cs typeface="+mn-cs"/>
-              </a:defRPr>
-            </a:lvl3pPr>
-            <a:lvl4pPr marL="1600200" indent="-228600" algn="l" defTabSz="914400" rtl="0" eaLnBrk="1" latinLnBrk="0" hangingPunct="1">
-              <a:lnSpc>
-                <a:spcPct val="90000"/>
-              </a:lnSpc>
-              <a:spcBef>
-                <a:spcPts val="500"/>
-              </a:spcBef>
-              <a:buFont typeface="Arial" panose="020B0604020202020204" pitchFamily="34" charset="0"/>
-              <a:buChar char="•"/>
-              <a:defRPr sz="1800" kern="1200">
-                <a:solidFill>
-                  <a:schemeClr val="tx1"/>
-                </a:solidFill>
-                <a:latin typeface="Bahnschrift Light" panose="020B0502040204020203" pitchFamily="34" charset="0"/>
-                <a:ea typeface="+mn-ea"/>
-                <a:cs typeface="+mn-cs"/>
-              </a:defRPr>
-            </a:lvl4pPr>
-            <a:lvl5pPr marL="2057400" indent="-228600" algn="l" defTabSz="914400" rtl="0" eaLnBrk="1" latinLnBrk="0" hangingPunct="1">
-              <a:lnSpc>
-                <a:spcPct val="90000"/>
-              </a:lnSpc>
-              <a:spcBef>
-                <a:spcPts val="500"/>
-              </a:spcBef>
-              <a:buFont typeface="Arial" panose="020B0604020202020204" pitchFamily="34" charset="0"/>
-              <a:buChar char="•"/>
-              <a:defRPr sz="1800" kern="1200">
-                <a:solidFill>
-                  <a:schemeClr val="tx1"/>
-                </a:solidFill>
-                <a:latin typeface="Bahnschrift Light" panose="020B0502040204020203" pitchFamily="34" charset="0"/>
-                <a:ea typeface="+mn-ea"/>
-                <a:cs typeface="+mn-cs"/>
-              </a:defRPr>
-            </a:lvl5pPr>
-            <a:lvl6pPr marL="2514600" indent="-228600" algn="l" defTabSz="914400" rtl="0" eaLnBrk="1" latinLnBrk="0" hangingPunct="1">
-              <a:lnSpc>
-                <a:spcPct val="90000"/>
-              </a:lnSpc>
-              <a:spcBef>
-                <a:spcPts val="500"/>
-              </a:spcBef>
-              <a:buFont typeface="Arial" panose="020B0604020202020204" pitchFamily="34" charset="0"/>
-              <a:buChar char="•"/>
-              <a:defRPr sz="1800" kern="1200">
-                <a:solidFill>
-                  <a:schemeClr val="tx1"/>
-                </a:solidFill>
-                <a:latin typeface="+mn-lt"/>
-                <a:ea typeface="+mn-ea"/>
-                <a:cs typeface="+mn-cs"/>
-              </a:defRPr>
-            </a:lvl6pPr>
-            <a:lvl7pPr marL="2971800" indent="-228600" algn="l" defTabSz="914400" rtl="0" eaLnBrk="1" latinLnBrk="0" hangingPunct="1">
-              <a:lnSpc>
-                <a:spcPct val="90000"/>
-              </a:lnSpc>
-              <a:spcBef>
-                <a:spcPts val="500"/>
-              </a:spcBef>
-              <a:buFont typeface="Arial" panose="020B0604020202020204" pitchFamily="34" charset="0"/>
-              <a:buChar char="•"/>
-              <a:defRPr sz="1800" kern="1200">
-                <a:solidFill>
-                  <a:schemeClr val="tx1"/>
-                </a:solidFill>
-                <a:latin typeface="+mn-lt"/>
-                <a:ea typeface="+mn-ea"/>
-                <a:cs typeface="+mn-cs"/>
-              </a:defRPr>
-            </a:lvl7pPr>
-            <a:lvl8pPr marL="3429000" indent="-228600" algn="l" defTabSz="914400" rtl="0" eaLnBrk="1" latinLnBrk="0" hangingPunct="1">
-              <a:lnSpc>
-                <a:spcPct val="90000"/>
-              </a:lnSpc>
-              <a:spcBef>
-                <a:spcPts val="500"/>
-              </a:spcBef>
-              <a:buFont typeface="Arial" panose="020B0604020202020204" pitchFamily="34" charset="0"/>
-              <a:buChar char="•"/>
-              <a:defRPr sz="1800" kern="1200">
-                <a:solidFill>
-                  <a:schemeClr val="tx1"/>
-                </a:solidFill>
-                <a:latin typeface="+mn-lt"/>
-                <a:ea typeface="+mn-ea"/>
-                <a:cs typeface="+mn-cs"/>
-              </a:defRPr>
-            </a:lvl8pPr>
-            <a:lvl9pPr marL="3886200" indent="-228600" algn="l" defTabSz="914400" rtl="0" eaLnBrk="1" latinLnBrk="0" hangingPunct="1">
-              <a:lnSpc>
-                <a:spcPct val="90000"/>
-              </a:lnSpc>
-              <a:spcBef>
-                <a:spcPts val="500"/>
-              </a:spcBef>
-              <a:buFont typeface="Arial" panose="020B0604020202020204" pitchFamily="34" charset="0"/>
-              <a:buChar char="•"/>
-              <a:defRPr sz="1800" kern="1200">
-                <a:solidFill>
-                  <a:schemeClr val="tx1"/>
-                </a:solidFill>
-                <a:latin typeface="+mn-lt"/>
-                <a:ea typeface="+mn-ea"/>
-                <a:cs typeface="+mn-cs"/>
-              </a:defRPr>
-            </a:lvl9pPr>
-          </a:lstStyle>
-          <a:p>
-            <a:pPr marL="0" indent="0">
-              <a:buNone/>
-            </a:pPr>
-            <a:r>
-              <a:rPr lang="en-GB" dirty="0"/>
-              <a:t>Interpreted language:</a:t>
-            </a:r>
-          </a:p>
-          <a:p>
-            <a:pPr marL="0" indent="0">
-              <a:buNone/>
-            </a:pPr>
-            <a:r>
-              <a:rPr lang="en-GB" dirty="0"/>
-              <a:t>Python</a:t>
-            </a:r>
-          </a:p>
-        </p:txBody>
-      </p:sp>
+      </p:pic>
+      <p:cxnSp>
+        <p:nvCxnSpPr>
+          <p:cNvPr id="18" name="Rechte verbindingslijn met pijl 17">
+            <a:extLst>
+              <a:ext uri="{FF2B5EF4-FFF2-40B4-BE49-F238E27FC236}">
+                <a16:creationId xmlns:a16="http://schemas.microsoft.com/office/drawing/2014/main" id="{E518F5B5-B4C6-4654-B153-33B4B94F8C1C}"/>
+              </a:ext>
+            </a:extLst>
+          </p:cNvPr>
+          <p:cNvCxnSpPr>
+            <a:cxnSpLocks/>
+          </p:cNvCxnSpPr>
+          <p:nvPr/>
+        </p:nvCxnSpPr>
+        <p:spPr>
+          <a:xfrm flipH="1">
+            <a:off x="7264400" y="3160811"/>
+            <a:ext cx="1790700" cy="0"/>
+          </a:xfrm>
+          <a:prstGeom prst="straightConnector1">
+            <a:avLst/>
+          </a:prstGeom>
+          <a:ln w="57150">
+            <a:solidFill>
+              <a:srgbClr val="7030A0"/>
+            </a:solidFill>
+            <a:tailEnd type="triangle"/>
+          </a:ln>
+        </p:spPr>
+        <p:style>
+          <a:lnRef idx="1">
+            <a:schemeClr val="accent1"/>
+          </a:lnRef>
+          <a:fillRef idx="0">
+            <a:schemeClr val="accent1"/>
+          </a:fillRef>
+          <a:effectRef idx="0">
+            <a:schemeClr val="accent1"/>
+          </a:effectRef>
+          <a:fontRef idx="minor">
+            <a:schemeClr val="tx1"/>
+          </a:fontRef>
+        </p:style>
+      </p:cxnSp>
     </p:spTree>
     <p:extLst>
       <p:ext uri="{BB962C8B-B14F-4D97-AF65-F5344CB8AC3E}">
-        <p14:creationId xmlns:p14="http://schemas.microsoft.com/office/powerpoint/2010/main" val="377703355"/>
+        <p14:creationId xmlns:p14="http://schemas.microsoft.com/office/powerpoint/2010/main" val="69579857"/>
       </p:ext>
     </p:extLst>
   </p:cSld>
   <p:clrMapOvr>
     <a:masterClrMapping/>
   </p:clrMapOvr>
+  <p:timing>
+    <p:tnLst>
+      <p:par>
+        <p:cTn id="1" dur="indefinite" restart="never" nodeType="tmRoot">
+          <p:childTnLst>
+            <p:seq concurrent="1" nextAc="seek">
+              <p:cTn id="2" dur="indefinite" nodeType="mainSeq">
+                <p:childTnLst>
+                  <p:par>
+                    <p:cTn id="3" fill="hold">
+                      <p:stCondLst>
+                        <p:cond delay="indefinite"/>
+                      </p:stCondLst>
+                      <p:childTnLst>
+                        <p:par>
+                          <p:cTn id="4" fill="hold">
+                            <p:stCondLst>
+                              <p:cond delay="0"/>
+                            </p:stCondLst>
+                            <p:childTnLst>
+                              <p:par>
+                                <p:cTn id="5" presetID="1" presetClass="entr" presetSubtype="0" fill="hold" nodeType="clickEffect">
+                                  <p:stCondLst>
+                                    <p:cond delay="0"/>
+                                  </p:stCondLst>
+                                  <p:childTnLst>
+                                    <p:set>
+                                      <p:cBhvr>
+                                        <p:cTn id="6" dur="1" fill="hold">
+                                          <p:stCondLst>
+                                            <p:cond delay="0"/>
+                                          </p:stCondLst>
+                                        </p:cTn>
+                                        <p:tgtEl>
+                                          <p:spTgt spid="20"/>
+                                        </p:tgtEl>
+                                        <p:attrNameLst>
+                                          <p:attrName>style.visibility</p:attrName>
+                                        </p:attrNameLst>
+                                      </p:cBhvr>
+                                      <p:to>
+                                        <p:strVal val="visible"/>
+                                      </p:to>
+                                    </p:set>
+                                  </p:childTnLst>
+                                </p:cTn>
+                              </p:par>
+                              <p:par>
+                                <p:cTn id="7" presetID="1" presetClass="entr" presetSubtype="0" fill="hold" grpId="0" nodeType="withEffect">
+                                  <p:stCondLst>
+                                    <p:cond delay="0"/>
+                                  </p:stCondLst>
+                                  <p:childTnLst>
+                                    <p:set>
+                                      <p:cBhvr>
+                                        <p:cTn id="8" dur="1" fill="hold">
+                                          <p:stCondLst>
+                                            <p:cond delay="0"/>
+                                          </p:stCondLst>
+                                        </p:cTn>
+                                        <p:tgtEl>
+                                          <p:spTgt spid="25"/>
+                                        </p:tgtEl>
+                                        <p:attrNameLst>
+                                          <p:attrName>style.visibility</p:attrName>
+                                        </p:attrNameLst>
+                                      </p:cBhvr>
+                                      <p:to>
+                                        <p:strVal val="visible"/>
+                                      </p:to>
+                                    </p:set>
+                                  </p:childTnLst>
+                                </p:cTn>
+                              </p:par>
+                            </p:childTnLst>
+                          </p:cTn>
+                        </p:par>
+                      </p:childTnLst>
+                    </p:cTn>
+                  </p:par>
+                </p:childTnLst>
+              </p:cTn>
+              <p:prevCondLst>
+                <p:cond evt="onPrev" delay="0">
+                  <p:tgtEl>
+                    <p:sldTgt/>
+                  </p:tgtEl>
+                </p:cond>
+              </p:prevCondLst>
+              <p:nextCondLst>
+                <p:cond evt="onNext" delay="0">
+                  <p:tgtEl>
+                    <p:sldTgt/>
+                  </p:tgtEl>
+                </p:cond>
+              </p:nextCondLst>
+            </p:seq>
+          </p:childTnLst>
+        </p:cTn>
+      </p:par>
+    </p:tnLst>
+    <p:bldLst>
+      <p:bldP spid="25" grpId="0"/>
+    </p:bldLst>
+  </p:timing>
 </p:sld>
 </file>
 
-<file path=ppt/slides/slide25.xml><?xml version="1.0" encoding="utf-8"?>
-<p:sld xmlns:a="http://schemas.openxmlformats.org/drawingml/2006/main" xmlns:r="http://schemas.openxmlformats.org/officeDocument/2006/relationships" xmlns:p="http://schemas.openxmlformats.org/presentationml/2006/main" show="0">
+<file path=ppt/slides/slide29.xml><?xml version="1.0" encoding="utf-8"?>
+<p:sld xmlns:a="http://schemas.openxmlformats.org/drawingml/2006/main" xmlns:r="http://schemas.openxmlformats.org/officeDocument/2006/relationships" xmlns:p="http://schemas.openxmlformats.org/presentationml/2006/main">
   <p:cSld>
     <p:spTree>
       <p:nvGrpSpPr>
@@ -7690,10 +10153,10 @@
       </p:grpSpPr>
       <p:sp>
         <p:nvSpPr>
-          <p:cNvPr id="2" name="Title 1">
+          <p:cNvPr id="2" name="Titel 1">
             <a:extLst>
               <a:ext uri="{FF2B5EF4-FFF2-40B4-BE49-F238E27FC236}">
-                <a16:creationId xmlns:a16="http://schemas.microsoft.com/office/drawing/2014/main" id="{361807B9-13BE-46BD-8A36-E680CDF91004}"/>
+                <a16:creationId xmlns:a16="http://schemas.microsoft.com/office/drawing/2014/main" id="{1C4FFFDA-809D-48CE-BFB7-A7DD5AEA527F}"/>
               </a:ext>
             </a:extLst>
           </p:cNvPr>
@@ -7711,17 +10174,17 @@
           <a:p>
             <a:r>
               <a:rPr lang="en-GB" dirty="0"/>
-              <a:t>Programming language</a:t>
-            </a:r>
-          </a:p>
-        </p:txBody>
-      </p:sp>
-      <p:sp>
-        <p:nvSpPr>
-          <p:cNvPr id="3" name="Content Placeholder 2">
+              <a:t>Why data types?</a:t>
+            </a:r>
+          </a:p>
+        </p:txBody>
+      </p:sp>
+      <p:sp>
+        <p:nvSpPr>
+          <p:cNvPr id="3" name="Tijdelijke aanduiding voor inhoud 2">
             <a:extLst>
               <a:ext uri="{FF2B5EF4-FFF2-40B4-BE49-F238E27FC236}">
-                <a16:creationId xmlns:a16="http://schemas.microsoft.com/office/drawing/2014/main" id="{63C2660E-3037-471B-853A-53241D02918A}"/>
+                <a16:creationId xmlns:a16="http://schemas.microsoft.com/office/drawing/2014/main" id="{2E299F9A-D5C0-4C9A-8AD8-D087280F895A}"/>
               </a:ext>
             </a:extLst>
           </p:cNvPr>
@@ -7739,191 +10202,232 @@
           <a:p>
             <a:r>
               <a:rPr lang="en-GB" dirty="0"/>
-              <a:t>Written for humans to understand</a:t>
-            </a:r>
-          </a:p>
-          <a:p>
-            <a:r>
-              <a:rPr lang="en-GB" dirty="0"/>
-              <a:t>Why so many:</a:t>
-            </a:r>
-          </a:p>
-          <a:p>
-            <a:pPr lvl="1"/>
-            <a:r>
-              <a:rPr lang="en-GB" dirty="0"/>
-              <a:t>Written for specific purposes</a:t>
-            </a:r>
-          </a:p>
-          <a:p>
-            <a:pPr lvl="1"/>
-            <a:r>
-              <a:rPr lang="en-GB" dirty="0"/>
-              <a:t>Personal preferences</a:t>
-            </a:r>
-          </a:p>
-          <a:p>
-            <a:pPr lvl="1"/>
-            <a:r>
-              <a:rPr lang="en-GB" dirty="0"/>
-              <a:t>Trade-off: convenience vs speed vs safety</a:t>
-            </a:r>
-          </a:p>
-          <a:p>
-            <a:r>
-              <a:rPr lang="en-GB" dirty="0"/>
-              <a:t>Eventually all programming languages are translated to code machine can understand</a:t>
-            </a:r>
+              <a:t>Allocation</a:t>
+            </a:r>
+            <a:r>
+              <a:rPr lang="en-GB" b="1" dirty="0"/>
+              <a:t> </a:t>
+            </a:r>
+            <a:r>
+              <a:rPr lang="en-GB" dirty="0"/>
+              <a:t>of memory</a:t>
+            </a:r>
+          </a:p>
+          <a:p>
+            <a:r>
+              <a:rPr lang="en-GB" dirty="0"/>
+              <a:t>Define</a:t>
+            </a:r>
+            <a:r>
+              <a:rPr lang="en-GB" b="1" dirty="0"/>
+              <a:t> </a:t>
+            </a:r>
+            <a:r>
+              <a:rPr lang="en-GB" dirty="0"/>
+              <a:t>operations possible</a:t>
+            </a:r>
+          </a:p>
+          <a:p>
+            <a:r>
+              <a:rPr lang="en-GB" dirty="0"/>
+              <a:t>Type safety</a:t>
+            </a:r>
+          </a:p>
+          <a:p>
+            <a:endParaRPr lang="en-GB" dirty="0"/>
           </a:p>
         </p:txBody>
       </p:sp>
     </p:spTree>
     <p:extLst>
       <p:ext uri="{BB962C8B-B14F-4D97-AF65-F5344CB8AC3E}">
-        <p14:creationId xmlns:p14="http://schemas.microsoft.com/office/powerpoint/2010/main" val="2933392707"/>
+        <p14:creationId xmlns:p14="http://schemas.microsoft.com/office/powerpoint/2010/main" val="3308422483"/>
       </p:ext>
     </p:extLst>
   </p:cSld>
   <p:clrMapOvr>
     <a:masterClrMapping/>
   </p:clrMapOvr>
-</p:sld>
-</file>
-
-<file path=ppt/slides/slide26.xml><?xml version="1.0" encoding="utf-8"?>
-<p:sld xmlns:a="http://schemas.openxmlformats.org/drawingml/2006/main" xmlns:r="http://schemas.openxmlformats.org/officeDocument/2006/relationships" xmlns:p="http://schemas.openxmlformats.org/presentationml/2006/main" show="0">
-  <p:cSld>
-    <p:spTree>
-      <p:nvGrpSpPr>
-        <p:cNvPr id="1" name=""/>
-        <p:cNvGrpSpPr/>
-        <p:nvPr/>
-      </p:nvGrpSpPr>
-      <p:grpSpPr>
-        <a:xfrm>
-          <a:off x="0" y="0"/>
-          <a:ext cx="0" cy="0"/>
-          <a:chOff x="0" y="0"/>
-          <a:chExt cx="0" cy="0"/>
-        </a:xfrm>
-      </p:grpSpPr>
-      <p:sp>
-        <p:nvSpPr>
-          <p:cNvPr id="2" name="Title 1">
-            <a:extLst>
-              <a:ext uri="{FF2B5EF4-FFF2-40B4-BE49-F238E27FC236}">
-                <a16:creationId xmlns:a16="http://schemas.microsoft.com/office/drawing/2014/main" id="{BF7C7390-0055-4490-A5FC-3AB69518ACDE}"/>
-              </a:ext>
-            </a:extLst>
-          </p:cNvPr>
-          <p:cNvSpPr>
-            <a:spLocks noGrp="1"/>
-          </p:cNvSpPr>
-          <p:nvPr>
-            <p:ph type="title"/>
-          </p:nvPr>
-        </p:nvSpPr>
-        <p:spPr/>
-        <p:txBody>
-          <a:bodyPr/>
-          <a:lstStyle/>
-          <a:p>
-            <a:r>
-              <a:rPr lang="en-GB" dirty="0"/>
-              <a:t>Python: interpreting</a:t>
-            </a:r>
-          </a:p>
-        </p:txBody>
-      </p:sp>
-      <p:sp>
-        <p:nvSpPr>
-          <p:cNvPr id="3" name="Content Placeholder 2">
-            <a:extLst>
-              <a:ext uri="{FF2B5EF4-FFF2-40B4-BE49-F238E27FC236}">
-                <a16:creationId xmlns:a16="http://schemas.microsoft.com/office/drawing/2014/main" id="{DDE7F9A6-468A-4F01-A116-41BA9C951E12}"/>
-              </a:ext>
-            </a:extLst>
-          </p:cNvPr>
-          <p:cNvSpPr>
-            <a:spLocks noGrp="1"/>
-          </p:cNvSpPr>
-          <p:nvPr>
-            <p:ph idx="1"/>
-          </p:nvPr>
-        </p:nvSpPr>
-        <p:spPr/>
-        <p:txBody>
-          <a:bodyPr/>
-          <a:lstStyle/>
-          <a:p>
-            <a:r>
-              <a:rPr lang="en-GB" dirty="0"/>
-              <a:t>Python interpreter takes bytecode and executes line by line</a:t>
-            </a:r>
-          </a:p>
-          <a:p>
-            <a:pPr lvl="1"/>
-            <a:r>
-              <a:rPr lang="en-GB" dirty="0"/>
-              <a:t>Execution happens on a virtual machine</a:t>
-            </a:r>
-          </a:p>
-          <a:p>
-            <a:r>
-              <a:rPr lang="en-GB" dirty="0"/>
-              <a:t>If error occurs, it happens during runtime</a:t>
-            </a:r>
-          </a:p>
-          <a:p>
-            <a:r>
-              <a:rPr lang="en-GB" dirty="0"/>
-              <a:t>Python also allows line by line execution (see e.g. </a:t>
-            </a:r>
-            <a:r>
-              <a:rPr lang="en-GB" dirty="0" err="1"/>
-              <a:t>iPython</a:t>
-            </a:r>
-            <a:r>
-              <a:rPr lang="en-GB" dirty="0"/>
-              <a:t>)</a:t>
-            </a:r>
-          </a:p>
-          <a:p>
-            <a:pPr lvl="1"/>
-            <a:r>
-              <a:rPr lang="en-GB" dirty="0"/>
-              <a:t>Under the hood this includes compiling + interpreting</a:t>
-            </a:r>
-          </a:p>
-          <a:p>
-            <a:pPr lvl="1"/>
-            <a:endParaRPr lang="en-GB" dirty="0"/>
-          </a:p>
-          <a:p>
-            <a:pPr lvl="1"/>
-            <a:endParaRPr lang="en-GB" dirty="0"/>
-          </a:p>
-          <a:p>
-            <a:pPr marL="0" indent="0">
-              <a:buNone/>
-            </a:pPr>
-            <a:r>
-              <a:rPr lang="en-GB" dirty="0"/>
-              <a:t>Important: You might have gotten some output when the error occurs!</a:t>
-            </a:r>
-          </a:p>
-        </p:txBody>
-      </p:sp>
-    </p:spTree>
-    <p:extLst>
-      <p:ext uri="{BB962C8B-B14F-4D97-AF65-F5344CB8AC3E}">
-        <p14:creationId xmlns:p14="http://schemas.microsoft.com/office/powerpoint/2010/main" val="2559822169"/>
-      </p:ext>
-    </p:extLst>
-  </p:cSld>
-  <p:clrMapOvr>
-    <a:masterClrMapping/>
-  </p:clrMapOvr>
+  <p:timing>
+    <p:tnLst>
+      <p:par>
+        <p:cTn id="1" dur="indefinite" restart="never" nodeType="tmRoot">
+          <p:childTnLst>
+            <p:seq concurrent="1" nextAc="seek">
+              <p:cTn id="2" dur="indefinite" nodeType="mainSeq">
+                <p:childTnLst>
+                  <p:par>
+                    <p:cTn id="3" fill="hold">
+                      <p:stCondLst>
+                        <p:cond delay="indefinite"/>
+                      </p:stCondLst>
+                      <p:childTnLst>
+                        <p:par>
+                          <p:cTn id="4" fill="hold">
+                            <p:stCondLst>
+                              <p:cond delay="0"/>
+                            </p:stCondLst>
+                            <p:childTnLst>
+                              <p:par>
+                                <p:cTn id="5" presetID="1" presetClass="entr" presetSubtype="0" fill="hold" grpId="0" nodeType="clickEffect">
+                                  <p:stCondLst>
+                                    <p:cond delay="0"/>
+                                  </p:stCondLst>
+                                  <p:childTnLst>
+                                    <p:set>
+                                      <p:cBhvr>
+                                        <p:cTn id="6" dur="1" fill="hold">
+                                          <p:stCondLst>
+                                            <p:cond delay="0"/>
+                                          </p:stCondLst>
+                                        </p:cTn>
+                                        <p:tgtEl>
+                                          <p:spTgt spid="3">
+                                            <p:txEl>
+                                              <p:pRg st="0" end="0"/>
+                                            </p:txEl>
+                                          </p:spTgt>
+                                        </p:tgtEl>
+                                        <p:attrNameLst>
+                                          <p:attrName>style.visibility</p:attrName>
+                                        </p:attrNameLst>
+                                      </p:cBhvr>
+                                      <p:to>
+                                        <p:strVal val="visible"/>
+                                      </p:to>
+                                    </p:set>
+                                  </p:childTnLst>
+                                </p:cTn>
+                              </p:par>
+                            </p:childTnLst>
+                          </p:cTn>
+                        </p:par>
+                      </p:childTnLst>
+                    </p:cTn>
+                  </p:par>
+                  <p:par>
+                    <p:cTn id="7" fill="hold">
+                      <p:stCondLst>
+                        <p:cond delay="indefinite"/>
+                      </p:stCondLst>
+                      <p:childTnLst>
+                        <p:par>
+                          <p:cTn id="8" fill="hold">
+                            <p:stCondLst>
+                              <p:cond delay="0"/>
+                            </p:stCondLst>
+                            <p:childTnLst>
+                              <p:par>
+                                <p:cTn id="9" presetID="1" presetClass="entr" presetSubtype="0" fill="hold" grpId="0" nodeType="clickEffect">
+                                  <p:stCondLst>
+                                    <p:cond delay="0"/>
+                                  </p:stCondLst>
+                                  <p:childTnLst>
+                                    <p:set>
+                                      <p:cBhvr>
+                                        <p:cTn id="10" dur="1" fill="hold">
+                                          <p:stCondLst>
+                                            <p:cond delay="0"/>
+                                          </p:stCondLst>
+                                        </p:cTn>
+                                        <p:tgtEl>
+                                          <p:spTgt spid="3">
+                                            <p:txEl>
+                                              <p:pRg st="1" end="1"/>
+                                            </p:txEl>
+                                          </p:spTgt>
+                                        </p:tgtEl>
+                                        <p:attrNameLst>
+                                          <p:attrName>style.visibility</p:attrName>
+                                        </p:attrNameLst>
+                                      </p:cBhvr>
+                                      <p:to>
+                                        <p:strVal val="visible"/>
+                                      </p:to>
+                                    </p:set>
+                                  </p:childTnLst>
+                                </p:cTn>
+                              </p:par>
+                            </p:childTnLst>
+                          </p:cTn>
+                        </p:par>
+                      </p:childTnLst>
+                    </p:cTn>
+                  </p:par>
+                  <p:par>
+                    <p:cTn id="11" fill="hold">
+                      <p:stCondLst>
+                        <p:cond delay="indefinite"/>
+                      </p:stCondLst>
+                      <p:childTnLst>
+                        <p:par>
+                          <p:cTn id="12" fill="hold">
+                            <p:stCondLst>
+                              <p:cond delay="0"/>
+                            </p:stCondLst>
+                            <p:childTnLst>
+                              <p:par>
+                                <p:cTn id="13" presetID="1" presetClass="entr" presetSubtype="0" fill="hold" grpId="0" nodeType="clickEffect">
+                                  <p:stCondLst>
+                                    <p:cond delay="0"/>
+                                  </p:stCondLst>
+                                  <p:childTnLst>
+                                    <p:set>
+                                      <p:cBhvr>
+                                        <p:cTn id="14" dur="1" fill="hold">
+                                          <p:stCondLst>
+                                            <p:cond delay="0"/>
+                                          </p:stCondLst>
+                                        </p:cTn>
+                                        <p:tgtEl>
+                                          <p:spTgt spid="3">
+                                            <p:txEl>
+                                              <p:pRg st="2" end="2"/>
+                                            </p:txEl>
+                                          </p:spTgt>
+                                        </p:tgtEl>
+                                        <p:attrNameLst>
+                                          <p:attrName>style.visibility</p:attrName>
+                                        </p:attrNameLst>
+                                      </p:cBhvr>
+                                      <p:to>
+                                        <p:strVal val="visible"/>
+                                      </p:to>
+                                    </p:set>
+                                  </p:childTnLst>
+                                </p:cTn>
+                              </p:par>
+                            </p:childTnLst>
+                          </p:cTn>
+                        </p:par>
+                      </p:childTnLst>
+                    </p:cTn>
+                  </p:par>
+                </p:childTnLst>
+              </p:cTn>
+              <p:prevCondLst>
+                <p:cond evt="onPrev" delay="0">
+                  <p:tgtEl>
+                    <p:sldTgt/>
+                  </p:tgtEl>
+                </p:cond>
+              </p:prevCondLst>
+              <p:nextCondLst>
+                <p:cond evt="onNext" delay="0">
+                  <p:tgtEl>
+                    <p:sldTgt/>
+                  </p:tgtEl>
+                </p:cond>
+              </p:nextCondLst>
+            </p:seq>
+          </p:childTnLst>
+        </p:cTn>
+      </p:par>
+    </p:tnLst>
+    <p:bldLst>
+      <p:bldP spid="3" grpId="0" build="p"/>
+    </p:bldLst>
+  </p:timing>
 </p:sld>
 </file>
 
@@ -8031,6 +10535,977 @@
     <p:extLst>
       <p:ext uri="{BB962C8B-B14F-4D97-AF65-F5344CB8AC3E}">
         <p14:creationId xmlns:p14="http://schemas.microsoft.com/office/powerpoint/2010/main" val="3238669408"/>
+      </p:ext>
+    </p:extLst>
+  </p:cSld>
+  <p:clrMapOvr>
+    <a:masterClrMapping/>
+  </p:clrMapOvr>
+</p:sld>
+</file>
+
+<file path=ppt/slides/slide30.xml><?xml version="1.0" encoding="utf-8"?>
+<p:sld xmlns:a="http://schemas.openxmlformats.org/drawingml/2006/main" xmlns:r="http://schemas.openxmlformats.org/officeDocument/2006/relationships" xmlns:p="http://schemas.openxmlformats.org/presentationml/2006/main">
+  <p:cSld>
+    <p:spTree>
+      <p:nvGrpSpPr>
+        <p:cNvPr id="1" name=""/>
+        <p:cNvGrpSpPr/>
+        <p:nvPr/>
+      </p:nvGrpSpPr>
+      <p:grpSpPr>
+        <a:xfrm>
+          <a:off x="0" y="0"/>
+          <a:ext cx="0" cy="0"/>
+          <a:chOff x="0" y="0"/>
+          <a:chExt cx="0" cy="0"/>
+        </a:xfrm>
+      </p:grpSpPr>
+      <p:sp>
+        <p:nvSpPr>
+          <p:cNvPr id="2" name="Title 1">
+            <a:extLst>
+              <a:ext uri="{FF2B5EF4-FFF2-40B4-BE49-F238E27FC236}">
+                <a16:creationId xmlns:a16="http://schemas.microsoft.com/office/drawing/2014/main" id="{89C0A727-B338-4CF3-B970-29521853B9A1}"/>
+              </a:ext>
+            </a:extLst>
+          </p:cNvPr>
+          <p:cNvSpPr>
+            <a:spLocks noGrp="1"/>
+          </p:cNvSpPr>
+          <p:nvPr>
+            <p:ph type="title"/>
+          </p:nvPr>
+        </p:nvSpPr>
+        <p:spPr/>
+        <p:txBody>
+          <a:bodyPr/>
+          <a:lstStyle/>
+          <a:p>
+            <a:r>
+              <a:rPr lang="en-GB" dirty="0"/>
+              <a:t>Python: Strong, dynamical and implicit</a:t>
+            </a:r>
+          </a:p>
+        </p:txBody>
+      </p:sp>
+      <p:sp>
+        <p:nvSpPr>
+          <p:cNvPr id="3" name="Content Placeholder 2">
+            <a:extLst>
+              <a:ext uri="{FF2B5EF4-FFF2-40B4-BE49-F238E27FC236}">
+                <a16:creationId xmlns:a16="http://schemas.microsoft.com/office/drawing/2014/main" id="{505398F4-0D8F-43E1-9F29-9155F8D2AB33}"/>
+              </a:ext>
+            </a:extLst>
+          </p:cNvPr>
+          <p:cNvSpPr>
+            <a:spLocks noGrp="1"/>
+          </p:cNvSpPr>
+          <p:nvPr>
+            <p:ph idx="1"/>
+          </p:nvPr>
+        </p:nvSpPr>
+        <p:spPr/>
+        <p:txBody>
+          <a:bodyPr/>
+          <a:lstStyle/>
+          <a:p>
+            <a:r>
+              <a:rPr lang="en-GB" dirty="0"/>
+              <a:t>Strong:</a:t>
+            </a:r>
+          </a:p>
+          <a:p>
+            <a:pPr lvl="1"/>
+            <a:r>
+              <a:rPr lang="en-GB" dirty="0"/>
+              <a:t>When you have assigned a type to a </a:t>
+            </a:r>
+            <a:r>
+              <a:rPr lang="en-GB" i="1" dirty="0"/>
+              <a:t>value</a:t>
+            </a:r>
+            <a:r>
+              <a:rPr lang="en-GB" dirty="0"/>
+              <a:t> (not the variable!) it will keep that type </a:t>
+            </a:r>
+          </a:p>
+          <a:p>
+            <a:pPr lvl="1"/>
+            <a:r>
+              <a:rPr lang="en-GB" dirty="0"/>
+              <a:t>E.g. string of numbers will not suddenly become number</a:t>
+            </a:r>
+          </a:p>
+          <a:p>
+            <a:r>
+              <a:rPr lang="en-GB" dirty="0"/>
+              <a:t>Dynamically:</a:t>
+            </a:r>
+          </a:p>
+          <a:p>
+            <a:pPr lvl="1"/>
+            <a:r>
+              <a:rPr lang="en-GB" i="1" dirty="0"/>
+              <a:t>Variables </a:t>
+            </a:r>
+            <a:r>
+              <a:rPr lang="en-GB" dirty="0"/>
+              <a:t>(not values) can change type</a:t>
+            </a:r>
+          </a:p>
+          <a:p>
+            <a:pPr lvl="1"/>
+            <a:r>
+              <a:rPr lang="en-GB" dirty="0"/>
+              <a:t>Implicit:</a:t>
+            </a:r>
+          </a:p>
+          <a:p>
+            <a:pPr lvl="2"/>
+            <a:r>
+              <a:rPr lang="en-GB" dirty="0"/>
+              <a:t>Do not declare the type of variables beforehand</a:t>
+            </a:r>
+          </a:p>
+          <a:p>
+            <a:pPr lvl="1"/>
+            <a:endParaRPr lang="en-GB" i="1" dirty="0"/>
+          </a:p>
+        </p:txBody>
+      </p:sp>
+    </p:spTree>
+    <p:extLst>
+      <p:ext uri="{BB962C8B-B14F-4D97-AF65-F5344CB8AC3E}">
+        <p14:creationId xmlns:p14="http://schemas.microsoft.com/office/powerpoint/2010/main" val="2865980445"/>
+      </p:ext>
+    </p:extLst>
+  </p:cSld>
+  <p:clrMapOvr>
+    <a:masterClrMapping/>
+  </p:clrMapOvr>
+</p:sld>
+</file>
+
+<file path=ppt/slides/slide31.xml><?xml version="1.0" encoding="utf-8"?>
+<p:sld xmlns:a="http://schemas.openxmlformats.org/drawingml/2006/main" xmlns:r="http://schemas.openxmlformats.org/officeDocument/2006/relationships" xmlns:p="http://schemas.openxmlformats.org/presentationml/2006/main">
+  <p:cSld>
+    <p:spTree>
+      <p:nvGrpSpPr>
+        <p:cNvPr id="1" name=""/>
+        <p:cNvGrpSpPr/>
+        <p:nvPr/>
+      </p:nvGrpSpPr>
+      <p:grpSpPr>
+        <a:xfrm>
+          <a:off x="0" y="0"/>
+          <a:ext cx="0" cy="0"/>
+          <a:chOff x="0" y="0"/>
+          <a:chExt cx="0" cy="0"/>
+        </a:xfrm>
+      </p:grpSpPr>
+      <p:sp>
+        <p:nvSpPr>
+          <p:cNvPr id="2" name="Titel 1">
+            <a:extLst>
+              <a:ext uri="{FF2B5EF4-FFF2-40B4-BE49-F238E27FC236}">
+                <a16:creationId xmlns:a16="http://schemas.microsoft.com/office/drawing/2014/main" id="{9F623F1A-1BB9-4A77-BCA8-E57C9823A06C}"/>
+              </a:ext>
+            </a:extLst>
+          </p:cNvPr>
+          <p:cNvSpPr>
+            <a:spLocks noGrp="1"/>
+          </p:cNvSpPr>
+          <p:nvPr>
+            <p:ph type="title"/>
+          </p:nvPr>
+        </p:nvSpPr>
+        <p:spPr/>
+        <p:txBody>
+          <a:bodyPr/>
+          <a:lstStyle/>
+          <a:p>
+            <a:r>
+              <a:rPr lang="en-GB" dirty="0"/>
+              <a:t>Primitive data types in Python</a:t>
+            </a:r>
+          </a:p>
+        </p:txBody>
+      </p:sp>
+      <p:graphicFrame>
+        <p:nvGraphicFramePr>
+          <p:cNvPr id="4" name="Tabel 3">
+            <a:extLst>
+              <a:ext uri="{FF2B5EF4-FFF2-40B4-BE49-F238E27FC236}">
+                <a16:creationId xmlns:a16="http://schemas.microsoft.com/office/drawing/2014/main" id="{5FDD658F-546F-4D27-879B-78730C01A0A0}"/>
+              </a:ext>
+            </a:extLst>
+          </p:cNvPr>
+          <p:cNvGraphicFramePr>
+            <a:graphicFrameLocks noGrp="1"/>
+          </p:cNvGraphicFramePr>
+          <p:nvPr>
+            <p:extLst/>
+          </p:nvPr>
+        </p:nvGraphicFramePr>
+        <p:xfrm>
+          <a:off x="0" y="1443945"/>
+          <a:ext cx="12192000" cy="5167313"/>
+        </p:xfrm>
+        <a:graphic>
+          <a:graphicData uri="http://schemas.openxmlformats.org/drawingml/2006/table">
+            <a:tbl>
+              <a:tblPr firstRow="1" bandRow="1">
+                <a:tableStyleId>{5C22544A-7EE6-4342-B048-85BDC9FD1C3A}</a:tableStyleId>
+              </a:tblPr>
+              <a:tblGrid>
+                <a:gridCol w="4064000">
+                  <a:extLst>
+                    <a:ext uri="{9D8B030D-6E8A-4147-A177-3AD203B41FA5}">
+                      <a16:colId xmlns:a16="http://schemas.microsoft.com/office/drawing/2014/main" val="648032213"/>
+                    </a:ext>
+                  </a:extLst>
+                </a:gridCol>
+                <a:gridCol w="4064000">
+                  <a:extLst>
+                    <a:ext uri="{9D8B030D-6E8A-4147-A177-3AD203B41FA5}">
+                      <a16:colId xmlns:a16="http://schemas.microsoft.com/office/drawing/2014/main" val="1875678885"/>
+                    </a:ext>
+                  </a:extLst>
+                </a:gridCol>
+                <a:gridCol w="4064000">
+                  <a:extLst>
+                    <a:ext uri="{9D8B030D-6E8A-4147-A177-3AD203B41FA5}">
+                      <a16:colId xmlns:a16="http://schemas.microsoft.com/office/drawing/2014/main" val="1286759113"/>
+                    </a:ext>
+                  </a:extLst>
+                </a:gridCol>
+              </a:tblGrid>
+              <a:tr h="674613">
+                <a:tc>
+                  <a:txBody>
+                    <a:bodyPr/>
+                    <a:lstStyle/>
+                    <a:p>
+                      <a:r>
+                        <a:rPr lang="en-GB" sz="2800" dirty="0"/>
+                        <a:t>Name</a:t>
+                      </a:r>
+                    </a:p>
+                  </a:txBody>
+                  <a:tcPr>
+                    <a:solidFill>
+                      <a:srgbClr val="7030A0"/>
+                    </a:solidFill>
+                  </a:tcPr>
+                </a:tc>
+                <a:tc>
+                  <a:txBody>
+                    <a:bodyPr/>
+                    <a:lstStyle/>
+                    <a:p>
+                      <a:r>
+                        <a:rPr lang="en-GB" sz="2800" dirty="0"/>
+                        <a:t>Shorthand</a:t>
+                      </a:r>
+                    </a:p>
+                  </a:txBody>
+                  <a:tcPr>
+                    <a:solidFill>
+                      <a:srgbClr val="7030A0"/>
+                    </a:solidFill>
+                  </a:tcPr>
+                </a:tc>
+                <a:tc>
+                  <a:txBody>
+                    <a:bodyPr/>
+                    <a:lstStyle/>
+                    <a:p>
+                      <a:r>
+                        <a:rPr lang="en-GB" sz="2800" dirty="0"/>
+                        <a:t>What</a:t>
+                      </a:r>
+                    </a:p>
+                  </a:txBody>
+                  <a:tcPr>
+                    <a:solidFill>
+                      <a:srgbClr val="7030A0"/>
+                    </a:solidFill>
+                  </a:tcPr>
+                </a:tc>
+                <a:extLst>
+                  <a:ext uri="{0D108BD9-81ED-4DB2-BD59-A6C34878D82A}">
+                    <a16:rowId xmlns:a16="http://schemas.microsoft.com/office/drawing/2014/main" val="3270505524"/>
+                  </a:ext>
+                </a:extLst>
+              </a:tr>
+              <a:tr h="674613">
+                <a:tc>
+                  <a:txBody>
+                    <a:bodyPr/>
+                    <a:lstStyle/>
+                    <a:p>
+                      <a:r>
+                        <a:rPr lang="en-GB" sz="2800" dirty="0"/>
+                        <a:t>Integer</a:t>
+                      </a:r>
+                    </a:p>
+                  </a:txBody>
+                  <a:tcPr>
+                    <a:solidFill>
+                      <a:schemeClr val="accent3">
+                        <a:lumMod val="20000"/>
+                        <a:lumOff val="80000"/>
+                      </a:schemeClr>
+                    </a:solidFill>
+                  </a:tcPr>
+                </a:tc>
+                <a:tc>
+                  <a:txBody>
+                    <a:bodyPr/>
+                    <a:lstStyle/>
+                    <a:p>
+                      <a:r>
+                        <a:rPr lang="en-GB" sz="2800" dirty="0"/>
+                        <a:t>int</a:t>
+                      </a:r>
+                    </a:p>
+                  </a:txBody>
+                  <a:tcPr>
+                    <a:solidFill>
+                      <a:schemeClr val="accent3">
+                        <a:lumMod val="20000"/>
+                        <a:lumOff val="80000"/>
+                      </a:schemeClr>
+                    </a:solidFill>
+                  </a:tcPr>
+                </a:tc>
+                <a:tc>
+                  <a:txBody>
+                    <a:bodyPr/>
+                    <a:lstStyle/>
+                    <a:p>
+                      <a:r>
+                        <a:rPr lang="en-GB" sz="2400" dirty="0"/>
+                        <a:t>Whole numbers</a:t>
+                      </a:r>
+                    </a:p>
+                  </a:txBody>
+                  <a:tcPr>
+                    <a:solidFill>
+                      <a:schemeClr val="accent3">
+                        <a:lumMod val="20000"/>
+                        <a:lumOff val="80000"/>
+                      </a:schemeClr>
+                    </a:solidFill>
+                  </a:tcPr>
+                </a:tc>
+                <a:extLst>
+                  <a:ext uri="{0D108BD9-81ED-4DB2-BD59-A6C34878D82A}">
+                    <a16:rowId xmlns:a16="http://schemas.microsoft.com/office/drawing/2014/main" val="3928429828"/>
+                  </a:ext>
+                </a:extLst>
+              </a:tr>
+              <a:tr h="897586">
+                <a:tc>
+                  <a:txBody>
+                    <a:bodyPr/>
+                    <a:lstStyle/>
+                    <a:p>
+                      <a:r>
+                        <a:rPr lang="en-GB" sz="2800" dirty="0"/>
+                        <a:t>Floating-point number</a:t>
+                      </a:r>
+                    </a:p>
+                  </a:txBody>
+                  <a:tcPr>
+                    <a:solidFill>
+                      <a:schemeClr val="accent3">
+                        <a:lumMod val="20000"/>
+                        <a:lumOff val="80000"/>
+                      </a:schemeClr>
+                    </a:solidFill>
+                  </a:tcPr>
+                </a:tc>
+                <a:tc>
+                  <a:txBody>
+                    <a:bodyPr/>
+                    <a:lstStyle/>
+                    <a:p>
+                      <a:r>
+                        <a:rPr lang="en-GB" sz="2800" dirty="0"/>
+                        <a:t>float</a:t>
+                      </a:r>
+                    </a:p>
+                  </a:txBody>
+                  <a:tcPr>
+                    <a:solidFill>
+                      <a:schemeClr val="accent3">
+                        <a:lumMod val="20000"/>
+                        <a:lumOff val="80000"/>
+                      </a:schemeClr>
+                    </a:solidFill>
+                  </a:tcPr>
+                </a:tc>
+                <a:tc>
+                  <a:txBody>
+                    <a:bodyPr/>
+                    <a:lstStyle/>
+                    <a:p>
+                      <a:r>
+                        <a:rPr lang="en-GB" sz="2400" dirty="0"/>
+                        <a:t>32-bit number with digits after decimal place</a:t>
+                      </a:r>
+                    </a:p>
+                  </a:txBody>
+                  <a:tcPr>
+                    <a:solidFill>
+                      <a:schemeClr val="accent3">
+                        <a:lumMod val="20000"/>
+                        <a:lumOff val="80000"/>
+                      </a:schemeClr>
+                    </a:solidFill>
+                  </a:tcPr>
+                </a:tc>
+                <a:extLst>
+                  <a:ext uri="{0D108BD9-81ED-4DB2-BD59-A6C34878D82A}">
+                    <a16:rowId xmlns:a16="http://schemas.microsoft.com/office/drawing/2014/main" val="3175073526"/>
+                  </a:ext>
+                </a:extLst>
+              </a:tr>
+              <a:tr h="1296513">
+                <a:tc>
+                  <a:txBody>
+                    <a:bodyPr/>
+                    <a:lstStyle/>
+                    <a:p>
+                      <a:r>
+                        <a:rPr lang="en-GB" sz="2800" dirty="0"/>
+                        <a:t>Double precision float</a:t>
+                      </a:r>
+                    </a:p>
+                  </a:txBody>
+                  <a:tcPr>
+                    <a:solidFill>
+                      <a:schemeClr val="accent3">
+                        <a:lumMod val="20000"/>
+                        <a:lumOff val="80000"/>
+                      </a:schemeClr>
+                    </a:solidFill>
+                  </a:tcPr>
+                </a:tc>
+                <a:tc>
+                  <a:txBody>
+                    <a:bodyPr/>
+                    <a:lstStyle/>
+                    <a:p>
+                      <a:r>
+                        <a:rPr lang="en-GB" sz="2800" dirty="0"/>
+                        <a:t>double</a:t>
+                      </a:r>
+                    </a:p>
+                  </a:txBody>
+                  <a:tcPr>
+                    <a:solidFill>
+                      <a:schemeClr val="accent3">
+                        <a:lumMod val="20000"/>
+                        <a:lumOff val="80000"/>
+                      </a:schemeClr>
+                    </a:solidFill>
+                  </a:tcPr>
+                </a:tc>
+                <a:tc>
+                  <a:txBody>
+                    <a:bodyPr/>
+                    <a:lstStyle/>
+                    <a:p>
+                      <a:pPr marL="0" marR="0" lvl="0" indent="0" algn="l" defTabSz="914400" rtl="0" eaLnBrk="1" fontAlgn="auto" latinLnBrk="0" hangingPunct="1">
+                        <a:lnSpc>
+                          <a:spcPct val="100000"/>
+                        </a:lnSpc>
+                        <a:spcBef>
+                          <a:spcPts val="0"/>
+                        </a:spcBef>
+                        <a:spcAft>
+                          <a:spcPts val="0"/>
+                        </a:spcAft>
+                        <a:buClrTx/>
+                        <a:buSzTx/>
+                        <a:buFontTx/>
+                        <a:buNone/>
+                        <a:tabLst/>
+                        <a:defRPr/>
+                      </a:pPr>
+                      <a:r>
+                        <a:rPr lang="en-GB" sz="2400" dirty="0"/>
+                        <a:t>64-bit number with digits after decimal place</a:t>
+                      </a:r>
+                    </a:p>
+                    <a:p>
+                      <a:endParaRPr lang="en-GB" sz="2400" dirty="0"/>
+                    </a:p>
+                  </a:txBody>
+                  <a:tcPr>
+                    <a:solidFill>
+                      <a:schemeClr val="accent3">
+                        <a:lumMod val="20000"/>
+                        <a:lumOff val="80000"/>
+                      </a:schemeClr>
+                    </a:solidFill>
+                  </a:tcPr>
+                </a:tc>
+                <a:extLst>
+                  <a:ext uri="{0D108BD9-81ED-4DB2-BD59-A6C34878D82A}">
+                    <a16:rowId xmlns:a16="http://schemas.microsoft.com/office/drawing/2014/main" val="663083742"/>
+                  </a:ext>
+                </a:extLst>
+              </a:tr>
+              <a:tr h="1030561">
+                <a:tc>
+                  <a:txBody>
+                    <a:bodyPr/>
+                    <a:lstStyle/>
+                    <a:p>
+                      <a:r>
+                        <a:rPr lang="en-GB" sz="2800" dirty="0"/>
+                        <a:t>Boolean</a:t>
+                      </a:r>
+                    </a:p>
+                  </a:txBody>
+                  <a:tcPr>
+                    <a:solidFill>
+                      <a:schemeClr val="accent3">
+                        <a:lumMod val="20000"/>
+                        <a:lumOff val="80000"/>
+                      </a:schemeClr>
+                    </a:solidFill>
+                  </a:tcPr>
+                </a:tc>
+                <a:tc>
+                  <a:txBody>
+                    <a:bodyPr/>
+                    <a:lstStyle/>
+                    <a:p>
+                      <a:r>
+                        <a:rPr lang="en-GB" sz="2800" dirty="0"/>
+                        <a:t>bool</a:t>
+                      </a:r>
+                    </a:p>
+                  </a:txBody>
+                  <a:tcPr>
+                    <a:solidFill>
+                      <a:schemeClr val="accent3">
+                        <a:lumMod val="20000"/>
+                        <a:lumOff val="80000"/>
+                      </a:schemeClr>
+                    </a:solidFill>
+                  </a:tcPr>
+                </a:tc>
+                <a:tc>
+                  <a:txBody>
+                    <a:bodyPr/>
+                    <a:lstStyle/>
+                    <a:p>
+                      <a:r>
+                        <a:rPr lang="en-GB" sz="2400" dirty="0"/>
+                        <a:t>Value that’s either true or false (0 or 1)</a:t>
+                      </a:r>
+                    </a:p>
+                  </a:txBody>
+                  <a:tcPr>
+                    <a:solidFill>
+                      <a:schemeClr val="accent3">
+                        <a:lumMod val="20000"/>
+                        <a:lumOff val="80000"/>
+                      </a:schemeClr>
+                    </a:solidFill>
+                  </a:tcPr>
+                </a:tc>
+                <a:extLst>
+                  <a:ext uri="{0D108BD9-81ED-4DB2-BD59-A6C34878D82A}">
+                    <a16:rowId xmlns:a16="http://schemas.microsoft.com/office/drawing/2014/main" val="3560124317"/>
+                  </a:ext>
+                </a:extLst>
+              </a:tr>
+              <a:tr h="593427">
+                <a:tc>
+                  <a:txBody>
+                    <a:bodyPr/>
+                    <a:lstStyle/>
+                    <a:p>
+                      <a:r>
+                        <a:rPr lang="en-GB" sz="2800" dirty="0"/>
+                        <a:t>String</a:t>
+                      </a:r>
+                    </a:p>
+                  </a:txBody>
+                  <a:tcPr>
+                    <a:solidFill>
+                      <a:schemeClr val="accent3">
+                        <a:lumMod val="20000"/>
+                        <a:lumOff val="80000"/>
+                      </a:schemeClr>
+                    </a:solidFill>
+                  </a:tcPr>
+                </a:tc>
+                <a:tc>
+                  <a:txBody>
+                    <a:bodyPr/>
+                    <a:lstStyle/>
+                    <a:p>
+                      <a:r>
+                        <a:rPr lang="en-GB" sz="2800" dirty="0"/>
+                        <a:t>str</a:t>
+                      </a:r>
+                    </a:p>
+                  </a:txBody>
+                  <a:tcPr>
+                    <a:solidFill>
+                      <a:schemeClr val="accent3">
+                        <a:lumMod val="20000"/>
+                        <a:lumOff val="80000"/>
+                      </a:schemeClr>
+                    </a:solidFill>
+                  </a:tcPr>
+                </a:tc>
+                <a:tc>
+                  <a:txBody>
+                    <a:bodyPr/>
+                    <a:lstStyle/>
+                    <a:p>
+                      <a:r>
+                        <a:rPr lang="en-GB" sz="2400" dirty="0"/>
+                        <a:t>A list of ASCII characters</a:t>
+                      </a:r>
+                    </a:p>
+                  </a:txBody>
+                  <a:tcPr>
+                    <a:solidFill>
+                      <a:schemeClr val="accent3">
+                        <a:lumMod val="20000"/>
+                        <a:lumOff val="80000"/>
+                      </a:schemeClr>
+                    </a:solidFill>
+                  </a:tcPr>
+                </a:tc>
+                <a:extLst>
+                  <a:ext uri="{0D108BD9-81ED-4DB2-BD59-A6C34878D82A}">
+                    <a16:rowId xmlns:a16="http://schemas.microsoft.com/office/drawing/2014/main" val="3576856072"/>
+                  </a:ext>
+                </a:extLst>
+              </a:tr>
+            </a:tbl>
+          </a:graphicData>
+        </a:graphic>
+      </p:graphicFrame>
+    </p:spTree>
+    <p:extLst>
+      <p:ext uri="{BB962C8B-B14F-4D97-AF65-F5344CB8AC3E}">
+        <p14:creationId xmlns:p14="http://schemas.microsoft.com/office/powerpoint/2010/main" val="2913176209"/>
+      </p:ext>
+    </p:extLst>
+  </p:cSld>
+  <p:clrMapOvr>
+    <a:masterClrMapping/>
+  </p:clrMapOvr>
+</p:sld>
+</file>
+
+<file path=ppt/slides/slide32.xml><?xml version="1.0" encoding="utf-8"?>
+<p:sld xmlns:a="http://schemas.openxmlformats.org/drawingml/2006/main" xmlns:r="http://schemas.openxmlformats.org/officeDocument/2006/relationships" xmlns:p="http://schemas.openxmlformats.org/presentationml/2006/main">
+  <p:cSld>
+    <p:spTree>
+      <p:nvGrpSpPr>
+        <p:cNvPr id="1" name=""/>
+        <p:cNvGrpSpPr/>
+        <p:nvPr/>
+      </p:nvGrpSpPr>
+      <p:grpSpPr>
+        <a:xfrm>
+          <a:off x="0" y="0"/>
+          <a:ext cx="0" cy="0"/>
+          <a:chOff x="0" y="0"/>
+          <a:chExt cx="0" cy="0"/>
+        </a:xfrm>
+      </p:grpSpPr>
+      <p:sp>
+        <p:nvSpPr>
+          <p:cNvPr id="2" name="Titel 1">
+            <a:extLst>
+              <a:ext uri="{FF2B5EF4-FFF2-40B4-BE49-F238E27FC236}">
+                <a16:creationId xmlns:a16="http://schemas.microsoft.com/office/drawing/2014/main" id="{9F623F1A-1BB9-4A77-BCA8-E57C9823A06C}"/>
+              </a:ext>
+            </a:extLst>
+          </p:cNvPr>
+          <p:cNvSpPr>
+            <a:spLocks noGrp="1"/>
+          </p:cNvSpPr>
+          <p:nvPr>
+            <p:ph type="title"/>
+          </p:nvPr>
+        </p:nvSpPr>
+        <p:spPr/>
+        <p:txBody>
+          <a:bodyPr/>
+          <a:lstStyle/>
+          <a:p>
+            <a:r>
+              <a:rPr lang="en-GB" dirty="0"/>
+              <a:t>Composite data types in Python</a:t>
+            </a:r>
+          </a:p>
+        </p:txBody>
+      </p:sp>
+      <p:graphicFrame>
+        <p:nvGraphicFramePr>
+          <p:cNvPr id="4" name="Tabel 3">
+            <a:extLst>
+              <a:ext uri="{FF2B5EF4-FFF2-40B4-BE49-F238E27FC236}">
+                <a16:creationId xmlns:a16="http://schemas.microsoft.com/office/drawing/2014/main" id="{5FDD658F-546F-4D27-879B-78730C01A0A0}"/>
+              </a:ext>
+            </a:extLst>
+          </p:cNvPr>
+          <p:cNvGraphicFramePr>
+            <a:graphicFrameLocks noGrp="1"/>
+          </p:cNvGraphicFramePr>
+          <p:nvPr>
+            <p:extLst/>
+          </p:nvPr>
+        </p:nvGraphicFramePr>
+        <p:xfrm>
+          <a:off x="0" y="1690688"/>
+          <a:ext cx="12192000" cy="2395159"/>
+        </p:xfrm>
+        <a:graphic>
+          <a:graphicData uri="http://schemas.openxmlformats.org/drawingml/2006/table">
+            <a:tbl>
+              <a:tblPr firstRow="1" bandRow="1">
+                <a:tableStyleId>{5C22544A-7EE6-4342-B048-85BDC9FD1C3A}</a:tableStyleId>
+              </a:tblPr>
+              <a:tblGrid>
+                <a:gridCol w="4064000">
+                  <a:extLst>
+                    <a:ext uri="{9D8B030D-6E8A-4147-A177-3AD203B41FA5}">
+                      <a16:colId xmlns:a16="http://schemas.microsoft.com/office/drawing/2014/main" val="648032213"/>
+                    </a:ext>
+                  </a:extLst>
+                </a:gridCol>
+                <a:gridCol w="4064000">
+                  <a:extLst>
+                    <a:ext uri="{9D8B030D-6E8A-4147-A177-3AD203B41FA5}">
+                      <a16:colId xmlns:a16="http://schemas.microsoft.com/office/drawing/2014/main" val="1875678885"/>
+                    </a:ext>
+                  </a:extLst>
+                </a:gridCol>
+                <a:gridCol w="4064000">
+                  <a:extLst>
+                    <a:ext uri="{9D8B030D-6E8A-4147-A177-3AD203B41FA5}">
+                      <a16:colId xmlns:a16="http://schemas.microsoft.com/office/drawing/2014/main" val="1286759113"/>
+                    </a:ext>
+                  </a:extLst>
+                </a:gridCol>
+              </a:tblGrid>
+              <a:tr h="674613">
+                <a:tc>
+                  <a:txBody>
+                    <a:bodyPr/>
+                    <a:lstStyle/>
+                    <a:p>
+                      <a:r>
+                        <a:rPr lang="en-GB" sz="2800" dirty="0"/>
+                        <a:t>Name</a:t>
+                      </a:r>
+                    </a:p>
+                  </a:txBody>
+                  <a:tcPr>
+                    <a:solidFill>
+                      <a:srgbClr val="7030A0"/>
+                    </a:solidFill>
+                  </a:tcPr>
+                </a:tc>
+                <a:tc>
+                  <a:txBody>
+                    <a:bodyPr/>
+                    <a:lstStyle/>
+                    <a:p>
+                      <a:r>
+                        <a:rPr lang="en-GB" sz="2800" dirty="0"/>
+                        <a:t>Shorthand</a:t>
+                      </a:r>
+                    </a:p>
+                  </a:txBody>
+                  <a:tcPr>
+                    <a:solidFill>
+                      <a:srgbClr val="7030A0"/>
+                    </a:solidFill>
+                  </a:tcPr>
+                </a:tc>
+                <a:tc>
+                  <a:txBody>
+                    <a:bodyPr/>
+                    <a:lstStyle/>
+                    <a:p>
+                      <a:r>
+                        <a:rPr lang="en-GB" sz="2800" dirty="0"/>
+                        <a:t>What</a:t>
+                      </a:r>
+                    </a:p>
+                  </a:txBody>
+                  <a:tcPr>
+                    <a:solidFill>
+                      <a:srgbClr val="7030A0"/>
+                    </a:solidFill>
+                  </a:tcPr>
+                </a:tc>
+                <a:extLst>
+                  <a:ext uri="{0D108BD9-81ED-4DB2-BD59-A6C34878D82A}">
+                    <a16:rowId xmlns:a16="http://schemas.microsoft.com/office/drawing/2014/main" val="3270505524"/>
+                  </a:ext>
+                </a:extLst>
+              </a:tr>
+              <a:tr h="674613">
+                <a:tc>
+                  <a:txBody>
+                    <a:bodyPr/>
+                    <a:lstStyle/>
+                    <a:p>
+                      <a:r>
+                        <a:rPr lang="en-GB" sz="2800" dirty="0"/>
+                        <a:t>List</a:t>
+                      </a:r>
+                    </a:p>
+                  </a:txBody>
+                  <a:tcPr>
+                    <a:solidFill>
+                      <a:schemeClr val="accent3">
+                        <a:lumMod val="20000"/>
+                        <a:lumOff val="80000"/>
+                      </a:schemeClr>
+                    </a:solidFill>
+                  </a:tcPr>
+                </a:tc>
+                <a:tc>
+                  <a:txBody>
+                    <a:bodyPr/>
+                    <a:lstStyle/>
+                    <a:p>
+                      <a:r>
+                        <a:rPr lang="en-GB" sz="2800" dirty="0"/>
+                        <a:t>list</a:t>
+                      </a:r>
+                    </a:p>
+                  </a:txBody>
+                  <a:tcPr>
+                    <a:solidFill>
+                      <a:schemeClr val="accent3">
+                        <a:lumMod val="20000"/>
+                        <a:lumOff val="80000"/>
+                      </a:schemeClr>
+                    </a:solidFill>
+                  </a:tcPr>
+                </a:tc>
+                <a:tc>
+                  <a:txBody>
+                    <a:bodyPr/>
+                    <a:lstStyle/>
+                    <a:p>
+                      <a:r>
+                        <a:rPr lang="en-GB" sz="2400" dirty="0"/>
+                        <a:t>Collection of elements of any type</a:t>
+                      </a:r>
+                    </a:p>
+                  </a:txBody>
+                  <a:tcPr>
+                    <a:solidFill>
+                      <a:schemeClr val="accent3">
+                        <a:lumMod val="20000"/>
+                        <a:lumOff val="80000"/>
+                      </a:schemeClr>
+                    </a:solidFill>
+                  </a:tcPr>
+                </a:tc>
+                <a:extLst>
+                  <a:ext uri="{0D108BD9-81ED-4DB2-BD59-A6C34878D82A}">
+                    <a16:rowId xmlns:a16="http://schemas.microsoft.com/office/drawing/2014/main" val="3928429828"/>
+                  </a:ext>
+                </a:extLst>
+              </a:tr>
+              <a:tr h="897586">
+                <a:tc>
+                  <a:txBody>
+                    <a:bodyPr/>
+                    <a:lstStyle/>
+                    <a:p>
+                      <a:r>
+                        <a:rPr lang="en-GB" sz="2800" dirty="0"/>
+                        <a:t>Dictionary</a:t>
+                      </a:r>
+                    </a:p>
+                  </a:txBody>
+                  <a:tcPr>
+                    <a:solidFill>
+                      <a:schemeClr val="accent3">
+                        <a:lumMod val="20000"/>
+                        <a:lumOff val="80000"/>
+                      </a:schemeClr>
+                    </a:solidFill>
+                  </a:tcPr>
+                </a:tc>
+                <a:tc>
+                  <a:txBody>
+                    <a:bodyPr/>
+                    <a:lstStyle/>
+                    <a:p>
+                      <a:r>
+                        <a:rPr lang="en-GB" sz="2800" dirty="0" err="1"/>
+                        <a:t>dict</a:t>
+                      </a:r>
+                      <a:endParaRPr lang="en-GB" sz="2800" dirty="0"/>
+                    </a:p>
+                  </a:txBody>
+                  <a:tcPr>
+                    <a:solidFill>
+                      <a:schemeClr val="accent3">
+                        <a:lumMod val="20000"/>
+                        <a:lumOff val="80000"/>
+                      </a:schemeClr>
+                    </a:solidFill>
+                  </a:tcPr>
+                </a:tc>
+                <a:tc>
+                  <a:txBody>
+                    <a:bodyPr/>
+                    <a:lstStyle/>
+                    <a:p>
+                      <a:r>
+                        <a:rPr lang="en-GB" sz="2400" dirty="0"/>
+                        <a:t>‘Rows’  of data</a:t>
+                      </a:r>
+                    </a:p>
+                  </a:txBody>
+                  <a:tcPr>
+                    <a:solidFill>
+                      <a:schemeClr val="accent3">
+                        <a:lumMod val="20000"/>
+                        <a:lumOff val="80000"/>
+                      </a:schemeClr>
+                    </a:solidFill>
+                  </a:tcPr>
+                </a:tc>
+                <a:extLst>
+                  <a:ext uri="{0D108BD9-81ED-4DB2-BD59-A6C34878D82A}">
+                    <a16:rowId xmlns:a16="http://schemas.microsoft.com/office/drawing/2014/main" val="3175073526"/>
+                  </a:ext>
+                </a:extLst>
+              </a:tr>
+            </a:tbl>
+          </a:graphicData>
+        </a:graphic>
+      </p:graphicFrame>
+    </p:spTree>
+    <p:extLst>
+      <p:ext uri="{BB962C8B-B14F-4D97-AF65-F5344CB8AC3E}">
+        <p14:creationId xmlns:p14="http://schemas.microsoft.com/office/powerpoint/2010/main" val="3861546399"/>
       </p:ext>
     </p:extLst>
   </p:cSld>

--- a/lectures/1_intro_cs.pptx
+++ b/lectures/1_intro_cs.pptx
@@ -5,7 +5,7 @@
     <p:sldMasterId id="2147483660" r:id="rId1"/>
   </p:sldMasterIdLst>
   <p:notesMasterIdLst>
-    <p:notesMasterId r:id="rId34"/>
+    <p:notesMasterId r:id="rId28"/>
   </p:notesMasterIdLst>
   <p:sldIdLst>
     <p:sldId id="258" r:id="rId2"/>
@@ -25,21 +25,15 @@
     <p:sldId id="269" r:id="rId16"/>
     <p:sldId id="278" r:id="rId17"/>
     <p:sldId id="279" r:id="rId18"/>
-    <p:sldId id="283" r:id="rId19"/>
-    <p:sldId id="277" r:id="rId20"/>
-    <p:sldId id="281" r:id="rId21"/>
-    <p:sldId id="272" r:id="rId22"/>
-    <p:sldId id="284" r:id="rId23"/>
-    <p:sldId id="285" r:id="rId24"/>
-    <p:sldId id="286" r:id="rId25"/>
-    <p:sldId id="287" r:id="rId26"/>
-    <p:sldId id="288" r:id="rId27"/>
-    <p:sldId id="289" r:id="rId28"/>
-    <p:sldId id="290" r:id="rId29"/>
-    <p:sldId id="291" r:id="rId30"/>
-    <p:sldId id="292" r:id="rId31"/>
-    <p:sldId id="293" r:id="rId32"/>
-    <p:sldId id="294" r:id="rId33"/>
+    <p:sldId id="277" r:id="rId19"/>
+    <p:sldId id="281" r:id="rId20"/>
+    <p:sldId id="280" r:id="rId21"/>
+    <p:sldId id="282" r:id="rId22"/>
+    <p:sldId id="272" r:id="rId23"/>
+    <p:sldId id="276" r:id="rId24"/>
+    <p:sldId id="270" r:id="rId25"/>
+    <p:sldId id="271" r:id="rId26"/>
+    <p:sldId id="273" r:id="rId27"/>
   </p:sldIdLst>
   <p:sldSz cx="12192000" cy="6858000"/>
   <p:notesSz cx="6858000" cy="9144000"/>
@@ -228,7 +222,7 @@
           <a:p>
             <a:fld id="{15ACD993-6E7C-44B6-876B-3BCBA61CF0FC}" type="datetimeFigureOut">
               <a:rPr lang="en-GB" smtClean="0"/>
-              <a:t>28/08/2019</a:t>
+              <a:t>18/08/2019</a:t>
             </a:fld>
             <a:endParaRPr lang="en-GB"/>
           </a:p>
@@ -580,705 +574,6 @@
 </p:notes>
 </file>
 
-<file path=ppt/notesSlides/notesSlide10.xml><?xml version="1.0" encoding="utf-8"?>
-<p:notes xmlns:a="http://schemas.openxmlformats.org/drawingml/2006/main" xmlns:r="http://schemas.openxmlformats.org/officeDocument/2006/relationships" xmlns:p="http://schemas.openxmlformats.org/presentationml/2006/main">
-  <p:cSld>
-    <p:spTree>
-      <p:nvGrpSpPr>
-        <p:cNvPr id="1" name=""/>
-        <p:cNvGrpSpPr/>
-        <p:nvPr/>
-      </p:nvGrpSpPr>
-      <p:grpSpPr>
-        <a:xfrm>
-          <a:off x="0" y="0"/>
-          <a:ext cx="0" cy="0"/>
-          <a:chOff x="0" y="0"/>
-          <a:chExt cx="0" cy="0"/>
-        </a:xfrm>
-      </p:grpSpPr>
-      <p:sp>
-        <p:nvSpPr>
-          <p:cNvPr id="2" name="Slide Image Placeholder 1"/>
-          <p:cNvSpPr>
-            <a:spLocks noGrp="1" noRot="1" noChangeAspect="1"/>
-          </p:cNvSpPr>
-          <p:nvPr>
-            <p:ph type="sldImg"/>
-          </p:nvPr>
-        </p:nvSpPr>
-        <p:spPr/>
-      </p:sp>
-      <p:sp>
-        <p:nvSpPr>
-          <p:cNvPr id="3" name="Notes Placeholder 2"/>
-          <p:cNvSpPr>
-            <a:spLocks noGrp="1"/>
-          </p:cNvSpPr>
-          <p:nvPr>
-            <p:ph type="body" idx="1"/>
-          </p:nvPr>
-        </p:nvSpPr>
-        <p:spPr/>
-        <p:txBody>
-          <a:bodyPr/>
-          <a:lstStyle/>
-          <a:p>
-            <a:r>
-              <a:rPr lang="en-GB" dirty="0"/>
-              <a:t>A</a:t>
-            </a:r>
-            <a:r>
-              <a:rPr lang="en-GB" baseline="0" dirty="0"/>
-              <a:t> variable is the location of where a value is stored. So for the computer the variable represent a physical address in the memory, in which the value (that we associate with the variable) is stored.</a:t>
-            </a:r>
-            <a:endParaRPr lang="en-GB" dirty="0"/>
-          </a:p>
-        </p:txBody>
-      </p:sp>
-      <p:sp>
-        <p:nvSpPr>
-          <p:cNvPr id="4" name="Slide Number Placeholder 3"/>
-          <p:cNvSpPr>
-            <a:spLocks noGrp="1"/>
-          </p:cNvSpPr>
-          <p:nvPr>
-            <p:ph type="sldNum" sz="quarter" idx="10"/>
-          </p:nvPr>
-        </p:nvSpPr>
-        <p:spPr/>
-        <p:txBody>
-          <a:bodyPr/>
-          <a:lstStyle/>
-          <a:p>
-            <a:pPr marL="0" marR="0" lvl="0" indent="0" algn="r" defTabSz="914400" rtl="0" eaLnBrk="1" fontAlgn="auto" latinLnBrk="0" hangingPunct="1">
-              <a:lnSpc>
-                <a:spcPct val="100000"/>
-              </a:lnSpc>
-              <a:spcBef>
-                <a:spcPts val="0"/>
-              </a:spcBef>
-              <a:spcAft>
-                <a:spcPts val="0"/>
-              </a:spcAft>
-              <a:buClrTx/>
-              <a:buSzTx/>
-              <a:buFontTx/>
-              <a:buNone/>
-              <a:tabLst/>
-              <a:defRPr/>
-            </a:pPr>
-            <a:fld id="{A3F91DA7-A2FE-4AC1-BC85-FA3BBFBC227B}" type="slidenum">
-              <a:rPr kumimoji="0" lang="en-GB" sz="1200" b="0" i="0" u="none" strike="noStrike" kern="1200" cap="none" spc="0" normalizeH="0" baseline="0" noProof="0" smtClean="0">
-                <a:ln>
-                  <a:noFill/>
-                </a:ln>
-                <a:solidFill>
-                  <a:prstClr val="black"/>
-                </a:solidFill>
-                <a:effectLst/>
-                <a:uLnTx/>
-                <a:uFillTx/>
-                <a:latin typeface="Calibri" panose="020F0502020204030204"/>
-                <a:ea typeface="+mn-ea"/>
-                <a:cs typeface="+mn-cs"/>
-              </a:rPr>
-              <a:pPr marL="0" marR="0" lvl="0" indent="0" algn="r" defTabSz="914400" rtl="0" eaLnBrk="1" fontAlgn="auto" latinLnBrk="0" hangingPunct="1">
-                <a:lnSpc>
-                  <a:spcPct val="100000"/>
-                </a:lnSpc>
-                <a:spcBef>
-                  <a:spcPts val="0"/>
-                </a:spcBef>
-                <a:spcAft>
-                  <a:spcPts val="0"/>
-                </a:spcAft>
-                <a:buClrTx/>
-                <a:buSzTx/>
-                <a:buFontTx/>
-                <a:buNone/>
-                <a:tabLst/>
-                <a:defRPr/>
-              </a:pPr>
-              <a:t>26</a:t>
-            </a:fld>
-            <a:endParaRPr kumimoji="0" lang="en-GB" sz="1200" b="0" i="0" u="none" strike="noStrike" kern="1200" cap="none" spc="0" normalizeH="0" baseline="0" noProof="0">
-              <a:ln>
-                <a:noFill/>
-              </a:ln>
-              <a:solidFill>
-                <a:prstClr val="black"/>
-              </a:solidFill>
-              <a:effectLst/>
-              <a:uLnTx/>
-              <a:uFillTx/>
-              <a:latin typeface="Calibri" panose="020F0502020204030204"/>
-              <a:ea typeface="+mn-ea"/>
-              <a:cs typeface="+mn-cs"/>
-            </a:endParaRPr>
-          </a:p>
-        </p:txBody>
-      </p:sp>
-    </p:spTree>
-    <p:extLst>
-      <p:ext uri="{BB962C8B-B14F-4D97-AF65-F5344CB8AC3E}">
-        <p14:creationId xmlns:p14="http://schemas.microsoft.com/office/powerpoint/2010/main" val="2274758496"/>
-      </p:ext>
-    </p:extLst>
-  </p:cSld>
-  <p:clrMapOvr>
-    <a:masterClrMapping/>
-  </p:clrMapOvr>
-</p:notes>
-</file>
-
-<file path=ppt/notesSlides/notesSlide11.xml><?xml version="1.0" encoding="utf-8"?>
-<p:notes xmlns:a="http://schemas.openxmlformats.org/drawingml/2006/main" xmlns:r="http://schemas.openxmlformats.org/officeDocument/2006/relationships" xmlns:p="http://schemas.openxmlformats.org/presentationml/2006/main">
-  <p:cSld>
-    <p:spTree>
-      <p:nvGrpSpPr>
-        <p:cNvPr id="1" name=""/>
-        <p:cNvGrpSpPr/>
-        <p:nvPr/>
-      </p:nvGrpSpPr>
-      <p:grpSpPr>
-        <a:xfrm>
-          <a:off x="0" y="0"/>
-          <a:ext cx="0" cy="0"/>
-          <a:chOff x="0" y="0"/>
-          <a:chExt cx="0" cy="0"/>
-        </a:xfrm>
-      </p:grpSpPr>
-      <p:sp>
-        <p:nvSpPr>
-          <p:cNvPr id="2" name="Slide Image Placeholder 1"/>
-          <p:cNvSpPr>
-            <a:spLocks noGrp="1" noRot="1" noChangeAspect="1"/>
-          </p:cNvSpPr>
-          <p:nvPr>
-            <p:ph type="sldImg"/>
-          </p:nvPr>
-        </p:nvSpPr>
-        <p:spPr/>
-      </p:sp>
-      <p:sp>
-        <p:nvSpPr>
-          <p:cNvPr id="3" name="Notes Placeholder 2"/>
-          <p:cNvSpPr>
-            <a:spLocks noGrp="1"/>
-          </p:cNvSpPr>
-          <p:nvPr>
-            <p:ph type="body" idx="1"/>
-          </p:nvPr>
-        </p:nvSpPr>
-        <p:spPr/>
-        <p:txBody>
-          <a:bodyPr/>
-          <a:lstStyle/>
-          <a:p>
-            <a:r>
-              <a:rPr lang="en-GB" dirty="0"/>
-              <a:t>The scope determines</a:t>
-            </a:r>
-            <a:r>
-              <a:rPr lang="en-GB" baseline="0" dirty="0"/>
-              <a:t> the lifetime of a variable; or another way to look at it, were the computer can read the variable. </a:t>
-            </a:r>
-            <a:r>
-              <a:rPr lang="en-GB" baseline="0" dirty="0" err="1"/>
-              <a:t>Matlab</a:t>
-            </a:r>
-            <a:r>
-              <a:rPr lang="en-GB" baseline="0" dirty="0"/>
-              <a:t> is an exception and will have its own slide. Scope is important for memory allocations, and it’s good to keep an eye on it.</a:t>
-            </a:r>
-            <a:endParaRPr lang="en-GB" dirty="0"/>
-          </a:p>
-        </p:txBody>
-      </p:sp>
-      <p:sp>
-        <p:nvSpPr>
-          <p:cNvPr id="4" name="Slide Number Placeholder 3"/>
-          <p:cNvSpPr>
-            <a:spLocks noGrp="1"/>
-          </p:cNvSpPr>
-          <p:nvPr>
-            <p:ph type="sldNum" sz="quarter" idx="10"/>
-          </p:nvPr>
-        </p:nvSpPr>
-        <p:spPr/>
-        <p:txBody>
-          <a:bodyPr/>
-          <a:lstStyle/>
-          <a:p>
-            <a:pPr marL="0" marR="0" lvl="0" indent="0" algn="r" defTabSz="914400" rtl="0" eaLnBrk="1" fontAlgn="auto" latinLnBrk="0" hangingPunct="1">
-              <a:lnSpc>
-                <a:spcPct val="100000"/>
-              </a:lnSpc>
-              <a:spcBef>
-                <a:spcPts val="0"/>
-              </a:spcBef>
-              <a:spcAft>
-                <a:spcPts val="0"/>
-              </a:spcAft>
-              <a:buClrTx/>
-              <a:buSzTx/>
-              <a:buFontTx/>
-              <a:buNone/>
-              <a:tabLst/>
-              <a:defRPr/>
-            </a:pPr>
-            <a:fld id="{A3F91DA7-A2FE-4AC1-BC85-FA3BBFBC227B}" type="slidenum">
-              <a:rPr kumimoji="0" lang="en-GB" sz="1200" b="0" i="0" u="none" strike="noStrike" kern="1200" cap="none" spc="0" normalizeH="0" baseline="0" noProof="0" smtClean="0">
-                <a:ln>
-                  <a:noFill/>
-                </a:ln>
-                <a:solidFill>
-                  <a:prstClr val="black"/>
-                </a:solidFill>
-                <a:effectLst/>
-                <a:uLnTx/>
-                <a:uFillTx/>
-                <a:latin typeface="Calibri" panose="020F0502020204030204"/>
-                <a:ea typeface="+mn-ea"/>
-                <a:cs typeface="+mn-cs"/>
-              </a:rPr>
-              <a:pPr marL="0" marR="0" lvl="0" indent="0" algn="r" defTabSz="914400" rtl="0" eaLnBrk="1" fontAlgn="auto" latinLnBrk="0" hangingPunct="1">
-                <a:lnSpc>
-                  <a:spcPct val="100000"/>
-                </a:lnSpc>
-                <a:spcBef>
-                  <a:spcPts val="0"/>
-                </a:spcBef>
-                <a:spcAft>
-                  <a:spcPts val="0"/>
-                </a:spcAft>
-                <a:buClrTx/>
-                <a:buSzTx/>
-                <a:buFontTx/>
-                <a:buNone/>
-                <a:tabLst/>
-                <a:defRPr/>
-              </a:pPr>
-              <a:t>27</a:t>
-            </a:fld>
-            <a:endParaRPr kumimoji="0" lang="en-GB" sz="1200" b="0" i="0" u="none" strike="noStrike" kern="1200" cap="none" spc="0" normalizeH="0" baseline="0" noProof="0">
-              <a:ln>
-                <a:noFill/>
-              </a:ln>
-              <a:solidFill>
-                <a:prstClr val="black"/>
-              </a:solidFill>
-              <a:effectLst/>
-              <a:uLnTx/>
-              <a:uFillTx/>
-              <a:latin typeface="Calibri" panose="020F0502020204030204"/>
-              <a:ea typeface="+mn-ea"/>
-              <a:cs typeface="+mn-cs"/>
-            </a:endParaRPr>
-          </a:p>
-        </p:txBody>
-      </p:sp>
-    </p:spTree>
-    <p:extLst>
-      <p:ext uri="{BB962C8B-B14F-4D97-AF65-F5344CB8AC3E}">
-        <p14:creationId xmlns:p14="http://schemas.microsoft.com/office/powerpoint/2010/main" val="2413034620"/>
-      </p:ext>
-    </p:extLst>
-  </p:cSld>
-  <p:clrMapOvr>
-    <a:masterClrMapping/>
-  </p:clrMapOvr>
-</p:notes>
-</file>
-
-<file path=ppt/notesSlides/notesSlide12.xml><?xml version="1.0" encoding="utf-8"?>
-<p:notes xmlns:a="http://schemas.openxmlformats.org/drawingml/2006/main" xmlns:r="http://schemas.openxmlformats.org/officeDocument/2006/relationships" xmlns:p="http://schemas.openxmlformats.org/presentationml/2006/main">
-  <p:cSld>
-    <p:spTree>
-      <p:nvGrpSpPr>
-        <p:cNvPr id="1" name=""/>
-        <p:cNvGrpSpPr/>
-        <p:nvPr/>
-      </p:nvGrpSpPr>
-      <p:grpSpPr>
-        <a:xfrm>
-          <a:off x="0" y="0"/>
-          <a:ext cx="0" cy="0"/>
-          <a:chOff x="0" y="0"/>
-          <a:chExt cx="0" cy="0"/>
-        </a:xfrm>
-      </p:grpSpPr>
-      <p:sp>
-        <p:nvSpPr>
-          <p:cNvPr id="2" name="Slide Image Placeholder 1"/>
-          <p:cNvSpPr>
-            <a:spLocks noGrp="1" noRot="1" noChangeAspect="1"/>
-          </p:cNvSpPr>
-          <p:nvPr>
-            <p:ph type="sldImg"/>
-          </p:nvPr>
-        </p:nvSpPr>
-        <p:spPr/>
-      </p:sp>
-      <p:sp>
-        <p:nvSpPr>
-          <p:cNvPr id="3" name="Notes Placeholder 2"/>
-          <p:cNvSpPr>
-            <a:spLocks noGrp="1"/>
-          </p:cNvSpPr>
-          <p:nvPr>
-            <p:ph type="body" idx="1"/>
-          </p:nvPr>
-        </p:nvSpPr>
-        <p:spPr/>
-        <p:txBody>
-          <a:bodyPr/>
-          <a:lstStyle/>
-          <a:p>
-            <a:r>
-              <a:rPr lang="en-GB" dirty="0"/>
-              <a:t>In</a:t>
-            </a:r>
-            <a:r>
-              <a:rPr lang="en-GB" baseline="0" dirty="0"/>
-              <a:t> this Java example, a for-loop is shown where the </a:t>
-            </a:r>
-            <a:r>
-              <a:rPr lang="en-GB" baseline="0" dirty="0" err="1"/>
-              <a:t>println</a:t>
-            </a:r>
-            <a:r>
-              <a:rPr lang="en-GB" baseline="0" dirty="0"/>
-              <a:t> displays the value of </a:t>
-            </a:r>
-            <a:r>
-              <a:rPr lang="en-GB" baseline="0" dirty="0" err="1"/>
-              <a:t>i</a:t>
-            </a:r>
-            <a:r>
-              <a:rPr lang="en-GB" baseline="0" dirty="0"/>
-              <a:t>. The question is what the output in each case is.</a:t>
-            </a:r>
-          </a:p>
-          <a:p>
-            <a:r>
-              <a:rPr lang="en-GB" baseline="0" dirty="0"/>
-              <a:t>For(</a:t>
-            </a:r>
-            <a:r>
-              <a:rPr lang="en-GB" baseline="0" dirty="0" err="1"/>
-              <a:t>int</a:t>
-            </a:r>
-            <a:r>
-              <a:rPr lang="en-GB" baseline="0" dirty="0"/>
-              <a:t> I = 0; I &lt; 10; </a:t>
-            </a:r>
-            <a:r>
-              <a:rPr lang="en-GB" baseline="0" dirty="0" err="1"/>
-              <a:t>i</a:t>
-            </a:r>
-            <a:r>
-              <a:rPr lang="en-GB" baseline="0" dirty="0"/>
-              <a:t>++) {</a:t>
-            </a:r>
-          </a:p>
-          <a:p>
-            <a:r>
-              <a:rPr lang="en-GB" baseline="0" dirty="0" err="1"/>
-              <a:t>System.out.println</a:t>
-            </a:r>
-            <a:r>
-              <a:rPr lang="en-GB" baseline="0" dirty="0"/>
-              <a:t>(</a:t>
-            </a:r>
-            <a:r>
-              <a:rPr lang="en-GB" baseline="0" dirty="0" err="1"/>
-              <a:t>i</a:t>
-            </a:r>
-            <a:r>
-              <a:rPr lang="en-GB" baseline="0" dirty="0"/>
-              <a:t>);</a:t>
-            </a:r>
-          </a:p>
-          <a:p>
-            <a:r>
-              <a:rPr lang="en-GB" baseline="0" dirty="0"/>
-              <a:t>}</a:t>
-            </a:r>
-          </a:p>
-          <a:p>
-            <a:endParaRPr lang="en-GB" baseline="0" dirty="0"/>
-          </a:p>
-          <a:p>
-            <a:r>
-              <a:rPr lang="en-GB" baseline="0" dirty="0" err="1"/>
-              <a:t>System.out.println</a:t>
-            </a:r>
-            <a:r>
-              <a:rPr lang="en-GB" baseline="0" dirty="0"/>
-              <a:t>(</a:t>
-            </a:r>
-            <a:r>
-              <a:rPr lang="en-GB" baseline="0" dirty="0" err="1"/>
-              <a:t>i</a:t>
-            </a:r>
-            <a:r>
-              <a:rPr lang="en-GB" baseline="0" dirty="0"/>
-              <a:t>);</a:t>
-            </a:r>
-            <a:endParaRPr lang="en-GB" dirty="0"/>
-          </a:p>
-        </p:txBody>
-      </p:sp>
-      <p:sp>
-        <p:nvSpPr>
-          <p:cNvPr id="4" name="Slide Number Placeholder 3"/>
-          <p:cNvSpPr>
-            <a:spLocks noGrp="1"/>
-          </p:cNvSpPr>
-          <p:nvPr>
-            <p:ph type="sldNum" sz="quarter" idx="10"/>
-          </p:nvPr>
-        </p:nvSpPr>
-        <p:spPr/>
-        <p:txBody>
-          <a:bodyPr/>
-          <a:lstStyle/>
-          <a:p>
-            <a:pPr marL="0" marR="0" lvl="0" indent="0" algn="r" defTabSz="914400" rtl="0" eaLnBrk="1" fontAlgn="auto" latinLnBrk="0" hangingPunct="1">
-              <a:lnSpc>
-                <a:spcPct val="100000"/>
-              </a:lnSpc>
-              <a:spcBef>
-                <a:spcPts val="0"/>
-              </a:spcBef>
-              <a:spcAft>
-                <a:spcPts val="0"/>
-              </a:spcAft>
-              <a:buClrTx/>
-              <a:buSzTx/>
-              <a:buFontTx/>
-              <a:buNone/>
-              <a:tabLst/>
-              <a:defRPr/>
-            </a:pPr>
-            <a:fld id="{A3F91DA7-A2FE-4AC1-BC85-FA3BBFBC227B}" type="slidenum">
-              <a:rPr kumimoji="0" lang="en-GB" sz="1200" b="0" i="0" u="none" strike="noStrike" kern="1200" cap="none" spc="0" normalizeH="0" baseline="0" noProof="0" smtClean="0">
-                <a:ln>
-                  <a:noFill/>
-                </a:ln>
-                <a:solidFill>
-                  <a:prstClr val="black"/>
-                </a:solidFill>
-                <a:effectLst/>
-                <a:uLnTx/>
-                <a:uFillTx/>
-                <a:latin typeface="Calibri" panose="020F0502020204030204"/>
-                <a:ea typeface="+mn-ea"/>
-                <a:cs typeface="+mn-cs"/>
-              </a:rPr>
-              <a:pPr marL="0" marR="0" lvl="0" indent="0" algn="r" defTabSz="914400" rtl="0" eaLnBrk="1" fontAlgn="auto" latinLnBrk="0" hangingPunct="1">
-                <a:lnSpc>
-                  <a:spcPct val="100000"/>
-                </a:lnSpc>
-                <a:spcBef>
-                  <a:spcPts val="0"/>
-                </a:spcBef>
-                <a:spcAft>
-                  <a:spcPts val="0"/>
-                </a:spcAft>
-                <a:buClrTx/>
-                <a:buSzTx/>
-                <a:buFontTx/>
-                <a:buNone/>
-                <a:tabLst/>
-                <a:defRPr/>
-              </a:pPr>
-              <a:t>28</a:t>
-            </a:fld>
-            <a:endParaRPr kumimoji="0" lang="en-GB" sz="1200" b="0" i="0" u="none" strike="noStrike" kern="1200" cap="none" spc="0" normalizeH="0" baseline="0" noProof="0">
-              <a:ln>
-                <a:noFill/>
-              </a:ln>
-              <a:solidFill>
-                <a:prstClr val="black"/>
-              </a:solidFill>
-              <a:effectLst/>
-              <a:uLnTx/>
-              <a:uFillTx/>
-              <a:latin typeface="Calibri" panose="020F0502020204030204"/>
-              <a:ea typeface="+mn-ea"/>
-              <a:cs typeface="+mn-cs"/>
-            </a:endParaRPr>
-          </a:p>
-        </p:txBody>
-      </p:sp>
-    </p:spTree>
-    <p:extLst>
-      <p:ext uri="{BB962C8B-B14F-4D97-AF65-F5344CB8AC3E}">
-        <p14:creationId xmlns:p14="http://schemas.microsoft.com/office/powerpoint/2010/main" val="1843006453"/>
-      </p:ext>
-    </p:extLst>
-  </p:cSld>
-  <p:clrMapOvr>
-    <a:masterClrMapping/>
-  </p:clrMapOvr>
-</p:notes>
-</file>
-
-<file path=ppt/notesSlides/notesSlide13.xml><?xml version="1.0" encoding="utf-8"?>
-<p:notes xmlns:a="http://schemas.openxmlformats.org/drawingml/2006/main" xmlns:r="http://schemas.openxmlformats.org/officeDocument/2006/relationships" xmlns:p="http://schemas.openxmlformats.org/presentationml/2006/main">
-  <p:cSld>
-    <p:spTree>
-      <p:nvGrpSpPr>
-        <p:cNvPr id="1" name=""/>
-        <p:cNvGrpSpPr/>
-        <p:nvPr/>
-      </p:nvGrpSpPr>
-      <p:grpSpPr>
-        <a:xfrm>
-          <a:off x="0" y="0"/>
-          <a:ext cx="0" cy="0"/>
-          <a:chOff x="0" y="0"/>
-          <a:chExt cx="0" cy="0"/>
-        </a:xfrm>
-      </p:grpSpPr>
-      <p:sp>
-        <p:nvSpPr>
-          <p:cNvPr id="2" name="Slide Image Placeholder 1"/>
-          <p:cNvSpPr>
-            <a:spLocks noGrp="1" noRot="1" noChangeAspect="1"/>
-          </p:cNvSpPr>
-          <p:nvPr>
-            <p:ph type="sldImg"/>
-          </p:nvPr>
-        </p:nvSpPr>
-        <p:spPr/>
-      </p:sp>
-      <p:sp>
-        <p:nvSpPr>
-          <p:cNvPr id="3" name="Notes Placeholder 2"/>
-          <p:cNvSpPr>
-            <a:spLocks noGrp="1"/>
-          </p:cNvSpPr>
-          <p:nvPr>
-            <p:ph type="body" idx="1"/>
-          </p:nvPr>
-        </p:nvSpPr>
-        <p:spPr/>
-        <p:txBody>
-          <a:bodyPr/>
-          <a:lstStyle/>
-          <a:p>
-            <a:r>
-              <a:rPr lang="en-GB" dirty="0"/>
-              <a:t>A</a:t>
-            </a:r>
-            <a:r>
-              <a:rPr lang="en-GB" baseline="0" dirty="0"/>
-              <a:t> variable is the location of where a value is stored. So for the computer the variable represent a physical address in the memory, in which the value (that we associate with the variable) is stored.</a:t>
-            </a:r>
-            <a:endParaRPr lang="en-GB" dirty="0"/>
-          </a:p>
-        </p:txBody>
-      </p:sp>
-      <p:sp>
-        <p:nvSpPr>
-          <p:cNvPr id="4" name="Slide Number Placeholder 3"/>
-          <p:cNvSpPr>
-            <a:spLocks noGrp="1"/>
-          </p:cNvSpPr>
-          <p:nvPr>
-            <p:ph type="sldNum" sz="quarter" idx="10"/>
-          </p:nvPr>
-        </p:nvSpPr>
-        <p:spPr/>
-        <p:txBody>
-          <a:bodyPr/>
-          <a:lstStyle/>
-          <a:p>
-            <a:pPr marL="0" marR="0" lvl="0" indent="0" algn="r" defTabSz="914400" rtl="0" eaLnBrk="1" fontAlgn="auto" latinLnBrk="0" hangingPunct="1">
-              <a:lnSpc>
-                <a:spcPct val="100000"/>
-              </a:lnSpc>
-              <a:spcBef>
-                <a:spcPts val="0"/>
-              </a:spcBef>
-              <a:spcAft>
-                <a:spcPts val="0"/>
-              </a:spcAft>
-              <a:buClrTx/>
-              <a:buSzTx/>
-              <a:buFontTx/>
-              <a:buNone/>
-              <a:tabLst/>
-              <a:defRPr/>
-            </a:pPr>
-            <a:fld id="{A3F91DA7-A2FE-4AC1-BC85-FA3BBFBC227B}" type="slidenum">
-              <a:rPr kumimoji="0" lang="en-GB" sz="1200" b="0" i="0" u="none" strike="noStrike" kern="1200" cap="none" spc="0" normalizeH="0" baseline="0" noProof="0" smtClean="0">
-                <a:ln>
-                  <a:noFill/>
-                </a:ln>
-                <a:solidFill>
-                  <a:prstClr val="black"/>
-                </a:solidFill>
-                <a:effectLst/>
-                <a:uLnTx/>
-                <a:uFillTx/>
-                <a:latin typeface="Calibri" panose="020F0502020204030204"/>
-                <a:ea typeface="+mn-ea"/>
-                <a:cs typeface="+mn-cs"/>
-              </a:rPr>
-              <a:pPr marL="0" marR="0" lvl="0" indent="0" algn="r" defTabSz="914400" rtl="0" eaLnBrk="1" fontAlgn="auto" latinLnBrk="0" hangingPunct="1">
-                <a:lnSpc>
-                  <a:spcPct val="100000"/>
-                </a:lnSpc>
-                <a:spcBef>
-                  <a:spcPts val="0"/>
-                </a:spcBef>
-                <a:spcAft>
-                  <a:spcPts val="0"/>
-                </a:spcAft>
-                <a:buClrTx/>
-                <a:buSzTx/>
-                <a:buFontTx/>
-                <a:buNone/>
-                <a:tabLst/>
-                <a:defRPr/>
-              </a:pPr>
-              <a:t>29</a:t>
-            </a:fld>
-            <a:endParaRPr kumimoji="0" lang="en-GB" sz="1200" b="0" i="0" u="none" strike="noStrike" kern="1200" cap="none" spc="0" normalizeH="0" baseline="0" noProof="0">
-              <a:ln>
-                <a:noFill/>
-              </a:ln>
-              <a:solidFill>
-                <a:prstClr val="black"/>
-              </a:solidFill>
-              <a:effectLst/>
-              <a:uLnTx/>
-              <a:uFillTx/>
-              <a:latin typeface="Calibri" panose="020F0502020204030204"/>
-              <a:ea typeface="+mn-ea"/>
-              <a:cs typeface="+mn-cs"/>
-            </a:endParaRPr>
-          </a:p>
-        </p:txBody>
-      </p:sp>
-    </p:spTree>
-    <p:extLst>
-      <p:ext uri="{BB962C8B-B14F-4D97-AF65-F5344CB8AC3E}">
-        <p14:creationId xmlns:p14="http://schemas.microsoft.com/office/powerpoint/2010/main" val="2274758496"/>
-      </p:ext>
-    </p:extLst>
-  </p:cSld>
-  <p:clrMapOvr>
-    <a:masterClrMapping/>
-  </p:clrMapOvr>
-</p:notes>
-</file>
-
 <file path=ppt/notesSlides/notesSlide2.xml><?xml version="1.0" encoding="utf-8"?>
 <p:notes xmlns:a="http://schemas.openxmlformats.org/drawingml/2006/main" xmlns:r="http://schemas.openxmlformats.org/officeDocument/2006/relationships" xmlns:p="http://schemas.openxmlformats.org/presentationml/2006/main">
   <p:cSld>
@@ -1718,7 +1013,7 @@
       </p:grpSpPr>
       <p:sp>
         <p:nvSpPr>
-          <p:cNvPr id="2" name="Tijdelijke aanduiding voor dia-afbeelding 1"/>
+          <p:cNvPr id="2" name="Slide Image Placeholder 1"/>
           <p:cNvSpPr>
             <a:spLocks noGrp="1" noRot="1" noChangeAspect="1"/>
           </p:cNvSpPr>
@@ -1730,7 +1025,7 @@
       </p:sp>
       <p:sp>
         <p:nvSpPr>
-          <p:cNvPr id="3" name="Tijdelijke aanduiding voor notities 2"/>
+          <p:cNvPr id="3" name="Notes Placeholder 2"/>
           <p:cNvSpPr>
             <a:spLocks noGrp="1"/>
           </p:cNvSpPr>
@@ -1745,472 +1040,38 @@
           <a:p>
             <a:r>
               <a:rPr lang="en-GB" dirty="0"/>
-              <a:t>Title</a:t>
-            </a:r>
-            <a:r>
-              <a:rPr lang="en-GB" baseline="0" dirty="0"/>
-              <a:t> slide variables</a:t>
-            </a:r>
-            <a:endParaRPr lang="en-GB" dirty="0"/>
-          </a:p>
-        </p:txBody>
-      </p:sp>
-      <p:sp>
-        <p:nvSpPr>
-          <p:cNvPr id="4" name="Tijdelijke aanduiding voor dianummer 3"/>
-          <p:cNvSpPr>
-            <a:spLocks noGrp="1"/>
-          </p:cNvSpPr>
-          <p:nvPr>
-            <p:ph type="sldNum" sz="quarter" idx="10"/>
-          </p:nvPr>
-        </p:nvSpPr>
-        <p:spPr/>
-        <p:txBody>
-          <a:bodyPr/>
-          <a:lstStyle/>
-          <a:p>
-            <a:pPr marL="0" marR="0" lvl="0" indent="0" algn="r" defTabSz="914400" rtl="0" eaLnBrk="1" fontAlgn="auto" latinLnBrk="0" hangingPunct="1">
-              <a:lnSpc>
-                <a:spcPct val="100000"/>
-              </a:lnSpc>
-              <a:spcBef>
-                <a:spcPts val="0"/>
-              </a:spcBef>
-              <a:spcAft>
-                <a:spcPts val="0"/>
-              </a:spcAft>
-              <a:buClrTx/>
-              <a:buSzTx/>
-              <a:buFontTx/>
-              <a:buNone/>
-              <a:tabLst/>
-              <a:defRPr/>
-            </a:pPr>
-            <a:fld id="{F444804B-CB39-4353-9876-3F6CE789C0E5}" type="slidenum">
-              <a:rPr kumimoji="0" lang="en-GB" sz="1200" b="0" i="0" u="none" strike="noStrike" kern="1200" cap="none" spc="0" normalizeH="0" baseline="0" noProof="0" smtClean="0">
-                <a:ln>
-                  <a:noFill/>
-                </a:ln>
-                <a:solidFill>
-                  <a:prstClr val="black"/>
-                </a:solidFill>
-                <a:effectLst/>
-                <a:uLnTx/>
-                <a:uFillTx/>
-                <a:latin typeface="Calibri" panose="020F0502020204030204"/>
-                <a:ea typeface="+mn-ea"/>
-                <a:cs typeface="+mn-cs"/>
-              </a:rPr>
-              <a:pPr marL="0" marR="0" lvl="0" indent="0" algn="r" defTabSz="914400" rtl="0" eaLnBrk="1" fontAlgn="auto" latinLnBrk="0" hangingPunct="1">
-                <a:lnSpc>
-                  <a:spcPct val="100000"/>
-                </a:lnSpc>
-                <a:spcBef>
-                  <a:spcPts val="0"/>
-                </a:spcBef>
-                <a:spcAft>
-                  <a:spcPts val="0"/>
-                </a:spcAft>
-                <a:buClrTx/>
-                <a:buSzTx/>
-                <a:buFontTx/>
-                <a:buNone/>
-                <a:tabLst/>
-                <a:defRPr/>
-              </a:pPr>
-              <a:t>23</a:t>
+              <a:t>Not all interpreted languages compile to bytecode, some compiled languages are sort of interpreted, it’s basically all a mess.</a:t>
+            </a:r>
+          </a:p>
+        </p:txBody>
+      </p:sp>
+      <p:sp>
+        <p:nvSpPr>
+          <p:cNvPr id="4" name="Slide Number Placeholder 3"/>
+          <p:cNvSpPr>
+            <a:spLocks noGrp="1"/>
+          </p:cNvSpPr>
+          <p:nvPr>
+            <p:ph type="sldNum" sz="quarter" idx="5"/>
+          </p:nvPr>
+        </p:nvSpPr>
+        <p:spPr/>
+        <p:txBody>
+          <a:bodyPr/>
+          <a:lstStyle/>
+          <a:p>
+            <a:fld id="{A3F91DA7-A2FE-4AC1-BC85-FA3BBFBC227B}" type="slidenum">
+              <a:rPr lang="en-GB" smtClean="0"/>
+              <a:t>24</a:t>
             </a:fld>
-            <a:endParaRPr kumimoji="0" lang="en-GB" sz="1200" b="0" i="0" u="none" strike="noStrike" kern="1200" cap="none" spc="0" normalizeH="0" baseline="0" noProof="0">
-              <a:ln>
-                <a:noFill/>
-              </a:ln>
-              <a:solidFill>
-                <a:prstClr val="black"/>
-              </a:solidFill>
-              <a:effectLst/>
-              <a:uLnTx/>
-              <a:uFillTx/>
-              <a:latin typeface="Calibri" panose="020F0502020204030204"/>
-              <a:ea typeface="+mn-ea"/>
-              <a:cs typeface="+mn-cs"/>
-            </a:endParaRPr>
+            <a:endParaRPr lang="en-GB"/>
           </a:p>
         </p:txBody>
       </p:sp>
     </p:spTree>
     <p:extLst>
       <p:ext uri="{BB962C8B-B14F-4D97-AF65-F5344CB8AC3E}">
-        <p14:creationId xmlns:p14="http://schemas.microsoft.com/office/powerpoint/2010/main" val="2829688201"/>
-      </p:ext>
-    </p:extLst>
-  </p:cSld>
-  <p:clrMapOvr>
-    <a:masterClrMapping/>
-  </p:clrMapOvr>
-</p:notes>
-</file>
-
-<file path=ppt/notesSlides/notesSlide8.xml><?xml version="1.0" encoding="utf-8"?>
-<p:notes xmlns:a="http://schemas.openxmlformats.org/drawingml/2006/main" xmlns:r="http://schemas.openxmlformats.org/officeDocument/2006/relationships" xmlns:p="http://schemas.openxmlformats.org/presentationml/2006/main">
-  <p:cSld>
-    <p:spTree>
-      <p:nvGrpSpPr>
-        <p:cNvPr id="1" name=""/>
-        <p:cNvGrpSpPr/>
-        <p:nvPr/>
-      </p:nvGrpSpPr>
-      <p:grpSpPr>
-        <a:xfrm>
-          <a:off x="0" y="0"/>
-          <a:ext cx="0" cy="0"/>
-          <a:chOff x="0" y="0"/>
-          <a:chExt cx="0" cy="0"/>
-        </a:xfrm>
-      </p:grpSpPr>
-      <p:sp>
-        <p:nvSpPr>
-          <p:cNvPr id="2" name="Slide Image Placeholder 1"/>
-          <p:cNvSpPr>
-            <a:spLocks noGrp="1" noRot="1" noChangeAspect="1"/>
-          </p:cNvSpPr>
-          <p:nvPr>
-            <p:ph type="sldImg"/>
-          </p:nvPr>
-        </p:nvSpPr>
-        <p:spPr/>
-      </p:sp>
-      <p:sp>
-        <p:nvSpPr>
-          <p:cNvPr id="3" name="Notes Placeholder 2"/>
-          <p:cNvSpPr>
-            <a:spLocks noGrp="1"/>
-          </p:cNvSpPr>
-          <p:nvPr>
-            <p:ph type="body" idx="1"/>
-          </p:nvPr>
-        </p:nvSpPr>
-        <p:spPr/>
-        <p:txBody>
-          <a:bodyPr/>
-          <a:lstStyle/>
-          <a:p>
-            <a:r>
-              <a:rPr lang="en-GB" dirty="0"/>
-              <a:t>Content of the presentation:</a:t>
-            </a:r>
-          </a:p>
-          <a:p>
-            <a:pPr marL="171450" indent="-171450">
-              <a:buFont typeface="Arial" panose="020B0604020202020204" pitchFamily="34" charset="0"/>
-              <a:buChar char="•"/>
-            </a:pPr>
-            <a:r>
-              <a:rPr lang="en-GB" dirty="0"/>
-              <a:t>What is a variable?</a:t>
-            </a:r>
-          </a:p>
-          <a:p>
-            <a:pPr marL="171450" indent="-171450">
-              <a:buFont typeface="Arial" panose="020B0604020202020204" pitchFamily="34" charset="0"/>
-              <a:buChar char="•"/>
-            </a:pPr>
-            <a:r>
-              <a:rPr lang="en-GB" dirty="0"/>
-              <a:t>Data types</a:t>
-            </a:r>
-          </a:p>
-          <a:p>
-            <a:pPr marL="171450" indent="-171450">
-              <a:buFont typeface="Arial" panose="020B0604020202020204" pitchFamily="34" charset="0"/>
-              <a:buChar char="•"/>
-            </a:pPr>
-            <a:r>
-              <a:rPr lang="en-GB" dirty="0"/>
-              <a:t>Mutability (constant vs variable)</a:t>
-            </a:r>
-          </a:p>
-          <a:p>
-            <a:pPr marL="171450" indent="-171450">
-              <a:buFont typeface="Arial" panose="020B0604020202020204" pitchFamily="34" charset="0"/>
-              <a:buChar char="•"/>
-            </a:pPr>
-            <a:r>
-              <a:rPr lang="en-GB" dirty="0"/>
-              <a:t>Scope and visibility</a:t>
-            </a:r>
-          </a:p>
-          <a:p>
-            <a:pPr marL="171450" indent="-171450">
-              <a:buFont typeface="Arial" panose="020B0604020202020204" pitchFamily="34" charset="0"/>
-              <a:buChar char="•"/>
-            </a:pPr>
-            <a:r>
-              <a:rPr lang="en-GB" dirty="0" err="1"/>
-              <a:t>Preallocation</a:t>
-            </a:r>
-            <a:endParaRPr lang="en-GB" dirty="0"/>
-          </a:p>
-          <a:p>
-            <a:endParaRPr lang="en-GB" dirty="0"/>
-          </a:p>
-        </p:txBody>
-      </p:sp>
-      <p:sp>
-        <p:nvSpPr>
-          <p:cNvPr id="4" name="Slide Number Placeholder 3"/>
-          <p:cNvSpPr>
-            <a:spLocks noGrp="1"/>
-          </p:cNvSpPr>
-          <p:nvPr>
-            <p:ph type="sldNum" sz="quarter" idx="10"/>
-          </p:nvPr>
-        </p:nvSpPr>
-        <p:spPr/>
-        <p:txBody>
-          <a:bodyPr/>
-          <a:lstStyle/>
-          <a:p>
-            <a:pPr marL="0" marR="0" lvl="0" indent="0" algn="r" defTabSz="914400" rtl="0" eaLnBrk="1" fontAlgn="auto" latinLnBrk="0" hangingPunct="1">
-              <a:lnSpc>
-                <a:spcPct val="100000"/>
-              </a:lnSpc>
-              <a:spcBef>
-                <a:spcPts val="0"/>
-              </a:spcBef>
-              <a:spcAft>
-                <a:spcPts val="0"/>
-              </a:spcAft>
-              <a:buClrTx/>
-              <a:buSzTx/>
-              <a:buFontTx/>
-              <a:buNone/>
-              <a:tabLst/>
-              <a:defRPr/>
-            </a:pPr>
-            <a:fld id="{A3F91DA7-A2FE-4AC1-BC85-FA3BBFBC227B}" type="slidenum">
-              <a:rPr kumimoji="0" lang="en-GB" sz="1200" b="0" i="0" u="none" strike="noStrike" kern="1200" cap="none" spc="0" normalizeH="0" baseline="0" noProof="0" smtClean="0">
-                <a:ln>
-                  <a:noFill/>
-                </a:ln>
-                <a:solidFill>
-                  <a:prstClr val="black"/>
-                </a:solidFill>
-                <a:effectLst/>
-                <a:uLnTx/>
-                <a:uFillTx/>
-                <a:latin typeface="Calibri" panose="020F0502020204030204"/>
-                <a:ea typeface="+mn-ea"/>
-                <a:cs typeface="+mn-cs"/>
-              </a:rPr>
-              <a:pPr marL="0" marR="0" lvl="0" indent="0" algn="r" defTabSz="914400" rtl="0" eaLnBrk="1" fontAlgn="auto" latinLnBrk="0" hangingPunct="1">
-                <a:lnSpc>
-                  <a:spcPct val="100000"/>
-                </a:lnSpc>
-                <a:spcBef>
-                  <a:spcPts val="0"/>
-                </a:spcBef>
-                <a:spcAft>
-                  <a:spcPts val="0"/>
-                </a:spcAft>
-                <a:buClrTx/>
-                <a:buSzTx/>
-                <a:buFontTx/>
-                <a:buNone/>
-                <a:tabLst/>
-                <a:defRPr/>
-              </a:pPr>
-              <a:t>24</a:t>
-            </a:fld>
-            <a:endParaRPr kumimoji="0" lang="en-GB" sz="1200" b="0" i="0" u="none" strike="noStrike" kern="1200" cap="none" spc="0" normalizeH="0" baseline="0" noProof="0">
-              <a:ln>
-                <a:noFill/>
-              </a:ln>
-              <a:solidFill>
-                <a:prstClr val="black"/>
-              </a:solidFill>
-              <a:effectLst/>
-              <a:uLnTx/>
-              <a:uFillTx/>
-              <a:latin typeface="Calibri" panose="020F0502020204030204"/>
-              <a:ea typeface="+mn-ea"/>
-              <a:cs typeface="+mn-cs"/>
-            </a:endParaRPr>
-          </a:p>
-        </p:txBody>
-      </p:sp>
-    </p:spTree>
-    <p:extLst>
-      <p:ext uri="{BB962C8B-B14F-4D97-AF65-F5344CB8AC3E}">
-        <p14:creationId xmlns:p14="http://schemas.microsoft.com/office/powerpoint/2010/main" val="2903428760"/>
-      </p:ext>
-    </p:extLst>
-  </p:cSld>
-  <p:clrMapOvr>
-    <a:masterClrMapping/>
-  </p:clrMapOvr>
-</p:notes>
-</file>
-
-<file path=ppt/notesSlides/notesSlide9.xml><?xml version="1.0" encoding="utf-8"?>
-<p:notes xmlns:a="http://schemas.openxmlformats.org/drawingml/2006/main" xmlns:r="http://schemas.openxmlformats.org/officeDocument/2006/relationships" xmlns:p="http://schemas.openxmlformats.org/presentationml/2006/main">
-  <p:cSld>
-    <p:spTree>
-      <p:nvGrpSpPr>
-        <p:cNvPr id="1" name=""/>
-        <p:cNvGrpSpPr/>
-        <p:nvPr/>
-      </p:nvGrpSpPr>
-      <p:grpSpPr>
-        <a:xfrm>
-          <a:off x="0" y="0"/>
-          <a:ext cx="0" cy="0"/>
-          <a:chOff x="0" y="0"/>
-          <a:chExt cx="0" cy="0"/>
-        </a:xfrm>
-      </p:grpSpPr>
-      <p:sp>
-        <p:nvSpPr>
-          <p:cNvPr id="2" name="Slide Image Placeholder 1"/>
-          <p:cNvSpPr>
-            <a:spLocks noGrp="1" noRot="1" noChangeAspect="1"/>
-          </p:cNvSpPr>
-          <p:nvPr>
-            <p:ph type="sldImg"/>
-          </p:nvPr>
-        </p:nvSpPr>
-        <p:spPr/>
-      </p:sp>
-      <p:sp>
-        <p:nvSpPr>
-          <p:cNvPr id="3" name="Notes Placeholder 2"/>
-          <p:cNvSpPr>
-            <a:spLocks noGrp="1"/>
-          </p:cNvSpPr>
-          <p:nvPr>
-            <p:ph type="body" idx="1"/>
-          </p:nvPr>
-        </p:nvSpPr>
-        <p:spPr/>
-        <p:txBody>
-          <a:bodyPr/>
-          <a:lstStyle/>
-          <a:p>
-            <a:r>
-              <a:rPr lang="en-GB" dirty="0"/>
-              <a:t>Every variable</a:t>
-            </a:r>
-            <a:r>
-              <a:rPr lang="en-GB" baseline="0" dirty="0"/>
-              <a:t> has an associated type (in statically typed languages), a variable name and a value. So in the java example of ‘</a:t>
-            </a:r>
-            <a:r>
-              <a:rPr lang="en-GB" baseline="0" dirty="0" err="1"/>
-              <a:t>int</a:t>
-            </a:r>
-            <a:r>
-              <a:rPr lang="en-GB" baseline="0" dirty="0"/>
-              <a:t> a = 5;’, </a:t>
-            </a:r>
-            <a:r>
-              <a:rPr lang="en-GB" baseline="0" dirty="0" err="1"/>
-              <a:t>int</a:t>
-            </a:r>
-            <a:r>
-              <a:rPr lang="en-GB" baseline="0" dirty="0"/>
-              <a:t> is the type, a is the variable name and 5 is the value.</a:t>
-            </a:r>
-            <a:endParaRPr lang="en-GB" dirty="0"/>
-          </a:p>
-        </p:txBody>
-      </p:sp>
-      <p:sp>
-        <p:nvSpPr>
-          <p:cNvPr id="4" name="Slide Number Placeholder 3"/>
-          <p:cNvSpPr>
-            <a:spLocks noGrp="1"/>
-          </p:cNvSpPr>
-          <p:nvPr>
-            <p:ph type="sldNum" sz="quarter" idx="10"/>
-          </p:nvPr>
-        </p:nvSpPr>
-        <p:spPr/>
-        <p:txBody>
-          <a:bodyPr/>
-          <a:lstStyle/>
-          <a:p>
-            <a:pPr marL="0" marR="0" lvl="0" indent="0" algn="r" defTabSz="914400" rtl="0" eaLnBrk="1" fontAlgn="auto" latinLnBrk="0" hangingPunct="1">
-              <a:lnSpc>
-                <a:spcPct val="100000"/>
-              </a:lnSpc>
-              <a:spcBef>
-                <a:spcPts val="0"/>
-              </a:spcBef>
-              <a:spcAft>
-                <a:spcPts val="0"/>
-              </a:spcAft>
-              <a:buClrTx/>
-              <a:buSzTx/>
-              <a:buFontTx/>
-              <a:buNone/>
-              <a:tabLst/>
-              <a:defRPr/>
-            </a:pPr>
-            <a:fld id="{A3F91DA7-A2FE-4AC1-BC85-FA3BBFBC227B}" type="slidenum">
-              <a:rPr kumimoji="0" lang="en-GB" sz="1200" b="0" i="0" u="none" strike="noStrike" kern="1200" cap="none" spc="0" normalizeH="0" baseline="0" noProof="0" smtClean="0">
-                <a:ln>
-                  <a:noFill/>
-                </a:ln>
-                <a:solidFill>
-                  <a:prstClr val="black"/>
-                </a:solidFill>
-                <a:effectLst/>
-                <a:uLnTx/>
-                <a:uFillTx/>
-                <a:latin typeface="Calibri" panose="020F0502020204030204"/>
-                <a:ea typeface="+mn-ea"/>
-                <a:cs typeface="+mn-cs"/>
-              </a:rPr>
-              <a:pPr marL="0" marR="0" lvl="0" indent="0" algn="r" defTabSz="914400" rtl="0" eaLnBrk="1" fontAlgn="auto" latinLnBrk="0" hangingPunct="1">
-                <a:lnSpc>
-                  <a:spcPct val="100000"/>
-                </a:lnSpc>
-                <a:spcBef>
-                  <a:spcPts val="0"/>
-                </a:spcBef>
-                <a:spcAft>
-                  <a:spcPts val="0"/>
-                </a:spcAft>
-                <a:buClrTx/>
-                <a:buSzTx/>
-                <a:buFontTx/>
-                <a:buNone/>
-                <a:tabLst/>
-                <a:defRPr/>
-              </a:pPr>
-              <a:t>25</a:t>
-            </a:fld>
-            <a:endParaRPr kumimoji="0" lang="en-GB" sz="1200" b="0" i="0" u="none" strike="noStrike" kern="1200" cap="none" spc="0" normalizeH="0" baseline="0" noProof="0">
-              <a:ln>
-                <a:noFill/>
-              </a:ln>
-              <a:solidFill>
-                <a:prstClr val="black"/>
-              </a:solidFill>
-              <a:effectLst/>
-              <a:uLnTx/>
-              <a:uFillTx/>
-              <a:latin typeface="Calibri" panose="020F0502020204030204"/>
-              <a:ea typeface="+mn-ea"/>
-              <a:cs typeface="+mn-cs"/>
-            </a:endParaRPr>
-          </a:p>
-        </p:txBody>
-      </p:sp>
-    </p:spTree>
-    <p:extLst>
-      <p:ext uri="{BB962C8B-B14F-4D97-AF65-F5344CB8AC3E}">
-        <p14:creationId xmlns:p14="http://schemas.microsoft.com/office/powerpoint/2010/main" val="2285446805"/>
+        <p14:creationId xmlns:p14="http://schemas.microsoft.com/office/powerpoint/2010/main" val="2860684802"/>
       </p:ext>
     </p:extLst>
   </p:cSld>
@@ -2351,7 +1212,7 @@
           <a:p>
             <a:fld id="{0952F4B9-71ED-4A37-A257-4AADC9BBFCB9}" type="datetimeFigureOut">
               <a:rPr lang="en-GB" smtClean="0"/>
-              <a:t>28/08/2019</a:t>
+              <a:t>18/08/2019</a:t>
             </a:fld>
             <a:endParaRPr lang="en-GB"/>
           </a:p>
@@ -2521,7 +1382,7 @@
           <a:p>
             <a:fld id="{0952F4B9-71ED-4A37-A257-4AADC9BBFCB9}" type="datetimeFigureOut">
               <a:rPr lang="en-GB" smtClean="0"/>
-              <a:t>28/08/2019</a:t>
+              <a:t>18/08/2019</a:t>
             </a:fld>
             <a:endParaRPr lang="en-GB"/>
           </a:p>
@@ -2701,7 +1562,7 @@
           <a:p>
             <a:fld id="{0952F4B9-71ED-4A37-A257-4AADC9BBFCB9}" type="datetimeFigureOut">
               <a:rPr lang="en-GB" smtClean="0"/>
-              <a:t>28/08/2019</a:t>
+              <a:t>18/08/2019</a:t>
             </a:fld>
             <a:endParaRPr lang="en-GB"/>
           </a:p>
@@ -2871,7 +1732,7 @@
           <a:p>
             <a:fld id="{0952F4B9-71ED-4A37-A257-4AADC9BBFCB9}" type="datetimeFigureOut">
               <a:rPr lang="en-GB" smtClean="0"/>
-              <a:t>28/08/2019</a:t>
+              <a:t>18/08/2019</a:t>
             </a:fld>
             <a:endParaRPr lang="en-GB"/>
           </a:p>
@@ -3117,7 +1978,7 @@
           <a:p>
             <a:fld id="{0952F4B9-71ED-4A37-A257-4AADC9BBFCB9}" type="datetimeFigureOut">
               <a:rPr lang="en-GB" smtClean="0"/>
-              <a:t>28/08/2019</a:t>
+              <a:t>18/08/2019</a:t>
             </a:fld>
             <a:endParaRPr lang="en-GB"/>
           </a:p>
@@ -3349,7 +2210,7 @@
           <a:p>
             <a:fld id="{0952F4B9-71ED-4A37-A257-4AADC9BBFCB9}" type="datetimeFigureOut">
               <a:rPr lang="en-GB" smtClean="0"/>
-              <a:t>28/08/2019</a:t>
+              <a:t>18/08/2019</a:t>
             </a:fld>
             <a:endParaRPr lang="en-GB"/>
           </a:p>
@@ -3721,7 +2582,7 @@
           <a:p>
             <a:fld id="{0952F4B9-71ED-4A37-A257-4AADC9BBFCB9}" type="datetimeFigureOut">
               <a:rPr lang="en-GB" smtClean="0"/>
-              <a:t>28/08/2019</a:t>
+              <a:t>18/08/2019</a:t>
             </a:fld>
             <a:endParaRPr lang="en-GB"/>
           </a:p>
@@ -3844,7 +2705,7 @@
           <a:p>
             <a:fld id="{0952F4B9-71ED-4A37-A257-4AADC9BBFCB9}" type="datetimeFigureOut">
               <a:rPr lang="en-GB" smtClean="0"/>
-              <a:t>28/08/2019</a:t>
+              <a:t>18/08/2019</a:t>
             </a:fld>
             <a:endParaRPr lang="en-GB"/>
           </a:p>
@@ -3939,7 +2800,7 @@
           <a:p>
             <a:fld id="{0952F4B9-71ED-4A37-A257-4AADC9BBFCB9}" type="datetimeFigureOut">
               <a:rPr lang="en-GB" smtClean="0"/>
-              <a:t>28/08/2019</a:t>
+              <a:t>18/08/2019</a:t>
             </a:fld>
             <a:endParaRPr lang="en-GB"/>
           </a:p>
@@ -4216,7 +3077,7 @@
           <a:p>
             <a:fld id="{0952F4B9-71ED-4A37-A257-4AADC9BBFCB9}" type="datetimeFigureOut">
               <a:rPr lang="en-GB" smtClean="0"/>
-              <a:t>28/08/2019</a:t>
+              <a:t>18/08/2019</a:t>
             </a:fld>
             <a:endParaRPr lang="en-GB"/>
           </a:p>
@@ -4478,7 +3339,7 @@
           <a:p>
             <a:fld id="{0952F4B9-71ED-4A37-A257-4AADC9BBFCB9}" type="datetimeFigureOut">
               <a:rPr lang="en-GB" smtClean="0"/>
-              <a:t>28/08/2019</a:t>
+              <a:t>18/08/2019</a:t>
             </a:fld>
             <a:endParaRPr lang="en-GB"/>
           </a:p>
@@ -4691,7 +3552,7 @@
           <a:p>
             <a:fld id="{0952F4B9-71ED-4A37-A257-4AADC9BBFCB9}" type="datetimeFigureOut">
               <a:rPr lang="en-GB" smtClean="0"/>
-              <a:t>28/08/2019</a:t>
+              <a:t>18/08/2019</a:t>
             </a:fld>
             <a:endParaRPr lang="en-GB"/>
           </a:p>
@@ -6498,126 +5359,6 @@
           <p:cNvPr id="2" name="Title 1">
             <a:extLst>
               <a:ext uri="{FF2B5EF4-FFF2-40B4-BE49-F238E27FC236}">
-                <a16:creationId xmlns:a16="http://schemas.microsoft.com/office/drawing/2014/main" id="{E9995A1C-0BD3-47EB-8091-7E670F617587}"/>
-              </a:ext>
-            </a:extLst>
-          </p:cNvPr>
-          <p:cNvSpPr>
-            <a:spLocks noGrp="1"/>
-          </p:cNvSpPr>
-          <p:nvPr>
-            <p:ph type="title"/>
-          </p:nvPr>
-        </p:nvSpPr>
-        <p:spPr/>
-        <p:txBody>
-          <a:bodyPr/>
-          <a:lstStyle/>
-          <a:p>
-            <a:r>
-              <a:rPr lang="en-GB" dirty="0"/>
-              <a:t>Python vs Arduino syntax</a:t>
-            </a:r>
-          </a:p>
-        </p:txBody>
-      </p:sp>
-      <p:pic>
-        <p:nvPicPr>
-          <p:cNvPr id="4" name="Content Placeholder 3">
-            <a:extLst>
-              <a:ext uri="{FF2B5EF4-FFF2-40B4-BE49-F238E27FC236}">
-                <a16:creationId xmlns:a16="http://schemas.microsoft.com/office/drawing/2014/main" id="{3A9EB7A4-4D30-4FF4-97BE-6DE0F39BF4A6}"/>
-              </a:ext>
-            </a:extLst>
-          </p:cNvPr>
-          <p:cNvPicPr>
-            <a:picLocks noGrp="1" noChangeAspect="1"/>
-          </p:cNvPicPr>
-          <p:nvPr>
-            <p:ph idx="1"/>
-          </p:nvPr>
-        </p:nvPicPr>
-        <p:blipFill>
-          <a:blip r:embed="rId2"/>
-          <a:stretch>
-            <a:fillRect/>
-          </a:stretch>
-        </p:blipFill>
-        <p:spPr>
-          <a:xfrm>
-            <a:off x="6694758" y="2438401"/>
-            <a:ext cx="5426122" cy="2621756"/>
-          </a:xfrm>
-          <a:prstGeom prst="rect">
-            <a:avLst/>
-          </a:prstGeom>
-        </p:spPr>
-      </p:pic>
-      <p:pic>
-        <p:nvPicPr>
-          <p:cNvPr id="5" name="Picture 4">
-            <a:extLst>
-              <a:ext uri="{FF2B5EF4-FFF2-40B4-BE49-F238E27FC236}">
-                <a16:creationId xmlns:a16="http://schemas.microsoft.com/office/drawing/2014/main" id="{0ECE5036-4F8D-4BEF-B5AA-633FE944DED7}"/>
-              </a:ext>
-            </a:extLst>
-          </p:cNvPr>
-          <p:cNvPicPr>
-            <a:picLocks noChangeAspect="1"/>
-          </p:cNvPicPr>
-          <p:nvPr/>
-        </p:nvPicPr>
-        <p:blipFill>
-          <a:blip r:embed="rId3"/>
-          <a:stretch>
-            <a:fillRect/>
-          </a:stretch>
-        </p:blipFill>
-        <p:spPr>
-          <a:xfrm>
-            <a:off x="649604" y="2438401"/>
-            <a:ext cx="4501515" cy="2816165"/>
-          </a:xfrm>
-          <a:prstGeom prst="rect">
-            <a:avLst/>
-          </a:prstGeom>
-        </p:spPr>
-      </p:pic>
-    </p:spTree>
-    <p:extLst>
-      <p:ext uri="{BB962C8B-B14F-4D97-AF65-F5344CB8AC3E}">
-        <p14:creationId xmlns:p14="http://schemas.microsoft.com/office/powerpoint/2010/main" val="2759293091"/>
-      </p:ext>
-    </p:extLst>
-  </p:cSld>
-  <p:clrMapOvr>
-    <a:masterClrMapping/>
-  </p:clrMapOvr>
-</p:sld>
-</file>
-
-<file path=ppt/slides/slide19.xml><?xml version="1.0" encoding="utf-8"?>
-<p:sld xmlns:a="http://schemas.openxmlformats.org/drawingml/2006/main" xmlns:r="http://schemas.openxmlformats.org/officeDocument/2006/relationships" xmlns:p="http://schemas.openxmlformats.org/presentationml/2006/main">
-  <p:cSld>
-    <p:spTree>
-      <p:nvGrpSpPr>
-        <p:cNvPr id="1" name=""/>
-        <p:cNvGrpSpPr/>
-        <p:nvPr/>
-      </p:nvGrpSpPr>
-      <p:grpSpPr>
-        <a:xfrm>
-          <a:off x="0" y="0"/>
-          <a:ext cx="0" cy="0"/>
-          <a:chOff x="0" y="0"/>
-          <a:chExt cx="0" cy="0"/>
-        </a:xfrm>
-      </p:grpSpPr>
-      <p:sp>
-        <p:nvSpPr>
-          <p:cNvPr id="2" name="Title 1">
-            <a:extLst>
-              <a:ext uri="{FF2B5EF4-FFF2-40B4-BE49-F238E27FC236}">
                 <a16:creationId xmlns:a16="http://schemas.microsoft.com/office/drawing/2014/main" id="{115DE404-3DC7-488B-B40B-3D098B75E0EB}"/>
               </a:ext>
             </a:extLst>
@@ -6781,6 +5522,133 @@
     <p:extLst>
       <p:ext uri="{BB962C8B-B14F-4D97-AF65-F5344CB8AC3E}">
         <p14:creationId xmlns:p14="http://schemas.microsoft.com/office/powerpoint/2010/main" val="1443541999"/>
+      </p:ext>
+    </p:extLst>
+  </p:cSld>
+  <p:clrMapOvr>
+    <a:masterClrMapping/>
+  </p:clrMapOvr>
+</p:sld>
+</file>
+
+<file path=ppt/slides/slide19.xml><?xml version="1.0" encoding="utf-8"?>
+<p:sld xmlns:a="http://schemas.openxmlformats.org/drawingml/2006/main" xmlns:r="http://schemas.openxmlformats.org/officeDocument/2006/relationships" xmlns:p="http://schemas.openxmlformats.org/presentationml/2006/main">
+  <p:cSld>
+    <p:spTree>
+      <p:nvGrpSpPr>
+        <p:cNvPr id="1" name=""/>
+        <p:cNvGrpSpPr/>
+        <p:nvPr/>
+      </p:nvGrpSpPr>
+      <p:grpSpPr>
+        <a:xfrm>
+          <a:off x="0" y="0"/>
+          <a:ext cx="0" cy="0"/>
+          <a:chOff x="0" y="0"/>
+          <a:chExt cx="0" cy="0"/>
+        </a:xfrm>
+      </p:grpSpPr>
+      <p:sp>
+        <p:nvSpPr>
+          <p:cNvPr id="2" name="Title 1">
+            <a:extLst>
+              <a:ext uri="{FF2B5EF4-FFF2-40B4-BE49-F238E27FC236}">
+                <a16:creationId xmlns:a16="http://schemas.microsoft.com/office/drawing/2014/main" id="{12D76249-03DC-41EB-9B38-5B2D699AA13E}"/>
+              </a:ext>
+            </a:extLst>
+          </p:cNvPr>
+          <p:cNvSpPr>
+            <a:spLocks noGrp="1"/>
+          </p:cNvSpPr>
+          <p:nvPr>
+            <p:ph type="title"/>
+          </p:nvPr>
+        </p:nvSpPr>
+        <p:spPr/>
+        <p:txBody>
+          <a:bodyPr/>
+          <a:lstStyle/>
+          <a:p>
+            <a:r>
+              <a:rPr lang="en-GB" dirty="0"/>
+              <a:t>Python 2 vs Python 3</a:t>
+            </a:r>
+          </a:p>
+        </p:txBody>
+      </p:sp>
+      <p:sp>
+        <p:nvSpPr>
+          <p:cNvPr id="3" name="Content Placeholder 2">
+            <a:extLst>
+              <a:ext uri="{FF2B5EF4-FFF2-40B4-BE49-F238E27FC236}">
+                <a16:creationId xmlns:a16="http://schemas.microsoft.com/office/drawing/2014/main" id="{E825B245-35FC-49B0-A293-6D6CBC63BFF3}"/>
+              </a:ext>
+            </a:extLst>
+          </p:cNvPr>
+          <p:cNvSpPr>
+            <a:spLocks noGrp="1"/>
+          </p:cNvSpPr>
+          <p:nvPr>
+            <p:ph idx="1"/>
+          </p:nvPr>
+        </p:nvSpPr>
+        <p:spPr/>
+        <p:txBody>
+          <a:bodyPr/>
+          <a:lstStyle/>
+          <a:p>
+            <a:r>
+              <a:rPr lang="en-GB" dirty="0"/>
+              <a:t>Python 2 – released Oct 2000</a:t>
+            </a:r>
+          </a:p>
+          <a:p>
+            <a:pPr lvl="1"/>
+            <a:r>
+              <a:rPr lang="en-GB" dirty="0"/>
+              <a:t>Minor releases: now Python 2.7</a:t>
+            </a:r>
+          </a:p>
+          <a:p>
+            <a:pPr lvl="1"/>
+            <a:r>
+              <a:rPr lang="en-GB" dirty="0"/>
+              <a:t>Support for Python 2.x will stop 2020</a:t>
+            </a:r>
+          </a:p>
+          <a:p>
+            <a:r>
+              <a:rPr lang="en-GB" dirty="0"/>
+              <a:t>Python 3 – released Dec 2008</a:t>
+            </a:r>
+          </a:p>
+          <a:p>
+            <a:pPr lvl="1"/>
+            <a:r>
+              <a:rPr lang="en-GB" dirty="0"/>
+              <a:t>Goal was to reduce feature duplication</a:t>
+            </a:r>
+          </a:p>
+          <a:p>
+            <a:pPr lvl="1"/>
+            <a:r>
+              <a:rPr lang="en-GB" dirty="0"/>
+              <a:t>Now on version 3.7.4</a:t>
+            </a:r>
+          </a:p>
+          <a:p>
+            <a:pPr lvl="1"/>
+            <a:r>
+              <a:rPr lang="en-GB" dirty="0"/>
+              <a:t>Not completely backward compatible!</a:t>
+            </a:r>
+          </a:p>
+        </p:txBody>
+      </p:sp>
+    </p:spTree>
+    <p:extLst>
+      <p:ext uri="{BB962C8B-B14F-4D97-AF65-F5344CB8AC3E}">
+        <p14:creationId xmlns:p14="http://schemas.microsoft.com/office/powerpoint/2010/main" val="74606998"/>
       </p:ext>
     </p:extLst>
   </p:cSld>
@@ -7101,7 +5969,7 @@
           <p:cNvPr id="2" name="Title 1">
             <a:extLst>
               <a:ext uri="{FF2B5EF4-FFF2-40B4-BE49-F238E27FC236}">
-                <a16:creationId xmlns:a16="http://schemas.microsoft.com/office/drawing/2014/main" id="{12D76249-03DC-41EB-9B38-5B2D699AA13E}"/>
+                <a16:creationId xmlns:a16="http://schemas.microsoft.com/office/drawing/2014/main" id="{97F1A8D6-0911-4879-BB12-D7A3C61E3FF7}"/>
               </a:ext>
             </a:extLst>
           </p:cNvPr>
@@ -7119,7 +5987,7 @@
           <a:p>
             <a:r>
               <a:rPr lang="en-GB" dirty="0"/>
-              <a:t>Python 2 vs Python 3</a:t>
+              <a:t>What is Python used for?</a:t>
             </a:r>
           </a:p>
         </p:txBody>
@@ -7129,7 +5997,7 @@
           <p:cNvPr id="3" name="Content Placeholder 2">
             <a:extLst>
               <a:ext uri="{FF2B5EF4-FFF2-40B4-BE49-F238E27FC236}">
-                <a16:creationId xmlns:a16="http://schemas.microsoft.com/office/drawing/2014/main" id="{E825B245-35FC-49B0-A293-6D6CBC63BFF3}"/>
+                <a16:creationId xmlns:a16="http://schemas.microsoft.com/office/drawing/2014/main" id="{FD69B228-FE62-4CAB-80AE-13C674E6704D}"/>
               </a:ext>
             </a:extLst>
           </p:cNvPr>
@@ -7140,63 +6008,112 @@
             <p:ph idx="1"/>
           </p:nvPr>
         </p:nvSpPr>
-        <p:spPr/>
-        <p:txBody>
-          <a:bodyPr/>
-          <a:lstStyle/>
-          <a:p>
-            <a:r>
-              <a:rPr lang="en-GB" dirty="0"/>
-              <a:t>Python 2 – released Oct 2000</a:t>
-            </a:r>
-          </a:p>
-          <a:p>
-            <a:pPr lvl="1"/>
-            <a:r>
-              <a:rPr lang="en-GB" dirty="0"/>
-              <a:t>Minor releases: now Python 2.7</a:t>
-            </a:r>
-          </a:p>
-          <a:p>
-            <a:pPr lvl="1"/>
-            <a:r>
-              <a:rPr lang="en-GB" dirty="0"/>
-              <a:t>Support for Python 2.x will stop 2020</a:t>
-            </a:r>
-          </a:p>
-          <a:p>
-            <a:r>
-              <a:rPr lang="en-GB" dirty="0"/>
-              <a:t>Python 3 – released Dec 2008</a:t>
-            </a:r>
-          </a:p>
-          <a:p>
-            <a:pPr lvl="1"/>
-            <a:r>
-              <a:rPr lang="en-GB" dirty="0"/>
-              <a:t>Goal was to reduce feature duplication</a:t>
-            </a:r>
-          </a:p>
-          <a:p>
-            <a:pPr lvl="1"/>
-            <a:r>
-              <a:rPr lang="en-GB" dirty="0"/>
-              <a:t>Now on version 3.7.4</a:t>
-            </a:r>
-          </a:p>
-          <a:p>
-            <a:pPr lvl="1"/>
-            <a:r>
-              <a:rPr lang="en-GB" dirty="0"/>
-              <a:t>Not completely backward compatible!</a:t>
-            </a:r>
+        <p:spPr>
+          <a:xfrm>
+            <a:off x="838200" y="1825625"/>
+            <a:ext cx="10515600" cy="4351338"/>
+          </a:xfrm>
+        </p:spPr>
+        <p:txBody>
+          <a:bodyPr/>
+          <a:lstStyle/>
+          <a:p>
+            <a:r>
+              <a:rPr lang="en-GB" dirty="0"/>
+              <a:t>Data analysis</a:t>
+            </a:r>
+          </a:p>
+          <a:p>
+            <a:r>
+              <a:rPr lang="en-GB" dirty="0"/>
+              <a:t>Web development </a:t>
+            </a:r>
+            <a:br>
+              <a:rPr lang="en-GB" dirty="0"/>
+            </a:br>
+            <a:r>
+              <a:rPr lang="en-GB" dirty="0"/>
+              <a:t>(Django)</a:t>
+            </a:r>
+          </a:p>
+        </p:txBody>
+      </p:sp>
+      <p:pic>
+        <p:nvPicPr>
+          <p:cNvPr id="4" name="Picture 3">
+            <a:extLst>
+              <a:ext uri="{FF2B5EF4-FFF2-40B4-BE49-F238E27FC236}">
+                <a16:creationId xmlns:a16="http://schemas.microsoft.com/office/drawing/2014/main" id="{12DE86B1-3287-4624-AFC0-9829467AC3F2}"/>
+              </a:ext>
+            </a:extLst>
+          </p:cNvPr>
+          <p:cNvPicPr>
+            <a:picLocks noChangeAspect="1"/>
+          </p:cNvPicPr>
+          <p:nvPr/>
+        </p:nvPicPr>
+        <p:blipFill>
+          <a:blip r:embed="rId2"/>
+          <a:stretch>
+            <a:fillRect/>
+          </a:stretch>
+        </p:blipFill>
+        <p:spPr>
+          <a:xfrm>
+            <a:off x="4763386" y="1572016"/>
+            <a:ext cx="7120601" cy="4858556"/>
+          </a:xfrm>
+          <a:prstGeom prst="rect">
+            <a:avLst/>
+          </a:prstGeom>
+        </p:spPr>
+      </p:pic>
+      <p:sp>
+        <p:nvSpPr>
+          <p:cNvPr id="5" name="TextBox 4">
+            <a:extLst>
+              <a:ext uri="{FF2B5EF4-FFF2-40B4-BE49-F238E27FC236}">
+                <a16:creationId xmlns:a16="http://schemas.microsoft.com/office/drawing/2014/main" id="{0B53CC3A-DC9D-4073-B1A4-0AD20294361D}"/>
+              </a:ext>
+            </a:extLst>
+          </p:cNvPr>
+          <p:cNvSpPr txBox="1"/>
+          <p:nvPr/>
+        </p:nvSpPr>
+        <p:spPr>
+          <a:xfrm>
+            <a:off x="148856" y="5863368"/>
+            <a:ext cx="3848986" cy="923330"/>
+          </a:xfrm>
+          <a:prstGeom prst="rect">
+            <a:avLst/>
+          </a:prstGeom>
+          <a:noFill/>
+        </p:spPr>
+        <p:txBody>
+          <a:bodyPr wrap="square" rtlCol="0">
+            <a:spAutoFit/>
+          </a:bodyPr>
+          <a:lstStyle/>
+          <a:p>
+            <a:r>
+              <a:rPr lang="en-GB" dirty="0"/>
+              <a:t>Source: </a:t>
+            </a:r>
+            <a:r>
+              <a:rPr lang="en-GB" dirty="0">
+                <a:hlinkClick r:id="rId3"/>
+              </a:rPr>
+              <a:t>https://www.jetbrains.com/research/python-developers-survey-2018/</a:t>
+            </a:r>
+            <a:endParaRPr lang="en-GB" dirty="0"/>
           </a:p>
         </p:txBody>
       </p:sp>
     </p:spTree>
     <p:extLst>
       <p:ext uri="{BB962C8B-B14F-4D97-AF65-F5344CB8AC3E}">
-        <p14:creationId xmlns:p14="http://schemas.microsoft.com/office/powerpoint/2010/main" val="74606998"/>
+        <p14:creationId xmlns:p14="http://schemas.microsoft.com/office/powerpoint/2010/main" val="1615664426"/>
       </p:ext>
     </p:extLst>
   </p:cSld>
@@ -7228,7 +6145,7 @@
           <p:cNvPr id="2" name="Title 1">
             <a:extLst>
               <a:ext uri="{FF2B5EF4-FFF2-40B4-BE49-F238E27FC236}">
-                <a16:creationId xmlns:a16="http://schemas.microsoft.com/office/drawing/2014/main" id="{DC960E70-8B9B-4580-B6EE-9D465C1C1D9D}"/>
+                <a16:creationId xmlns:a16="http://schemas.microsoft.com/office/drawing/2014/main" id="{0461675F-A7CE-44C0-AA55-51181F87D592}"/>
               </a:ext>
             </a:extLst>
           </p:cNvPr>
@@ -7246,7 +6163,7 @@
           <a:p>
             <a:r>
               <a:rPr lang="en-GB" dirty="0"/>
-              <a:t>Python: compiling and interpreted</a:t>
+              <a:t>Python uses</a:t>
             </a:r>
           </a:p>
         </p:txBody>
@@ -7256,7 +6173,7 @@
           <p:cNvPr id="3" name="Content Placeholder 2">
             <a:extLst>
               <a:ext uri="{FF2B5EF4-FFF2-40B4-BE49-F238E27FC236}">
-                <a16:creationId xmlns:a16="http://schemas.microsoft.com/office/drawing/2014/main" id="{49600ED9-8C1A-4592-AB3C-19C44F8A0E6C}"/>
+                <a16:creationId xmlns:a16="http://schemas.microsoft.com/office/drawing/2014/main" id="{E8582346-F4CA-4339-A6C2-409A444B9432}"/>
               </a:ext>
             </a:extLst>
           </p:cNvPr>
@@ -7274,58 +6191,56 @@
           <a:p>
             <a:r>
               <a:rPr lang="en-GB" dirty="0"/>
-              <a:t>Python is translated from programming language to bytecode</a:t>
-            </a:r>
-          </a:p>
-          <a:p>
-            <a:pPr lvl="1"/>
-            <a:r>
-              <a:rPr lang="en-GB" dirty="0"/>
-              <a:t>This is all automatic</a:t>
-            </a:r>
-          </a:p>
-          <a:p>
-            <a:r>
-              <a:rPr lang="en-GB" dirty="0"/>
-              <a:t>Python keeps bytecode for faster performance</a:t>
-            </a:r>
-          </a:p>
-          <a:p>
-            <a:pPr lvl="1"/>
-            <a:r>
-              <a:rPr lang="en-GB" dirty="0"/>
-              <a:t>Only recompile when source has changed</a:t>
-            </a:r>
-          </a:p>
-          <a:p>
-            <a:r>
-              <a:rPr lang="en-GB" dirty="0"/>
-              <a:t>Bytecode is interpreted line-by-line by the machine</a:t>
-            </a:r>
-          </a:p>
-          <a:p>
-            <a:pPr lvl="1"/>
-            <a:r>
-              <a:rPr lang="en-GB" dirty="0"/>
-              <a:t>Runtime errors</a:t>
-            </a:r>
-          </a:p>
-          <a:p>
-            <a:pPr lvl="1"/>
+              <a:t>Dropbox</a:t>
+            </a:r>
+          </a:p>
+          <a:p>
+            <a:r>
+              <a:rPr lang="en-GB" dirty="0"/>
+              <a:t>YouTube</a:t>
+            </a:r>
+          </a:p>
+          <a:p>
+            <a:r>
+              <a:rPr lang="en-GB" dirty="0"/>
+              <a:t>Instagram</a:t>
+            </a:r>
+          </a:p>
+          <a:p>
+            <a:r>
+              <a:rPr lang="en-GB" dirty="0"/>
+              <a:t>BitTorrent</a:t>
+            </a:r>
+          </a:p>
+          <a:p>
+            <a:r>
+              <a:rPr lang="en-GB" dirty="0"/>
+              <a:t>The Sims 4</a:t>
+            </a:r>
+          </a:p>
+          <a:p>
             <a:endParaRPr lang="en-GB" dirty="0"/>
           </a:p>
           <a:p>
-            <a:pPr lvl="1"/>
             <a:endParaRPr lang="en-GB" dirty="0"/>
           </a:p>
           <a:p>
             <a:pPr marL="0" indent="0">
               <a:buNone/>
             </a:pPr>
+            <a:r>
+              <a:rPr lang="en-GB" dirty="0"/>
+              <a:t>More: </a:t>
+            </a:r>
+            <a:r>
+              <a:rPr lang="en-GB" dirty="0">
+                <a:hlinkClick r:id="rId2"/>
+              </a:rPr>
+              <a:t>https://en.wikipedia.org/wiki/List_of_Python_software</a:t>
+            </a:r>
             <a:endParaRPr lang="en-GB" dirty="0"/>
           </a:p>
           <a:p>
-            <a:pPr lvl="1"/>
             <a:endParaRPr lang="en-GB" dirty="0"/>
           </a:p>
         </p:txBody>
@@ -7333,7 +6248,7 @@
     </p:spTree>
     <p:extLst>
       <p:ext uri="{BB962C8B-B14F-4D97-AF65-F5344CB8AC3E}">
-        <p14:creationId xmlns:p14="http://schemas.microsoft.com/office/powerpoint/2010/main" val="3151514598"/>
+        <p14:creationId xmlns:p14="http://schemas.microsoft.com/office/powerpoint/2010/main" val="3213338813"/>
       </p:ext>
     </p:extLst>
   </p:cSld>
@@ -7365,7 +6280,7 @@
           <p:cNvPr id="2" name="Title 1">
             <a:extLst>
               <a:ext uri="{FF2B5EF4-FFF2-40B4-BE49-F238E27FC236}">
-                <a16:creationId xmlns:a16="http://schemas.microsoft.com/office/drawing/2014/main" id="{2ECFAAD4-CE12-49A7-9997-0FA611899F83}"/>
+                <a16:creationId xmlns:a16="http://schemas.microsoft.com/office/drawing/2014/main" id="{DC960E70-8B9B-4580-B6EE-9D465C1C1D9D}"/>
               </a:ext>
             </a:extLst>
           </p:cNvPr>
@@ -7383,7 +6298,7 @@
           <a:p>
             <a:r>
               <a:rPr lang="en-GB" dirty="0"/>
-              <a:t>Arduino: compiled language</a:t>
+              <a:t>Python: compiling and interpreted</a:t>
             </a:r>
           </a:p>
         </p:txBody>
@@ -7393,7 +6308,7 @@
           <p:cNvPr id="3" name="Content Placeholder 2">
             <a:extLst>
               <a:ext uri="{FF2B5EF4-FFF2-40B4-BE49-F238E27FC236}">
-                <a16:creationId xmlns:a16="http://schemas.microsoft.com/office/drawing/2014/main" id="{9B31583D-4403-4CD1-90E3-C3A045BDBB68}"/>
+                <a16:creationId xmlns:a16="http://schemas.microsoft.com/office/drawing/2014/main" id="{49600ED9-8C1A-4592-AB3C-19C44F8A0E6C}"/>
               </a:ext>
             </a:extLst>
           </p:cNvPr>
@@ -7411,16 +6326,58 @@
           <a:p>
             <a:r>
               <a:rPr lang="en-GB" dirty="0"/>
-              <a:t>Code is translated to machine code in one go (no bytecode)</a:t>
-            </a:r>
-          </a:p>
-          <a:p>
-            <a:r>
-              <a:rPr lang="en-GB" dirty="0"/>
-              <a:t>Compilation (and thus checking errors) happens before code is uploaded to Arduino</a:t>
-            </a:r>
-          </a:p>
-          <a:p>
+              <a:t>Python is translated from programming language to bytecode</a:t>
+            </a:r>
+          </a:p>
+          <a:p>
+            <a:pPr lvl="1"/>
+            <a:r>
+              <a:rPr lang="en-GB" dirty="0"/>
+              <a:t>This is all automatic</a:t>
+            </a:r>
+          </a:p>
+          <a:p>
+            <a:r>
+              <a:rPr lang="en-GB" dirty="0"/>
+              <a:t>Python keeps bytecode for faster performance</a:t>
+            </a:r>
+          </a:p>
+          <a:p>
+            <a:pPr lvl="1"/>
+            <a:r>
+              <a:rPr lang="en-GB" dirty="0"/>
+              <a:t>Only recompile when source has changed</a:t>
+            </a:r>
+          </a:p>
+          <a:p>
+            <a:r>
+              <a:rPr lang="en-GB" dirty="0"/>
+              <a:t>Bytecode is interpreted line-by-line by the machine</a:t>
+            </a:r>
+          </a:p>
+          <a:p>
+            <a:pPr lvl="1"/>
+            <a:r>
+              <a:rPr lang="en-GB" dirty="0"/>
+              <a:t>Runtime errors</a:t>
+            </a:r>
+          </a:p>
+          <a:p>
+            <a:pPr lvl="1"/>
+            <a:endParaRPr lang="en-GB" dirty="0"/>
+          </a:p>
+          <a:p>
+            <a:pPr lvl="1"/>
+            <a:endParaRPr lang="en-GB" dirty="0"/>
+          </a:p>
+          <a:p>
+            <a:pPr marL="0" indent="0">
+              <a:buNone/>
+            </a:pPr>
+            <a:endParaRPr lang="en-GB" dirty="0"/>
+          </a:p>
+          <a:p>
+            <a:pPr lvl="1"/>
             <a:endParaRPr lang="en-GB" dirty="0"/>
           </a:p>
         </p:txBody>
@@ -7428,7 +6385,7 @@
     </p:spTree>
     <p:extLst>
       <p:ext uri="{BB962C8B-B14F-4D97-AF65-F5344CB8AC3E}">
-        <p14:creationId xmlns:p14="http://schemas.microsoft.com/office/powerpoint/2010/main" val="805508218"/>
+        <p14:creationId xmlns:p14="http://schemas.microsoft.com/office/powerpoint/2010/main" val="3151514598"/>
       </p:ext>
     </p:extLst>
   </p:cSld>
@@ -7457,80 +6414,101 @@
       </p:grpSpPr>
       <p:sp>
         <p:nvSpPr>
-          <p:cNvPr id="2" name="Title 1"/>
-          <p:cNvSpPr>
-            <a:spLocks noGrp="1"/>
-          </p:cNvSpPr>
-          <p:nvPr>
-            <p:ph type="title"/>
-          </p:nvPr>
-        </p:nvSpPr>
-        <p:spPr/>
-        <p:txBody>
-          <a:bodyPr/>
-          <a:lstStyle/>
-          <a:p>
-            <a:pPr algn="ctr"/>
-            <a:r>
-              <a:rPr lang="en-GB" dirty="0"/>
-              <a:t>Variables and types</a:t>
-            </a:r>
-          </a:p>
-        </p:txBody>
-      </p:sp>
-      <p:sp>
-        <p:nvSpPr>
-          <p:cNvPr id="3" name="Text Placeholder 2"/>
-          <p:cNvSpPr>
-            <a:spLocks noGrp="1"/>
-          </p:cNvSpPr>
-          <p:nvPr>
-            <p:ph type="body" idx="1"/>
-          </p:nvPr>
-        </p:nvSpPr>
-        <p:spPr/>
-        <p:txBody>
-          <a:bodyPr/>
-          <a:lstStyle/>
-          <a:p>
-            <a:pPr algn="ctr"/>
-            <a:endParaRPr lang="en-GB" dirty="0"/>
-          </a:p>
-        </p:txBody>
-      </p:sp>
-      <p:pic>
-        <p:nvPicPr>
-          <p:cNvPr id="4" name="Picture 3"/>
-          <p:cNvPicPr>
-            <a:picLocks noChangeAspect="1"/>
-          </p:cNvPicPr>
-          <p:nvPr/>
-        </p:nvPicPr>
-        <p:blipFill rotWithShape="1">
-          <a:blip r:embed="rId3" cstate="print">
+          <p:cNvPr id="2" name="Title 1">
             <a:extLst>
-              <a:ext uri="{28A0092B-C50C-407E-A947-70E740481C1C}">
-                <a14:useLocalDpi xmlns:a14="http://schemas.microsoft.com/office/drawing/2010/main" val="0"/>
+              <a:ext uri="{FF2B5EF4-FFF2-40B4-BE49-F238E27FC236}">
+                <a16:creationId xmlns:a16="http://schemas.microsoft.com/office/drawing/2014/main" id="{254EBF4C-D752-42CD-A3DE-A7CBDBA127A7}"/>
               </a:ext>
             </a:extLst>
-          </a:blip>
-          <a:srcRect t="16503" b="15134"/>
-          <a:stretch/>
-        </p:blipFill>
-        <p:spPr>
-          <a:xfrm>
-            <a:off x="3823919" y="412489"/>
-            <a:ext cx="4531462" cy="3097870"/>
-          </a:xfrm>
-          <a:prstGeom prst="rect">
-            <a:avLst/>
-          </a:prstGeom>
-        </p:spPr>
-      </p:pic>
+          </p:cNvPr>
+          <p:cNvSpPr>
+            <a:spLocks noGrp="1"/>
+          </p:cNvSpPr>
+          <p:nvPr>
+            <p:ph type="title"/>
+          </p:nvPr>
+        </p:nvSpPr>
+        <p:spPr/>
+        <p:txBody>
+          <a:bodyPr/>
+          <a:lstStyle/>
+          <a:p>
+            <a:r>
+              <a:rPr lang="en-GB" dirty="0"/>
+              <a:t>Let’s do some Python!!</a:t>
+            </a:r>
+          </a:p>
+        </p:txBody>
+      </p:sp>
+      <p:sp>
+        <p:nvSpPr>
+          <p:cNvPr id="3" name="Content Placeholder 2">
+            <a:extLst>
+              <a:ext uri="{FF2B5EF4-FFF2-40B4-BE49-F238E27FC236}">
+                <a16:creationId xmlns:a16="http://schemas.microsoft.com/office/drawing/2014/main" id="{86F4644F-038F-435F-A52D-1B9A92C36003}"/>
+              </a:ext>
+            </a:extLst>
+          </p:cNvPr>
+          <p:cNvSpPr>
+            <a:spLocks noGrp="1"/>
+          </p:cNvSpPr>
+          <p:nvPr>
+            <p:ph idx="1"/>
+          </p:nvPr>
+        </p:nvSpPr>
+        <p:spPr/>
+        <p:txBody>
+          <a:bodyPr/>
+          <a:lstStyle/>
+          <a:p>
+            <a:r>
+              <a:rPr lang="en-GB" dirty="0"/>
+              <a:t>Open the </a:t>
+            </a:r>
+            <a:r>
+              <a:rPr lang="en-GB" dirty="0" err="1"/>
+              <a:t>jupyter</a:t>
+            </a:r>
+            <a:r>
+              <a:rPr lang="en-GB" dirty="0"/>
+              <a:t> notebook:</a:t>
+            </a:r>
+          </a:p>
+          <a:p>
+            <a:pPr lvl="1"/>
+            <a:r>
+              <a:rPr lang="en-GB" dirty="0"/>
+              <a:t>Go to anaconda prompt</a:t>
+            </a:r>
+          </a:p>
+          <a:p>
+            <a:pPr lvl="1"/>
+            <a:r>
+              <a:rPr lang="en-GB" dirty="0"/>
+              <a:t>Type: ‘</a:t>
+            </a:r>
+            <a:r>
+              <a:rPr lang="en-GB" dirty="0" err="1"/>
+              <a:t>jupyter</a:t>
+            </a:r>
+            <a:r>
+              <a:rPr lang="en-GB" dirty="0"/>
+              <a:t> notebook’</a:t>
+            </a:r>
+          </a:p>
+          <a:p>
+            <a:pPr lvl="1"/>
+            <a:r>
+              <a:rPr lang="en-GB" dirty="0"/>
+              <a:t>Find the notebook ‘Python lesson 1’</a:t>
+            </a:r>
+          </a:p>
+        </p:txBody>
+      </p:sp>
     </p:spTree>
     <p:extLst>
       <p:ext uri="{BB962C8B-B14F-4D97-AF65-F5344CB8AC3E}">
-        <p14:creationId xmlns:p14="http://schemas.microsoft.com/office/powerpoint/2010/main" val="3451841477"/>
+        <p14:creationId xmlns:p14="http://schemas.microsoft.com/office/powerpoint/2010/main" val="896123762"/>
       </p:ext>
     </p:extLst>
   </p:cSld>
@@ -7541,7 +6519,7 @@
 </file>
 
 <file path=ppt/slides/slide24.xml><?xml version="1.0" encoding="utf-8"?>
-<p:sld xmlns:a="http://schemas.openxmlformats.org/drawingml/2006/main" xmlns:r="http://schemas.openxmlformats.org/officeDocument/2006/relationships" xmlns:p="http://schemas.openxmlformats.org/presentationml/2006/main">
+<p:sld xmlns:a="http://schemas.openxmlformats.org/drawingml/2006/main" xmlns:r="http://schemas.openxmlformats.org/officeDocument/2006/relationships" xmlns:p="http://schemas.openxmlformats.org/presentationml/2006/main" show="0">
   <p:cSld>
     <p:spTree>
       <p:nvGrpSpPr>
@@ -7559,10 +6537,10 @@
       </p:grpSpPr>
       <p:sp>
         <p:nvSpPr>
-          <p:cNvPr id="2" name="Titel 1">
+          <p:cNvPr id="2" name="Title 1">
             <a:extLst>
               <a:ext uri="{FF2B5EF4-FFF2-40B4-BE49-F238E27FC236}">
-                <a16:creationId xmlns:a16="http://schemas.microsoft.com/office/drawing/2014/main" id="{BF575106-9855-4486-BC51-0301D4CF6188}"/>
+                <a16:creationId xmlns:a16="http://schemas.microsoft.com/office/drawing/2014/main" id="{48BBFB2D-8416-47ED-B970-F670070EF76B}"/>
               </a:ext>
             </a:extLst>
           </p:cNvPr>
@@ -7580,17 +6558,17 @@
           <a:p>
             <a:r>
               <a:rPr lang="en-GB" dirty="0"/>
-              <a:t>Content</a:t>
-            </a:r>
-          </a:p>
-        </p:txBody>
-      </p:sp>
-      <p:sp>
-        <p:nvSpPr>
-          <p:cNvPr id="3" name="Tijdelijke aanduiding voor inhoud 2">
+              <a:t>Architecture of a program</a:t>
+            </a:r>
+          </a:p>
+        </p:txBody>
+      </p:sp>
+      <p:sp>
+        <p:nvSpPr>
+          <p:cNvPr id="3" name="Content Placeholder 2">
             <a:extLst>
               <a:ext uri="{FF2B5EF4-FFF2-40B4-BE49-F238E27FC236}">
-                <a16:creationId xmlns:a16="http://schemas.microsoft.com/office/drawing/2014/main" id="{D6694B5F-B8C4-4990-BE6E-ABA8CDF68AEF}"/>
+                <a16:creationId xmlns:a16="http://schemas.microsoft.com/office/drawing/2014/main" id="{56A5E552-1B60-448E-89AC-362C360A5512}"/>
               </a:ext>
             </a:extLst>
           </p:cNvPr>
@@ -7601,1056 +6579,159 @@
             <p:ph idx="1"/>
           </p:nvPr>
         </p:nvSpPr>
-        <p:spPr/>
-        <p:txBody>
-          <a:bodyPr>
-            <a:normAutofit/>
-          </a:bodyPr>
-          <a:lstStyle/>
-          <a:p>
-            <a:r>
-              <a:rPr lang="en-GB" dirty="0"/>
-              <a:t>Primitive data types</a:t>
-            </a:r>
-          </a:p>
-          <a:p>
-            <a:r>
-              <a:rPr lang="en-GB" dirty="0"/>
-              <a:t>Composite data types</a:t>
-            </a:r>
-          </a:p>
-          <a:p>
-            <a:r>
-              <a:rPr lang="en-GB" dirty="0"/>
-              <a:t>Abstract data types</a:t>
-            </a:r>
-          </a:p>
-          <a:p>
-            <a:r>
-              <a:rPr lang="en-GB" dirty="0"/>
-              <a:t>Type safety and type error</a:t>
+        <p:spPr>
+          <a:xfrm>
+            <a:off x="838200" y="1825625"/>
+            <a:ext cx="10515600" cy="4351338"/>
+          </a:xfrm>
+        </p:spPr>
+        <p:txBody>
+          <a:bodyPr/>
+          <a:lstStyle/>
+          <a:p>
+            <a:r>
+              <a:rPr lang="en-GB" dirty="0"/>
+              <a:t>3 levels of code:</a:t>
             </a:r>
           </a:p>
           <a:p>
             <a:endParaRPr lang="en-GB" dirty="0"/>
           </a:p>
-        </p:txBody>
-      </p:sp>
-    </p:spTree>
-    <p:extLst>
-      <p:ext uri="{BB962C8B-B14F-4D97-AF65-F5344CB8AC3E}">
-        <p14:creationId xmlns:p14="http://schemas.microsoft.com/office/powerpoint/2010/main" val="3279030761"/>
-      </p:ext>
-    </p:extLst>
-  </p:cSld>
-  <p:clrMapOvr>
-    <a:masterClrMapping/>
-  </p:clrMapOvr>
-  <p:timing>
-    <p:tnLst>
-      <p:par>
-        <p:cTn id="1" dur="indefinite" restart="never" nodeType="tmRoot">
-          <p:childTnLst>
-            <p:seq concurrent="1" nextAc="seek">
-              <p:cTn id="2" dur="indefinite" nodeType="mainSeq">
-                <p:childTnLst>
-                  <p:par>
-                    <p:cTn id="3" fill="hold">
-                      <p:stCondLst>
-                        <p:cond delay="indefinite"/>
-                      </p:stCondLst>
-                      <p:childTnLst>
-                        <p:par>
-                          <p:cTn id="4" fill="hold">
-                            <p:stCondLst>
-                              <p:cond delay="0"/>
-                            </p:stCondLst>
-                            <p:childTnLst>
-                              <p:par>
-                                <p:cTn id="5" presetID="1" presetClass="entr" presetSubtype="0" fill="hold" grpId="0" nodeType="clickEffect">
-                                  <p:stCondLst>
-                                    <p:cond delay="0"/>
-                                  </p:stCondLst>
-                                  <p:childTnLst>
-                                    <p:set>
-                                      <p:cBhvr>
-                                        <p:cTn id="6" dur="1" fill="hold">
-                                          <p:stCondLst>
-                                            <p:cond delay="0"/>
-                                          </p:stCondLst>
-                                        </p:cTn>
-                                        <p:tgtEl>
-                                          <p:spTgt spid="3">
-                                            <p:txEl>
-                                              <p:pRg st="0" end="0"/>
-                                            </p:txEl>
-                                          </p:spTgt>
-                                        </p:tgtEl>
-                                        <p:attrNameLst>
-                                          <p:attrName>style.visibility</p:attrName>
-                                        </p:attrNameLst>
-                                      </p:cBhvr>
-                                      <p:to>
-                                        <p:strVal val="visible"/>
-                                      </p:to>
-                                    </p:set>
-                                  </p:childTnLst>
-                                </p:cTn>
-                              </p:par>
-                            </p:childTnLst>
-                          </p:cTn>
-                        </p:par>
-                      </p:childTnLst>
-                    </p:cTn>
-                  </p:par>
-                  <p:par>
-                    <p:cTn id="7" fill="hold">
-                      <p:stCondLst>
-                        <p:cond delay="indefinite"/>
-                      </p:stCondLst>
-                      <p:childTnLst>
-                        <p:par>
-                          <p:cTn id="8" fill="hold">
-                            <p:stCondLst>
-                              <p:cond delay="0"/>
-                            </p:stCondLst>
-                            <p:childTnLst>
-                              <p:par>
-                                <p:cTn id="9" presetID="1" presetClass="entr" presetSubtype="0" fill="hold" grpId="0" nodeType="clickEffect">
-                                  <p:stCondLst>
-                                    <p:cond delay="0"/>
-                                  </p:stCondLst>
-                                  <p:childTnLst>
-                                    <p:set>
-                                      <p:cBhvr>
-                                        <p:cTn id="10" dur="1" fill="hold">
-                                          <p:stCondLst>
-                                            <p:cond delay="0"/>
-                                          </p:stCondLst>
-                                        </p:cTn>
-                                        <p:tgtEl>
-                                          <p:spTgt spid="3">
-                                            <p:txEl>
-                                              <p:pRg st="1" end="1"/>
-                                            </p:txEl>
-                                          </p:spTgt>
-                                        </p:tgtEl>
-                                        <p:attrNameLst>
-                                          <p:attrName>style.visibility</p:attrName>
-                                        </p:attrNameLst>
-                                      </p:cBhvr>
-                                      <p:to>
-                                        <p:strVal val="visible"/>
-                                      </p:to>
-                                    </p:set>
-                                  </p:childTnLst>
-                                </p:cTn>
-                              </p:par>
-                            </p:childTnLst>
-                          </p:cTn>
-                        </p:par>
-                      </p:childTnLst>
-                    </p:cTn>
-                  </p:par>
-                  <p:par>
-                    <p:cTn id="11" fill="hold">
-                      <p:stCondLst>
-                        <p:cond delay="indefinite"/>
-                      </p:stCondLst>
-                      <p:childTnLst>
-                        <p:par>
-                          <p:cTn id="12" fill="hold">
-                            <p:stCondLst>
-                              <p:cond delay="0"/>
-                            </p:stCondLst>
-                            <p:childTnLst>
-                              <p:par>
-                                <p:cTn id="13" presetID="1" presetClass="entr" presetSubtype="0" fill="hold" grpId="0" nodeType="clickEffect">
-                                  <p:stCondLst>
-                                    <p:cond delay="0"/>
-                                  </p:stCondLst>
-                                  <p:childTnLst>
-                                    <p:set>
-                                      <p:cBhvr>
-                                        <p:cTn id="14" dur="1" fill="hold">
-                                          <p:stCondLst>
-                                            <p:cond delay="0"/>
-                                          </p:stCondLst>
-                                        </p:cTn>
-                                        <p:tgtEl>
-                                          <p:spTgt spid="3">
-                                            <p:txEl>
-                                              <p:pRg st="2" end="2"/>
-                                            </p:txEl>
-                                          </p:spTgt>
-                                        </p:tgtEl>
-                                        <p:attrNameLst>
-                                          <p:attrName>style.visibility</p:attrName>
-                                        </p:attrNameLst>
-                                      </p:cBhvr>
-                                      <p:to>
-                                        <p:strVal val="visible"/>
-                                      </p:to>
-                                    </p:set>
-                                  </p:childTnLst>
-                                </p:cTn>
-                              </p:par>
-                            </p:childTnLst>
-                          </p:cTn>
-                        </p:par>
-                      </p:childTnLst>
-                    </p:cTn>
-                  </p:par>
-                  <p:par>
-                    <p:cTn id="15" fill="hold">
-                      <p:stCondLst>
-                        <p:cond delay="indefinite"/>
-                      </p:stCondLst>
-                      <p:childTnLst>
-                        <p:par>
-                          <p:cTn id="16" fill="hold">
-                            <p:stCondLst>
-                              <p:cond delay="0"/>
-                            </p:stCondLst>
-                            <p:childTnLst>
-                              <p:par>
-                                <p:cTn id="17" presetID="1" presetClass="entr" presetSubtype="0" fill="hold" grpId="0" nodeType="clickEffect">
-                                  <p:stCondLst>
-                                    <p:cond delay="0"/>
-                                  </p:stCondLst>
-                                  <p:childTnLst>
-                                    <p:set>
-                                      <p:cBhvr>
-                                        <p:cTn id="18" dur="1" fill="hold">
-                                          <p:stCondLst>
-                                            <p:cond delay="0"/>
-                                          </p:stCondLst>
-                                        </p:cTn>
-                                        <p:tgtEl>
-                                          <p:spTgt spid="3">
-                                            <p:txEl>
-                                              <p:pRg st="3" end="3"/>
-                                            </p:txEl>
-                                          </p:spTgt>
-                                        </p:tgtEl>
-                                        <p:attrNameLst>
-                                          <p:attrName>style.visibility</p:attrName>
-                                        </p:attrNameLst>
-                                      </p:cBhvr>
-                                      <p:to>
-                                        <p:strVal val="visible"/>
-                                      </p:to>
-                                    </p:set>
-                                  </p:childTnLst>
-                                </p:cTn>
-                              </p:par>
-                            </p:childTnLst>
-                          </p:cTn>
-                        </p:par>
-                      </p:childTnLst>
-                    </p:cTn>
-                  </p:par>
-                </p:childTnLst>
-              </p:cTn>
-              <p:prevCondLst>
-                <p:cond evt="onPrev" delay="0">
-                  <p:tgtEl>
-                    <p:sldTgt/>
-                  </p:tgtEl>
-                </p:cond>
-              </p:prevCondLst>
-              <p:nextCondLst>
-                <p:cond evt="onNext" delay="0">
-                  <p:tgtEl>
-                    <p:sldTgt/>
-                  </p:tgtEl>
-                </p:cond>
-              </p:nextCondLst>
-            </p:seq>
-          </p:childTnLst>
-        </p:cTn>
-      </p:par>
-    </p:tnLst>
-    <p:bldLst>
-      <p:bldP spid="3" grpId="0" build="p"/>
-    </p:bldLst>
-  </p:timing>
-</p:sld>
-</file>
-
-<file path=ppt/slides/slide25.xml><?xml version="1.0" encoding="utf-8"?>
-<p:sld xmlns:a="http://schemas.openxmlformats.org/drawingml/2006/main" xmlns:r="http://schemas.openxmlformats.org/officeDocument/2006/relationships" xmlns:p="http://schemas.openxmlformats.org/presentationml/2006/main">
-  <p:cSld>
-    <p:spTree>
-      <p:nvGrpSpPr>
-        <p:cNvPr id="1" name=""/>
-        <p:cNvGrpSpPr/>
-        <p:nvPr/>
-      </p:nvGrpSpPr>
-      <p:grpSpPr>
-        <a:xfrm>
-          <a:off x="0" y="0"/>
-          <a:ext cx="0" cy="0"/>
-          <a:chOff x="0" y="0"/>
-          <a:chExt cx="0" cy="0"/>
-        </a:xfrm>
-      </p:grpSpPr>
-      <p:sp>
-        <p:nvSpPr>
-          <p:cNvPr id="2" name="Titel 1">
+          <a:p>
+            <a:r>
+              <a:rPr lang="en-GB" dirty="0"/>
+              <a:t>Programming language</a:t>
+            </a:r>
+          </a:p>
+          <a:p>
+            <a:pPr marL="0" indent="0">
+              <a:buNone/>
+            </a:pPr>
+            <a:endParaRPr lang="en-GB" dirty="0"/>
+          </a:p>
+          <a:p>
+            <a:r>
+              <a:rPr lang="en-GB" dirty="0"/>
+              <a:t>Bytecode</a:t>
+            </a:r>
+          </a:p>
+          <a:p>
+            <a:endParaRPr lang="en-GB" dirty="0"/>
+          </a:p>
+          <a:p>
+            <a:r>
+              <a:rPr lang="en-GB" dirty="0"/>
+              <a:t>Machine code</a:t>
+            </a:r>
+          </a:p>
+        </p:txBody>
+      </p:sp>
+      <p:sp>
+        <p:nvSpPr>
+          <p:cNvPr id="4" name="Arrow: Curved Left 3">
             <a:extLst>
               <a:ext uri="{FF2B5EF4-FFF2-40B4-BE49-F238E27FC236}">
-                <a16:creationId xmlns:a16="http://schemas.microsoft.com/office/drawing/2014/main" id="{1C4FFFDA-809D-48CE-BFB7-A7DD5AEA527F}"/>
+                <a16:creationId xmlns:a16="http://schemas.microsoft.com/office/drawing/2014/main" id="{7FFADF65-1CBF-476E-8D1A-CAB350EB22DF}"/>
               </a:ext>
             </a:extLst>
           </p:cNvPr>
-          <p:cNvSpPr>
-            <a:spLocks noGrp="1"/>
-          </p:cNvSpPr>
-          <p:nvPr>
-            <p:ph type="title"/>
-          </p:nvPr>
-        </p:nvSpPr>
-        <p:spPr/>
-        <p:txBody>
-          <a:bodyPr/>
-          <a:lstStyle/>
-          <a:p>
-            <a:r>
-              <a:rPr lang="en-GB" dirty="0"/>
-              <a:t>What is a variable</a:t>
-            </a:r>
-          </a:p>
-        </p:txBody>
-      </p:sp>
-      <p:sp>
-        <p:nvSpPr>
-          <p:cNvPr id="3" name="Tijdelijke aanduiding voor inhoud 2">
+          <p:cNvSpPr/>
+          <p:nvPr/>
+        </p:nvSpPr>
+        <p:spPr>
+          <a:xfrm>
+            <a:off x="5046133" y="3115733"/>
+            <a:ext cx="372534" cy="965200"/>
+          </a:xfrm>
+          <a:prstGeom prst="curvedLeftArrow">
+            <a:avLst/>
+          </a:prstGeom>
+        </p:spPr>
+        <p:style>
+          <a:lnRef idx="2">
+            <a:schemeClr val="dk1">
+              <a:shade val="50000"/>
+            </a:schemeClr>
+          </a:lnRef>
+          <a:fillRef idx="1">
+            <a:schemeClr val="dk1"/>
+          </a:fillRef>
+          <a:effectRef idx="0">
+            <a:schemeClr val="dk1"/>
+          </a:effectRef>
+          <a:fontRef idx="minor">
+            <a:schemeClr val="lt1"/>
+          </a:fontRef>
+        </p:style>
+        <p:txBody>
+          <a:bodyPr rtlCol="0" anchor="ctr"/>
+          <a:lstStyle/>
+          <a:p>
+            <a:pPr algn="ctr"/>
+            <a:endParaRPr lang="en-GB">
+              <a:solidFill>
+                <a:schemeClr val="tx1"/>
+              </a:solidFill>
+            </a:endParaRPr>
+          </a:p>
+        </p:txBody>
+      </p:sp>
+      <p:sp>
+        <p:nvSpPr>
+          <p:cNvPr id="5" name="Arrow: Curved Left 4">
             <a:extLst>
               <a:ext uri="{FF2B5EF4-FFF2-40B4-BE49-F238E27FC236}">
-                <a16:creationId xmlns:a16="http://schemas.microsoft.com/office/drawing/2014/main" id="{2E299F9A-D5C0-4C9A-8AD8-D087280F895A}"/>
+                <a16:creationId xmlns:a16="http://schemas.microsoft.com/office/drawing/2014/main" id="{77387E6F-DC2F-4F61-BBCE-75B51E90D60D}"/>
               </a:ext>
             </a:extLst>
           </p:cNvPr>
-          <p:cNvSpPr>
-            <a:spLocks noGrp="1"/>
-          </p:cNvSpPr>
-          <p:nvPr>
-            <p:ph idx="1"/>
-          </p:nvPr>
-        </p:nvSpPr>
-        <p:spPr/>
-        <p:txBody>
-          <a:bodyPr/>
-          <a:lstStyle/>
-          <a:p>
-            <a:r>
-              <a:rPr lang="en-GB" b="1" dirty="0"/>
-              <a:t>Location</a:t>
-            </a:r>
-            <a:r>
-              <a:rPr lang="en-GB" dirty="0"/>
-              <a:t> where a value is stored</a:t>
-            </a:r>
-          </a:p>
-          <a:p>
-            <a:r>
-              <a:rPr lang="en-GB" dirty="0"/>
-              <a:t>Variable consists of:</a:t>
-            </a:r>
-          </a:p>
-          <a:p>
-            <a:pPr lvl="1"/>
-            <a:r>
-              <a:rPr lang="en-GB" dirty="0"/>
-              <a:t>Variable name (identifier)</a:t>
-            </a:r>
-          </a:p>
-          <a:p>
-            <a:pPr lvl="1"/>
-            <a:r>
-              <a:rPr lang="en-GB" dirty="0"/>
-              <a:t>Value</a:t>
-            </a:r>
-          </a:p>
-          <a:p>
-            <a:pPr lvl="2"/>
-            <a:r>
-              <a:rPr lang="en-GB" dirty="0"/>
-              <a:t>In Python value has the type, not variable</a:t>
-            </a:r>
-          </a:p>
-        </p:txBody>
-      </p:sp>
-      <p:pic>
-        <p:nvPicPr>
-          <p:cNvPr id="7" name="Afbeelding 6">
-            <a:extLst>
-              <a:ext uri="{FF2B5EF4-FFF2-40B4-BE49-F238E27FC236}">
-                <a16:creationId xmlns:a16="http://schemas.microsoft.com/office/drawing/2014/main" id="{37D44135-7964-4EF9-9B29-F756EBE54271}"/>
-              </a:ext>
-            </a:extLst>
-          </p:cNvPr>
-          <p:cNvPicPr>
-            <a:picLocks noChangeAspect="1"/>
-          </p:cNvPicPr>
+          <p:cNvSpPr/>
           <p:nvPr/>
-        </p:nvPicPr>
-        <p:blipFill rotWithShape="1">
-          <a:blip r:embed="rId3"/>
-          <a:srcRect l="22067"/>
-          <a:stretch/>
-        </p:blipFill>
+        </p:nvSpPr>
         <p:spPr>
           <a:xfrm>
-            <a:off x="4767262" y="4649787"/>
-            <a:ext cx="2657475" cy="657225"/>
+            <a:off x="5046133" y="4163748"/>
+            <a:ext cx="372534" cy="965200"/>
           </a:xfrm>
-          <a:prstGeom prst="rect">
+          <a:prstGeom prst="curvedLeftArrow">
             <a:avLst/>
           </a:prstGeom>
         </p:spPr>
-      </p:pic>
-    </p:spTree>
-    <p:extLst>
-      <p:ext uri="{BB962C8B-B14F-4D97-AF65-F5344CB8AC3E}">
-        <p14:creationId xmlns:p14="http://schemas.microsoft.com/office/powerpoint/2010/main" val="2918340093"/>
-      </p:ext>
-    </p:extLst>
-  </p:cSld>
-  <p:clrMapOvr>
-    <a:masterClrMapping/>
-  </p:clrMapOvr>
-  <p:timing>
-    <p:tnLst>
-      <p:par>
-        <p:cTn id="1" dur="indefinite" restart="never" nodeType="tmRoot">
-          <p:childTnLst>
-            <p:seq concurrent="1" nextAc="seek">
-              <p:cTn id="2" dur="indefinite" nodeType="mainSeq">
-                <p:childTnLst>
-                  <p:par>
-                    <p:cTn id="3" fill="hold">
-                      <p:stCondLst>
-                        <p:cond delay="indefinite"/>
-                      </p:stCondLst>
-                      <p:childTnLst>
-                        <p:par>
-                          <p:cTn id="4" fill="hold">
-                            <p:stCondLst>
-                              <p:cond delay="0"/>
-                            </p:stCondLst>
-                            <p:childTnLst>
-                              <p:par>
-                                <p:cTn id="5" presetID="1" presetClass="entr" presetSubtype="0" fill="hold" grpId="0" nodeType="clickEffect">
-                                  <p:stCondLst>
-                                    <p:cond delay="0"/>
-                                  </p:stCondLst>
-                                  <p:childTnLst>
-                                    <p:set>
-                                      <p:cBhvr>
-                                        <p:cTn id="6" dur="1" fill="hold">
-                                          <p:stCondLst>
-                                            <p:cond delay="0"/>
-                                          </p:stCondLst>
-                                        </p:cTn>
-                                        <p:tgtEl>
-                                          <p:spTgt spid="3">
-                                            <p:txEl>
-                                              <p:pRg st="0" end="0"/>
-                                            </p:txEl>
-                                          </p:spTgt>
-                                        </p:tgtEl>
-                                        <p:attrNameLst>
-                                          <p:attrName>style.visibility</p:attrName>
-                                        </p:attrNameLst>
-                                      </p:cBhvr>
-                                      <p:to>
-                                        <p:strVal val="visible"/>
-                                      </p:to>
-                                    </p:set>
-                                  </p:childTnLst>
-                                </p:cTn>
-                              </p:par>
-                            </p:childTnLst>
-                          </p:cTn>
-                        </p:par>
-                      </p:childTnLst>
-                    </p:cTn>
-                  </p:par>
-                  <p:par>
-                    <p:cTn id="7" fill="hold">
-                      <p:stCondLst>
-                        <p:cond delay="indefinite"/>
-                      </p:stCondLst>
-                      <p:childTnLst>
-                        <p:par>
-                          <p:cTn id="8" fill="hold">
-                            <p:stCondLst>
-                              <p:cond delay="0"/>
-                            </p:stCondLst>
-                            <p:childTnLst>
-                              <p:par>
-                                <p:cTn id="9" presetID="1" presetClass="entr" presetSubtype="0" fill="hold" grpId="0" nodeType="clickEffect">
-                                  <p:stCondLst>
-                                    <p:cond delay="0"/>
-                                  </p:stCondLst>
-                                  <p:childTnLst>
-                                    <p:set>
-                                      <p:cBhvr>
-                                        <p:cTn id="10" dur="1" fill="hold">
-                                          <p:stCondLst>
-                                            <p:cond delay="0"/>
-                                          </p:stCondLst>
-                                        </p:cTn>
-                                        <p:tgtEl>
-                                          <p:spTgt spid="3">
-                                            <p:txEl>
-                                              <p:pRg st="1" end="1"/>
-                                            </p:txEl>
-                                          </p:spTgt>
-                                        </p:tgtEl>
-                                        <p:attrNameLst>
-                                          <p:attrName>style.visibility</p:attrName>
-                                        </p:attrNameLst>
-                                      </p:cBhvr>
-                                      <p:to>
-                                        <p:strVal val="visible"/>
-                                      </p:to>
-                                    </p:set>
-                                  </p:childTnLst>
-                                </p:cTn>
-                              </p:par>
-                              <p:par>
-                                <p:cTn id="11" presetID="1" presetClass="entr" presetSubtype="0" fill="hold" grpId="0" nodeType="withEffect">
-                                  <p:stCondLst>
-                                    <p:cond delay="0"/>
-                                  </p:stCondLst>
-                                  <p:childTnLst>
-                                    <p:set>
-                                      <p:cBhvr>
-                                        <p:cTn id="12" dur="1" fill="hold">
-                                          <p:stCondLst>
-                                            <p:cond delay="0"/>
-                                          </p:stCondLst>
-                                        </p:cTn>
-                                        <p:tgtEl>
-                                          <p:spTgt spid="3">
-                                            <p:txEl>
-                                              <p:pRg st="2" end="2"/>
-                                            </p:txEl>
-                                          </p:spTgt>
-                                        </p:tgtEl>
-                                        <p:attrNameLst>
-                                          <p:attrName>style.visibility</p:attrName>
-                                        </p:attrNameLst>
-                                      </p:cBhvr>
-                                      <p:to>
-                                        <p:strVal val="visible"/>
-                                      </p:to>
-                                    </p:set>
-                                  </p:childTnLst>
-                                </p:cTn>
-                              </p:par>
-                              <p:par>
-                                <p:cTn id="13" presetID="1" presetClass="entr" presetSubtype="0" fill="hold" grpId="0" nodeType="withEffect">
-                                  <p:stCondLst>
-                                    <p:cond delay="0"/>
-                                  </p:stCondLst>
-                                  <p:childTnLst>
-                                    <p:set>
-                                      <p:cBhvr>
-                                        <p:cTn id="14" dur="1" fill="hold">
-                                          <p:stCondLst>
-                                            <p:cond delay="0"/>
-                                          </p:stCondLst>
-                                        </p:cTn>
-                                        <p:tgtEl>
-                                          <p:spTgt spid="3">
-                                            <p:txEl>
-                                              <p:pRg st="3" end="3"/>
-                                            </p:txEl>
-                                          </p:spTgt>
-                                        </p:tgtEl>
-                                        <p:attrNameLst>
-                                          <p:attrName>style.visibility</p:attrName>
-                                        </p:attrNameLst>
-                                      </p:cBhvr>
-                                      <p:to>
-                                        <p:strVal val="visible"/>
-                                      </p:to>
-                                    </p:set>
-                                  </p:childTnLst>
-                                </p:cTn>
-                              </p:par>
-                              <p:par>
-                                <p:cTn id="15" presetID="1" presetClass="entr" presetSubtype="0" fill="hold" grpId="0" nodeType="withEffect">
-                                  <p:stCondLst>
-                                    <p:cond delay="0"/>
-                                  </p:stCondLst>
-                                  <p:childTnLst>
-                                    <p:set>
-                                      <p:cBhvr>
-                                        <p:cTn id="16" dur="1" fill="hold">
-                                          <p:stCondLst>
-                                            <p:cond delay="0"/>
-                                          </p:stCondLst>
-                                        </p:cTn>
-                                        <p:tgtEl>
-                                          <p:spTgt spid="3">
-                                            <p:txEl>
-                                              <p:pRg st="4" end="4"/>
-                                            </p:txEl>
-                                          </p:spTgt>
-                                        </p:tgtEl>
-                                        <p:attrNameLst>
-                                          <p:attrName>style.visibility</p:attrName>
-                                        </p:attrNameLst>
-                                      </p:cBhvr>
-                                      <p:to>
-                                        <p:strVal val="visible"/>
-                                      </p:to>
-                                    </p:set>
-                                  </p:childTnLst>
-                                </p:cTn>
-                              </p:par>
-                            </p:childTnLst>
-                          </p:cTn>
-                        </p:par>
-                      </p:childTnLst>
-                    </p:cTn>
-                  </p:par>
-                  <p:par>
-                    <p:cTn id="17" fill="hold">
-                      <p:stCondLst>
-                        <p:cond delay="indefinite"/>
-                      </p:stCondLst>
-                      <p:childTnLst>
-                        <p:par>
-                          <p:cTn id="18" fill="hold">
-                            <p:stCondLst>
-                              <p:cond delay="0"/>
-                            </p:stCondLst>
-                            <p:childTnLst>
-                              <p:par>
-                                <p:cTn id="19" presetID="1" presetClass="entr" presetSubtype="0" fill="hold" nodeType="clickEffect">
-                                  <p:stCondLst>
-                                    <p:cond delay="0"/>
-                                  </p:stCondLst>
-                                  <p:childTnLst>
-                                    <p:set>
-                                      <p:cBhvr>
-                                        <p:cTn id="20" dur="1" fill="hold">
-                                          <p:stCondLst>
-                                            <p:cond delay="0"/>
-                                          </p:stCondLst>
-                                        </p:cTn>
-                                        <p:tgtEl>
-                                          <p:spTgt spid="7"/>
-                                        </p:tgtEl>
-                                        <p:attrNameLst>
-                                          <p:attrName>style.visibility</p:attrName>
-                                        </p:attrNameLst>
-                                      </p:cBhvr>
-                                      <p:to>
-                                        <p:strVal val="visible"/>
-                                      </p:to>
-                                    </p:set>
-                                  </p:childTnLst>
-                                </p:cTn>
-                              </p:par>
-                            </p:childTnLst>
-                          </p:cTn>
-                        </p:par>
-                      </p:childTnLst>
-                    </p:cTn>
-                  </p:par>
-                </p:childTnLst>
-              </p:cTn>
-              <p:prevCondLst>
-                <p:cond evt="onPrev" delay="0">
-                  <p:tgtEl>
-                    <p:sldTgt/>
-                  </p:tgtEl>
-                </p:cond>
-              </p:prevCondLst>
-              <p:nextCondLst>
-                <p:cond evt="onNext" delay="0">
-                  <p:tgtEl>
-                    <p:sldTgt/>
-                  </p:tgtEl>
-                </p:cond>
-              </p:nextCondLst>
-            </p:seq>
-          </p:childTnLst>
-        </p:cTn>
-      </p:par>
-    </p:tnLst>
-    <p:bldLst>
-      <p:bldP spid="3" grpId="0" build="p"/>
-    </p:bldLst>
-  </p:timing>
-</p:sld>
-</file>
-
-<file path=ppt/slides/slide26.xml><?xml version="1.0" encoding="utf-8"?>
-<p:sld xmlns:a="http://schemas.openxmlformats.org/drawingml/2006/main" xmlns:r="http://schemas.openxmlformats.org/officeDocument/2006/relationships" xmlns:p="http://schemas.openxmlformats.org/presentationml/2006/main">
-  <p:cSld>
-    <p:spTree>
-      <p:nvGrpSpPr>
-        <p:cNvPr id="1" name=""/>
-        <p:cNvGrpSpPr/>
-        <p:nvPr/>
-      </p:nvGrpSpPr>
-      <p:grpSpPr>
-        <a:xfrm>
-          <a:off x="0" y="0"/>
-          <a:ext cx="0" cy="0"/>
-          <a:chOff x="0" y="0"/>
-          <a:chExt cx="0" cy="0"/>
-        </a:xfrm>
-      </p:grpSpPr>
-      <p:sp>
-        <p:nvSpPr>
-          <p:cNvPr id="2" name="Titel 1">
+        <p:style>
+          <a:lnRef idx="2">
+            <a:schemeClr val="dk1">
+              <a:shade val="50000"/>
+            </a:schemeClr>
+          </a:lnRef>
+          <a:fillRef idx="1">
+            <a:schemeClr val="dk1"/>
+          </a:fillRef>
+          <a:effectRef idx="0">
+            <a:schemeClr val="dk1"/>
+          </a:effectRef>
+          <a:fontRef idx="minor">
+            <a:schemeClr val="lt1"/>
+          </a:fontRef>
+        </p:style>
+        <p:txBody>
+          <a:bodyPr rtlCol="0" anchor="ctr"/>
+          <a:lstStyle/>
+          <a:p>
+            <a:pPr algn="ctr"/>
+            <a:endParaRPr lang="en-GB">
+              <a:solidFill>
+                <a:schemeClr val="tx1"/>
+              </a:solidFill>
+            </a:endParaRPr>
+          </a:p>
+        </p:txBody>
+      </p:sp>
+      <p:sp>
+        <p:nvSpPr>
+          <p:cNvPr id="6" name="Content Placeholder 2">
             <a:extLst>
               <a:ext uri="{FF2B5EF4-FFF2-40B4-BE49-F238E27FC236}">
-                <a16:creationId xmlns:a16="http://schemas.microsoft.com/office/drawing/2014/main" id="{1C4FFFDA-809D-48CE-BFB7-A7DD5AEA527F}"/>
-              </a:ext>
-            </a:extLst>
-          </p:cNvPr>
-          <p:cNvSpPr>
-            <a:spLocks noGrp="1"/>
-          </p:cNvSpPr>
-          <p:nvPr>
-            <p:ph type="title"/>
-          </p:nvPr>
-        </p:nvSpPr>
-        <p:spPr/>
-        <p:txBody>
-          <a:bodyPr/>
-          <a:lstStyle/>
-          <a:p>
-            <a:r>
-              <a:rPr lang="en-GB" dirty="0"/>
-              <a:t>What is a variable</a:t>
-            </a:r>
-          </a:p>
-        </p:txBody>
-      </p:sp>
-      <p:sp>
-        <p:nvSpPr>
-          <p:cNvPr id="3" name="Tijdelijke aanduiding voor inhoud 2">
-            <a:extLst>
-              <a:ext uri="{FF2B5EF4-FFF2-40B4-BE49-F238E27FC236}">
-                <a16:creationId xmlns:a16="http://schemas.microsoft.com/office/drawing/2014/main" id="{2E299F9A-D5C0-4C9A-8AD8-D087280F895A}"/>
-              </a:ext>
-            </a:extLst>
-          </p:cNvPr>
-          <p:cNvSpPr>
-            <a:spLocks noGrp="1"/>
-          </p:cNvSpPr>
-          <p:nvPr>
-            <p:ph idx="1"/>
-          </p:nvPr>
-        </p:nvSpPr>
-        <p:spPr/>
-        <p:txBody>
-          <a:bodyPr/>
-          <a:lstStyle/>
-          <a:p>
-            <a:r>
-              <a:rPr lang="en-GB" b="1" dirty="0"/>
-              <a:t>Location</a:t>
-            </a:r>
-            <a:r>
-              <a:rPr lang="en-GB" dirty="0"/>
-              <a:t> where a value is stored</a:t>
-            </a:r>
-          </a:p>
-        </p:txBody>
-      </p:sp>
-      <p:graphicFrame>
-        <p:nvGraphicFramePr>
-          <p:cNvPr id="4" name="Tabel 3">
-            <a:extLst>
-              <a:ext uri="{FF2B5EF4-FFF2-40B4-BE49-F238E27FC236}">
-                <a16:creationId xmlns:a16="http://schemas.microsoft.com/office/drawing/2014/main" id="{E4B22976-000A-4FF4-A209-F08A0DA60057}"/>
-              </a:ext>
-            </a:extLst>
-          </p:cNvPr>
-          <p:cNvGraphicFramePr>
-            <a:graphicFrameLocks noGrp="1"/>
-          </p:cNvGraphicFramePr>
-          <p:nvPr>
-            <p:extLst/>
-          </p:nvPr>
-        </p:nvGraphicFramePr>
-        <p:xfrm>
-          <a:off x="5935362" y="3084686"/>
-          <a:ext cx="3096054" cy="2260450"/>
-        </p:xfrm>
-        <a:graphic>
-          <a:graphicData uri="http://schemas.openxmlformats.org/drawingml/2006/table">
-            <a:tbl>
-              <a:tblPr firstRow="1" bandRow="1">
-                <a:tableStyleId>{5C22544A-7EE6-4342-B048-85BDC9FD1C3A}</a:tableStyleId>
-              </a:tblPr>
-              <a:tblGrid>
-                <a:gridCol w="1548027">
-                  <a:extLst>
-                    <a:ext uri="{9D8B030D-6E8A-4147-A177-3AD203B41FA5}">
-                      <a16:colId xmlns:a16="http://schemas.microsoft.com/office/drawing/2014/main" val="648032213"/>
-                    </a:ext>
-                  </a:extLst>
-                </a:gridCol>
-                <a:gridCol w="1548027">
-                  <a:extLst>
-                    <a:ext uri="{9D8B030D-6E8A-4147-A177-3AD203B41FA5}">
-                      <a16:colId xmlns:a16="http://schemas.microsoft.com/office/drawing/2014/main" val="1875678885"/>
-                    </a:ext>
-                  </a:extLst>
-                </a:gridCol>
-              </a:tblGrid>
-              <a:tr h="452090">
-                <a:tc>
-                  <a:txBody>
-                    <a:bodyPr/>
-                    <a:lstStyle/>
-                    <a:p>
-                      <a:r>
-                        <a:rPr lang="en-GB" dirty="0"/>
-                        <a:t>Address</a:t>
-                      </a:r>
-                    </a:p>
-                  </a:txBody>
-                  <a:tcPr>
-                    <a:solidFill>
-                      <a:srgbClr val="7030A0"/>
-                    </a:solidFill>
-                  </a:tcPr>
-                </a:tc>
-                <a:tc>
-                  <a:txBody>
-                    <a:bodyPr/>
-                    <a:lstStyle/>
-                    <a:p>
-                      <a:r>
-                        <a:rPr lang="en-GB" dirty="0"/>
-                        <a:t>Value</a:t>
-                      </a:r>
-                    </a:p>
-                  </a:txBody>
-                  <a:tcPr>
-                    <a:solidFill>
-                      <a:srgbClr val="7030A0"/>
-                    </a:solidFill>
-                  </a:tcPr>
-                </a:tc>
-                <a:extLst>
-                  <a:ext uri="{0D108BD9-81ED-4DB2-BD59-A6C34878D82A}">
-                    <a16:rowId xmlns:a16="http://schemas.microsoft.com/office/drawing/2014/main" val="3270505524"/>
-                  </a:ext>
-                </a:extLst>
-              </a:tr>
-              <a:tr h="452090">
-                <a:tc>
-                  <a:txBody>
-                    <a:bodyPr/>
-                    <a:lstStyle/>
-                    <a:p>
-                      <a:r>
-                        <a:rPr lang="en-GB" dirty="0"/>
-                        <a:t>000</a:t>
-                      </a:r>
-                    </a:p>
-                  </a:txBody>
-                  <a:tcPr>
-                    <a:solidFill>
-                      <a:schemeClr val="accent3">
-                        <a:lumMod val="20000"/>
-                        <a:lumOff val="80000"/>
-                      </a:schemeClr>
-                    </a:solidFill>
-                  </a:tcPr>
-                </a:tc>
-                <a:tc>
-                  <a:txBody>
-                    <a:bodyPr/>
-                    <a:lstStyle/>
-                    <a:p>
-                      <a:r>
-                        <a:rPr lang="en-GB" dirty="0"/>
-                        <a:t>NULL</a:t>
-                      </a:r>
-                    </a:p>
-                  </a:txBody>
-                  <a:tcPr>
-                    <a:solidFill>
-                      <a:schemeClr val="accent3">
-                        <a:lumMod val="20000"/>
-                        <a:lumOff val="80000"/>
-                      </a:schemeClr>
-                    </a:solidFill>
-                  </a:tcPr>
-                </a:tc>
-                <a:extLst>
-                  <a:ext uri="{0D108BD9-81ED-4DB2-BD59-A6C34878D82A}">
-                    <a16:rowId xmlns:a16="http://schemas.microsoft.com/office/drawing/2014/main" val="3928429828"/>
-                  </a:ext>
-                </a:extLst>
-              </a:tr>
-              <a:tr h="452090">
-                <a:tc>
-                  <a:txBody>
-                    <a:bodyPr/>
-                    <a:lstStyle/>
-                    <a:p>
-                      <a:r>
-                        <a:rPr lang="en-GB" dirty="0"/>
-                        <a:t>001</a:t>
-                      </a:r>
-                    </a:p>
-                  </a:txBody>
-                  <a:tcPr>
-                    <a:solidFill>
-                      <a:schemeClr val="accent3">
-                        <a:lumMod val="20000"/>
-                        <a:lumOff val="80000"/>
-                      </a:schemeClr>
-                    </a:solidFill>
-                  </a:tcPr>
-                </a:tc>
-                <a:tc>
-                  <a:txBody>
-                    <a:bodyPr/>
-                    <a:lstStyle/>
-                    <a:p>
-                      <a:r>
-                        <a:rPr lang="en-GB" dirty="0"/>
-                        <a:t>5</a:t>
-                      </a:r>
-                    </a:p>
-                  </a:txBody>
-                  <a:tcPr>
-                    <a:solidFill>
-                      <a:schemeClr val="accent3">
-                        <a:lumMod val="20000"/>
-                        <a:lumOff val="80000"/>
-                      </a:schemeClr>
-                    </a:solidFill>
-                  </a:tcPr>
-                </a:tc>
-                <a:extLst>
-                  <a:ext uri="{0D108BD9-81ED-4DB2-BD59-A6C34878D82A}">
-                    <a16:rowId xmlns:a16="http://schemas.microsoft.com/office/drawing/2014/main" val="3175073526"/>
-                  </a:ext>
-                </a:extLst>
-              </a:tr>
-              <a:tr h="452090">
-                <a:tc>
-                  <a:txBody>
-                    <a:bodyPr/>
-                    <a:lstStyle/>
-                    <a:p>
-                      <a:r>
-                        <a:rPr lang="en-GB" dirty="0"/>
-                        <a:t>002</a:t>
-                      </a:r>
-                    </a:p>
-                  </a:txBody>
-                  <a:tcPr>
-                    <a:solidFill>
-                      <a:schemeClr val="accent3">
-                        <a:lumMod val="20000"/>
-                        <a:lumOff val="80000"/>
-                      </a:schemeClr>
-                    </a:solidFill>
-                  </a:tcPr>
-                </a:tc>
-                <a:tc>
-                  <a:txBody>
-                    <a:bodyPr/>
-                    <a:lstStyle/>
-                    <a:p>
-                      <a:r>
-                        <a:rPr lang="en-GB" dirty="0"/>
-                        <a:t>8</a:t>
-                      </a:r>
-                    </a:p>
-                  </a:txBody>
-                  <a:tcPr>
-                    <a:solidFill>
-                      <a:schemeClr val="accent3">
-                        <a:lumMod val="20000"/>
-                        <a:lumOff val="80000"/>
-                      </a:schemeClr>
-                    </a:solidFill>
-                  </a:tcPr>
-                </a:tc>
-                <a:extLst>
-                  <a:ext uri="{0D108BD9-81ED-4DB2-BD59-A6C34878D82A}">
-                    <a16:rowId xmlns:a16="http://schemas.microsoft.com/office/drawing/2014/main" val="663083742"/>
-                  </a:ext>
-                </a:extLst>
-              </a:tr>
-              <a:tr h="452090">
-                <a:tc>
-                  <a:txBody>
-                    <a:bodyPr/>
-                    <a:lstStyle/>
-                    <a:p>
-                      <a:r>
-                        <a:rPr lang="en-GB" dirty="0"/>
-                        <a:t>003</a:t>
-                      </a:r>
-                    </a:p>
-                  </a:txBody>
-                  <a:tcPr>
-                    <a:solidFill>
-                      <a:schemeClr val="accent3">
-                        <a:lumMod val="20000"/>
-                        <a:lumOff val="80000"/>
-                      </a:schemeClr>
-                    </a:solidFill>
-                  </a:tcPr>
-                </a:tc>
-                <a:tc>
-                  <a:txBody>
-                    <a:bodyPr/>
-                    <a:lstStyle/>
-                    <a:p>
-                      <a:r>
-                        <a:rPr lang="en-GB" dirty="0"/>
-                        <a:t>NULL</a:t>
-                      </a:r>
-                    </a:p>
-                  </a:txBody>
-                  <a:tcPr>
-                    <a:solidFill>
-                      <a:schemeClr val="accent3">
-                        <a:lumMod val="20000"/>
-                        <a:lumOff val="80000"/>
-                      </a:schemeClr>
-                    </a:solidFill>
-                  </a:tcPr>
-                </a:tc>
-                <a:extLst>
-                  <a:ext uri="{0D108BD9-81ED-4DB2-BD59-A6C34878D82A}">
-                    <a16:rowId xmlns:a16="http://schemas.microsoft.com/office/drawing/2014/main" val="3560124317"/>
-                  </a:ext>
-                </a:extLst>
-              </a:tr>
-            </a:tbl>
-          </a:graphicData>
-        </a:graphic>
-      </p:graphicFrame>
-      <p:sp>
-        <p:nvSpPr>
-          <p:cNvPr id="5" name="Tijdelijke aanduiding voor inhoud 2">
-            <a:extLst>
-              <a:ext uri="{FF2B5EF4-FFF2-40B4-BE49-F238E27FC236}">
-                <a16:creationId xmlns:a16="http://schemas.microsoft.com/office/drawing/2014/main" id="{E4173151-BEF5-4B86-A89B-FD1C292D9D02}"/>
+                <a16:creationId xmlns:a16="http://schemas.microsoft.com/office/drawing/2014/main" id="{6DEFDBD7-4235-4685-BFB8-2ED6B85030D9}"/>
               </a:ext>
             </a:extLst>
           </p:cNvPr>
@@ -8661,823 +6742,8 @@
         </p:nvSpPr>
         <p:spPr>
           <a:xfrm>
-            <a:off x="2667342" y="3985838"/>
-            <a:ext cx="1929715" cy="458146"/>
-          </a:xfrm>
-          <a:prstGeom prst="rect">
-            <a:avLst/>
-          </a:prstGeom>
-        </p:spPr>
-        <p:txBody>
-          <a:bodyPr vert="horz" lIns="91440" tIns="45720" rIns="91440" bIns="45720" rtlCol="0">
-            <a:normAutofit lnSpcReduction="10000"/>
-          </a:bodyPr>
-          <a:lstStyle>
-            <a:lvl1pPr marL="228600" indent="-228600" algn="l" defTabSz="914400" rtl="0" eaLnBrk="1" latinLnBrk="0" hangingPunct="1">
-              <a:lnSpc>
-                <a:spcPct val="90000"/>
-              </a:lnSpc>
-              <a:spcBef>
-                <a:spcPts val="1000"/>
-              </a:spcBef>
-              <a:buClr>
-                <a:schemeClr val="bg2">
-                  <a:lumMod val="75000"/>
-                </a:schemeClr>
-              </a:buClr>
-              <a:buFont typeface="Arial" panose="020B0604020202020204" pitchFamily="34" charset="0"/>
-              <a:buChar char="•"/>
-              <a:defRPr sz="2800" kern="1200">
-                <a:solidFill>
-                  <a:schemeClr val="tx1"/>
-                </a:solidFill>
-                <a:latin typeface="Bahnschrift Light" panose="020B0502040204020203" pitchFamily="34" charset="0"/>
-                <a:ea typeface="+mn-ea"/>
-                <a:cs typeface="+mn-cs"/>
-              </a:defRPr>
-            </a:lvl1pPr>
-            <a:lvl2pPr marL="685800" indent="-228600" algn="l" defTabSz="914400" rtl="0" eaLnBrk="1" latinLnBrk="0" hangingPunct="1">
-              <a:lnSpc>
-                <a:spcPct val="90000"/>
-              </a:lnSpc>
-              <a:spcBef>
-                <a:spcPts val="500"/>
-              </a:spcBef>
-              <a:buClr>
-                <a:srgbClr val="7030A0"/>
-              </a:buClr>
-              <a:buFont typeface="Arial" panose="020B0604020202020204" pitchFamily="34" charset="0"/>
-              <a:buChar char="•"/>
-              <a:defRPr sz="2400" kern="1200">
-                <a:solidFill>
-                  <a:schemeClr val="tx1"/>
-                </a:solidFill>
-                <a:latin typeface="Bahnschrift Light" panose="020B0502040204020203" pitchFamily="34" charset="0"/>
-                <a:ea typeface="+mn-ea"/>
-                <a:cs typeface="+mn-cs"/>
-              </a:defRPr>
-            </a:lvl2pPr>
-            <a:lvl3pPr marL="1143000" indent="-228600" algn="l" defTabSz="914400" rtl="0" eaLnBrk="1" latinLnBrk="0" hangingPunct="1">
-              <a:lnSpc>
-                <a:spcPct val="90000"/>
-              </a:lnSpc>
-              <a:spcBef>
-                <a:spcPts val="500"/>
-              </a:spcBef>
-              <a:buFont typeface="Arial" panose="020B0604020202020204" pitchFamily="34" charset="0"/>
-              <a:buChar char="•"/>
-              <a:defRPr sz="2000" kern="1200">
-                <a:solidFill>
-                  <a:schemeClr val="tx1"/>
-                </a:solidFill>
-                <a:latin typeface="Bahnschrift Light" panose="020B0502040204020203" pitchFamily="34" charset="0"/>
-                <a:ea typeface="+mn-ea"/>
-                <a:cs typeface="+mn-cs"/>
-              </a:defRPr>
-            </a:lvl3pPr>
-            <a:lvl4pPr marL="1600200" indent="-228600" algn="l" defTabSz="914400" rtl="0" eaLnBrk="1" latinLnBrk="0" hangingPunct="1">
-              <a:lnSpc>
-                <a:spcPct val="90000"/>
-              </a:lnSpc>
-              <a:spcBef>
-                <a:spcPts val="500"/>
-              </a:spcBef>
-              <a:buFont typeface="Arial" panose="020B0604020202020204" pitchFamily="34" charset="0"/>
-              <a:buChar char="•"/>
-              <a:defRPr sz="1800" kern="1200">
-                <a:solidFill>
-                  <a:schemeClr val="tx1"/>
-                </a:solidFill>
-                <a:latin typeface="Bahnschrift Light" panose="020B0502040204020203" pitchFamily="34" charset="0"/>
-                <a:ea typeface="+mn-ea"/>
-                <a:cs typeface="+mn-cs"/>
-              </a:defRPr>
-            </a:lvl4pPr>
-            <a:lvl5pPr marL="2057400" indent="-228600" algn="l" defTabSz="914400" rtl="0" eaLnBrk="1" latinLnBrk="0" hangingPunct="1">
-              <a:lnSpc>
-                <a:spcPct val="90000"/>
-              </a:lnSpc>
-              <a:spcBef>
-                <a:spcPts val="500"/>
-              </a:spcBef>
-              <a:buFont typeface="Arial" panose="020B0604020202020204" pitchFamily="34" charset="0"/>
-              <a:buChar char="•"/>
-              <a:defRPr sz="1800" kern="1200">
-                <a:solidFill>
-                  <a:schemeClr val="tx1"/>
-                </a:solidFill>
-                <a:latin typeface="Bahnschrift Light" panose="020B0502040204020203" pitchFamily="34" charset="0"/>
-                <a:ea typeface="+mn-ea"/>
-                <a:cs typeface="+mn-cs"/>
-              </a:defRPr>
-            </a:lvl5pPr>
-            <a:lvl6pPr marL="2514600" indent="-228600" algn="l" defTabSz="914400" rtl="0" eaLnBrk="1" latinLnBrk="0" hangingPunct="1">
-              <a:lnSpc>
-                <a:spcPct val="90000"/>
-              </a:lnSpc>
-              <a:spcBef>
-                <a:spcPts val="500"/>
-              </a:spcBef>
-              <a:buFont typeface="Arial" panose="020B0604020202020204" pitchFamily="34" charset="0"/>
-              <a:buChar char="•"/>
-              <a:defRPr sz="1800" kern="1200">
-                <a:solidFill>
-                  <a:schemeClr val="tx1"/>
-                </a:solidFill>
-                <a:latin typeface="+mn-lt"/>
-                <a:ea typeface="+mn-ea"/>
-                <a:cs typeface="+mn-cs"/>
-              </a:defRPr>
-            </a:lvl6pPr>
-            <a:lvl7pPr marL="2971800" indent="-228600" algn="l" defTabSz="914400" rtl="0" eaLnBrk="1" latinLnBrk="0" hangingPunct="1">
-              <a:lnSpc>
-                <a:spcPct val="90000"/>
-              </a:lnSpc>
-              <a:spcBef>
-                <a:spcPts val="500"/>
-              </a:spcBef>
-              <a:buFont typeface="Arial" panose="020B0604020202020204" pitchFamily="34" charset="0"/>
-              <a:buChar char="•"/>
-              <a:defRPr sz="1800" kern="1200">
-                <a:solidFill>
-                  <a:schemeClr val="tx1"/>
-                </a:solidFill>
-                <a:latin typeface="+mn-lt"/>
-                <a:ea typeface="+mn-ea"/>
-                <a:cs typeface="+mn-cs"/>
-              </a:defRPr>
-            </a:lvl7pPr>
-            <a:lvl8pPr marL="3429000" indent="-228600" algn="l" defTabSz="914400" rtl="0" eaLnBrk="1" latinLnBrk="0" hangingPunct="1">
-              <a:lnSpc>
-                <a:spcPct val="90000"/>
-              </a:lnSpc>
-              <a:spcBef>
-                <a:spcPts val="500"/>
-              </a:spcBef>
-              <a:buFont typeface="Arial" panose="020B0604020202020204" pitchFamily="34" charset="0"/>
-              <a:buChar char="•"/>
-              <a:defRPr sz="1800" kern="1200">
-                <a:solidFill>
-                  <a:schemeClr val="tx1"/>
-                </a:solidFill>
-                <a:latin typeface="+mn-lt"/>
-                <a:ea typeface="+mn-ea"/>
-                <a:cs typeface="+mn-cs"/>
-              </a:defRPr>
-            </a:lvl8pPr>
-            <a:lvl9pPr marL="3886200" indent="-228600" algn="l" defTabSz="914400" rtl="0" eaLnBrk="1" latinLnBrk="0" hangingPunct="1">
-              <a:lnSpc>
-                <a:spcPct val="90000"/>
-              </a:lnSpc>
-              <a:spcBef>
-                <a:spcPts val="500"/>
-              </a:spcBef>
-              <a:buFont typeface="Arial" panose="020B0604020202020204" pitchFamily="34" charset="0"/>
-              <a:buChar char="•"/>
-              <a:defRPr sz="1800" kern="1200">
-                <a:solidFill>
-                  <a:schemeClr val="tx1"/>
-                </a:solidFill>
-                <a:latin typeface="+mn-lt"/>
-                <a:ea typeface="+mn-ea"/>
-                <a:cs typeface="+mn-cs"/>
-              </a:defRPr>
-            </a:lvl9pPr>
-          </a:lstStyle>
-          <a:p>
-            <a:pPr marL="0" marR="0" lvl="0" indent="0" algn="l" defTabSz="914400" rtl="0" eaLnBrk="1" fontAlgn="auto" latinLnBrk="0" hangingPunct="1">
-              <a:lnSpc>
-                <a:spcPct val="90000"/>
-              </a:lnSpc>
-              <a:spcBef>
-                <a:spcPts val="1000"/>
-              </a:spcBef>
-              <a:spcAft>
-                <a:spcPts val="0"/>
-              </a:spcAft>
-              <a:buClr>
-                <a:srgbClr val="E7E6E6">
-                  <a:lumMod val="75000"/>
-                </a:srgbClr>
-              </a:buClr>
-              <a:buSzTx/>
-              <a:buFont typeface="Arial" panose="020B0604020202020204" pitchFamily="34" charset="0"/>
-              <a:buNone/>
-              <a:tabLst/>
-              <a:defRPr/>
-            </a:pPr>
-            <a:r>
-              <a:rPr kumimoji="0" lang="en-GB" sz="2800" b="0" i="0" u="none" strike="noStrike" kern="1200" cap="none" spc="0" normalizeH="0" baseline="0" noProof="0" dirty="0">
-                <a:ln>
-                  <a:noFill/>
-                </a:ln>
-                <a:solidFill>
-                  <a:prstClr val="black"/>
-                </a:solidFill>
-                <a:effectLst/>
-                <a:uLnTx/>
-                <a:uFillTx/>
-                <a:latin typeface="Bahnschrift Light" panose="020B0502040204020203" pitchFamily="34" charset="0"/>
-                <a:ea typeface="+mn-ea"/>
-                <a:cs typeface="+mn-cs"/>
-              </a:rPr>
-              <a:t>Variable: a</a:t>
-            </a:r>
-          </a:p>
-        </p:txBody>
-      </p:sp>
-      <p:cxnSp>
-        <p:nvCxnSpPr>
-          <p:cNvPr id="7" name="Rechte verbindingslijn met pijl 6">
-            <a:extLst>
-              <a:ext uri="{FF2B5EF4-FFF2-40B4-BE49-F238E27FC236}">
-                <a16:creationId xmlns:a16="http://schemas.microsoft.com/office/drawing/2014/main" id="{5CC552B9-6E50-403D-929B-18C1C895EE6A}"/>
-              </a:ext>
-            </a:extLst>
-          </p:cNvPr>
-          <p:cNvCxnSpPr>
-            <a:cxnSpLocks/>
-          </p:cNvCxnSpPr>
-          <p:nvPr/>
-        </p:nvCxnSpPr>
-        <p:spPr>
-          <a:xfrm>
-            <a:off x="4597057" y="4214911"/>
-            <a:ext cx="1211305" cy="0"/>
-          </a:xfrm>
-          <a:prstGeom prst="straightConnector1">
-            <a:avLst/>
-          </a:prstGeom>
-          <a:ln w="57150">
-            <a:solidFill>
-              <a:srgbClr val="7030A0"/>
-            </a:solidFill>
-            <a:tailEnd type="triangle"/>
-          </a:ln>
-        </p:spPr>
-        <p:style>
-          <a:lnRef idx="1">
-            <a:schemeClr val="accent1"/>
-          </a:lnRef>
-          <a:fillRef idx="0">
-            <a:schemeClr val="accent1"/>
-          </a:fillRef>
-          <a:effectRef idx="0">
-            <a:schemeClr val="accent1"/>
-          </a:effectRef>
-          <a:fontRef idx="minor">
-            <a:schemeClr val="tx1"/>
-          </a:fontRef>
-        </p:style>
-      </p:cxnSp>
-    </p:spTree>
-    <p:extLst>
-      <p:ext uri="{BB962C8B-B14F-4D97-AF65-F5344CB8AC3E}">
-        <p14:creationId xmlns:p14="http://schemas.microsoft.com/office/powerpoint/2010/main" val="1058136874"/>
-      </p:ext>
-    </p:extLst>
-  </p:cSld>
-  <p:clrMapOvr>
-    <a:masterClrMapping/>
-  </p:clrMapOvr>
-  <p:timing>
-    <p:tnLst>
-      <p:par>
-        <p:cTn id="1" dur="indefinite" restart="never" nodeType="tmRoot">
-          <p:childTnLst>
-            <p:seq concurrent="1" nextAc="seek">
-              <p:cTn id="2" dur="indefinite" nodeType="mainSeq">
-                <p:childTnLst>
-                  <p:par>
-                    <p:cTn id="3" fill="hold">
-                      <p:stCondLst>
-                        <p:cond delay="indefinite"/>
-                      </p:stCondLst>
-                      <p:childTnLst>
-                        <p:par>
-                          <p:cTn id="4" fill="hold">
-                            <p:stCondLst>
-                              <p:cond delay="0"/>
-                            </p:stCondLst>
-                            <p:childTnLst>
-                              <p:par>
-                                <p:cTn id="5" presetID="1" presetClass="entr" presetSubtype="0" fill="hold" nodeType="clickEffect">
-                                  <p:stCondLst>
-                                    <p:cond delay="0"/>
-                                  </p:stCondLst>
-                                  <p:childTnLst>
-                                    <p:set>
-                                      <p:cBhvr>
-                                        <p:cTn id="6" dur="1" fill="hold">
-                                          <p:stCondLst>
-                                            <p:cond delay="0"/>
-                                          </p:stCondLst>
-                                        </p:cTn>
-                                        <p:tgtEl>
-                                          <p:spTgt spid="4"/>
-                                        </p:tgtEl>
-                                        <p:attrNameLst>
-                                          <p:attrName>style.visibility</p:attrName>
-                                        </p:attrNameLst>
-                                      </p:cBhvr>
-                                      <p:to>
-                                        <p:strVal val="visible"/>
-                                      </p:to>
-                                    </p:set>
-                                  </p:childTnLst>
-                                </p:cTn>
-                              </p:par>
-                            </p:childTnLst>
-                          </p:cTn>
-                        </p:par>
-                      </p:childTnLst>
-                    </p:cTn>
-                  </p:par>
-                  <p:par>
-                    <p:cTn id="7" fill="hold">
-                      <p:stCondLst>
-                        <p:cond delay="indefinite"/>
-                      </p:stCondLst>
-                      <p:childTnLst>
-                        <p:par>
-                          <p:cTn id="8" fill="hold">
-                            <p:stCondLst>
-                              <p:cond delay="0"/>
-                            </p:stCondLst>
-                            <p:childTnLst>
-                              <p:par>
-                                <p:cTn id="9" presetID="1" presetClass="entr" presetSubtype="0" fill="hold" grpId="0" nodeType="clickEffect">
-                                  <p:stCondLst>
-                                    <p:cond delay="0"/>
-                                  </p:stCondLst>
-                                  <p:childTnLst>
-                                    <p:set>
-                                      <p:cBhvr>
-                                        <p:cTn id="10" dur="1" fill="hold">
-                                          <p:stCondLst>
-                                            <p:cond delay="0"/>
-                                          </p:stCondLst>
-                                        </p:cTn>
-                                        <p:tgtEl>
-                                          <p:spTgt spid="5"/>
-                                        </p:tgtEl>
-                                        <p:attrNameLst>
-                                          <p:attrName>style.visibility</p:attrName>
-                                        </p:attrNameLst>
-                                      </p:cBhvr>
-                                      <p:to>
-                                        <p:strVal val="visible"/>
-                                      </p:to>
-                                    </p:set>
-                                  </p:childTnLst>
-                                </p:cTn>
-                              </p:par>
-                              <p:par>
-                                <p:cTn id="11" presetID="1" presetClass="entr" presetSubtype="0" fill="hold" nodeType="withEffect">
-                                  <p:stCondLst>
-                                    <p:cond delay="0"/>
-                                  </p:stCondLst>
-                                  <p:childTnLst>
-                                    <p:set>
-                                      <p:cBhvr>
-                                        <p:cTn id="12" dur="1" fill="hold">
-                                          <p:stCondLst>
-                                            <p:cond delay="0"/>
-                                          </p:stCondLst>
-                                        </p:cTn>
-                                        <p:tgtEl>
-                                          <p:spTgt spid="7"/>
-                                        </p:tgtEl>
-                                        <p:attrNameLst>
-                                          <p:attrName>style.visibility</p:attrName>
-                                        </p:attrNameLst>
-                                      </p:cBhvr>
-                                      <p:to>
-                                        <p:strVal val="visible"/>
-                                      </p:to>
-                                    </p:set>
-                                  </p:childTnLst>
-                                </p:cTn>
-                              </p:par>
-                            </p:childTnLst>
-                          </p:cTn>
-                        </p:par>
-                      </p:childTnLst>
-                    </p:cTn>
-                  </p:par>
-                </p:childTnLst>
-              </p:cTn>
-              <p:prevCondLst>
-                <p:cond evt="onPrev" delay="0">
-                  <p:tgtEl>
-                    <p:sldTgt/>
-                  </p:tgtEl>
-                </p:cond>
-              </p:prevCondLst>
-              <p:nextCondLst>
-                <p:cond evt="onNext" delay="0">
-                  <p:tgtEl>
-                    <p:sldTgt/>
-                  </p:tgtEl>
-                </p:cond>
-              </p:nextCondLst>
-            </p:seq>
-          </p:childTnLst>
-        </p:cTn>
-      </p:par>
-    </p:tnLst>
-    <p:bldLst>
-      <p:bldP spid="5" grpId="0"/>
-    </p:bldLst>
-  </p:timing>
-</p:sld>
-</file>
-
-<file path=ppt/slides/slide27.xml><?xml version="1.0" encoding="utf-8"?>
-<p:sld xmlns:a="http://schemas.openxmlformats.org/drawingml/2006/main" xmlns:r="http://schemas.openxmlformats.org/officeDocument/2006/relationships" xmlns:p="http://schemas.openxmlformats.org/presentationml/2006/main">
-  <p:cSld>
-    <p:spTree>
-      <p:nvGrpSpPr>
-        <p:cNvPr id="1" name=""/>
-        <p:cNvGrpSpPr/>
-        <p:nvPr/>
-      </p:nvGrpSpPr>
-      <p:grpSpPr>
-        <a:xfrm>
-          <a:off x="0" y="0"/>
-          <a:ext cx="0" cy="0"/>
-          <a:chOff x="0" y="0"/>
-          <a:chExt cx="0" cy="0"/>
-        </a:xfrm>
-      </p:grpSpPr>
-      <p:sp>
-        <p:nvSpPr>
-          <p:cNvPr id="2" name="Titel 1">
-            <a:extLst>
-              <a:ext uri="{FF2B5EF4-FFF2-40B4-BE49-F238E27FC236}">
-                <a16:creationId xmlns:a16="http://schemas.microsoft.com/office/drawing/2014/main" id="{92900F74-8826-4AEA-92E3-8BAAF0E0E698}"/>
-              </a:ext>
-            </a:extLst>
-          </p:cNvPr>
-          <p:cNvSpPr>
-            <a:spLocks noGrp="1"/>
-          </p:cNvSpPr>
-          <p:nvPr>
-            <p:ph type="title"/>
-          </p:nvPr>
-        </p:nvSpPr>
-        <p:spPr/>
-        <p:txBody>
-          <a:bodyPr/>
-          <a:lstStyle/>
-          <a:p>
-            <a:r>
-              <a:rPr lang="en-GB" dirty="0"/>
-              <a:t>Scope</a:t>
-            </a:r>
-          </a:p>
-        </p:txBody>
-      </p:sp>
-      <p:sp>
-        <p:nvSpPr>
-          <p:cNvPr id="3" name="Tijdelijke aanduiding voor inhoud 2">
-            <a:extLst>
-              <a:ext uri="{FF2B5EF4-FFF2-40B4-BE49-F238E27FC236}">
-                <a16:creationId xmlns:a16="http://schemas.microsoft.com/office/drawing/2014/main" id="{2A86CAFD-F15E-41A5-9E7E-1D8437E59FDC}"/>
-              </a:ext>
-            </a:extLst>
-          </p:cNvPr>
-          <p:cNvSpPr>
-            <a:spLocks noGrp="1"/>
-          </p:cNvSpPr>
-          <p:nvPr>
-            <p:ph idx="1"/>
-          </p:nvPr>
-        </p:nvSpPr>
-        <p:spPr/>
-        <p:txBody>
-          <a:bodyPr/>
-          <a:lstStyle/>
-          <a:p>
-            <a:r>
-              <a:rPr lang="en-GB" dirty="0"/>
-              <a:t>Lifetime of a variable</a:t>
-            </a:r>
-          </a:p>
-          <a:p>
-            <a:r>
-              <a:rPr lang="en-GB" dirty="0"/>
-              <a:t>Important for memory allocations</a:t>
-            </a:r>
-          </a:p>
-          <a:p>
-            <a:r>
-              <a:rPr lang="en-GB" dirty="0"/>
-              <a:t>Be aware of scope: prevent unwanted variables!</a:t>
-            </a:r>
-          </a:p>
-        </p:txBody>
-      </p:sp>
-    </p:spTree>
-    <p:extLst>
-      <p:ext uri="{BB962C8B-B14F-4D97-AF65-F5344CB8AC3E}">
-        <p14:creationId xmlns:p14="http://schemas.microsoft.com/office/powerpoint/2010/main" val="3205300674"/>
-      </p:ext>
-    </p:extLst>
-  </p:cSld>
-  <p:clrMapOvr>
-    <a:masterClrMapping/>
-  </p:clrMapOvr>
-  <p:timing>
-    <p:tnLst>
-      <p:par>
-        <p:cTn id="1" dur="indefinite" restart="never" nodeType="tmRoot">
-          <p:childTnLst>
-            <p:seq concurrent="1" nextAc="seek">
-              <p:cTn id="2" dur="indefinite" nodeType="mainSeq">
-                <p:childTnLst>
-                  <p:par>
-                    <p:cTn id="3" fill="hold">
-                      <p:stCondLst>
-                        <p:cond delay="indefinite"/>
-                      </p:stCondLst>
-                      <p:childTnLst>
-                        <p:par>
-                          <p:cTn id="4" fill="hold">
-                            <p:stCondLst>
-                              <p:cond delay="0"/>
-                            </p:stCondLst>
-                            <p:childTnLst>
-                              <p:par>
-                                <p:cTn id="5" presetID="1" presetClass="entr" presetSubtype="0" fill="hold" grpId="0" nodeType="clickEffect">
-                                  <p:stCondLst>
-                                    <p:cond delay="0"/>
-                                  </p:stCondLst>
-                                  <p:childTnLst>
-                                    <p:set>
-                                      <p:cBhvr>
-                                        <p:cTn id="6" dur="1" fill="hold">
-                                          <p:stCondLst>
-                                            <p:cond delay="0"/>
-                                          </p:stCondLst>
-                                        </p:cTn>
-                                        <p:tgtEl>
-                                          <p:spTgt spid="3">
-                                            <p:txEl>
-                                              <p:pRg st="0" end="0"/>
-                                            </p:txEl>
-                                          </p:spTgt>
-                                        </p:tgtEl>
-                                        <p:attrNameLst>
-                                          <p:attrName>style.visibility</p:attrName>
-                                        </p:attrNameLst>
-                                      </p:cBhvr>
-                                      <p:to>
-                                        <p:strVal val="visible"/>
-                                      </p:to>
-                                    </p:set>
-                                  </p:childTnLst>
-                                </p:cTn>
-                              </p:par>
-                            </p:childTnLst>
-                          </p:cTn>
-                        </p:par>
-                      </p:childTnLst>
-                    </p:cTn>
-                  </p:par>
-                  <p:par>
-                    <p:cTn id="7" fill="hold">
-                      <p:stCondLst>
-                        <p:cond delay="indefinite"/>
-                      </p:stCondLst>
-                      <p:childTnLst>
-                        <p:par>
-                          <p:cTn id="8" fill="hold">
-                            <p:stCondLst>
-                              <p:cond delay="0"/>
-                            </p:stCondLst>
-                            <p:childTnLst>
-                              <p:par>
-                                <p:cTn id="9" presetID="1" presetClass="entr" presetSubtype="0" fill="hold" grpId="0" nodeType="clickEffect">
-                                  <p:stCondLst>
-                                    <p:cond delay="0"/>
-                                  </p:stCondLst>
-                                  <p:childTnLst>
-                                    <p:set>
-                                      <p:cBhvr>
-                                        <p:cTn id="10" dur="1" fill="hold">
-                                          <p:stCondLst>
-                                            <p:cond delay="0"/>
-                                          </p:stCondLst>
-                                        </p:cTn>
-                                        <p:tgtEl>
-                                          <p:spTgt spid="3">
-                                            <p:txEl>
-                                              <p:pRg st="1" end="1"/>
-                                            </p:txEl>
-                                          </p:spTgt>
-                                        </p:tgtEl>
-                                        <p:attrNameLst>
-                                          <p:attrName>style.visibility</p:attrName>
-                                        </p:attrNameLst>
-                                      </p:cBhvr>
-                                      <p:to>
-                                        <p:strVal val="visible"/>
-                                      </p:to>
-                                    </p:set>
-                                  </p:childTnLst>
-                                </p:cTn>
-                              </p:par>
-                            </p:childTnLst>
-                          </p:cTn>
-                        </p:par>
-                      </p:childTnLst>
-                    </p:cTn>
-                  </p:par>
-                  <p:par>
-                    <p:cTn id="11" fill="hold">
-                      <p:stCondLst>
-                        <p:cond delay="indefinite"/>
-                      </p:stCondLst>
-                      <p:childTnLst>
-                        <p:par>
-                          <p:cTn id="12" fill="hold">
-                            <p:stCondLst>
-                              <p:cond delay="0"/>
-                            </p:stCondLst>
-                            <p:childTnLst>
-                              <p:par>
-                                <p:cTn id="13" presetID="1" presetClass="entr" presetSubtype="0" fill="hold" grpId="0" nodeType="clickEffect">
-                                  <p:stCondLst>
-                                    <p:cond delay="0"/>
-                                  </p:stCondLst>
-                                  <p:childTnLst>
-                                    <p:set>
-                                      <p:cBhvr>
-                                        <p:cTn id="14" dur="1" fill="hold">
-                                          <p:stCondLst>
-                                            <p:cond delay="0"/>
-                                          </p:stCondLst>
-                                        </p:cTn>
-                                        <p:tgtEl>
-                                          <p:spTgt spid="3">
-                                            <p:txEl>
-                                              <p:pRg st="2" end="2"/>
-                                            </p:txEl>
-                                          </p:spTgt>
-                                        </p:tgtEl>
-                                        <p:attrNameLst>
-                                          <p:attrName>style.visibility</p:attrName>
-                                        </p:attrNameLst>
-                                      </p:cBhvr>
-                                      <p:to>
-                                        <p:strVal val="visible"/>
-                                      </p:to>
-                                    </p:set>
-                                  </p:childTnLst>
-                                </p:cTn>
-                              </p:par>
-                            </p:childTnLst>
-                          </p:cTn>
-                        </p:par>
-                      </p:childTnLst>
-                    </p:cTn>
-                  </p:par>
-                </p:childTnLst>
-              </p:cTn>
-              <p:prevCondLst>
-                <p:cond evt="onPrev" delay="0">
-                  <p:tgtEl>
-                    <p:sldTgt/>
-                  </p:tgtEl>
-                </p:cond>
-              </p:prevCondLst>
-              <p:nextCondLst>
-                <p:cond evt="onNext" delay="0">
-                  <p:tgtEl>
-                    <p:sldTgt/>
-                  </p:tgtEl>
-                </p:cond>
-              </p:nextCondLst>
-            </p:seq>
-          </p:childTnLst>
-        </p:cTn>
-      </p:par>
-    </p:tnLst>
-    <p:bldLst>
-      <p:bldP spid="3" grpId="0" build="p"/>
-    </p:bldLst>
-  </p:timing>
-</p:sld>
-</file>
-
-<file path=ppt/slides/slide28.xml><?xml version="1.0" encoding="utf-8"?>
-<p:sld xmlns:a="http://schemas.openxmlformats.org/drawingml/2006/main" xmlns:r="http://schemas.openxmlformats.org/officeDocument/2006/relationships" xmlns:p="http://schemas.openxmlformats.org/presentationml/2006/main">
-  <p:cSld>
-    <p:spTree>
-      <p:nvGrpSpPr>
-        <p:cNvPr id="1" name=""/>
-        <p:cNvGrpSpPr/>
-        <p:nvPr/>
-      </p:nvGrpSpPr>
-      <p:grpSpPr>
-        <a:xfrm>
-          <a:off x="0" y="0"/>
-          <a:ext cx="0" cy="0"/>
-          <a:chOff x="0" y="0"/>
-          <a:chExt cx="0" cy="0"/>
-        </a:xfrm>
-      </p:grpSpPr>
-      <p:sp>
-        <p:nvSpPr>
-          <p:cNvPr id="2" name="Titel 1">
-            <a:extLst>
-              <a:ext uri="{FF2B5EF4-FFF2-40B4-BE49-F238E27FC236}">
-                <a16:creationId xmlns:a16="http://schemas.microsoft.com/office/drawing/2014/main" id="{BE5A5647-5EDA-4CE4-ADD1-42191E267BC4}"/>
-              </a:ext>
-            </a:extLst>
-          </p:cNvPr>
-          <p:cNvSpPr>
-            <a:spLocks noGrp="1"/>
-          </p:cNvSpPr>
-          <p:nvPr>
-            <p:ph type="title"/>
-          </p:nvPr>
-        </p:nvSpPr>
-        <p:spPr/>
-        <p:txBody>
-          <a:bodyPr/>
-          <a:lstStyle/>
-          <a:p>
-            <a:r>
-              <a:rPr lang="en-GB" dirty="0"/>
-              <a:t>Scope </a:t>
-            </a:r>
-          </a:p>
-        </p:txBody>
-      </p:sp>
-      <p:cxnSp>
-        <p:nvCxnSpPr>
-          <p:cNvPr id="20" name="Rechte verbindingslijn met pijl 19">
-            <a:extLst>
-              <a:ext uri="{FF2B5EF4-FFF2-40B4-BE49-F238E27FC236}">
-                <a16:creationId xmlns:a16="http://schemas.microsoft.com/office/drawing/2014/main" id="{309FFF8D-0262-41D0-9E76-021CAD9B6DF8}"/>
-              </a:ext>
-            </a:extLst>
-          </p:cNvPr>
-          <p:cNvCxnSpPr>
-            <a:cxnSpLocks/>
-          </p:cNvCxnSpPr>
-          <p:nvPr/>
-        </p:nvCxnSpPr>
-        <p:spPr>
-          <a:xfrm flipH="1" flipV="1">
-            <a:off x="6248400" y="5342310"/>
-            <a:ext cx="2338216" cy="661516"/>
-          </a:xfrm>
-          <a:prstGeom prst="straightConnector1">
-            <a:avLst/>
-          </a:prstGeom>
-          <a:ln w="57150">
-            <a:solidFill>
-              <a:srgbClr val="7030A0"/>
-            </a:solidFill>
-            <a:tailEnd type="triangle"/>
-          </a:ln>
-        </p:spPr>
-        <p:style>
-          <a:lnRef idx="1">
-            <a:schemeClr val="accent1"/>
-          </a:lnRef>
-          <a:fillRef idx="0">
-            <a:schemeClr val="accent1"/>
-          </a:fillRef>
-          <a:effectRef idx="0">
-            <a:schemeClr val="accent1"/>
-          </a:effectRef>
-          <a:fontRef idx="minor">
-            <a:schemeClr val="tx1"/>
-          </a:fontRef>
-        </p:style>
-      </p:cxnSp>
-      <p:sp>
-        <p:nvSpPr>
-          <p:cNvPr id="24" name="Tijdelijke aanduiding voor inhoud 2">
-            <a:extLst>
-              <a:ext uri="{FF2B5EF4-FFF2-40B4-BE49-F238E27FC236}">
-                <a16:creationId xmlns:a16="http://schemas.microsoft.com/office/drawing/2014/main" id="{DB3DC109-9BDA-44F6-832D-6CD948359502}"/>
-              </a:ext>
-            </a:extLst>
-          </p:cNvPr>
-          <p:cNvSpPr txBox="1">
-            <a:spLocks/>
-          </p:cNvSpPr>
-          <p:nvPr/>
-        </p:nvSpPr>
-        <p:spPr>
-          <a:xfrm>
-            <a:off x="9303393" y="2975867"/>
-            <a:ext cx="2253607" cy="700088"/>
+            <a:off x="5588001" y="3301999"/>
+            <a:ext cx="3048000" cy="1826949"/>
           </a:xfrm>
           <a:prstGeom prst="rect">
             <a:avLst/>
@@ -9660,53 +6926,85 @@
             </a:lvl9pPr>
           </a:lstStyle>
           <a:p>
-            <a:pPr marL="0" marR="0" lvl="0" indent="0" algn="l" defTabSz="914400" rtl="0" eaLnBrk="1" fontAlgn="auto" latinLnBrk="0" hangingPunct="1">
-              <a:lnSpc>
-                <a:spcPct val="90000"/>
-              </a:lnSpc>
-              <a:spcBef>
-                <a:spcPts val="1000"/>
-              </a:spcBef>
-              <a:spcAft>
-                <a:spcPts val="0"/>
-              </a:spcAft>
-              <a:buClr>
-                <a:srgbClr val="E7E6E6">
-                  <a:lumMod val="75000"/>
-                </a:srgbClr>
-              </a:buClr>
-              <a:buSzTx/>
+            <a:r>
+              <a:rPr lang="en-GB" dirty="0"/>
+              <a:t>Compile</a:t>
+            </a:r>
+          </a:p>
+          <a:p>
+            <a:endParaRPr lang="en-GB" dirty="0"/>
+          </a:p>
+          <a:p>
+            <a:r>
+              <a:rPr lang="en-GB" dirty="0"/>
+              <a:t>Interpreter</a:t>
+            </a:r>
+          </a:p>
+          <a:p>
+            <a:pPr marL="0" indent="0">
               <a:buFont typeface="Arial" panose="020B0604020202020204" pitchFamily="34" charset="0"/>
               <a:buNone/>
-              <a:tabLst/>
-              <a:defRPr/>
             </a:pPr>
-            <a:r>
-              <a:rPr kumimoji="0" lang="en-GB" sz="2800" b="0" i="0" u="none" strike="noStrike" kern="1200" cap="none" spc="0" normalizeH="0" baseline="0" noProof="0" dirty="0">
-                <a:ln>
-                  <a:noFill/>
-                </a:ln>
-                <a:solidFill>
-                  <a:prstClr val="black"/>
-                </a:solidFill>
-                <a:effectLst/>
-                <a:uLnTx/>
-                <a:uFillTx/>
-                <a:latin typeface="Bahnschrift Light" panose="020B0502040204020203" pitchFamily="34" charset="0"/>
-                <a:ea typeface="+mn-ea"/>
-                <a:cs typeface="+mn-cs"/>
-              </a:rPr>
-              <a:t>Output: ?</a:t>
-            </a:r>
-          </a:p>
-        </p:txBody>
-      </p:sp>
-      <p:sp>
-        <p:nvSpPr>
-          <p:cNvPr id="25" name="Tijdelijke aanduiding voor inhoud 2">
+            <a:endParaRPr lang="en-GB" dirty="0"/>
+          </a:p>
+        </p:txBody>
+      </p:sp>
+      <p:sp>
+        <p:nvSpPr>
+          <p:cNvPr id="7" name="Arrow: Curved Left 6">
             <a:extLst>
               <a:ext uri="{FF2B5EF4-FFF2-40B4-BE49-F238E27FC236}">
-                <a16:creationId xmlns:a16="http://schemas.microsoft.com/office/drawing/2014/main" id="{0A2DA331-766B-40B8-8F5E-C5C95A71A205}"/>
+                <a16:creationId xmlns:a16="http://schemas.microsoft.com/office/drawing/2014/main" id="{B7B39515-4419-4713-AF6A-DED7D30014D6}"/>
+              </a:ext>
+            </a:extLst>
+          </p:cNvPr>
+          <p:cNvSpPr/>
+          <p:nvPr/>
+        </p:nvSpPr>
+        <p:spPr>
+          <a:xfrm>
+            <a:off x="8199966" y="3115732"/>
+            <a:ext cx="372534" cy="2013215"/>
+          </a:xfrm>
+          <a:prstGeom prst="curvedLeftArrow">
+            <a:avLst/>
+          </a:prstGeom>
+        </p:spPr>
+        <p:style>
+          <a:lnRef idx="2">
+            <a:schemeClr val="dk1">
+              <a:shade val="50000"/>
+            </a:schemeClr>
+          </a:lnRef>
+          <a:fillRef idx="1">
+            <a:schemeClr val="dk1"/>
+          </a:fillRef>
+          <a:effectRef idx="0">
+            <a:schemeClr val="dk1"/>
+          </a:effectRef>
+          <a:fontRef idx="minor">
+            <a:schemeClr val="lt1"/>
+          </a:fontRef>
+        </p:style>
+        <p:txBody>
+          <a:bodyPr rtlCol="0" anchor="ctr"/>
+          <a:lstStyle/>
+          <a:p>
+            <a:pPr algn="ctr"/>
+            <a:endParaRPr lang="en-GB">
+              <a:solidFill>
+                <a:schemeClr val="tx1"/>
+              </a:solidFill>
+            </a:endParaRPr>
+          </a:p>
+        </p:txBody>
+      </p:sp>
+      <p:sp>
+        <p:nvSpPr>
+          <p:cNvPr id="8" name="Content Placeholder 2">
+            <a:extLst>
+              <a:ext uri="{FF2B5EF4-FFF2-40B4-BE49-F238E27FC236}">
+                <a16:creationId xmlns:a16="http://schemas.microsoft.com/office/drawing/2014/main" id="{E0120DE3-B5C3-458F-A420-950877400BBE}"/>
               </a:ext>
             </a:extLst>
           </p:cNvPr>
@@ -9717,8 +7015,8 @@
         </p:nvSpPr>
         <p:spPr>
           <a:xfrm>
-            <a:off x="8706493" y="5793532"/>
-            <a:ext cx="2253607" cy="700088"/>
+            <a:off x="8644468" y="3891227"/>
+            <a:ext cx="3048000" cy="1826949"/>
           </a:xfrm>
           <a:prstGeom prst="rect">
             <a:avLst/>
@@ -9901,241 +7199,480 @@
             </a:lvl9pPr>
           </a:lstStyle>
           <a:p>
-            <a:pPr marL="0" marR="0" lvl="0" indent="0" algn="l" defTabSz="914400" rtl="0" eaLnBrk="1" fontAlgn="auto" latinLnBrk="0" hangingPunct="1">
+            <a:r>
+              <a:rPr lang="en-GB" dirty="0"/>
+              <a:t>Compile</a:t>
+            </a:r>
+          </a:p>
+          <a:p>
+            <a:pPr marL="0" indent="0">
+              <a:buFont typeface="Arial" panose="020B0604020202020204" pitchFamily="34" charset="0"/>
+              <a:buNone/>
+            </a:pPr>
+            <a:endParaRPr lang="en-GB" dirty="0"/>
+          </a:p>
+        </p:txBody>
+      </p:sp>
+      <p:sp>
+        <p:nvSpPr>
+          <p:cNvPr id="9" name="Content Placeholder 2">
+            <a:extLst>
+              <a:ext uri="{FF2B5EF4-FFF2-40B4-BE49-F238E27FC236}">
+                <a16:creationId xmlns:a16="http://schemas.microsoft.com/office/drawing/2014/main" id="{C8EEEAE1-8900-45FE-8F7E-19093D455A5D}"/>
+              </a:ext>
+            </a:extLst>
+          </p:cNvPr>
+          <p:cNvSpPr txBox="1">
+            <a:spLocks/>
+          </p:cNvSpPr>
+          <p:nvPr/>
+        </p:nvSpPr>
+        <p:spPr>
+          <a:xfrm>
+            <a:off x="8636001" y="5515765"/>
+            <a:ext cx="4851399" cy="1826949"/>
+          </a:xfrm>
+          <a:prstGeom prst="rect">
+            <a:avLst/>
+          </a:prstGeom>
+        </p:spPr>
+        <p:txBody>
+          <a:bodyPr vert="horz" lIns="91440" tIns="45720" rIns="91440" bIns="45720" rtlCol="0">
+            <a:normAutofit/>
+          </a:bodyPr>
+          <a:lstStyle>
+            <a:lvl1pPr marL="228600" indent="-228600" algn="l" defTabSz="914400" rtl="0" eaLnBrk="1" latinLnBrk="0" hangingPunct="1">
               <a:lnSpc>
                 <a:spcPct val="90000"/>
               </a:lnSpc>
               <a:spcBef>
                 <a:spcPts val="1000"/>
               </a:spcBef>
-              <a:spcAft>
-                <a:spcPts val="0"/>
-              </a:spcAft>
               <a:buClr>
-                <a:srgbClr val="E7E6E6">
+                <a:schemeClr val="bg2">
                   <a:lumMod val="75000"/>
-                </a:srgbClr>
+                </a:schemeClr>
               </a:buClr>
-              <a:buSzTx/>
               <a:buFont typeface="Arial" panose="020B0604020202020204" pitchFamily="34" charset="0"/>
-              <a:buNone/>
-              <a:tabLst/>
-              <a:defRPr/>
-            </a:pPr>
-            <a:r>
-              <a:rPr kumimoji="0" lang="en-GB" sz="2800" b="0" i="0" u="none" strike="noStrike" kern="1200" cap="none" spc="0" normalizeH="0" baseline="0" noProof="0" dirty="0">
-                <a:ln>
-                  <a:noFill/>
-                </a:ln>
+              <a:buChar char="•"/>
+              <a:defRPr sz="2800" kern="1200">
                 <a:solidFill>
-                  <a:prstClr val="black"/>
+                  <a:schemeClr val="tx1"/>
                 </a:solidFill>
-                <a:effectLst/>
-                <a:uLnTx/>
-                <a:uFillTx/>
                 <a:latin typeface="Bahnschrift Light" panose="020B0502040204020203" pitchFamily="34" charset="0"/>
                 <a:ea typeface="+mn-ea"/>
                 <a:cs typeface="+mn-cs"/>
-              </a:rPr>
-              <a:t>Output: ?</a:t>
-            </a:r>
-          </a:p>
-        </p:txBody>
-      </p:sp>
-      <p:pic>
-        <p:nvPicPr>
-          <p:cNvPr id="29" name="Afbeelding 28">
+              </a:defRPr>
+            </a:lvl1pPr>
+            <a:lvl2pPr marL="685800" indent="-228600" algn="l" defTabSz="914400" rtl="0" eaLnBrk="1" latinLnBrk="0" hangingPunct="1">
+              <a:lnSpc>
+                <a:spcPct val="90000"/>
+              </a:lnSpc>
+              <a:spcBef>
+                <a:spcPts val="500"/>
+              </a:spcBef>
+              <a:buClr>
+                <a:srgbClr val="7030A0"/>
+              </a:buClr>
+              <a:buFont typeface="Arial" panose="020B0604020202020204" pitchFamily="34" charset="0"/>
+              <a:buChar char="•"/>
+              <a:defRPr sz="2400" kern="1200">
+                <a:solidFill>
+                  <a:schemeClr val="tx1"/>
+                </a:solidFill>
+                <a:latin typeface="Bahnschrift Light" panose="020B0502040204020203" pitchFamily="34" charset="0"/>
+                <a:ea typeface="+mn-ea"/>
+                <a:cs typeface="+mn-cs"/>
+              </a:defRPr>
+            </a:lvl2pPr>
+            <a:lvl3pPr marL="1143000" indent="-228600" algn="l" defTabSz="914400" rtl="0" eaLnBrk="1" latinLnBrk="0" hangingPunct="1">
+              <a:lnSpc>
+                <a:spcPct val="90000"/>
+              </a:lnSpc>
+              <a:spcBef>
+                <a:spcPts val="500"/>
+              </a:spcBef>
+              <a:buFont typeface="Arial" panose="020B0604020202020204" pitchFamily="34" charset="0"/>
+              <a:buChar char="•"/>
+              <a:defRPr sz="2000" kern="1200">
+                <a:solidFill>
+                  <a:schemeClr val="tx1"/>
+                </a:solidFill>
+                <a:latin typeface="Bahnschrift Light" panose="020B0502040204020203" pitchFamily="34" charset="0"/>
+                <a:ea typeface="+mn-ea"/>
+                <a:cs typeface="+mn-cs"/>
+              </a:defRPr>
+            </a:lvl3pPr>
+            <a:lvl4pPr marL="1600200" indent="-228600" algn="l" defTabSz="914400" rtl="0" eaLnBrk="1" latinLnBrk="0" hangingPunct="1">
+              <a:lnSpc>
+                <a:spcPct val="90000"/>
+              </a:lnSpc>
+              <a:spcBef>
+                <a:spcPts val="500"/>
+              </a:spcBef>
+              <a:buFont typeface="Arial" panose="020B0604020202020204" pitchFamily="34" charset="0"/>
+              <a:buChar char="•"/>
+              <a:defRPr sz="1800" kern="1200">
+                <a:solidFill>
+                  <a:schemeClr val="tx1"/>
+                </a:solidFill>
+                <a:latin typeface="Bahnschrift Light" panose="020B0502040204020203" pitchFamily="34" charset="0"/>
+                <a:ea typeface="+mn-ea"/>
+                <a:cs typeface="+mn-cs"/>
+              </a:defRPr>
+            </a:lvl4pPr>
+            <a:lvl5pPr marL="2057400" indent="-228600" algn="l" defTabSz="914400" rtl="0" eaLnBrk="1" latinLnBrk="0" hangingPunct="1">
+              <a:lnSpc>
+                <a:spcPct val="90000"/>
+              </a:lnSpc>
+              <a:spcBef>
+                <a:spcPts val="500"/>
+              </a:spcBef>
+              <a:buFont typeface="Arial" panose="020B0604020202020204" pitchFamily="34" charset="0"/>
+              <a:buChar char="•"/>
+              <a:defRPr sz="1800" kern="1200">
+                <a:solidFill>
+                  <a:schemeClr val="tx1"/>
+                </a:solidFill>
+                <a:latin typeface="Bahnschrift Light" panose="020B0502040204020203" pitchFamily="34" charset="0"/>
+                <a:ea typeface="+mn-ea"/>
+                <a:cs typeface="+mn-cs"/>
+              </a:defRPr>
+            </a:lvl5pPr>
+            <a:lvl6pPr marL="2514600" indent="-228600" algn="l" defTabSz="914400" rtl="0" eaLnBrk="1" latinLnBrk="0" hangingPunct="1">
+              <a:lnSpc>
+                <a:spcPct val="90000"/>
+              </a:lnSpc>
+              <a:spcBef>
+                <a:spcPts val="500"/>
+              </a:spcBef>
+              <a:buFont typeface="Arial" panose="020B0604020202020204" pitchFamily="34" charset="0"/>
+              <a:buChar char="•"/>
+              <a:defRPr sz="1800" kern="1200">
+                <a:solidFill>
+                  <a:schemeClr val="tx1"/>
+                </a:solidFill>
+                <a:latin typeface="+mn-lt"/>
+                <a:ea typeface="+mn-ea"/>
+                <a:cs typeface="+mn-cs"/>
+              </a:defRPr>
+            </a:lvl6pPr>
+            <a:lvl7pPr marL="2971800" indent="-228600" algn="l" defTabSz="914400" rtl="0" eaLnBrk="1" latinLnBrk="0" hangingPunct="1">
+              <a:lnSpc>
+                <a:spcPct val="90000"/>
+              </a:lnSpc>
+              <a:spcBef>
+                <a:spcPts val="500"/>
+              </a:spcBef>
+              <a:buFont typeface="Arial" panose="020B0604020202020204" pitchFamily="34" charset="0"/>
+              <a:buChar char="•"/>
+              <a:defRPr sz="1800" kern="1200">
+                <a:solidFill>
+                  <a:schemeClr val="tx1"/>
+                </a:solidFill>
+                <a:latin typeface="+mn-lt"/>
+                <a:ea typeface="+mn-ea"/>
+                <a:cs typeface="+mn-cs"/>
+              </a:defRPr>
+            </a:lvl7pPr>
+            <a:lvl8pPr marL="3429000" indent="-228600" algn="l" defTabSz="914400" rtl="0" eaLnBrk="1" latinLnBrk="0" hangingPunct="1">
+              <a:lnSpc>
+                <a:spcPct val="90000"/>
+              </a:lnSpc>
+              <a:spcBef>
+                <a:spcPts val="500"/>
+              </a:spcBef>
+              <a:buFont typeface="Arial" panose="020B0604020202020204" pitchFamily="34" charset="0"/>
+              <a:buChar char="•"/>
+              <a:defRPr sz="1800" kern="1200">
+                <a:solidFill>
+                  <a:schemeClr val="tx1"/>
+                </a:solidFill>
+                <a:latin typeface="+mn-lt"/>
+                <a:ea typeface="+mn-ea"/>
+                <a:cs typeface="+mn-cs"/>
+              </a:defRPr>
+            </a:lvl8pPr>
+            <a:lvl9pPr marL="3886200" indent="-228600" algn="l" defTabSz="914400" rtl="0" eaLnBrk="1" latinLnBrk="0" hangingPunct="1">
+              <a:lnSpc>
+                <a:spcPct val="90000"/>
+              </a:lnSpc>
+              <a:spcBef>
+                <a:spcPts val="500"/>
+              </a:spcBef>
+              <a:buFont typeface="Arial" panose="020B0604020202020204" pitchFamily="34" charset="0"/>
+              <a:buChar char="•"/>
+              <a:defRPr sz="1800" kern="1200">
+                <a:solidFill>
+                  <a:schemeClr val="tx1"/>
+                </a:solidFill>
+                <a:latin typeface="+mn-lt"/>
+                <a:ea typeface="+mn-ea"/>
+                <a:cs typeface="+mn-cs"/>
+              </a:defRPr>
+            </a:lvl9pPr>
+          </a:lstStyle>
+          <a:p>
+            <a:pPr marL="0" indent="0">
+              <a:buNone/>
+            </a:pPr>
+            <a:r>
+              <a:rPr lang="en-GB" dirty="0"/>
+              <a:t>Compiled languages:</a:t>
+            </a:r>
+          </a:p>
+          <a:p>
+            <a:pPr marL="0" indent="0">
+              <a:buNone/>
+            </a:pPr>
+            <a:r>
+              <a:rPr lang="en-GB" dirty="0"/>
+              <a:t>C, BASIC, LabVIEW</a:t>
+            </a:r>
+          </a:p>
+          <a:p>
+            <a:pPr marL="0" indent="0">
+              <a:buFont typeface="Arial" panose="020B0604020202020204" pitchFamily="34" charset="0"/>
+              <a:buNone/>
+            </a:pPr>
+            <a:endParaRPr lang="en-GB" dirty="0"/>
+          </a:p>
+        </p:txBody>
+      </p:sp>
+      <p:sp>
+        <p:nvSpPr>
+          <p:cNvPr id="10" name="Content Placeholder 2">
             <a:extLst>
               <a:ext uri="{FF2B5EF4-FFF2-40B4-BE49-F238E27FC236}">
-                <a16:creationId xmlns:a16="http://schemas.microsoft.com/office/drawing/2014/main" id="{366F551A-D3C2-4692-8C6C-A90E3C67F713}"/>
+                <a16:creationId xmlns:a16="http://schemas.microsoft.com/office/drawing/2014/main" id="{B232ECC0-870C-4FD3-8452-702ABB28E7CD}"/>
               </a:ext>
             </a:extLst>
           </p:cNvPr>
-          <p:cNvPicPr>
-            <a:picLocks noChangeAspect="1"/>
-          </p:cNvPicPr>
+          <p:cNvSpPr txBox="1">
+            <a:spLocks/>
+          </p:cNvSpPr>
           <p:nvPr/>
-        </p:nvPicPr>
-        <p:blipFill>
-          <a:blip r:embed="rId3"/>
-          <a:stretch>
-            <a:fillRect/>
-          </a:stretch>
-        </p:blipFill>
+        </p:nvSpPr>
         <p:spPr>
           <a:xfrm>
-            <a:off x="348306" y="2141910"/>
-            <a:ext cx="8010525" cy="3200400"/>
+            <a:off x="4605868" y="5515766"/>
+            <a:ext cx="4851399" cy="1826949"/>
           </a:xfrm>
           <a:prstGeom prst="rect">
             <a:avLst/>
           </a:prstGeom>
         </p:spPr>
-      </p:pic>
-      <p:cxnSp>
-        <p:nvCxnSpPr>
-          <p:cNvPr id="18" name="Rechte verbindingslijn met pijl 17">
-            <a:extLst>
-              <a:ext uri="{FF2B5EF4-FFF2-40B4-BE49-F238E27FC236}">
-                <a16:creationId xmlns:a16="http://schemas.microsoft.com/office/drawing/2014/main" id="{E518F5B5-B4C6-4654-B153-33B4B94F8C1C}"/>
-              </a:ext>
-            </a:extLst>
-          </p:cNvPr>
-          <p:cNvCxnSpPr>
-            <a:cxnSpLocks/>
-          </p:cNvCxnSpPr>
-          <p:nvPr/>
-        </p:nvCxnSpPr>
-        <p:spPr>
-          <a:xfrm flipH="1">
-            <a:off x="7264400" y="3160811"/>
-            <a:ext cx="1790700" cy="0"/>
-          </a:xfrm>
-          <a:prstGeom prst="straightConnector1">
-            <a:avLst/>
-          </a:prstGeom>
-          <a:ln w="57150">
-            <a:solidFill>
-              <a:srgbClr val="7030A0"/>
-            </a:solidFill>
-            <a:tailEnd type="triangle"/>
-          </a:ln>
-        </p:spPr>
-        <p:style>
-          <a:lnRef idx="1">
-            <a:schemeClr val="accent1"/>
-          </a:lnRef>
-          <a:fillRef idx="0">
-            <a:schemeClr val="accent1"/>
-          </a:fillRef>
-          <a:effectRef idx="0">
-            <a:schemeClr val="accent1"/>
-          </a:effectRef>
-          <a:fontRef idx="minor">
-            <a:schemeClr val="tx1"/>
-          </a:fontRef>
-        </p:style>
-      </p:cxnSp>
+        <p:txBody>
+          <a:bodyPr vert="horz" lIns="91440" tIns="45720" rIns="91440" bIns="45720" rtlCol="0">
+            <a:normAutofit/>
+          </a:bodyPr>
+          <a:lstStyle>
+            <a:lvl1pPr marL="228600" indent="-228600" algn="l" defTabSz="914400" rtl="0" eaLnBrk="1" latinLnBrk="0" hangingPunct="1">
+              <a:lnSpc>
+                <a:spcPct val="90000"/>
+              </a:lnSpc>
+              <a:spcBef>
+                <a:spcPts val="1000"/>
+              </a:spcBef>
+              <a:buClr>
+                <a:schemeClr val="bg2">
+                  <a:lumMod val="75000"/>
+                </a:schemeClr>
+              </a:buClr>
+              <a:buFont typeface="Arial" panose="020B0604020202020204" pitchFamily="34" charset="0"/>
+              <a:buChar char="•"/>
+              <a:defRPr sz="2800" kern="1200">
+                <a:solidFill>
+                  <a:schemeClr val="tx1"/>
+                </a:solidFill>
+                <a:latin typeface="Bahnschrift Light" panose="020B0502040204020203" pitchFamily="34" charset="0"/>
+                <a:ea typeface="+mn-ea"/>
+                <a:cs typeface="+mn-cs"/>
+              </a:defRPr>
+            </a:lvl1pPr>
+            <a:lvl2pPr marL="685800" indent="-228600" algn="l" defTabSz="914400" rtl="0" eaLnBrk="1" latinLnBrk="0" hangingPunct="1">
+              <a:lnSpc>
+                <a:spcPct val="90000"/>
+              </a:lnSpc>
+              <a:spcBef>
+                <a:spcPts val="500"/>
+              </a:spcBef>
+              <a:buClr>
+                <a:srgbClr val="7030A0"/>
+              </a:buClr>
+              <a:buFont typeface="Arial" panose="020B0604020202020204" pitchFamily="34" charset="0"/>
+              <a:buChar char="•"/>
+              <a:defRPr sz="2400" kern="1200">
+                <a:solidFill>
+                  <a:schemeClr val="tx1"/>
+                </a:solidFill>
+                <a:latin typeface="Bahnschrift Light" panose="020B0502040204020203" pitchFamily="34" charset="0"/>
+                <a:ea typeface="+mn-ea"/>
+                <a:cs typeface="+mn-cs"/>
+              </a:defRPr>
+            </a:lvl2pPr>
+            <a:lvl3pPr marL="1143000" indent="-228600" algn="l" defTabSz="914400" rtl="0" eaLnBrk="1" latinLnBrk="0" hangingPunct="1">
+              <a:lnSpc>
+                <a:spcPct val="90000"/>
+              </a:lnSpc>
+              <a:spcBef>
+                <a:spcPts val="500"/>
+              </a:spcBef>
+              <a:buFont typeface="Arial" panose="020B0604020202020204" pitchFamily="34" charset="0"/>
+              <a:buChar char="•"/>
+              <a:defRPr sz="2000" kern="1200">
+                <a:solidFill>
+                  <a:schemeClr val="tx1"/>
+                </a:solidFill>
+                <a:latin typeface="Bahnschrift Light" panose="020B0502040204020203" pitchFamily="34" charset="0"/>
+                <a:ea typeface="+mn-ea"/>
+                <a:cs typeface="+mn-cs"/>
+              </a:defRPr>
+            </a:lvl3pPr>
+            <a:lvl4pPr marL="1600200" indent="-228600" algn="l" defTabSz="914400" rtl="0" eaLnBrk="1" latinLnBrk="0" hangingPunct="1">
+              <a:lnSpc>
+                <a:spcPct val="90000"/>
+              </a:lnSpc>
+              <a:spcBef>
+                <a:spcPts val="500"/>
+              </a:spcBef>
+              <a:buFont typeface="Arial" panose="020B0604020202020204" pitchFamily="34" charset="0"/>
+              <a:buChar char="•"/>
+              <a:defRPr sz="1800" kern="1200">
+                <a:solidFill>
+                  <a:schemeClr val="tx1"/>
+                </a:solidFill>
+                <a:latin typeface="Bahnschrift Light" panose="020B0502040204020203" pitchFamily="34" charset="0"/>
+                <a:ea typeface="+mn-ea"/>
+                <a:cs typeface="+mn-cs"/>
+              </a:defRPr>
+            </a:lvl4pPr>
+            <a:lvl5pPr marL="2057400" indent="-228600" algn="l" defTabSz="914400" rtl="0" eaLnBrk="1" latinLnBrk="0" hangingPunct="1">
+              <a:lnSpc>
+                <a:spcPct val="90000"/>
+              </a:lnSpc>
+              <a:spcBef>
+                <a:spcPts val="500"/>
+              </a:spcBef>
+              <a:buFont typeface="Arial" panose="020B0604020202020204" pitchFamily="34" charset="0"/>
+              <a:buChar char="•"/>
+              <a:defRPr sz="1800" kern="1200">
+                <a:solidFill>
+                  <a:schemeClr val="tx1"/>
+                </a:solidFill>
+                <a:latin typeface="Bahnschrift Light" panose="020B0502040204020203" pitchFamily="34" charset="0"/>
+                <a:ea typeface="+mn-ea"/>
+                <a:cs typeface="+mn-cs"/>
+              </a:defRPr>
+            </a:lvl5pPr>
+            <a:lvl6pPr marL="2514600" indent="-228600" algn="l" defTabSz="914400" rtl="0" eaLnBrk="1" latinLnBrk="0" hangingPunct="1">
+              <a:lnSpc>
+                <a:spcPct val="90000"/>
+              </a:lnSpc>
+              <a:spcBef>
+                <a:spcPts val="500"/>
+              </a:spcBef>
+              <a:buFont typeface="Arial" panose="020B0604020202020204" pitchFamily="34" charset="0"/>
+              <a:buChar char="•"/>
+              <a:defRPr sz="1800" kern="1200">
+                <a:solidFill>
+                  <a:schemeClr val="tx1"/>
+                </a:solidFill>
+                <a:latin typeface="+mn-lt"/>
+                <a:ea typeface="+mn-ea"/>
+                <a:cs typeface="+mn-cs"/>
+              </a:defRPr>
+            </a:lvl6pPr>
+            <a:lvl7pPr marL="2971800" indent="-228600" algn="l" defTabSz="914400" rtl="0" eaLnBrk="1" latinLnBrk="0" hangingPunct="1">
+              <a:lnSpc>
+                <a:spcPct val="90000"/>
+              </a:lnSpc>
+              <a:spcBef>
+                <a:spcPts val="500"/>
+              </a:spcBef>
+              <a:buFont typeface="Arial" panose="020B0604020202020204" pitchFamily="34" charset="0"/>
+              <a:buChar char="•"/>
+              <a:defRPr sz="1800" kern="1200">
+                <a:solidFill>
+                  <a:schemeClr val="tx1"/>
+                </a:solidFill>
+                <a:latin typeface="+mn-lt"/>
+                <a:ea typeface="+mn-ea"/>
+                <a:cs typeface="+mn-cs"/>
+              </a:defRPr>
+            </a:lvl7pPr>
+            <a:lvl8pPr marL="3429000" indent="-228600" algn="l" defTabSz="914400" rtl="0" eaLnBrk="1" latinLnBrk="0" hangingPunct="1">
+              <a:lnSpc>
+                <a:spcPct val="90000"/>
+              </a:lnSpc>
+              <a:spcBef>
+                <a:spcPts val="500"/>
+              </a:spcBef>
+              <a:buFont typeface="Arial" panose="020B0604020202020204" pitchFamily="34" charset="0"/>
+              <a:buChar char="•"/>
+              <a:defRPr sz="1800" kern="1200">
+                <a:solidFill>
+                  <a:schemeClr val="tx1"/>
+                </a:solidFill>
+                <a:latin typeface="+mn-lt"/>
+                <a:ea typeface="+mn-ea"/>
+                <a:cs typeface="+mn-cs"/>
+              </a:defRPr>
+            </a:lvl8pPr>
+            <a:lvl9pPr marL="3886200" indent="-228600" algn="l" defTabSz="914400" rtl="0" eaLnBrk="1" latinLnBrk="0" hangingPunct="1">
+              <a:lnSpc>
+                <a:spcPct val="90000"/>
+              </a:lnSpc>
+              <a:spcBef>
+                <a:spcPts val="500"/>
+              </a:spcBef>
+              <a:buFont typeface="Arial" panose="020B0604020202020204" pitchFamily="34" charset="0"/>
+              <a:buChar char="•"/>
+              <a:defRPr sz="1800" kern="1200">
+                <a:solidFill>
+                  <a:schemeClr val="tx1"/>
+                </a:solidFill>
+                <a:latin typeface="+mn-lt"/>
+                <a:ea typeface="+mn-ea"/>
+                <a:cs typeface="+mn-cs"/>
+              </a:defRPr>
+            </a:lvl9pPr>
+          </a:lstStyle>
+          <a:p>
+            <a:pPr marL="0" indent="0">
+              <a:buNone/>
+            </a:pPr>
+            <a:r>
+              <a:rPr lang="en-GB" dirty="0"/>
+              <a:t>Interpreted language:</a:t>
+            </a:r>
+          </a:p>
+          <a:p>
+            <a:pPr marL="0" indent="0">
+              <a:buNone/>
+            </a:pPr>
+            <a:r>
+              <a:rPr lang="en-GB" dirty="0"/>
+              <a:t>Python</a:t>
+            </a:r>
+          </a:p>
+        </p:txBody>
+      </p:sp>
     </p:spTree>
     <p:extLst>
       <p:ext uri="{BB962C8B-B14F-4D97-AF65-F5344CB8AC3E}">
-        <p14:creationId xmlns:p14="http://schemas.microsoft.com/office/powerpoint/2010/main" val="69579857"/>
+        <p14:creationId xmlns:p14="http://schemas.microsoft.com/office/powerpoint/2010/main" val="377703355"/>
       </p:ext>
     </p:extLst>
   </p:cSld>
   <p:clrMapOvr>
     <a:masterClrMapping/>
   </p:clrMapOvr>
-  <p:timing>
-    <p:tnLst>
-      <p:par>
-        <p:cTn id="1" dur="indefinite" restart="never" nodeType="tmRoot">
-          <p:childTnLst>
-            <p:seq concurrent="1" nextAc="seek">
-              <p:cTn id="2" dur="indefinite" nodeType="mainSeq">
-                <p:childTnLst>
-                  <p:par>
-                    <p:cTn id="3" fill="hold">
-                      <p:stCondLst>
-                        <p:cond delay="indefinite"/>
-                      </p:stCondLst>
-                      <p:childTnLst>
-                        <p:par>
-                          <p:cTn id="4" fill="hold">
-                            <p:stCondLst>
-                              <p:cond delay="0"/>
-                            </p:stCondLst>
-                            <p:childTnLst>
-                              <p:par>
-                                <p:cTn id="5" presetID="1" presetClass="entr" presetSubtype="0" fill="hold" nodeType="clickEffect">
-                                  <p:stCondLst>
-                                    <p:cond delay="0"/>
-                                  </p:stCondLst>
-                                  <p:childTnLst>
-                                    <p:set>
-                                      <p:cBhvr>
-                                        <p:cTn id="6" dur="1" fill="hold">
-                                          <p:stCondLst>
-                                            <p:cond delay="0"/>
-                                          </p:stCondLst>
-                                        </p:cTn>
-                                        <p:tgtEl>
-                                          <p:spTgt spid="20"/>
-                                        </p:tgtEl>
-                                        <p:attrNameLst>
-                                          <p:attrName>style.visibility</p:attrName>
-                                        </p:attrNameLst>
-                                      </p:cBhvr>
-                                      <p:to>
-                                        <p:strVal val="visible"/>
-                                      </p:to>
-                                    </p:set>
-                                  </p:childTnLst>
-                                </p:cTn>
-                              </p:par>
-                              <p:par>
-                                <p:cTn id="7" presetID="1" presetClass="entr" presetSubtype="0" fill="hold" grpId="0" nodeType="withEffect">
-                                  <p:stCondLst>
-                                    <p:cond delay="0"/>
-                                  </p:stCondLst>
-                                  <p:childTnLst>
-                                    <p:set>
-                                      <p:cBhvr>
-                                        <p:cTn id="8" dur="1" fill="hold">
-                                          <p:stCondLst>
-                                            <p:cond delay="0"/>
-                                          </p:stCondLst>
-                                        </p:cTn>
-                                        <p:tgtEl>
-                                          <p:spTgt spid="25"/>
-                                        </p:tgtEl>
-                                        <p:attrNameLst>
-                                          <p:attrName>style.visibility</p:attrName>
-                                        </p:attrNameLst>
-                                      </p:cBhvr>
-                                      <p:to>
-                                        <p:strVal val="visible"/>
-                                      </p:to>
-                                    </p:set>
-                                  </p:childTnLst>
-                                </p:cTn>
-                              </p:par>
-                            </p:childTnLst>
-                          </p:cTn>
-                        </p:par>
-                      </p:childTnLst>
-                    </p:cTn>
-                  </p:par>
-                </p:childTnLst>
-              </p:cTn>
-              <p:prevCondLst>
-                <p:cond evt="onPrev" delay="0">
-                  <p:tgtEl>
-                    <p:sldTgt/>
-                  </p:tgtEl>
-                </p:cond>
-              </p:prevCondLst>
-              <p:nextCondLst>
-                <p:cond evt="onNext" delay="0">
-                  <p:tgtEl>
-                    <p:sldTgt/>
-                  </p:tgtEl>
-                </p:cond>
-              </p:nextCondLst>
-            </p:seq>
-          </p:childTnLst>
-        </p:cTn>
-      </p:par>
-    </p:tnLst>
-    <p:bldLst>
-      <p:bldP spid="25" grpId="0"/>
-    </p:bldLst>
-  </p:timing>
 </p:sld>
 </file>
 
-<file path=ppt/slides/slide29.xml><?xml version="1.0" encoding="utf-8"?>
-<p:sld xmlns:a="http://schemas.openxmlformats.org/drawingml/2006/main" xmlns:r="http://schemas.openxmlformats.org/officeDocument/2006/relationships" xmlns:p="http://schemas.openxmlformats.org/presentationml/2006/main">
+<file path=ppt/slides/slide25.xml><?xml version="1.0" encoding="utf-8"?>
+<p:sld xmlns:a="http://schemas.openxmlformats.org/drawingml/2006/main" xmlns:r="http://schemas.openxmlformats.org/officeDocument/2006/relationships" xmlns:p="http://schemas.openxmlformats.org/presentationml/2006/main" show="0">
   <p:cSld>
     <p:spTree>
       <p:nvGrpSpPr>
@@ -10153,10 +7690,10 @@
       </p:grpSpPr>
       <p:sp>
         <p:nvSpPr>
-          <p:cNvPr id="2" name="Titel 1">
+          <p:cNvPr id="2" name="Title 1">
             <a:extLst>
               <a:ext uri="{FF2B5EF4-FFF2-40B4-BE49-F238E27FC236}">
-                <a16:creationId xmlns:a16="http://schemas.microsoft.com/office/drawing/2014/main" id="{1C4FFFDA-809D-48CE-BFB7-A7DD5AEA527F}"/>
+                <a16:creationId xmlns:a16="http://schemas.microsoft.com/office/drawing/2014/main" id="{361807B9-13BE-46BD-8A36-E680CDF91004}"/>
               </a:ext>
             </a:extLst>
           </p:cNvPr>
@@ -10174,17 +7711,17 @@
           <a:p>
             <a:r>
               <a:rPr lang="en-GB" dirty="0"/>
-              <a:t>Why data types?</a:t>
-            </a:r>
-          </a:p>
-        </p:txBody>
-      </p:sp>
-      <p:sp>
-        <p:nvSpPr>
-          <p:cNvPr id="3" name="Tijdelijke aanduiding voor inhoud 2">
+              <a:t>Programming language</a:t>
+            </a:r>
+          </a:p>
+        </p:txBody>
+      </p:sp>
+      <p:sp>
+        <p:nvSpPr>
+          <p:cNvPr id="3" name="Content Placeholder 2">
             <a:extLst>
               <a:ext uri="{FF2B5EF4-FFF2-40B4-BE49-F238E27FC236}">
-                <a16:creationId xmlns:a16="http://schemas.microsoft.com/office/drawing/2014/main" id="{2E299F9A-D5C0-4C9A-8AD8-D087280F895A}"/>
+                <a16:creationId xmlns:a16="http://schemas.microsoft.com/office/drawing/2014/main" id="{63C2660E-3037-471B-853A-53241D02918A}"/>
               </a:ext>
             </a:extLst>
           </p:cNvPr>
@@ -10202,232 +7739,191 @@
           <a:p>
             <a:r>
               <a:rPr lang="en-GB" dirty="0"/>
-              <a:t>Allocation</a:t>
-            </a:r>
-            <a:r>
-              <a:rPr lang="en-GB" b="1" dirty="0"/>
-              <a:t> </a:t>
-            </a:r>
-            <a:r>
-              <a:rPr lang="en-GB" dirty="0"/>
-              <a:t>of memory</a:t>
-            </a:r>
-          </a:p>
-          <a:p>
-            <a:r>
-              <a:rPr lang="en-GB" dirty="0"/>
-              <a:t>Define</a:t>
-            </a:r>
-            <a:r>
-              <a:rPr lang="en-GB" b="1" dirty="0"/>
-              <a:t> </a:t>
-            </a:r>
-            <a:r>
-              <a:rPr lang="en-GB" dirty="0"/>
-              <a:t>operations possible</a:t>
-            </a:r>
-          </a:p>
-          <a:p>
-            <a:r>
-              <a:rPr lang="en-GB" dirty="0"/>
-              <a:t>Type safety</a:t>
-            </a:r>
-          </a:p>
-          <a:p>
-            <a:endParaRPr lang="en-GB" dirty="0"/>
+              <a:t>Written for humans to understand</a:t>
+            </a:r>
+          </a:p>
+          <a:p>
+            <a:r>
+              <a:rPr lang="en-GB" dirty="0"/>
+              <a:t>Why so many:</a:t>
+            </a:r>
+          </a:p>
+          <a:p>
+            <a:pPr lvl="1"/>
+            <a:r>
+              <a:rPr lang="en-GB" dirty="0"/>
+              <a:t>Written for specific purposes</a:t>
+            </a:r>
+          </a:p>
+          <a:p>
+            <a:pPr lvl="1"/>
+            <a:r>
+              <a:rPr lang="en-GB" dirty="0"/>
+              <a:t>Personal preferences</a:t>
+            </a:r>
+          </a:p>
+          <a:p>
+            <a:pPr lvl="1"/>
+            <a:r>
+              <a:rPr lang="en-GB" dirty="0"/>
+              <a:t>Trade-off: convenience vs speed vs safety</a:t>
+            </a:r>
+          </a:p>
+          <a:p>
+            <a:r>
+              <a:rPr lang="en-GB" dirty="0"/>
+              <a:t>Eventually all programming languages are translated to code machine can understand</a:t>
+            </a:r>
           </a:p>
         </p:txBody>
       </p:sp>
     </p:spTree>
     <p:extLst>
       <p:ext uri="{BB962C8B-B14F-4D97-AF65-F5344CB8AC3E}">
-        <p14:creationId xmlns:p14="http://schemas.microsoft.com/office/powerpoint/2010/main" val="3308422483"/>
+        <p14:creationId xmlns:p14="http://schemas.microsoft.com/office/powerpoint/2010/main" val="2933392707"/>
       </p:ext>
     </p:extLst>
   </p:cSld>
   <p:clrMapOvr>
     <a:masterClrMapping/>
   </p:clrMapOvr>
-  <p:timing>
-    <p:tnLst>
-      <p:par>
-        <p:cTn id="1" dur="indefinite" restart="never" nodeType="tmRoot">
-          <p:childTnLst>
-            <p:seq concurrent="1" nextAc="seek">
-              <p:cTn id="2" dur="indefinite" nodeType="mainSeq">
-                <p:childTnLst>
-                  <p:par>
-                    <p:cTn id="3" fill="hold">
-                      <p:stCondLst>
-                        <p:cond delay="indefinite"/>
-                      </p:stCondLst>
-                      <p:childTnLst>
-                        <p:par>
-                          <p:cTn id="4" fill="hold">
-                            <p:stCondLst>
-                              <p:cond delay="0"/>
-                            </p:stCondLst>
-                            <p:childTnLst>
-                              <p:par>
-                                <p:cTn id="5" presetID="1" presetClass="entr" presetSubtype="0" fill="hold" grpId="0" nodeType="clickEffect">
-                                  <p:stCondLst>
-                                    <p:cond delay="0"/>
-                                  </p:stCondLst>
-                                  <p:childTnLst>
-                                    <p:set>
-                                      <p:cBhvr>
-                                        <p:cTn id="6" dur="1" fill="hold">
-                                          <p:stCondLst>
-                                            <p:cond delay="0"/>
-                                          </p:stCondLst>
-                                        </p:cTn>
-                                        <p:tgtEl>
-                                          <p:spTgt spid="3">
-                                            <p:txEl>
-                                              <p:pRg st="0" end="0"/>
-                                            </p:txEl>
-                                          </p:spTgt>
-                                        </p:tgtEl>
-                                        <p:attrNameLst>
-                                          <p:attrName>style.visibility</p:attrName>
-                                        </p:attrNameLst>
-                                      </p:cBhvr>
-                                      <p:to>
-                                        <p:strVal val="visible"/>
-                                      </p:to>
-                                    </p:set>
-                                  </p:childTnLst>
-                                </p:cTn>
-                              </p:par>
-                            </p:childTnLst>
-                          </p:cTn>
-                        </p:par>
-                      </p:childTnLst>
-                    </p:cTn>
-                  </p:par>
-                  <p:par>
-                    <p:cTn id="7" fill="hold">
-                      <p:stCondLst>
-                        <p:cond delay="indefinite"/>
-                      </p:stCondLst>
-                      <p:childTnLst>
-                        <p:par>
-                          <p:cTn id="8" fill="hold">
-                            <p:stCondLst>
-                              <p:cond delay="0"/>
-                            </p:stCondLst>
-                            <p:childTnLst>
-                              <p:par>
-                                <p:cTn id="9" presetID="1" presetClass="entr" presetSubtype="0" fill="hold" grpId="0" nodeType="clickEffect">
-                                  <p:stCondLst>
-                                    <p:cond delay="0"/>
-                                  </p:stCondLst>
-                                  <p:childTnLst>
-                                    <p:set>
-                                      <p:cBhvr>
-                                        <p:cTn id="10" dur="1" fill="hold">
-                                          <p:stCondLst>
-                                            <p:cond delay="0"/>
-                                          </p:stCondLst>
-                                        </p:cTn>
-                                        <p:tgtEl>
-                                          <p:spTgt spid="3">
-                                            <p:txEl>
-                                              <p:pRg st="1" end="1"/>
-                                            </p:txEl>
-                                          </p:spTgt>
-                                        </p:tgtEl>
-                                        <p:attrNameLst>
-                                          <p:attrName>style.visibility</p:attrName>
-                                        </p:attrNameLst>
-                                      </p:cBhvr>
-                                      <p:to>
-                                        <p:strVal val="visible"/>
-                                      </p:to>
-                                    </p:set>
-                                  </p:childTnLst>
-                                </p:cTn>
-                              </p:par>
-                            </p:childTnLst>
-                          </p:cTn>
-                        </p:par>
-                      </p:childTnLst>
-                    </p:cTn>
-                  </p:par>
-                  <p:par>
-                    <p:cTn id="11" fill="hold">
-                      <p:stCondLst>
-                        <p:cond delay="indefinite"/>
-                      </p:stCondLst>
-                      <p:childTnLst>
-                        <p:par>
-                          <p:cTn id="12" fill="hold">
-                            <p:stCondLst>
-                              <p:cond delay="0"/>
-                            </p:stCondLst>
-                            <p:childTnLst>
-                              <p:par>
-                                <p:cTn id="13" presetID="1" presetClass="entr" presetSubtype="0" fill="hold" grpId="0" nodeType="clickEffect">
-                                  <p:stCondLst>
-                                    <p:cond delay="0"/>
-                                  </p:stCondLst>
-                                  <p:childTnLst>
-                                    <p:set>
-                                      <p:cBhvr>
-                                        <p:cTn id="14" dur="1" fill="hold">
-                                          <p:stCondLst>
-                                            <p:cond delay="0"/>
-                                          </p:stCondLst>
-                                        </p:cTn>
-                                        <p:tgtEl>
-                                          <p:spTgt spid="3">
-                                            <p:txEl>
-                                              <p:pRg st="2" end="2"/>
-                                            </p:txEl>
-                                          </p:spTgt>
-                                        </p:tgtEl>
-                                        <p:attrNameLst>
-                                          <p:attrName>style.visibility</p:attrName>
-                                        </p:attrNameLst>
-                                      </p:cBhvr>
-                                      <p:to>
-                                        <p:strVal val="visible"/>
-                                      </p:to>
-                                    </p:set>
-                                  </p:childTnLst>
-                                </p:cTn>
-                              </p:par>
-                            </p:childTnLst>
-                          </p:cTn>
-                        </p:par>
-                      </p:childTnLst>
-                    </p:cTn>
-                  </p:par>
-                </p:childTnLst>
-              </p:cTn>
-              <p:prevCondLst>
-                <p:cond evt="onPrev" delay="0">
-                  <p:tgtEl>
-                    <p:sldTgt/>
-                  </p:tgtEl>
-                </p:cond>
-              </p:prevCondLst>
-              <p:nextCondLst>
-                <p:cond evt="onNext" delay="0">
-                  <p:tgtEl>
-                    <p:sldTgt/>
-                  </p:tgtEl>
-                </p:cond>
-              </p:nextCondLst>
-            </p:seq>
-          </p:childTnLst>
-        </p:cTn>
-      </p:par>
-    </p:tnLst>
-    <p:bldLst>
-      <p:bldP spid="3" grpId="0" build="p"/>
-    </p:bldLst>
-  </p:timing>
+</p:sld>
+</file>
+
+<file path=ppt/slides/slide26.xml><?xml version="1.0" encoding="utf-8"?>
+<p:sld xmlns:a="http://schemas.openxmlformats.org/drawingml/2006/main" xmlns:r="http://schemas.openxmlformats.org/officeDocument/2006/relationships" xmlns:p="http://schemas.openxmlformats.org/presentationml/2006/main" show="0">
+  <p:cSld>
+    <p:spTree>
+      <p:nvGrpSpPr>
+        <p:cNvPr id="1" name=""/>
+        <p:cNvGrpSpPr/>
+        <p:nvPr/>
+      </p:nvGrpSpPr>
+      <p:grpSpPr>
+        <a:xfrm>
+          <a:off x="0" y="0"/>
+          <a:ext cx="0" cy="0"/>
+          <a:chOff x="0" y="0"/>
+          <a:chExt cx="0" cy="0"/>
+        </a:xfrm>
+      </p:grpSpPr>
+      <p:sp>
+        <p:nvSpPr>
+          <p:cNvPr id="2" name="Title 1">
+            <a:extLst>
+              <a:ext uri="{FF2B5EF4-FFF2-40B4-BE49-F238E27FC236}">
+                <a16:creationId xmlns:a16="http://schemas.microsoft.com/office/drawing/2014/main" id="{BF7C7390-0055-4490-A5FC-3AB69518ACDE}"/>
+              </a:ext>
+            </a:extLst>
+          </p:cNvPr>
+          <p:cNvSpPr>
+            <a:spLocks noGrp="1"/>
+          </p:cNvSpPr>
+          <p:nvPr>
+            <p:ph type="title"/>
+          </p:nvPr>
+        </p:nvSpPr>
+        <p:spPr/>
+        <p:txBody>
+          <a:bodyPr/>
+          <a:lstStyle/>
+          <a:p>
+            <a:r>
+              <a:rPr lang="en-GB" dirty="0"/>
+              <a:t>Python: interpreting</a:t>
+            </a:r>
+          </a:p>
+        </p:txBody>
+      </p:sp>
+      <p:sp>
+        <p:nvSpPr>
+          <p:cNvPr id="3" name="Content Placeholder 2">
+            <a:extLst>
+              <a:ext uri="{FF2B5EF4-FFF2-40B4-BE49-F238E27FC236}">
+                <a16:creationId xmlns:a16="http://schemas.microsoft.com/office/drawing/2014/main" id="{DDE7F9A6-468A-4F01-A116-41BA9C951E12}"/>
+              </a:ext>
+            </a:extLst>
+          </p:cNvPr>
+          <p:cNvSpPr>
+            <a:spLocks noGrp="1"/>
+          </p:cNvSpPr>
+          <p:nvPr>
+            <p:ph idx="1"/>
+          </p:nvPr>
+        </p:nvSpPr>
+        <p:spPr/>
+        <p:txBody>
+          <a:bodyPr/>
+          <a:lstStyle/>
+          <a:p>
+            <a:r>
+              <a:rPr lang="en-GB" dirty="0"/>
+              <a:t>Python interpreter takes bytecode and executes line by line</a:t>
+            </a:r>
+          </a:p>
+          <a:p>
+            <a:pPr lvl="1"/>
+            <a:r>
+              <a:rPr lang="en-GB" dirty="0"/>
+              <a:t>Execution happens on a virtual machine</a:t>
+            </a:r>
+          </a:p>
+          <a:p>
+            <a:r>
+              <a:rPr lang="en-GB" dirty="0"/>
+              <a:t>If error occurs, it happens during runtime</a:t>
+            </a:r>
+          </a:p>
+          <a:p>
+            <a:r>
+              <a:rPr lang="en-GB" dirty="0"/>
+              <a:t>Python also allows line by line execution (see e.g. </a:t>
+            </a:r>
+            <a:r>
+              <a:rPr lang="en-GB" dirty="0" err="1"/>
+              <a:t>iPython</a:t>
+            </a:r>
+            <a:r>
+              <a:rPr lang="en-GB" dirty="0"/>
+              <a:t>)</a:t>
+            </a:r>
+          </a:p>
+          <a:p>
+            <a:pPr lvl="1"/>
+            <a:r>
+              <a:rPr lang="en-GB" dirty="0"/>
+              <a:t>Under the hood this includes compiling + interpreting</a:t>
+            </a:r>
+          </a:p>
+          <a:p>
+            <a:pPr lvl="1"/>
+            <a:endParaRPr lang="en-GB" dirty="0"/>
+          </a:p>
+          <a:p>
+            <a:pPr lvl="1"/>
+            <a:endParaRPr lang="en-GB" dirty="0"/>
+          </a:p>
+          <a:p>
+            <a:pPr marL="0" indent="0">
+              <a:buNone/>
+            </a:pPr>
+            <a:r>
+              <a:rPr lang="en-GB" dirty="0"/>
+              <a:t>Important: You might have gotten some output when the error occurs!</a:t>
+            </a:r>
+          </a:p>
+        </p:txBody>
+      </p:sp>
+    </p:spTree>
+    <p:extLst>
+      <p:ext uri="{BB962C8B-B14F-4D97-AF65-F5344CB8AC3E}">
+        <p14:creationId xmlns:p14="http://schemas.microsoft.com/office/powerpoint/2010/main" val="2559822169"/>
+      </p:ext>
+    </p:extLst>
+  </p:cSld>
+  <p:clrMapOvr>
+    <a:masterClrMapping/>
+  </p:clrMapOvr>
 </p:sld>
 </file>
 
@@ -10535,977 +8031,6 @@
     <p:extLst>
       <p:ext uri="{BB962C8B-B14F-4D97-AF65-F5344CB8AC3E}">
         <p14:creationId xmlns:p14="http://schemas.microsoft.com/office/powerpoint/2010/main" val="3238669408"/>
-      </p:ext>
-    </p:extLst>
-  </p:cSld>
-  <p:clrMapOvr>
-    <a:masterClrMapping/>
-  </p:clrMapOvr>
-</p:sld>
-</file>
-
-<file path=ppt/slides/slide30.xml><?xml version="1.0" encoding="utf-8"?>
-<p:sld xmlns:a="http://schemas.openxmlformats.org/drawingml/2006/main" xmlns:r="http://schemas.openxmlformats.org/officeDocument/2006/relationships" xmlns:p="http://schemas.openxmlformats.org/presentationml/2006/main">
-  <p:cSld>
-    <p:spTree>
-      <p:nvGrpSpPr>
-        <p:cNvPr id="1" name=""/>
-        <p:cNvGrpSpPr/>
-        <p:nvPr/>
-      </p:nvGrpSpPr>
-      <p:grpSpPr>
-        <a:xfrm>
-          <a:off x="0" y="0"/>
-          <a:ext cx="0" cy="0"/>
-          <a:chOff x="0" y="0"/>
-          <a:chExt cx="0" cy="0"/>
-        </a:xfrm>
-      </p:grpSpPr>
-      <p:sp>
-        <p:nvSpPr>
-          <p:cNvPr id="2" name="Title 1">
-            <a:extLst>
-              <a:ext uri="{FF2B5EF4-FFF2-40B4-BE49-F238E27FC236}">
-                <a16:creationId xmlns:a16="http://schemas.microsoft.com/office/drawing/2014/main" id="{89C0A727-B338-4CF3-B970-29521853B9A1}"/>
-              </a:ext>
-            </a:extLst>
-          </p:cNvPr>
-          <p:cNvSpPr>
-            <a:spLocks noGrp="1"/>
-          </p:cNvSpPr>
-          <p:nvPr>
-            <p:ph type="title"/>
-          </p:nvPr>
-        </p:nvSpPr>
-        <p:spPr/>
-        <p:txBody>
-          <a:bodyPr/>
-          <a:lstStyle/>
-          <a:p>
-            <a:r>
-              <a:rPr lang="en-GB" dirty="0"/>
-              <a:t>Python: Strong, dynamical and implicit</a:t>
-            </a:r>
-          </a:p>
-        </p:txBody>
-      </p:sp>
-      <p:sp>
-        <p:nvSpPr>
-          <p:cNvPr id="3" name="Content Placeholder 2">
-            <a:extLst>
-              <a:ext uri="{FF2B5EF4-FFF2-40B4-BE49-F238E27FC236}">
-                <a16:creationId xmlns:a16="http://schemas.microsoft.com/office/drawing/2014/main" id="{505398F4-0D8F-43E1-9F29-9155F8D2AB33}"/>
-              </a:ext>
-            </a:extLst>
-          </p:cNvPr>
-          <p:cNvSpPr>
-            <a:spLocks noGrp="1"/>
-          </p:cNvSpPr>
-          <p:nvPr>
-            <p:ph idx="1"/>
-          </p:nvPr>
-        </p:nvSpPr>
-        <p:spPr/>
-        <p:txBody>
-          <a:bodyPr/>
-          <a:lstStyle/>
-          <a:p>
-            <a:r>
-              <a:rPr lang="en-GB" dirty="0"/>
-              <a:t>Strong:</a:t>
-            </a:r>
-          </a:p>
-          <a:p>
-            <a:pPr lvl="1"/>
-            <a:r>
-              <a:rPr lang="en-GB" dirty="0"/>
-              <a:t>When you have assigned a type to a </a:t>
-            </a:r>
-            <a:r>
-              <a:rPr lang="en-GB" i="1" dirty="0"/>
-              <a:t>value</a:t>
-            </a:r>
-            <a:r>
-              <a:rPr lang="en-GB" dirty="0"/>
-              <a:t> (not the variable!) it will keep that type </a:t>
-            </a:r>
-          </a:p>
-          <a:p>
-            <a:pPr lvl="1"/>
-            <a:r>
-              <a:rPr lang="en-GB" dirty="0"/>
-              <a:t>E.g. string of numbers will not suddenly become number</a:t>
-            </a:r>
-          </a:p>
-          <a:p>
-            <a:r>
-              <a:rPr lang="en-GB" dirty="0"/>
-              <a:t>Dynamically:</a:t>
-            </a:r>
-          </a:p>
-          <a:p>
-            <a:pPr lvl="1"/>
-            <a:r>
-              <a:rPr lang="en-GB" i="1" dirty="0"/>
-              <a:t>Variables </a:t>
-            </a:r>
-            <a:r>
-              <a:rPr lang="en-GB" dirty="0"/>
-              <a:t>(not values) can change type</a:t>
-            </a:r>
-          </a:p>
-          <a:p>
-            <a:pPr lvl="1"/>
-            <a:r>
-              <a:rPr lang="en-GB" dirty="0"/>
-              <a:t>Implicit:</a:t>
-            </a:r>
-          </a:p>
-          <a:p>
-            <a:pPr lvl="2"/>
-            <a:r>
-              <a:rPr lang="en-GB" dirty="0"/>
-              <a:t>Do not declare the type of variables beforehand</a:t>
-            </a:r>
-          </a:p>
-          <a:p>
-            <a:pPr lvl="1"/>
-            <a:endParaRPr lang="en-GB" i="1" dirty="0"/>
-          </a:p>
-        </p:txBody>
-      </p:sp>
-    </p:spTree>
-    <p:extLst>
-      <p:ext uri="{BB962C8B-B14F-4D97-AF65-F5344CB8AC3E}">
-        <p14:creationId xmlns:p14="http://schemas.microsoft.com/office/powerpoint/2010/main" val="2865980445"/>
-      </p:ext>
-    </p:extLst>
-  </p:cSld>
-  <p:clrMapOvr>
-    <a:masterClrMapping/>
-  </p:clrMapOvr>
-</p:sld>
-</file>
-
-<file path=ppt/slides/slide31.xml><?xml version="1.0" encoding="utf-8"?>
-<p:sld xmlns:a="http://schemas.openxmlformats.org/drawingml/2006/main" xmlns:r="http://schemas.openxmlformats.org/officeDocument/2006/relationships" xmlns:p="http://schemas.openxmlformats.org/presentationml/2006/main">
-  <p:cSld>
-    <p:spTree>
-      <p:nvGrpSpPr>
-        <p:cNvPr id="1" name=""/>
-        <p:cNvGrpSpPr/>
-        <p:nvPr/>
-      </p:nvGrpSpPr>
-      <p:grpSpPr>
-        <a:xfrm>
-          <a:off x="0" y="0"/>
-          <a:ext cx="0" cy="0"/>
-          <a:chOff x="0" y="0"/>
-          <a:chExt cx="0" cy="0"/>
-        </a:xfrm>
-      </p:grpSpPr>
-      <p:sp>
-        <p:nvSpPr>
-          <p:cNvPr id="2" name="Titel 1">
-            <a:extLst>
-              <a:ext uri="{FF2B5EF4-FFF2-40B4-BE49-F238E27FC236}">
-                <a16:creationId xmlns:a16="http://schemas.microsoft.com/office/drawing/2014/main" id="{9F623F1A-1BB9-4A77-BCA8-E57C9823A06C}"/>
-              </a:ext>
-            </a:extLst>
-          </p:cNvPr>
-          <p:cNvSpPr>
-            <a:spLocks noGrp="1"/>
-          </p:cNvSpPr>
-          <p:nvPr>
-            <p:ph type="title"/>
-          </p:nvPr>
-        </p:nvSpPr>
-        <p:spPr/>
-        <p:txBody>
-          <a:bodyPr/>
-          <a:lstStyle/>
-          <a:p>
-            <a:r>
-              <a:rPr lang="en-GB" dirty="0"/>
-              <a:t>Primitive data types in Python</a:t>
-            </a:r>
-          </a:p>
-        </p:txBody>
-      </p:sp>
-      <p:graphicFrame>
-        <p:nvGraphicFramePr>
-          <p:cNvPr id="4" name="Tabel 3">
-            <a:extLst>
-              <a:ext uri="{FF2B5EF4-FFF2-40B4-BE49-F238E27FC236}">
-                <a16:creationId xmlns:a16="http://schemas.microsoft.com/office/drawing/2014/main" id="{5FDD658F-546F-4D27-879B-78730C01A0A0}"/>
-              </a:ext>
-            </a:extLst>
-          </p:cNvPr>
-          <p:cNvGraphicFramePr>
-            <a:graphicFrameLocks noGrp="1"/>
-          </p:cNvGraphicFramePr>
-          <p:nvPr>
-            <p:extLst/>
-          </p:nvPr>
-        </p:nvGraphicFramePr>
-        <p:xfrm>
-          <a:off x="0" y="1443945"/>
-          <a:ext cx="12192000" cy="5167313"/>
-        </p:xfrm>
-        <a:graphic>
-          <a:graphicData uri="http://schemas.openxmlformats.org/drawingml/2006/table">
-            <a:tbl>
-              <a:tblPr firstRow="1" bandRow="1">
-                <a:tableStyleId>{5C22544A-7EE6-4342-B048-85BDC9FD1C3A}</a:tableStyleId>
-              </a:tblPr>
-              <a:tblGrid>
-                <a:gridCol w="4064000">
-                  <a:extLst>
-                    <a:ext uri="{9D8B030D-6E8A-4147-A177-3AD203B41FA5}">
-                      <a16:colId xmlns:a16="http://schemas.microsoft.com/office/drawing/2014/main" val="648032213"/>
-                    </a:ext>
-                  </a:extLst>
-                </a:gridCol>
-                <a:gridCol w="4064000">
-                  <a:extLst>
-                    <a:ext uri="{9D8B030D-6E8A-4147-A177-3AD203B41FA5}">
-                      <a16:colId xmlns:a16="http://schemas.microsoft.com/office/drawing/2014/main" val="1875678885"/>
-                    </a:ext>
-                  </a:extLst>
-                </a:gridCol>
-                <a:gridCol w="4064000">
-                  <a:extLst>
-                    <a:ext uri="{9D8B030D-6E8A-4147-A177-3AD203B41FA5}">
-                      <a16:colId xmlns:a16="http://schemas.microsoft.com/office/drawing/2014/main" val="1286759113"/>
-                    </a:ext>
-                  </a:extLst>
-                </a:gridCol>
-              </a:tblGrid>
-              <a:tr h="674613">
-                <a:tc>
-                  <a:txBody>
-                    <a:bodyPr/>
-                    <a:lstStyle/>
-                    <a:p>
-                      <a:r>
-                        <a:rPr lang="en-GB" sz="2800" dirty="0"/>
-                        <a:t>Name</a:t>
-                      </a:r>
-                    </a:p>
-                  </a:txBody>
-                  <a:tcPr>
-                    <a:solidFill>
-                      <a:srgbClr val="7030A0"/>
-                    </a:solidFill>
-                  </a:tcPr>
-                </a:tc>
-                <a:tc>
-                  <a:txBody>
-                    <a:bodyPr/>
-                    <a:lstStyle/>
-                    <a:p>
-                      <a:r>
-                        <a:rPr lang="en-GB" sz="2800" dirty="0"/>
-                        <a:t>Shorthand</a:t>
-                      </a:r>
-                    </a:p>
-                  </a:txBody>
-                  <a:tcPr>
-                    <a:solidFill>
-                      <a:srgbClr val="7030A0"/>
-                    </a:solidFill>
-                  </a:tcPr>
-                </a:tc>
-                <a:tc>
-                  <a:txBody>
-                    <a:bodyPr/>
-                    <a:lstStyle/>
-                    <a:p>
-                      <a:r>
-                        <a:rPr lang="en-GB" sz="2800" dirty="0"/>
-                        <a:t>What</a:t>
-                      </a:r>
-                    </a:p>
-                  </a:txBody>
-                  <a:tcPr>
-                    <a:solidFill>
-                      <a:srgbClr val="7030A0"/>
-                    </a:solidFill>
-                  </a:tcPr>
-                </a:tc>
-                <a:extLst>
-                  <a:ext uri="{0D108BD9-81ED-4DB2-BD59-A6C34878D82A}">
-                    <a16:rowId xmlns:a16="http://schemas.microsoft.com/office/drawing/2014/main" val="3270505524"/>
-                  </a:ext>
-                </a:extLst>
-              </a:tr>
-              <a:tr h="674613">
-                <a:tc>
-                  <a:txBody>
-                    <a:bodyPr/>
-                    <a:lstStyle/>
-                    <a:p>
-                      <a:r>
-                        <a:rPr lang="en-GB" sz="2800" dirty="0"/>
-                        <a:t>Integer</a:t>
-                      </a:r>
-                    </a:p>
-                  </a:txBody>
-                  <a:tcPr>
-                    <a:solidFill>
-                      <a:schemeClr val="accent3">
-                        <a:lumMod val="20000"/>
-                        <a:lumOff val="80000"/>
-                      </a:schemeClr>
-                    </a:solidFill>
-                  </a:tcPr>
-                </a:tc>
-                <a:tc>
-                  <a:txBody>
-                    <a:bodyPr/>
-                    <a:lstStyle/>
-                    <a:p>
-                      <a:r>
-                        <a:rPr lang="en-GB" sz="2800" dirty="0"/>
-                        <a:t>int</a:t>
-                      </a:r>
-                    </a:p>
-                  </a:txBody>
-                  <a:tcPr>
-                    <a:solidFill>
-                      <a:schemeClr val="accent3">
-                        <a:lumMod val="20000"/>
-                        <a:lumOff val="80000"/>
-                      </a:schemeClr>
-                    </a:solidFill>
-                  </a:tcPr>
-                </a:tc>
-                <a:tc>
-                  <a:txBody>
-                    <a:bodyPr/>
-                    <a:lstStyle/>
-                    <a:p>
-                      <a:r>
-                        <a:rPr lang="en-GB" sz="2400" dirty="0"/>
-                        <a:t>Whole numbers</a:t>
-                      </a:r>
-                    </a:p>
-                  </a:txBody>
-                  <a:tcPr>
-                    <a:solidFill>
-                      <a:schemeClr val="accent3">
-                        <a:lumMod val="20000"/>
-                        <a:lumOff val="80000"/>
-                      </a:schemeClr>
-                    </a:solidFill>
-                  </a:tcPr>
-                </a:tc>
-                <a:extLst>
-                  <a:ext uri="{0D108BD9-81ED-4DB2-BD59-A6C34878D82A}">
-                    <a16:rowId xmlns:a16="http://schemas.microsoft.com/office/drawing/2014/main" val="3928429828"/>
-                  </a:ext>
-                </a:extLst>
-              </a:tr>
-              <a:tr h="897586">
-                <a:tc>
-                  <a:txBody>
-                    <a:bodyPr/>
-                    <a:lstStyle/>
-                    <a:p>
-                      <a:r>
-                        <a:rPr lang="en-GB" sz="2800" dirty="0"/>
-                        <a:t>Floating-point number</a:t>
-                      </a:r>
-                    </a:p>
-                  </a:txBody>
-                  <a:tcPr>
-                    <a:solidFill>
-                      <a:schemeClr val="accent3">
-                        <a:lumMod val="20000"/>
-                        <a:lumOff val="80000"/>
-                      </a:schemeClr>
-                    </a:solidFill>
-                  </a:tcPr>
-                </a:tc>
-                <a:tc>
-                  <a:txBody>
-                    <a:bodyPr/>
-                    <a:lstStyle/>
-                    <a:p>
-                      <a:r>
-                        <a:rPr lang="en-GB" sz="2800" dirty="0"/>
-                        <a:t>float</a:t>
-                      </a:r>
-                    </a:p>
-                  </a:txBody>
-                  <a:tcPr>
-                    <a:solidFill>
-                      <a:schemeClr val="accent3">
-                        <a:lumMod val="20000"/>
-                        <a:lumOff val="80000"/>
-                      </a:schemeClr>
-                    </a:solidFill>
-                  </a:tcPr>
-                </a:tc>
-                <a:tc>
-                  <a:txBody>
-                    <a:bodyPr/>
-                    <a:lstStyle/>
-                    <a:p>
-                      <a:r>
-                        <a:rPr lang="en-GB" sz="2400" dirty="0"/>
-                        <a:t>32-bit number with digits after decimal place</a:t>
-                      </a:r>
-                    </a:p>
-                  </a:txBody>
-                  <a:tcPr>
-                    <a:solidFill>
-                      <a:schemeClr val="accent3">
-                        <a:lumMod val="20000"/>
-                        <a:lumOff val="80000"/>
-                      </a:schemeClr>
-                    </a:solidFill>
-                  </a:tcPr>
-                </a:tc>
-                <a:extLst>
-                  <a:ext uri="{0D108BD9-81ED-4DB2-BD59-A6C34878D82A}">
-                    <a16:rowId xmlns:a16="http://schemas.microsoft.com/office/drawing/2014/main" val="3175073526"/>
-                  </a:ext>
-                </a:extLst>
-              </a:tr>
-              <a:tr h="1296513">
-                <a:tc>
-                  <a:txBody>
-                    <a:bodyPr/>
-                    <a:lstStyle/>
-                    <a:p>
-                      <a:r>
-                        <a:rPr lang="en-GB" sz="2800" dirty="0"/>
-                        <a:t>Double precision float</a:t>
-                      </a:r>
-                    </a:p>
-                  </a:txBody>
-                  <a:tcPr>
-                    <a:solidFill>
-                      <a:schemeClr val="accent3">
-                        <a:lumMod val="20000"/>
-                        <a:lumOff val="80000"/>
-                      </a:schemeClr>
-                    </a:solidFill>
-                  </a:tcPr>
-                </a:tc>
-                <a:tc>
-                  <a:txBody>
-                    <a:bodyPr/>
-                    <a:lstStyle/>
-                    <a:p>
-                      <a:r>
-                        <a:rPr lang="en-GB" sz="2800" dirty="0"/>
-                        <a:t>double</a:t>
-                      </a:r>
-                    </a:p>
-                  </a:txBody>
-                  <a:tcPr>
-                    <a:solidFill>
-                      <a:schemeClr val="accent3">
-                        <a:lumMod val="20000"/>
-                        <a:lumOff val="80000"/>
-                      </a:schemeClr>
-                    </a:solidFill>
-                  </a:tcPr>
-                </a:tc>
-                <a:tc>
-                  <a:txBody>
-                    <a:bodyPr/>
-                    <a:lstStyle/>
-                    <a:p>
-                      <a:pPr marL="0" marR="0" lvl="0" indent="0" algn="l" defTabSz="914400" rtl="0" eaLnBrk="1" fontAlgn="auto" latinLnBrk="0" hangingPunct="1">
-                        <a:lnSpc>
-                          <a:spcPct val="100000"/>
-                        </a:lnSpc>
-                        <a:spcBef>
-                          <a:spcPts val="0"/>
-                        </a:spcBef>
-                        <a:spcAft>
-                          <a:spcPts val="0"/>
-                        </a:spcAft>
-                        <a:buClrTx/>
-                        <a:buSzTx/>
-                        <a:buFontTx/>
-                        <a:buNone/>
-                        <a:tabLst/>
-                        <a:defRPr/>
-                      </a:pPr>
-                      <a:r>
-                        <a:rPr lang="en-GB" sz="2400" dirty="0"/>
-                        <a:t>64-bit number with digits after decimal place</a:t>
-                      </a:r>
-                    </a:p>
-                    <a:p>
-                      <a:endParaRPr lang="en-GB" sz="2400" dirty="0"/>
-                    </a:p>
-                  </a:txBody>
-                  <a:tcPr>
-                    <a:solidFill>
-                      <a:schemeClr val="accent3">
-                        <a:lumMod val="20000"/>
-                        <a:lumOff val="80000"/>
-                      </a:schemeClr>
-                    </a:solidFill>
-                  </a:tcPr>
-                </a:tc>
-                <a:extLst>
-                  <a:ext uri="{0D108BD9-81ED-4DB2-BD59-A6C34878D82A}">
-                    <a16:rowId xmlns:a16="http://schemas.microsoft.com/office/drawing/2014/main" val="663083742"/>
-                  </a:ext>
-                </a:extLst>
-              </a:tr>
-              <a:tr h="1030561">
-                <a:tc>
-                  <a:txBody>
-                    <a:bodyPr/>
-                    <a:lstStyle/>
-                    <a:p>
-                      <a:r>
-                        <a:rPr lang="en-GB" sz="2800" dirty="0"/>
-                        <a:t>Boolean</a:t>
-                      </a:r>
-                    </a:p>
-                  </a:txBody>
-                  <a:tcPr>
-                    <a:solidFill>
-                      <a:schemeClr val="accent3">
-                        <a:lumMod val="20000"/>
-                        <a:lumOff val="80000"/>
-                      </a:schemeClr>
-                    </a:solidFill>
-                  </a:tcPr>
-                </a:tc>
-                <a:tc>
-                  <a:txBody>
-                    <a:bodyPr/>
-                    <a:lstStyle/>
-                    <a:p>
-                      <a:r>
-                        <a:rPr lang="en-GB" sz="2800" dirty="0"/>
-                        <a:t>bool</a:t>
-                      </a:r>
-                    </a:p>
-                  </a:txBody>
-                  <a:tcPr>
-                    <a:solidFill>
-                      <a:schemeClr val="accent3">
-                        <a:lumMod val="20000"/>
-                        <a:lumOff val="80000"/>
-                      </a:schemeClr>
-                    </a:solidFill>
-                  </a:tcPr>
-                </a:tc>
-                <a:tc>
-                  <a:txBody>
-                    <a:bodyPr/>
-                    <a:lstStyle/>
-                    <a:p>
-                      <a:r>
-                        <a:rPr lang="en-GB" sz="2400" dirty="0"/>
-                        <a:t>Value that’s either true or false (0 or 1)</a:t>
-                      </a:r>
-                    </a:p>
-                  </a:txBody>
-                  <a:tcPr>
-                    <a:solidFill>
-                      <a:schemeClr val="accent3">
-                        <a:lumMod val="20000"/>
-                        <a:lumOff val="80000"/>
-                      </a:schemeClr>
-                    </a:solidFill>
-                  </a:tcPr>
-                </a:tc>
-                <a:extLst>
-                  <a:ext uri="{0D108BD9-81ED-4DB2-BD59-A6C34878D82A}">
-                    <a16:rowId xmlns:a16="http://schemas.microsoft.com/office/drawing/2014/main" val="3560124317"/>
-                  </a:ext>
-                </a:extLst>
-              </a:tr>
-              <a:tr h="593427">
-                <a:tc>
-                  <a:txBody>
-                    <a:bodyPr/>
-                    <a:lstStyle/>
-                    <a:p>
-                      <a:r>
-                        <a:rPr lang="en-GB" sz="2800" dirty="0"/>
-                        <a:t>String</a:t>
-                      </a:r>
-                    </a:p>
-                  </a:txBody>
-                  <a:tcPr>
-                    <a:solidFill>
-                      <a:schemeClr val="accent3">
-                        <a:lumMod val="20000"/>
-                        <a:lumOff val="80000"/>
-                      </a:schemeClr>
-                    </a:solidFill>
-                  </a:tcPr>
-                </a:tc>
-                <a:tc>
-                  <a:txBody>
-                    <a:bodyPr/>
-                    <a:lstStyle/>
-                    <a:p>
-                      <a:r>
-                        <a:rPr lang="en-GB" sz="2800" dirty="0"/>
-                        <a:t>str</a:t>
-                      </a:r>
-                    </a:p>
-                  </a:txBody>
-                  <a:tcPr>
-                    <a:solidFill>
-                      <a:schemeClr val="accent3">
-                        <a:lumMod val="20000"/>
-                        <a:lumOff val="80000"/>
-                      </a:schemeClr>
-                    </a:solidFill>
-                  </a:tcPr>
-                </a:tc>
-                <a:tc>
-                  <a:txBody>
-                    <a:bodyPr/>
-                    <a:lstStyle/>
-                    <a:p>
-                      <a:r>
-                        <a:rPr lang="en-GB" sz="2400" dirty="0"/>
-                        <a:t>A list of ASCII characters</a:t>
-                      </a:r>
-                    </a:p>
-                  </a:txBody>
-                  <a:tcPr>
-                    <a:solidFill>
-                      <a:schemeClr val="accent3">
-                        <a:lumMod val="20000"/>
-                        <a:lumOff val="80000"/>
-                      </a:schemeClr>
-                    </a:solidFill>
-                  </a:tcPr>
-                </a:tc>
-                <a:extLst>
-                  <a:ext uri="{0D108BD9-81ED-4DB2-BD59-A6C34878D82A}">
-                    <a16:rowId xmlns:a16="http://schemas.microsoft.com/office/drawing/2014/main" val="3576856072"/>
-                  </a:ext>
-                </a:extLst>
-              </a:tr>
-            </a:tbl>
-          </a:graphicData>
-        </a:graphic>
-      </p:graphicFrame>
-    </p:spTree>
-    <p:extLst>
-      <p:ext uri="{BB962C8B-B14F-4D97-AF65-F5344CB8AC3E}">
-        <p14:creationId xmlns:p14="http://schemas.microsoft.com/office/powerpoint/2010/main" val="2913176209"/>
-      </p:ext>
-    </p:extLst>
-  </p:cSld>
-  <p:clrMapOvr>
-    <a:masterClrMapping/>
-  </p:clrMapOvr>
-</p:sld>
-</file>
-
-<file path=ppt/slides/slide32.xml><?xml version="1.0" encoding="utf-8"?>
-<p:sld xmlns:a="http://schemas.openxmlformats.org/drawingml/2006/main" xmlns:r="http://schemas.openxmlformats.org/officeDocument/2006/relationships" xmlns:p="http://schemas.openxmlformats.org/presentationml/2006/main">
-  <p:cSld>
-    <p:spTree>
-      <p:nvGrpSpPr>
-        <p:cNvPr id="1" name=""/>
-        <p:cNvGrpSpPr/>
-        <p:nvPr/>
-      </p:nvGrpSpPr>
-      <p:grpSpPr>
-        <a:xfrm>
-          <a:off x="0" y="0"/>
-          <a:ext cx="0" cy="0"/>
-          <a:chOff x="0" y="0"/>
-          <a:chExt cx="0" cy="0"/>
-        </a:xfrm>
-      </p:grpSpPr>
-      <p:sp>
-        <p:nvSpPr>
-          <p:cNvPr id="2" name="Titel 1">
-            <a:extLst>
-              <a:ext uri="{FF2B5EF4-FFF2-40B4-BE49-F238E27FC236}">
-                <a16:creationId xmlns:a16="http://schemas.microsoft.com/office/drawing/2014/main" id="{9F623F1A-1BB9-4A77-BCA8-E57C9823A06C}"/>
-              </a:ext>
-            </a:extLst>
-          </p:cNvPr>
-          <p:cNvSpPr>
-            <a:spLocks noGrp="1"/>
-          </p:cNvSpPr>
-          <p:nvPr>
-            <p:ph type="title"/>
-          </p:nvPr>
-        </p:nvSpPr>
-        <p:spPr/>
-        <p:txBody>
-          <a:bodyPr/>
-          <a:lstStyle/>
-          <a:p>
-            <a:r>
-              <a:rPr lang="en-GB" dirty="0"/>
-              <a:t>Composite data types in Python</a:t>
-            </a:r>
-          </a:p>
-        </p:txBody>
-      </p:sp>
-      <p:graphicFrame>
-        <p:nvGraphicFramePr>
-          <p:cNvPr id="4" name="Tabel 3">
-            <a:extLst>
-              <a:ext uri="{FF2B5EF4-FFF2-40B4-BE49-F238E27FC236}">
-                <a16:creationId xmlns:a16="http://schemas.microsoft.com/office/drawing/2014/main" id="{5FDD658F-546F-4D27-879B-78730C01A0A0}"/>
-              </a:ext>
-            </a:extLst>
-          </p:cNvPr>
-          <p:cNvGraphicFramePr>
-            <a:graphicFrameLocks noGrp="1"/>
-          </p:cNvGraphicFramePr>
-          <p:nvPr>
-            <p:extLst/>
-          </p:nvPr>
-        </p:nvGraphicFramePr>
-        <p:xfrm>
-          <a:off x="0" y="1690688"/>
-          <a:ext cx="12192000" cy="2395159"/>
-        </p:xfrm>
-        <a:graphic>
-          <a:graphicData uri="http://schemas.openxmlformats.org/drawingml/2006/table">
-            <a:tbl>
-              <a:tblPr firstRow="1" bandRow="1">
-                <a:tableStyleId>{5C22544A-7EE6-4342-B048-85BDC9FD1C3A}</a:tableStyleId>
-              </a:tblPr>
-              <a:tblGrid>
-                <a:gridCol w="4064000">
-                  <a:extLst>
-                    <a:ext uri="{9D8B030D-6E8A-4147-A177-3AD203B41FA5}">
-                      <a16:colId xmlns:a16="http://schemas.microsoft.com/office/drawing/2014/main" val="648032213"/>
-                    </a:ext>
-                  </a:extLst>
-                </a:gridCol>
-                <a:gridCol w="4064000">
-                  <a:extLst>
-                    <a:ext uri="{9D8B030D-6E8A-4147-A177-3AD203B41FA5}">
-                      <a16:colId xmlns:a16="http://schemas.microsoft.com/office/drawing/2014/main" val="1875678885"/>
-                    </a:ext>
-                  </a:extLst>
-                </a:gridCol>
-                <a:gridCol w="4064000">
-                  <a:extLst>
-                    <a:ext uri="{9D8B030D-6E8A-4147-A177-3AD203B41FA5}">
-                      <a16:colId xmlns:a16="http://schemas.microsoft.com/office/drawing/2014/main" val="1286759113"/>
-                    </a:ext>
-                  </a:extLst>
-                </a:gridCol>
-              </a:tblGrid>
-              <a:tr h="674613">
-                <a:tc>
-                  <a:txBody>
-                    <a:bodyPr/>
-                    <a:lstStyle/>
-                    <a:p>
-                      <a:r>
-                        <a:rPr lang="en-GB" sz="2800" dirty="0"/>
-                        <a:t>Name</a:t>
-                      </a:r>
-                    </a:p>
-                  </a:txBody>
-                  <a:tcPr>
-                    <a:solidFill>
-                      <a:srgbClr val="7030A0"/>
-                    </a:solidFill>
-                  </a:tcPr>
-                </a:tc>
-                <a:tc>
-                  <a:txBody>
-                    <a:bodyPr/>
-                    <a:lstStyle/>
-                    <a:p>
-                      <a:r>
-                        <a:rPr lang="en-GB" sz="2800" dirty="0"/>
-                        <a:t>Shorthand</a:t>
-                      </a:r>
-                    </a:p>
-                  </a:txBody>
-                  <a:tcPr>
-                    <a:solidFill>
-                      <a:srgbClr val="7030A0"/>
-                    </a:solidFill>
-                  </a:tcPr>
-                </a:tc>
-                <a:tc>
-                  <a:txBody>
-                    <a:bodyPr/>
-                    <a:lstStyle/>
-                    <a:p>
-                      <a:r>
-                        <a:rPr lang="en-GB" sz="2800" dirty="0"/>
-                        <a:t>What</a:t>
-                      </a:r>
-                    </a:p>
-                  </a:txBody>
-                  <a:tcPr>
-                    <a:solidFill>
-                      <a:srgbClr val="7030A0"/>
-                    </a:solidFill>
-                  </a:tcPr>
-                </a:tc>
-                <a:extLst>
-                  <a:ext uri="{0D108BD9-81ED-4DB2-BD59-A6C34878D82A}">
-                    <a16:rowId xmlns:a16="http://schemas.microsoft.com/office/drawing/2014/main" val="3270505524"/>
-                  </a:ext>
-                </a:extLst>
-              </a:tr>
-              <a:tr h="674613">
-                <a:tc>
-                  <a:txBody>
-                    <a:bodyPr/>
-                    <a:lstStyle/>
-                    <a:p>
-                      <a:r>
-                        <a:rPr lang="en-GB" sz="2800" dirty="0"/>
-                        <a:t>List</a:t>
-                      </a:r>
-                    </a:p>
-                  </a:txBody>
-                  <a:tcPr>
-                    <a:solidFill>
-                      <a:schemeClr val="accent3">
-                        <a:lumMod val="20000"/>
-                        <a:lumOff val="80000"/>
-                      </a:schemeClr>
-                    </a:solidFill>
-                  </a:tcPr>
-                </a:tc>
-                <a:tc>
-                  <a:txBody>
-                    <a:bodyPr/>
-                    <a:lstStyle/>
-                    <a:p>
-                      <a:r>
-                        <a:rPr lang="en-GB" sz="2800" dirty="0"/>
-                        <a:t>list</a:t>
-                      </a:r>
-                    </a:p>
-                  </a:txBody>
-                  <a:tcPr>
-                    <a:solidFill>
-                      <a:schemeClr val="accent3">
-                        <a:lumMod val="20000"/>
-                        <a:lumOff val="80000"/>
-                      </a:schemeClr>
-                    </a:solidFill>
-                  </a:tcPr>
-                </a:tc>
-                <a:tc>
-                  <a:txBody>
-                    <a:bodyPr/>
-                    <a:lstStyle/>
-                    <a:p>
-                      <a:r>
-                        <a:rPr lang="en-GB" sz="2400" dirty="0"/>
-                        <a:t>Collection of elements of any type</a:t>
-                      </a:r>
-                    </a:p>
-                  </a:txBody>
-                  <a:tcPr>
-                    <a:solidFill>
-                      <a:schemeClr val="accent3">
-                        <a:lumMod val="20000"/>
-                        <a:lumOff val="80000"/>
-                      </a:schemeClr>
-                    </a:solidFill>
-                  </a:tcPr>
-                </a:tc>
-                <a:extLst>
-                  <a:ext uri="{0D108BD9-81ED-4DB2-BD59-A6C34878D82A}">
-                    <a16:rowId xmlns:a16="http://schemas.microsoft.com/office/drawing/2014/main" val="3928429828"/>
-                  </a:ext>
-                </a:extLst>
-              </a:tr>
-              <a:tr h="897586">
-                <a:tc>
-                  <a:txBody>
-                    <a:bodyPr/>
-                    <a:lstStyle/>
-                    <a:p>
-                      <a:r>
-                        <a:rPr lang="en-GB" sz="2800" dirty="0"/>
-                        <a:t>Dictionary</a:t>
-                      </a:r>
-                    </a:p>
-                  </a:txBody>
-                  <a:tcPr>
-                    <a:solidFill>
-                      <a:schemeClr val="accent3">
-                        <a:lumMod val="20000"/>
-                        <a:lumOff val="80000"/>
-                      </a:schemeClr>
-                    </a:solidFill>
-                  </a:tcPr>
-                </a:tc>
-                <a:tc>
-                  <a:txBody>
-                    <a:bodyPr/>
-                    <a:lstStyle/>
-                    <a:p>
-                      <a:r>
-                        <a:rPr lang="en-GB" sz="2800" dirty="0" err="1"/>
-                        <a:t>dict</a:t>
-                      </a:r>
-                      <a:endParaRPr lang="en-GB" sz="2800" dirty="0"/>
-                    </a:p>
-                  </a:txBody>
-                  <a:tcPr>
-                    <a:solidFill>
-                      <a:schemeClr val="accent3">
-                        <a:lumMod val="20000"/>
-                        <a:lumOff val="80000"/>
-                      </a:schemeClr>
-                    </a:solidFill>
-                  </a:tcPr>
-                </a:tc>
-                <a:tc>
-                  <a:txBody>
-                    <a:bodyPr/>
-                    <a:lstStyle/>
-                    <a:p>
-                      <a:r>
-                        <a:rPr lang="en-GB" sz="2400" dirty="0"/>
-                        <a:t>‘Rows’  of data</a:t>
-                      </a:r>
-                    </a:p>
-                  </a:txBody>
-                  <a:tcPr>
-                    <a:solidFill>
-                      <a:schemeClr val="accent3">
-                        <a:lumMod val="20000"/>
-                        <a:lumOff val="80000"/>
-                      </a:schemeClr>
-                    </a:solidFill>
-                  </a:tcPr>
-                </a:tc>
-                <a:extLst>
-                  <a:ext uri="{0D108BD9-81ED-4DB2-BD59-A6C34878D82A}">
-                    <a16:rowId xmlns:a16="http://schemas.microsoft.com/office/drawing/2014/main" val="3175073526"/>
-                  </a:ext>
-                </a:extLst>
-              </a:tr>
-            </a:tbl>
-          </a:graphicData>
-        </a:graphic>
-      </p:graphicFrame>
-    </p:spTree>
-    <p:extLst>
-      <p:ext uri="{BB962C8B-B14F-4D97-AF65-F5344CB8AC3E}">
-        <p14:creationId xmlns:p14="http://schemas.microsoft.com/office/powerpoint/2010/main" val="3861546399"/>
       </p:ext>
     </p:extLst>
   </p:cSld>
